--- a/ppt/Python07-ComplexTypes.pptx
+++ b/ppt/Python07-ComplexTypes.pptx
@@ -625,35 +625,35 @@
           <a:p>
             <a:pPr lvl="0"/>
             <a:r>
-              <a:rPr lang="fr-FR" noProof="0" smtClean="0"/>
+              <a:rPr lang="fr-FR" noProof="0"/>
               <a:t>Cliquez pour modifier les styles du texte du masque</a:t>
             </a:r>
           </a:p>
           <a:p>
             <a:pPr lvl="1"/>
             <a:r>
-              <a:rPr lang="fr-FR" noProof="0" smtClean="0"/>
+              <a:rPr lang="fr-FR" noProof="0"/>
               <a:t>Deuxième niveau</a:t>
             </a:r>
           </a:p>
           <a:p>
             <a:pPr lvl="2"/>
             <a:r>
-              <a:rPr lang="fr-FR" noProof="0" smtClean="0"/>
+              <a:rPr lang="fr-FR" noProof="0"/>
               <a:t>Troisième niveau</a:t>
             </a:r>
           </a:p>
           <a:p>
             <a:pPr lvl="3"/>
             <a:r>
-              <a:rPr lang="fr-FR" noProof="0" smtClean="0"/>
+              <a:rPr lang="fr-FR" noProof="0"/>
               <a:t>Quatrième niveau</a:t>
             </a:r>
           </a:p>
           <a:p>
             <a:pPr lvl="4"/>
             <a:r>
-              <a:rPr lang="fr-FR" noProof="0" smtClean="0"/>
+              <a:rPr lang="fr-FR" noProof="0"/>
               <a:t>Cinquième niveau</a:t>
             </a:r>
           </a:p>
@@ -941,10 +941,9 @@
           <a:lstStyle/>
           <a:p>
             <a:r>
-              <a:rPr lang="fr-FR" smtClean="0"/>
+              <a:rPr lang="fr-FR"/>
               <a:t>Cliquez pour modifier le style du titre</a:t>
             </a:r>
-            <a:endParaRPr lang="fr-FR"/>
           </a:p>
         </p:txBody>
       </p:sp>
@@ -1006,10 +1005,9 @@
           </a:lstStyle>
           <a:p>
             <a:r>
-              <a:rPr lang="fr-FR" smtClean="0"/>
+              <a:rPr lang="fr-FR"/>
               <a:t>Cliquez pour modifier le style des sous-titres du masque</a:t>
             </a:r>
-            <a:endParaRPr lang="fr-FR"/>
           </a:p>
         </p:txBody>
       </p:sp>
@@ -1064,10 +1062,9 @@
           <a:lstStyle/>
           <a:p>
             <a:r>
-              <a:rPr lang="fr-FR" smtClean="0"/>
+              <a:rPr lang="fr-FR"/>
               <a:t>Cliquez pour modifier le style du titre</a:t>
             </a:r>
-            <a:endParaRPr lang="fr-FR"/>
           </a:p>
         </p:txBody>
       </p:sp>
@@ -1093,38 +1090,37 @@
           <a:p>
             <a:pPr lvl="0"/>
             <a:r>
-              <a:rPr lang="fr-FR" smtClean="0"/>
+              <a:rPr lang="fr-FR"/>
               <a:t>Cliquez pour modifier les styles du texte du masque</a:t>
             </a:r>
           </a:p>
           <a:p>
             <a:pPr lvl="1"/>
             <a:r>
-              <a:rPr lang="fr-FR" smtClean="0"/>
+              <a:rPr lang="fr-FR"/>
               <a:t>Deuxième niveau</a:t>
             </a:r>
           </a:p>
           <a:p>
             <a:pPr lvl="2"/>
             <a:r>
-              <a:rPr lang="fr-FR" smtClean="0"/>
+              <a:rPr lang="fr-FR"/>
               <a:t>Troisième niveau</a:t>
             </a:r>
           </a:p>
           <a:p>
             <a:pPr lvl="3"/>
             <a:r>
-              <a:rPr lang="fr-FR" smtClean="0"/>
+              <a:rPr lang="fr-FR"/>
               <a:t>Quatrième niveau</a:t>
             </a:r>
           </a:p>
           <a:p>
             <a:pPr lvl="4"/>
             <a:r>
-              <a:rPr lang="fr-FR" smtClean="0"/>
+              <a:rPr lang="fr-FR"/>
               <a:t>Cinquième niveau</a:t>
             </a:r>
-            <a:endParaRPr lang="fr-FR"/>
           </a:p>
         </p:txBody>
       </p:sp>
@@ -1183,10 +1179,9 @@
           </a:lstStyle>
           <a:p>
             <a:r>
-              <a:rPr lang="fr-FR" dirty="0" smtClean="0"/>
+              <a:rPr lang="fr-FR" dirty="0"/>
               <a:t>Cliquez pour modifier le style du titre</a:t>
             </a:r>
-            <a:endParaRPr lang="fr-FR" dirty="0"/>
           </a:p>
         </p:txBody>
       </p:sp>
@@ -1212,38 +1207,37 @@
           <a:p>
             <a:pPr lvl="0"/>
             <a:r>
-              <a:rPr lang="fr-FR" dirty="0" smtClean="0"/>
+              <a:rPr lang="fr-FR" dirty="0"/>
               <a:t>Cliquez pour modifier les styles du texte du masque</a:t>
             </a:r>
           </a:p>
           <a:p>
             <a:pPr lvl="1"/>
             <a:r>
-              <a:rPr lang="fr-FR" dirty="0" smtClean="0"/>
+              <a:rPr lang="fr-FR" dirty="0"/>
               <a:t>Deuxième niveau</a:t>
             </a:r>
           </a:p>
           <a:p>
             <a:pPr lvl="2"/>
             <a:r>
-              <a:rPr lang="fr-FR" dirty="0" smtClean="0"/>
+              <a:rPr lang="fr-FR" dirty="0"/>
               <a:t>Troisième niveau</a:t>
             </a:r>
           </a:p>
           <a:p>
             <a:pPr lvl="3"/>
             <a:r>
-              <a:rPr lang="fr-FR" dirty="0" smtClean="0"/>
+              <a:rPr lang="fr-FR" dirty="0"/>
               <a:t>Quatrième niveau</a:t>
             </a:r>
           </a:p>
           <a:p>
             <a:pPr lvl="4"/>
             <a:r>
-              <a:rPr lang="fr-FR" dirty="0" smtClean="0"/>
+              <a:rPr lang="fr-FR" dirty="0"/>
               <a:t>Cinquième niveau</a:t>
             </a:r>
-            <a:endParaRPr lang="fr-FR" dirty="0"/>
           </a:p>
         </p:txBody>
       </p:sp>
@@ -1293,10 +1287,9 @@
           <a:lstStyle/>
           <a:p>
             <a:r>
-              <a:rPr lang="fr-FR" smtClean="0"/>
+              <a:rPr lang="fr-FR"/>
               <a:t>Cliquez pour modifier le style du titre</a:t>
             </a:r>
-            <a:endParaRPr lang="fr-FR"/>
           </a:p>
         </p:txBody>
       </p:sp>
@@ -1350,38 +1343,37 @@
           <a:p>
             <a:pPr lvl="0"/>
             <a:r>
-              <a:rPr lang="fr-FR" smtClean="0"/>
+              <a:rPr lang="fr-FR"/>
               <a:t>Cliquez pour modifier les styles du texte du masque</a:t>
             </a:r>
           </a:p>
           <a:p>
             <a:pPr lvl="1"/>
             <a:r>
-              <a:rPr lang="fr-FR" smtClean="0"/>
+              <a:rPr lang="fr-FR"/>
               <a:t>Deuxième niveau</a:t>
             </a:r>
           </a:p>
           <a:p>
             <a:pPr lvl="2"/>
             <a:r>
-              <a:rPr lang="fr-FR" smtClean="0"/>
+              <a:rPr lang="fr-FR"/>
               <a:t>Troisième niveau</a:t>
             </a:r>
           </a:p>
           <a:p>
             <a:pPr lvl="3"/>
             <a:r>
-              <a:rPr lang="fr-FR" smtClean="0"/>
+              <a:rPr lang="fr-FR"/>
               <a:t>Quatrième niveau</a:t>
             </a:r>
           </a:p>
           <a:p>
             <a:pPr lvl="4"/>
             <a:r>
-              <a:rPr lang="fr-FR" smtClean="0"/>
+              <a:rPr lang="fr-FR"/>
               <a:t>Cinquième niveau</a:t>
             </a:r>
-            <a:endParaRPr lang="fr-FR"/>
           </a:p>
         </p:txBody>
       </p:sp>
@@ -1435,38 +1427,37 @@
           <a:p>
             <a:pPr lvl="0"/>
             <a:r>
-              <a:rPr lang="fr-FR" smtClean="0"/>
+              <a:rPr lang="fr-FR"/>
               <a:t>Cliquez pour modifier les styles du texte du masque</a:t>
             </a:r>
           </a:p>
           <a:p>
             <a:pPr lvl="1"/>
             <a:r>
-              <a:rPr lang="fr-FR" smtClean="0"/>
+              <a:rPr lang="fr-FR"/>
               <a:t>Deuxième niveau</a:t>
             </a:r>
           </a:p>
           <a:p>
             <a:pPr lvl="2"/>
             <a:r>
-              <a:rPr lang="fr-FR" smtClean="0"/>
+              <a:rPr lang="fr-FR"/>
               <a:t>Troisième niveau</a:t>
             </a:r>
           </a:p>
           <a:p>
             <a:pPr lvl="3"/>
             <a:r>
-              <a:rPr lang="fr-FR" smtClean="0"/>
+              <a:rPr lang="fr-FR"/>
               <a:t>Quatrième niveau</a:t>
             </a:r>
           </a:p>
           <a:p>
             <a:pPr lvl="4"/>
             <a:r>
-              <a:rPr lang="fr-FR" smtClean="0"/>
+              <a:rPr lang="fr-FR"/>
               <a:t>Cinquième niveau</a:t>
             </a:r>
-            <a:endParaRPr lang="fr-FR"/>
           </a:p>
         </p:txBody>
       </p:sp>
@@ -1525,10 +1516,9 @@
           </a:lstStyle>
           <a:p>
             <a:r>
-              <a:rPr lang="fr-FR" smtClean="0"/>
+              <a:rPr lang="fr-FR"/>
               <a:t>Cliquez pour modifier le style du titre</a:t>
             </a:r>
-            <a:endParaRPr lang="fr-FR"/>
           </a:p>
         </p:txBody>
       </p:sp>
@@ -1591,7 +1581,7 @@
           <a:p>
             <a:pPr lvl="0"/>
             <a:r>
-              <a:rPr lang="fr-FR" smtClean="0"/>
+              <a:rPr lang="fr-FR"/>
               <a:t>Cliquez pour modifier les styles du texte du masque</a:t>
             </a:r>
           </a:p>
@@ -1647,38 +1637,37 @@
           <a:p>
             <a:pPr lvl="0"/>
             <a:r>
-              <a:rPr lang="fr-FR" smtClean="0"/>
+              <a:rPr lang="fr-FR"/>
               <a:t>Cliquez pour modifier les styles du texte du masque</a:t>
             </a:r>
           </a:p>
           <a:p>
             <a:pPr lvl="1"/>
             <a:r>
-              <a:rPr lang="fr-FR" smtClean="0"/>
+              <a:rPr lang="fr-FR"/>
               <a:t>Deuxième niveau</a:t>
             </a:r>
           </a:p>
           <a:p>
             <a:pPr lvl="2"/>
             <a:r>
-              <a:rPr lang="fr-FR" smtClean="0"/>
+              <a:rPr lang="fr-FR"/>
               <a:t>Troisième niveau</a:t>
             </a:r>
           </a:p>
           <a:p>
             <a:pPr lvl="3"/>
             <a:r>
-              <a:rPr lang="fr-FR" smtClean="0"/>
+              <a:rPr lang="fr-FR"/>
               <a:t>Quatrième niveau</a:t>
             </a:r>
           </a:p>
           <a:p>
             <a:pPr lvl="4"/>
             <a:r>
-              <a:rPr lang="fr-FR" smtClean="0"/>
+              <a:rPr lang="fr-FR"/>
               <a:t>Cinquième niveau</a:t>
             </a:r>
-            <a:endParaRPr lang="fr-FR"/>
           </a:p>
         </p:txBody>
       </p:sp>
@@ -1741,7 +1730,7 @@
           <a:p>
             <a:pPr lvl="0"/>
             <a:r>
-              <a:rPr lang="fr-FR" smtClean="0"/>
+              <a:rPr lang="fr-FR"/>
               <a:t>Cliquez pour modifier les styles du texte du masque</a:t>
             </a:r>
           </a:p>
@@ -1797,38 +1786,37 @@
           <a:p>
             <a:pPr lvl="0"/>
             <a:r>
-              <a:rPr lang="fr-FR" smtClean="0"/>
+              <a:rPr lang="fr-FR"/>
               <a:t>Cliquez pour modifier les styles du texte du masque</a:t>
             </a:r>
           </a:p>
           <a:p>
             <a:pPr lvl="1"/>
             <a:r>
-              <a:rPr lang="fr-FR" smtClean="0"/>
+              <a:rPr lang="fr-FR"/>
               <a:t>Deuxième niveau</a:t>
             </a:r>
           </a:p>
           <a:p>
             <a:pPr lvl="2"/>
             <a:r>
-              <a:rPr lang="fr-FR" smtClean="0"/>
+              <a:rPr lang="fr-FR"/>
               <a:t>Troisième niveau</a:t>
             </a:r>
           </a:p>
           <a:p>
             <a:pPr lvl="3"/>
             <a:r>
-              <a:rPr lang="fr-FR" smtClean="0"/>
+              <a:rPr lang="fr-FR"/>
               <a:t>Quatrième niveau</a:t>
             </a:r>
           </a:p>
           <a:p>
             <a:pPr lvl="4"/>
             <a:r>
-              <a:rPr lang="fr-FR" smtClean="0"/>
+              <a:rPr lang="fr-FR"/>
               <a:t>Cinquième niveau</a:t>
             </a:r>
-            <a:endParaRPr lang="fr-FR"/>
           </a:p>
         </p:txBody>
       </p:sp>
@@ -1878,10 +1866,9 @@
           <a:lstStyle/>
           <a:p>
             <a:r>
-              <a:rPr lang="fr-FR" smtClean="0"/>
+              <a:rPr lang="fr-FR"/>
               <a:t>Cliquez pour modifier le style du titre</a:t>
             </a:r>
-            <a:endParaRPr lang="fr-FR"/>
           </a:p>
         </p:txBody>
       </p:sp>
@@ -1970,10 +1957,9 @@
           </a:lstStyle>
           <a:p>
             <a:r>
-              <a:rPr lang="fr-FR" smtClean="0"/>
+              <a:rPr lang="fr-FR"/>
               <a:t>Cliquez pour modifier le style du titre</a:t>
             </a:r>
-            <a:endParaRPr lang="fr-FR"/>
           </a:p>
         </p:txBody>
       </p:sp>
@@ -2027,38 +2013,37 @@
           <a:p>
             <a:pPr lvl="0"/>
             <a:r>
-              <a:rPr lang="fr-FR" smtClean="0"/>
+              <a:rPr lang="fr-FR"/>
               <a:t>Cliquez pour modifier les styles du texte du masque</a:t>
             </a:r>
           </a:p>
           <a:p>
             <a:pPr lvl="1"/>
             <a:r>
-              <a:rPr lang="fr-FR" smtClean="0"/>
+              <a:rPr lang="fr-FR"/>
               <a:t>Deuxième niveau</a:t>
             </a:r>
           </a:p>
           <a:p>
             <a:pPr lvl="2"/>
             <a:r>
-              <a:rPr lang="fr-FR" smtClean="0"/>
+              <a:rPr lang="fr-FR"/>
               <a:t>Troisième niveau</a:t>
             </a:r>
           </a:p>
           <a:p>
             <a:pPr lvl="3"/>
             <a:r>
-              <a:rPr lang="fr-FR" smtClean="0"/>
+              <a:rPr lang="fr-FR"/>
               <a:t>Quatrième niveau</a:t>
             </a:r>
           </a:p>
           <a:p>
             <a:pPr lvl="4"/>
             <a:r>
-              <a:rPr lang="fr-FR" smtClean="0"/>
+              <a:rPr lang="fr-FR"/>
               <a:t>Cinquième niveau</a:t>
             </a:r>
-            <a:endParaRPr lang="fr-FR"/>
           </a:p>
         </p:txBody>
       </p:sp>
@@ -2121,7 +2106,7 @@
           <a:p>
             <a:pPr lvl="0"/>
             <a:r>
-              <a:rPr lang="fr-FR" smtClean="0"/>
+              <a:rPr lang="fr-FR"/>
               <a:t>Cliquez pour modifier les styles du texte du masque</a:t>
             </a:r>
           </a:p>
@@ -2182,10 +2167,9 @@
           </a:lstStyle>
           <a:p>
             <a:r>
-              <a:rPr lang="fr-FR" smtClean="0"/>
+              <a:rPr lang="fr-FR"/>
               <a:t>Cliquez pour modifier le style du titre</a:t>
             </a:r>
-            <a:endParaRPr lang="fr-FR"/>
           </a:p>
         </p:txBody>
       </p:sp>
@@ -2247,7 +2231,7 @@
           </a:lstStyle>
           <a:p>
             <a:pPr lvl="0"/>
-            <a:endParaRPr lang="fr-FR" noProof="0" smtClean="0"/>
+            <a:endParaRPr lang="fr-FR" noProof="0"/>
           </a:p>
         </p:txBody>
       </p:sp>
@@ -2310,7 +2294,7 @@
           <a:p>
             <a:pPr lvl="0"/>
             <a:r>
-              <a:rPr lang="fr-FR" smtClean="0"/>
+              <a:rPr lang="fr-FR"/>
               <a:t>Cliquez pour modifier les styles du texte du masque</a:t>
             </a:r>
           </a:p>
@@ -2362,10 +2346,9 @@
           <a:lstStyle/>
           <a:p>
             <a:r>
-              <a:rPr lang="fr-FR" smtClean="0"/>
+              <a:rPr lang="fr-FR"/>
               <a:t>Cliquez pour modifier le style du titre</a:t>
             </a:r>
-            <a:endParaRPr lang="fr-FR"/>
           </a:p>
         </p:txBody>
       </p:sp>
@@ -2386,38 +2369,37 @@
           <a:p>
             <a:pPr lvl="0"/>
             <a:r>
-              <a:rPr lang="fr-FR" smtClean="0"/>
+              <a:rPr lang="fr-FR"/>
               <a:t>Cliquez pour modifier les styles du texte du masque</a:t>
             </a:r>
           </a:p>
           <a:p>
             <a:pPr lvl="1"/>
             <a:r>
-              <a:rPr lang="fr-FR" smtClean="0"/>
+              <a:rPr lang="fr-FR"/>
               <a:t>Deuxième niveau</a:t>
             </a:r>
           </a:p>
           <a:p>
             <a:pPr lvl="2"/>
             <a:r>
-              <a:rPr lang="fr-FR" smtClean="0"/>
+              <a:rPr lang="fr-FR"/>
               <a:t>Troisième niveau</a:t>
             </a:r>
           </a:p>
           <a:p>
             <a:pPr lvl="3"/>
             <a:r>
-              <a:rPr lang="fr-FR" smtClean="0"/>
+              <a:rPr lang="fr-FR"/>
               <a:t>Quatrième niveau</a:t>
             </a:r>
           </a:p>
           <a:p>
             <a:pPr lvl="4"/>
             <a:r>
-              <a:rPr lang="fr-FR" smtClean="0"/>
+              <a:rPr lang="fr-FR"/>
               <a:t>Cinquième niveau</a:t>
             </a:r>
-            <a:endParaRPr lang="fr-FR"/>
           </a:p>
         </p:txBody>
       </p:sp>
@@ -2598,7 +2580,7 @@
             <a:pPr eaLnBrk="1" hangingPunct="1">
               <a:defRPr/>
             </a:pPr>
-            <a:endParaRPr lang="fr-FR" altLang="fr-FR" smtClean="0"/>
+            <a:endParaRPr lang="fr-FR" altLang="fr-FR"/>
           </a:p>
         </p:txBody>
       </p:sp>
@@ -2752,7 +2734,7 @@
               <a:defRPr/>
             </a:pPr>
             <a:r>
-              <a:rPr lang="fr-FR" sz="1200" dirty="0" smtClean="0"/>
+              <a:rPr lang="fr-FR" sz="1200" dirty="0"/>
               <a:t>Page </a:t>
             </a:r>
             <a:fld id="{E218E9B1-FD08-4C80-902E-210BA2967D0D}" type="slidenum">
@@ -2765,7 +2747,7 @@
               </a:pPr>
               <a:t>‹N°›</a:t>
             </a:fld>
-            <a:endParaRPr lang="fr-FR" dirty="0" smtClean="0">
+            <a:endParaRPr lang="fr-FR" dirty="0">
               <a:latin typeface="Times New Roman" pitchFamily="18" charset="0"/>
             </a:endParaRPr>
           </a:p>
@@ -2921,10 +2903,10 @@
               <a:defRPr/>
             </a:pPr>
             <a:r>
-              <a:rPr lang="fr-FR" sz="1600" dirty="0" smtClean="0"/>
+              <a:rPr lang="fr-FR" sz="1600" dirty="0"/>
               <a:t>Python</a:t>
             </a:r>
-            <a:endParaRPr lang="fr-FR" dirty="0" smtClean="0">
+            <a:endParaRPr lang="fr-FR" dirty="0">
               <a:latin typeface="Times New Roman" pitchFamily="18" charset="0"/>
             </a:endParaRPr>
           </a:p>
@@ -2982,7 +2964,7 @@
           <a:p>
             <a:pPr lvl="0"/>
             <a:r>
-              <a:rPr lang="fr-FR" altLang="fr-FR" smtClean="0"/>
+              <a:rPr lang="fr-FR" altLang="fr-FR"/>
               <a:t>Cliquez pour modifier le style du titre du masque</a:t>
             </a:r>
           </a:p>
@@ -3040,35 +3022,35 @@
           <a:p>
             <a:pPr lvl="0"/>
             <a:r>
-              <a:rPr lang="fr-FR" altLang="fr-FR" smtClean="0"/>
+              <a:rPr lang="fr-FR" altLang="fr-FR"/>
               <a:t>Cliquez pour modifier les styles du texte du masque</a:t>
             </a:r>
           </a:p>
           <a:p>
             <a:pPr lvl="1"/>
             <a:r>
-              <a:rPr lang="fr-FR" altLang="fr-FR" smtClean="0"/>
+              <a:rPr lang="fr-FR" altLang="fr-FR"/>
               <a:t>Deuxième niveau</a:t>
             </a:r>
           </a:p>
           <a:p>
             <a:pPr lvl="2"/>
             <a:r>
-              <a:rPr lang="fr-FR" altLang="fr-FR" smtClean="0"/>
+              <a:rPr lang="fr-FR" altLang="fr-FR"/>
               <a:t>Troisième niveau</a:t>
             </a:r>
           </a:p>
           <a:p>
             <a:pPr lvl="3"/>
             <a:r>
-              <a:rPr lang="fr-FR" altLang="fr-FR" smtClean="0"/>
+              <a:rPr lang="fr-FR" altLang="fr-FR"/>
               <a:t>Quatrième niveau</a:t>
             </a:r>
           </a:p>
           <a:p>
             <a:pPr lvl="4"/>
             <a:r>
-              <a:rPr lang="fr-FR" altLang="fr-FR" smtClean="0"/>
+              <a:rPr lang="fr-FR" altLang="fr-FR"/>
               <a:t>Cinquième niveau</a:t>
             </a:r>
           </a:p>
@@ -3224,10 +3206,10 @@
               <a:defRPr/>
             </a:pPr>
             <a:r>
-              <a:rPr lang="fr-FR" sz="1200" smtClean="0"/>
+              <a:rPr lang="fr-FR" sz="1200"/>
               <a:t>© Cyril Vincent Conseil</a:t>
             </a:r>
-            <a:endParaRPr lang="fr-FR" smtClean="0">
+            <a:endParaRPr lang="fr-FR">
               <a:latin typeface="Times New Roman" pitchFamily="18" charset="0"/>
             </a:endParaRPr>
           </a:p>
@@ -3709,14 +3691,14 @@
           <a:p>
             <a:pPr eaLnBrk="1" hangingPunct="1"/>
             <a:r>
-              <a:rPr lang="fr-FR" altLang="fr-FR" dirty="0" smtClean="0"/>
+              <a:rPr lang="fr-FR" altLang="fr-FR" dirty="0"/>
               <a:t>Chapitre 7</a:t>
             </a:r>
           </a:p>
           <a:p>
             <a:pPr eaLnBrk="1" hangingPunct="1"/>
             <a:r>
-              <a:rPr lang="fr-FR" altLang="fr-FR" dirty="0" smtClean="0"/>
+              <a:rPr lang="fr-FR" altLang="fr-FR" dirty="0"/>
               <a:t>Types complexes</a:t>
             </a:r>
           </a:p>
@@ -3768,13 +3750,6 @@
   <p:clrMapOvr>
     <a:masterClrMapping/>
   </p:clrMapOvr>
-  <p:timing>
-    <p:tnLst>
-      <p:par>
-        <p:cTn id="1" dur="indefinite" restart="never" nodeType="tmRoot"/>
-      </p:par>
-    </p:tnLst>
-  </p:timing>
 </p:sld>
 </file>
 
@@ -3811,7 +3786,7 @@
           <a:lstStyle/>
           <a:p>
             <a:r>
-              <a:rPr lang="fr-FR" dirty="0" err="1" smtClean="0"/>
+              <a:rPr lang="fr-FR" dirty="0" err="1"/>
               <a:t>Map</a:t>
             </a:r>
             <a:endParaRPr lang="fr-FR" dirty="0"/>
@@ -3834,19 +3809,15 @@
           <a:lstStyle/>
           <a:p>
             <a:r>
-              <a:rPr lang="fr-FR" dirty="0" smtClean="0"/>
+              <a:rPr lang="fr-FR" dirty="0"/>
               <a:t>Permet d’appliquer une fonction à une liste</a:t>
             </a:r>
           </a:p>
           <a:p>
             <a:pPr lvl="1"/>
             <a:r>
-              <a:rPr lang="en-US" dirty="0" smtClean="0"/>
-              <a:t>l= </a:t>
-            </a:r>
-            <a:r>
               <a:rPr lang="en-US" dirty="0"/>
-              <a:t>["It's over 9000 !", "All your base are belong to us."]</a:t>
+              <a:t>l= ["It's over 9000 !", "All your base are belong to us."]</a:t>
             </a:r>
           </a:p>
           <a:p>
@@ -3861,13 +3832,9 @@
             </a:r>
             <a:r>
               <a:rPr lang="en-US" dirty="0"/>
-              <a:t>, </a:t>
-            </a:r>
-            <a:r>
-              <a:rPr lang="en-US" dirty="0" smtClean="0"/>
-              <a:t>l))</a:t>
-            </a:r>
-            <a:endParaRPr lang="fr-FR" dirty="0" smtClean="0"/>
+              <a:t>, l))</a:t>
+            </a:r>
+            <a:endParaRPr lang="fr-FR" dirty="0"/>
           </a:p>
           <a:p>
             <a:endParaRPr lang="fr-FR" dirty="0"/>
@@ -3920,14 +3887,9 @@
           <a:lstStyle/>
           <a:p>
             <a:r>
-              <a:rPr lang="fr-FR" dirty="0" smtClean="0"/>
-              <a:t>Les listes en </a:t>
-            </a:r>
-            <a:r>
-              <a:rPr lang="fr-FR" dirty="0" smtClean="0"/>
-              <a:t>intention</a:t>
-            </a:r>
-            <a:endParaRPr lang="fr-FR" dirty="0"/>
+              <a:rPr lang="fr-FR" dirty="0"/>
+              <a:t>Les listes en intention</a:t>
+            </a:r>
           </a:p>
         </p:txBody>
       </p:sp>
@@ -3947,13 +3909,9 @@
           <a:lstStyle/>
           <a:p>
             <a:r>
-              <a:rPr lang="fr-FR" dirty="0" smtClean="0"/>
+              <a:rPr lang="fr-FR" dirty="0"/>
               <a:t>Une boucle classique </a:t>
             </a:r>
-          </a:p>
-          <a:p>
-            <a:pPr lvl="2"/>
-            <a:endParaRPr lang="fr-FR" dirty="0" smtClean="0"/>
           </a:p>
           <a:p>
             <a:pPr lvl="2"/>
@@ -3961,54 +3919,53 @@
           </a:p>
           <a:p>
             <a:pPr lvl="2"/>
-            <a:endParaRPr lang="fr-FR" dirty="0" smtClean="0"/>
-          </a:p>
-          <a:p>
-            <a:r>
-              <a:rPr lang="fr-FR" dirty="0" smtClean="0"/>
-              <a:t>Peut se réécrire en liste en </a:t>
-            </a:r>
-            <a:r>
-              <a:rPr lang="fr-FR" dirty="0" smtClean="0"/>
-              <a:t>intention</a:t>
-            </a:r>
-            <a:endParaRPr lang="fr-FR" dirty="0" smtClean="0"/>
-          </a:p>
-          <a:p>
             <a:endParaRPr lang="fr-FR" dirty="0"/>
           </a:p>
           <a:p>
-            <a:endParaRPr lang="fr-FR" dirty="0" smtClean="0"/>
+            <a:pPr lvl="2"/>
+            <a:endParaRPr lang="fr-FR" dirty="0"/>
+          </a:p>
+          <a:p>
+            <a:r>
+              <a:rPr lang="fr-FR" dirty="0"/>
+              <a:t>Peut se réécrire en liste en intention</a:t>
+            </a:r>
+          </a:p>
+          <a:p>
+            <a:endParaRPr lang="fr-FR" dirty="0"/>
+          </a:p>
+          <a:p>
+            <a:endParaRPr lang="fr-FR" dirty="0"/>
           </a:p>
           <a:p>
             <a:pPr lvl="1"/>
             <a:r>
-              <a:rPr lang="fr-FR" dirty="0" smtClean="0"/>
+              <a:rPr lang="fr-FR" dirty="0"/>
               <a:t>Combinable avec </a:t>
             </a:r>
             <a:r>
-              <a:rPr lang="fr-FR" dirty="0" err="1" smtClean="0"/>
+              <a:rPr lang="fr-FR" dirty="0" err="1"/>
               <a:t>filter</a:t>
             </a:r>
-            <a:endParaRPr lang="fr-FR" dirty="0" smtClean="0"/>
-          </a:p>
-          <a:p>
-            <a:r>
-              <a:rPr lang="fr-FR" dirty="0" smtClean="0"/>
+            <a:endParaRPr lang="fr-FR" dirty="0"/>
+          </a:p>
+          <a:p>
+            <a:r>
+              <a:rPr lang="fr-FR" dirty="0"/>
               <a:t>Permet d’effectuer une opération directement sur une liste</a:t>
             </a:r>
           </a:p>
           <a:p>
             <a:pPr lvl="1"/>
             <a:r>
-              <a:rPr lang="fr-FR" dirty="0" smtClean="0"/>
+              <a:rPr lang="fr-FR" dirty="0"/>
               <a:t>Utilisation d’un </a:t>
             </a:r>
             <a:r>
-              <a:rPr lang="fr-FR" dirty="0" err="1" smtClean="0"/>
+              <a:rPr lang="fr-FR" dirty="0" err="1"/>
               <a:t>map</a:t>
             </a:r>
-            <a:endParaRPr lang="fr-FR" dirty="0" smtClean="0"/>
+            <a:endParaRPr lang="fr-FR" dirty="0"/>
           </a:p>
         </p:txBody>
       </p:sp>
@@ -4070,13 +4027,6 @@
   <p:clrMapOvr>
     <a:masterClrMapping/>
   </p:clrMapOvr>
-  <p:timing>
-    <p:tnLst>
-      <p:par>
-        <p:cTn id="1" dur="indefinite" restart="never" nodeType="tmRoot"/>
-      </p:par>
-    </p:tnLst>
-  </p:timing>
 </p:sld>
 </file>
 
@@ -4113,10 +4063,9 @@
           <a:lstStyle/>
           <a:p>
             <a:r>
-              <a:rPr lang="fr-FR" dirty="0" smtClean="0"/>
+              <a:rPr lang="fr-FR" dirty="0"/>
               <a:t>Liste en intention et filtre</a:t>
             </a:r>
-            <a:endParaRPr lang="fr-FR" dirty="0"/>
           </a:p>
         </p:txBody>
       </p:sp>
@@ -4136,33 +4085,25 @@
           <a:lstStyle/>
           <a:p>
             <a:r>
-              <a:rPr lang="en-US" dirty="0" smtClean="0"/>
-              <a:t>[function(item</a:t>
-            </a:r>
-            <a:r>
               <a:rPr lang="en-US" dirty="0"/>
-              <a:t>) for item in list if condition(item</a:t>
-            </a:r>
-            <a:r>
-              <a:rPr lang="en-US" dirty="0" smtClean="0"/>
-              <a:t>)]</a:t>
-            </a:r>
-          </a:p>
-          <a:p>
-            <a:r>
-              <a:rPr lang="en-US" dirty="0" err="1" smtClean="0"/>
+              <a:t>[function(item) for item in list if condition(item)]</a:t>
+            </a:r>
+          </a:p>
+          <a:p>
+            <a:r>
+              <a:rPr lang="en-US" dirty="0" err="1"/>
               <a:t>Remplace</a:t>
             </a:r>
             <a:r>
-              <a:rPr lang="en-US" dirty="0" smtClean="0"/>
+              <a:rPr lang="en-US" dirty="0"/>
               <a:t> un </a:t>
             </a:r>
             <a:r>
-              <a:rPr lang="en-US" dirty="0" err="1" smtClean="0"/>
+              <a:rPr lang="en-US" dirty="0" err="1"/>
               <a:t>filtre</a:t>
             </a:r>
             <a:r>
-              <a:rPr lang="en-US" dirty="0" smtClean="0"/>
+              <a:rPr lang="en-US" dirty="0"/>
               <a:t> et un map</a:t>
             </a:r>
           </a:p>
@@ -6395,14 +6336,14 @@
           <a:p>
             <a:pPr eaLnBrk="1" hangingPunct="1"/>
             <a:r>
-              <a:rPr lang="en-US" altLang="fr-FR" dirty="0" smtClean="0"/>
+              <a:rPr lang="en-US" altLang="fr-FR" dirty="0"/>
               <a:t>Les types </a:t>
             </a:r>
             <a:r>
-              <a:rPr lang="en-US" altLang="fr-FR" dirty="0" err="1" smtClean="0"/>
+              <a:rPr lang="en-US" altLang="fr-FR" dirty="0" err="1"/>
               <a:t>valeurs</a:t>
             </a:r>
-            <a:endParaRPr lang="en-US" altLang="fr-FR" dirty="0" smtClean="0"/>
+            <a:endParaRPr lang="en-US" altLang="fr-FR" dirty="0"/>
           </a:p>
         </p:txBody>
       </p:sp>
@@ -6569,13 +6510,6 @@
   <p:clrMapOvr>
     <a:masterClrMapping/>
   </p:clrMapOvr>
-  <p:timing>
-    <p:tnLst>
-      <p:par>
-        <p:cTn id="1" dur="indefinite" restart="never" nodeType="tmRoot"/>
-      </p:par>
-    </p:tnLst>
-  </p:timing>
 </p:sld>
 </file>
 
@@ -9168,7 +9102,7 @@
           <a:p>
             <a:pPr algn="l"/>
             <a:r>
-              <a:rPr lang="en-US" altLang="fr-FR"/>
+              <a:rPr lang="en-US" altLang="fr-FR" dirty="0"/>
               <a:t>b = a</a:t>
             </a:r>
           </a:p>
@@ -9879,14 +9813,14 @@
           <a:p>
             <a:pPr eaLnBrk="1" hangingPunct="1"/>
             <a:r>
-              <a:rPr lang="en-US" altLang="fr-FR" dirty="0" smtClean="0"/>
+              <a:rPr lang="en-US" altLang="fr-FR" dirty="0"/>
               <a:t>Les types </a:t>
             </a:r>
             <a:r>
-              <a:rPr lang="en-US" altLang="fr-FR" dirty="0" err="1" smtClean="0"/>
+              <a:rPr lang="en-US" altLang="fr-FR" dirty="0" err="1"/>
               <a:t>références</a:t>
             </a:r>
-            <a:endParaRPr lang="en-US" altLang="fr-FR" dirty="0" smtClean="0"/>
+            <a:endParaRPr lang="en-US" altLang="fr-FR" dirty="0"/>
           </a:p>
         </p:txBody>
       </p:sp>
@@ -9900,13 +9834,6 @@
   <p:clrMapOvr>
     <a:masterClrMapping/>
   </p:clrMapOvr>
-  <p:timing>
-    <p:tnLst>
-      <p:par>
-        <p:cTn id="1" dur="indefinite" restart="never" nodeType="tmRoot"/>
-      </p:par>
-    </p:tnLst>
-  </p:timing>
 </p:sld>
 </file>
 
@@ -9943,10 +9870,9 @@
           <a:lstStyle/>
           <a:p>
             <a:r>
-              <a:rPr lang="fr-FR" dirty="0" smtClean="0"/>
+              <a:rPr lang="fr-FR" dirty="0"/>
               <a:t>Remarques</a:t>
             </a:r>
-            <a:endParaRPr lang="fr-FR" dirty="0"/>
           </a:p>
         </p:txBody>
       </p:sp>
@@ -10173,11 +10099,7 @@
             </a:r>
             <a:r>
               <a:rPr lang="en-GB" altLang="fr-FR" dirty="0"/>
-              <a:t> </a:t>
-            </a:r>
-            <a:r>
-              <a:rPr lang="en-GB" altLang="fr-FR" dirty="0" smtClean="0"/>
-              <a:t>objet</a:t>
+              <a:t> objet</a:t>
             </a:r>
           </a:p>
           <a:p>
@@ -10190,16 +10112,12 @@
               </a:spcAft>
             </a:pPr>
             <a:r>
-              <a:rPr lang="en-GB" altLang="fr-FR" dirty="0" err="1" smtClean="0"/>
+              <a:rPr lang="en-GB" altLang="fr-FR" dirty="0" err="1"/>
               <a:t>ceci</a:t>
             </a:r>
             <a:r>
-              <a:rPr lang="en-GB" altLang="fr-FR" dirty="0" smtClean="0"/>
-              <a:t> </a:t>
-            </a:r>
-            <a:r>
               <a:rPr lang="en-GB" altLang="fr-FR" dirty="0"/>
-              <a:t>se </a:t>
+              <a:t> se </a:t>
             </a:r>
             <a:r>
               <a:rPr lang="en-GB" altLang="fr-FR" dirty="0" err="1"/>
@@ -10242,10 +10160,10 @@
               <a:t> les </a:t>
             </a:r>
             <a:r>
-              <a:rPr lang="en-GB" altLang="fr-FR" dirty="0" err="1" smtClean="0"/>
+              <a:rPr lang="en-GB" altLang="fr-FR" dirty="0" err="1"/>
               <a:t>listes</a:t>
             </a:r>
-            <a:endParaRPr lang="en-GB" altLang="fr-FR" dirty="0" smtClean="0"/>
+            <a:endParaRPr lang="en-GB" altLang="fr-FR" dirty="0"/>
           </a:p>
           <a:p>
             <a:pPr eaLnBrk="1" hangingPunct="1">
@@ -10257,35 +10175,31 @@
               </a:spcAft>
             </a:pPr>
             <a:r>
-              <a:rPr lang="en-GB" altLang="fr-FR" dirty="0" smtClean="0"/>
+              <a:rPr lang="en-GB" altLang="fr-FR" dirty="0"/>
               <a:t>Pour cloner </a:t>
             </a:r>
             <a:r>
-              <a:rPr lang="en-GB" altLang="fr-FR" dirty="0" err="1" smtClean="0"/>
+              <a:rPr lang="en-GB" altLang="fr-FR" dirty="0" err="1"/>
               <a:t>une</a:t>
-            </a:r>
-            <a:r>
-              <a:rPr lang="en-GB" altLang="fr-FR" dirty="0" smtClean="0"/>
-              <a:t> </a:t>
-            </a:r>
-            <a:r>
-              <a:rPr lang="en-GB" altLang="fr-FR" dirty="0" err="1" smtClean="0"/>
-              <a:t>liste</a:t>
             </a:r>
             <a:r>
               <a:rPr lang="en-GB" altLang="fr-FR" dirty="0"/>
               <a:t> </a:t>
             </a:r>
             <a:r>
-              <a:rPr lang="en-GB" altLang="fr-FR" dirty="0" smtClean="0"/>
-              <a:t>utiliser la </a:t>
-            </a:r>
-            <a:r>
-              <a:rPr lang="en-GB" altLang="fr-FR" dirty="0" err="1" smtClean="0"/>
+              <a:rPr lang="en-GB" altLang="fr-FR" dirty="0" err="1"/>
+              <a:t>liste</a:t>
+            </a:r>
+            <a:r>
+              <a:rPr lang="en-GB" altLang="fr-FR" dirty="0"/>
+              <a:t> utiliser la </a:t>
+            </a:r>
+            <a:r>
+              <a:rPr lang="en-GB" altLang="fr-FR" dirty="0" err="1"/>
               <a:t>fonction</a:t>
             </a:r>
             <a:r>
-              <a:rPr lang="en-GB" altLang="fr-FR" dirty="0" smtClean="0"/>
+              <a:rPr lang="en-GB" altLang="fr-FR" dirty="0"/>
               <a:t> list()</a:t>
             </a:r>
           </a:p>
@@ -10299,42 +10213,42 @@
               </a:spcAft>
             </a:pPr>
             <a:r>
-              <a:rPr lang="en-GB" altLang="fr-FR" dirty="0" err="1" smtClean="0"/>
+              <a:rPr lang="en-GB" altLang="fr-FR" dirty="0" err="1"/>
               <a:t>Transforme</a:t>
             </a:r>
             <a:r>
-              <a:rPr lang="en-GB" altLang="fr-FR" dirty="0" smtClean="0"/>
+              <a:rPr lang="en-GB" altLang="fr-FR" dirty="0"/>
               <a:t> </a:t>
             </a:r>
             <a:r>
-              <a:rPr lang="en-GB" altLang="fr-FR" dirty="0" err="1" smtClean="0"/>
+              <a:rPr lang="en-GB" altLang="fr-FR" dirty="0" err="1"/>
               <a:t>une</a:t>
             </a:r>
             <a:r>
-              <a:rPr lang="en-GB" altLang="fr-FR" dirty="0" smtClean="0"/>
+              <a:rPr lang="en-GB" altLang="fr-FR" dirty="0"/>
               <a:t> collection de </a:t>
             </a:r>
             <a:r>
-              <a:rPr lang="en-GB" altLang="fr-FR" dirty="0" err="1" smtClean="0"/>
+              <a:rPr lang="en-GB" altLang="fr-FR" dirty="0" err="1"/>
               <a:t>valeurs</a:t>
             </a:r>
             <a:r>
-              <a:rPr lang="en-GB" altLang="fr-FR" dirty="0" smtClean="0"/>
+              <a:rPr lang="en-GB" altLang="fr-FR" dirty="0"/>
               <a:t> </a:t>
             </a:r>
             <a:r>
-              <a:rPr lang="en-GB" altLang="fr-FR" dirty="0" err="1" smtClean="0"/>
+              <a:rPr lang="en-GB" altLang="fr-FR" dirty="0" err="1"/>
               <a:t>en</a:t>
             </a:r>
             <a:r>
-              <a:rPr lang="en-GB" altLang="fr-FR" dirty="0" smtClean="0"/>
+              <a:rPr lang="en-GB" altLang="fr-FR" dirty="0"/>
               <a:t> </a:t>
             </a:r>
             <a:r>
-              <a:rPr lang="en-GB" altLang="fr-FR" dirty="0" err="1" smtClean="0"/>
+              <a:rPr lang="en-GB" altLang="fr-FR" dirty="0" err="1"/>
               <a:t>liste</a:t>
             </a:r>
-            <a:endParaRPr lang="en-GB" altLang="fr-FR" dirty="0" smtClean="0"/>
+            <a:endParaRPr lang="en-GB" altLang="fr-FR" dirty="0"/>
           </a:p>
           <a:p>
             <a:pPr lvl="1" eaLnBrk="1" hangingPunct="1">
@@ -10345,7 +10259,7 @@
                 <a:spcPts val="500"/>
               </a:spcAft>
             </a:pPr>
-            <a:endParaRPr lang="en-GB" altLang="fr-FR" dirty="0" smtClean="0"/>
+            <a:endParaRPr lang="en-GB" altLang="fr-FR" dirty="0"/>
           </a:p>
         </p:txBody>
       </p:sp>
@@ -10359,13 +10273,6 @@
   <p:clrMapOvr>
     <a:masterClrMapping/>
   </p:clrMapOvr>
-  <p:timing>
-    <p:tnLst>
-      <p:par>
-        <p:cTn id="1" dur="indefinite" restart="never" nodeType="tmRoot"/>
-      </p:par>
-    </p:tnLst>
-  </p:timing>
 </p:sld>
 </file>
 
@@ -10402,7 +10309,7 @@
           <a:lstStyle/>
           <a:p>
             <a:r>
-              <a:rPr lang="fr-FR" dirty="0" err="1" smtClean="0"/>
+              <a:rPr lang="fr-FR" dirty="0" err="1"/>
               <a:t>Tuples</a:t>
             </a:r>
             <a:endParaRPr lang="fr-FR" dirty="0"/>
@@ -10425,13 +10332,13 @@
           <a:lstStyle/>
           <a:p>
             <a:r>
-              <a:rPr lang="fr-FR" dirty="0" smtClean="0"/>
+              <a:rPr lang="fr-FR" dirty="0"/>
               <a:t>Est une collection de valeurs non modifiable</a:t>
             </a:r>
           </a:p>
           <a:p>
             <a:r>
-              <a:rPr lang="en-GB" altLang="fr-FR" dirty="0" smtClean="0"/>
+              <a:rPr lang="en-GB" altLang="fr-FR" dirty="0"/>
               <a:t>Des </a:t>
             </a:r>
             <a:r>
@@ -10456,73 +10363,61 @@
             </a:r>
             <a:r>
               <a:rPr lang="en-GB" altLang="fr-FR" dirty="0"/>
-              <a:t> par des </a:t>
-            </a:r>
-            <a:r>
-              <a:rPr lang="en-GB" altLang="fr-FR" dirty="0" smtClean="0"/>
-              <a:t>virgules</a:t>
+              <a:t> par des virgules</a:t>
             </a:r>
           </a:p>
           <a:p>
             <a:pPr lvl="1"/>
             <a:r>
-              <a:rPr lang="en-GB" altLang="fr-FR" dirty="0" smtClean="0"/>
-              <a:t>&gt;&gt;&gt;</a:t>
-            </a:r>
-            <a:r>
               <a:rPr lang="en-GB" altLang="fr-FR" dirty="0"/>
-              <a:t>tuple=(0,1.4,’world</a:t>
-            </a:r>
-            <a:r>
-              <a:rPr lang="en-GB" altLang="fr-FR" dirty="0" smtClean="0"/>
-              <a:t>’)</a:t>
-            </a:r>
-          </a:p>
-          <a:p>
-            <a:r>
-              <a:rPr lang="en-GB" altLang="fr-FR" dirty="0" err="1" smtClean="0"/>
+              <a:t>&gt;&gt;&gt;tuple=(0,1.4,’world’)</a:t>
+            </a:r>
+          </a:p>
+          <a:p>
+            <a:r>
+              <a:rPr lang="en-GB" altLang="fr-FR" dirty="0" err="1"/>
               <a:t>Très</a:t>
             </a:r>
             <a:r>
-              <a:rPr lang="en-GB" altLang="fr-FR" dirty="0" smtClean="0"/>
+              <a:rPr lang="en-GB" altLang="fr-FR" dirty="0"/>
               <a:t> utile pour les retours de </a:t>
             </a:r>
             <a:r>
-              <a:rPr lang="en-GB" altLang="fr-FR" dirty="0" err="1" smtClean="0"/>
+              <a:rPr lang="en-GB" altLang="fr-FR" dirty="0" err="1"/>
               <a:t>fonctions</a:t>
             </a:r>
-            <a:endParaRPr lang="en-GB" altLang="fr-FR" dirty="0" smtClean="0"/>
+            <a:endParaRPr lang="en-GB" altLang="fr-FR" dirty="0"/>
           </a:p>
           <a:p>
             <a:pPr lvl="1"/>
             <a:r>
-              <a:rPr lang="en-GB" altLang="fr-FR" dirty="0" err="1" smtClean="0"/>
+              <a:rPr lang="en-GB" altLang="fr-FR" dirty="0" err="1"/>
               <a:t>Egalement</a:t>
             </a:r>
             <a:r>
-              <a:rPr lang="en-GB" altLang="fr-FR" dirty="0" smtClean="0"/>
+              <a:rPr lang="en-GB" altLang="fr-FR" dirty="0"/>
               <a:t> pour les </a:t>
             </a:r>
             <a:r>
-              <a:rPr lang="en-GB" altLang="fr-FR" dirty="0" err="1" smtClean="0"/>
+              <a:rPr lang="en-GB" altLang="fr-FR" dirty="0" err="1"/>
               <a:t>appels</a:t>
             </a:r>
             <a:r>
-              <a:rPr lang="en-GB" altLang="fr-FR" dirty="0" smtClean="0"/>
+              <a:rPr lang="en-GB" altLang="fr-FR" dirty="0"/>
               <a:t> pour assurer de la non modification des </a:t>
             </a:r>
             <a:r>
-              <a:rPr lang="en-GB" altLang="fr-FR" dirty="0" err="1" smtClean="0"/>
+              <a:rPr lang="en-GB" altLang="fr-FR" dirty="0" err="1"/>
               <a:t>valeurs</a:t>
             </a:r>
-            <a:endParaRPr lang="en-GB" altLang="fr-FR" dirty="0" smtClean="0"/>
-          </a:p>
-          <a:p>
-            <a:r>
-              <a:rPr lang="en-GB" altLang="fr-FR" dirty="0" err="1" smtClean="0"/>
+            <a:endParaRPr lang="en-GB" altLang="fr-FR" dirty="0"/>
+          </a:p>
+          <a:p>
+            <a:r>
+              <a:rPr lang="en-GB" altLang="fr-FR" dirty="0" err="1"/>
               <a:t>Rapide</a:t>
             </a:r>
-            <a:endParaRPr lang="en-GB" altLang="fr-FR" dirty="0" smtClean="0"/>
+            <a:endParaRPr lang="en-GB" altLang="fr-FR" dirty="0"/>
           </a:p>
           <a:p>
             <a:r>
@@ -10530,70 +10425,70 @@
               <a:t>t</a:t>
             </a:r>
             <a:r>
-              <a:rPr lang="en-GB" altLang="fr-FR" smtClean="0"/>
+              <a:rPr lang="en-GB" altLang="fr-FR"/>
               <a:t>uple</a:t>
             </a:r>
             <a:r>
-              <a:rPr lang="en-GB" altLang="fr-FR" dirty="0" smtClean="0"/>
+              <a:rPr lang="en-GB" altLang="fr-FR" dirty="0"/>
               <a:t>()</a:t>
             </a:r>
           </a:p>
           <a:p>
             <a:pPr lvl="1"/>
             <a:r>
-              <a:rPr lang="en-GB" altLang="fr-FR" dirty="0" err="1" smtClean="0"/>
+              <a:rPr lang="en-GB" altLang="fr-FR" dirty="0" err="1"/>
               <a:t>Convertit</a:t>
             </a:r>
             <a:r>
-              <a:rPr lang="en-GB" altLang="fr-FR" dirty="0" smtClean="0"/>
+              <a:rPr lang="en-GB" altLang="fr-FR" dirty="0"/>
               <a:t> </a:t>
             </a:r>
             <a:r>
-              <a:rPr lang="en-GB" altLang="fr-FR" dirty="0" err="1" smtClean="0"/>
+              <a:rPr lang="en-GB" altLang="fr-FR" dirty="0" err="1"/>
               <a:t>une</a:t>
             </a:r>
             <a:r>
-              <a:rPr lang="en-GB" altLang="fr-FR" dirty="0" smtClean="0"/>
+              <a:rPr lang="en-GB" altLang="fr-FR" dirty="0"/>
               <a:t> </a:t>
             </a:r>
             <a:r>
-              <a:rPr lang="en-GB" altLang="fr-FR" dirty="0" err="1" smtClean="0"/>
+              <a:rPr lang="en-GB" altLang="fr-FR" dirty="0" err="1"/>
               <a:t>liste</a:t>
             </a:r>
             <a:r>
-              <a:rPr lang="en-GB" altLang="fr-FR" dirty="0" smtClean="0"/>
+              <a:rPr lang="en-GB" altLang="fr-FR" dirty="0"/>
               <a:t> </a:t>
             </a:r>
             <a:r>
-              <a:rPr lang="en-GB" altLang="fr-FR" dirty="0" err="1" smtClean="0"/>
+              <a:rPr lang="en-GB" altLang="fr-FR" dirty="0" err="1"/>
               <a:t>en</a:t>
             </a:r>
             <a:r>
-              <a:rPr lang="en-GB" altLang="fr-FR" dirty="0" smtClean="0"/>
+              <a:rPr lang="en-GB" altLang="fr-FR" dirty="0"/>
               <a:t> tuple </a:t>
             </a:r>
             <a:r>
-              <a:rPr lang="en-GB" altLang="fr-FR" dirty="0" err="1" smtClean="0"/>
+              <a:rPr lang="en-GB" altLang="fr-FR" dirty="0" err="1"/>
               <a:t>en</a:t>
             </a:r>
             <a:r>
-              <a:rPr lang="en-GB" altLang="fr-FR" dirty="0" smtClean="0"/>
+              <a:rPr lang="en-GB" altLang="fr-FR" dirty="0"/>
               <a:t> la </a:t>
             </a:r>
             <a:r>
-              <a:rPr lang="en-GB" altLang="fr-FR" dirty="0" err="1" smtClean="0"/>
+              <a:rPr lang="en-GB" altLang="fr-FR" dirty="0" err="1"/>
               <a:t>clonant</a:t>
             </a:r>
             <a:r>
-              <a:rPr lang="en-GB" altLang="fr-FR" dirty="0" smtClean="0"/>
+              <a:rPr lang="en-GB" altLang="fr-FR" dirty="0"/>
               <a:t> </a:t>
             </a:r>
             <a:r>
-              <a:rPr lang="en-GB" altLang="fr-FR" dirty="0" err="1" smtClean="0"/>
+              <a:rPr lang="en-GB" altLang="fr-FR" dirty="0" err="1"/>
               <a:t>ou</a:t>
             </a:r>
             <a:r>
-              <a:rPr lang="en-GB" altLang="fr-FR" dirty="0" smtClean="0"/>
+              <a:rPr lang="en-GB" altLang="fr-FR" dirty="0"/>
               <a:t> clone le tuple</a:t>
             </a:r>
           </a:p>
@@ -10615,13 +10510,6 @@
   <p:clrMapOvr>
     <a:masterClrMapping/>
   </p:clrMapOvr>
-  <p:timing>
-    <p:tnLst>
-      <p:par>
-        <p:cTn id="1" dur="indefinite" restart="never" nodeType="tmRoot"/>
-      </p:par>
-    </p:tnLst>
-  </p:timing>
 </p:sld>
 </file>
 
@@ -10658,11 +10546,11 @@
           <a:lstStyle/>
           <a:p>
             <a:r>
-              <a:rPr lang="fr-FR" dirty="0" smtClean="0"/>
+              <a:rPr lang="fr-FR" dirty="0"/>
               <a:t>Opération sur les </a:t>
             </a:r>
             <a:r>
-              <a:rPr lang="fr-FR" dirty="0" err="1" smtClean="0"/>
+              <a:rPr lang="fr-FR" dirty="0" err="1"/>
               <a:t>tuples</a:t>
             </a:r>
             <a:endParaRPr lang="fr-FR" dirty="0"/>
@@ -10857,10 +10745,9 @@
           <a:lstStyle/>
           <a:p>
             <a:r>
-              <a:rPr lang="fr-FR" dirty="0" smtClean="0"/>
+              <a:rPr lang="fr-FR" dirty="0"/>
               <a:t>Les dictionnaires</a:t>
             </a:r>
-            <a:endParaRPr lang="fr-FR" dirty="0"/>
           </a:p>
         </p:txBody>
       </p:sp>
@@ -10914,11 +10801,7 @@
             </a:r>
             <a:r>
               <a:rPr lang="en-GB" altLang="fr-FR" dirty="0"/>
-              <a:t> avec </a:t>
-            </a:r>
-            <a:r>
-              <a:rPr lang="en-GB" altLang="fr-FR" dirty="0" smtClean="0"/>
-              <a:t>des </a:t>
+              <a:t> avec des </a:t>
             </a:r>
             <a:r>
               <a:rPr lang="en-GB" altLang="fr-FR" dirty="0" err="1"/>
@@ -10929,7 +10812,7 @@
               <a:t> </a:t>
             </a:r>
             <a:r>
-              <a:rPr lang="en-GB" altLang="fr-FR" dirty="0" err="1" smtClean="0"/>
+              <a:rPr lang="en-GB" altLang="fr-FR" dirty="0" err="1"/>
               <a:t>uniques</a:t>
             </a:r>
             <a:endParaRPr lang="en-GB" altLang="fr-FR" dirty="0"/>
@@ -10937,12 +10820,8 @@
           <a:p>
             <a:pPr eaLnBrk="1" hangingPunct="1"/>
             <a:r>
-              <a:rPr lang="en-GB" altLang="fr-FR" dirty="0" smtClean="0"/>
-              <a:t>Des </a:t>
-            </a:r>
-            <a:r>
               <a:rPr lang="en-GB" altLang="fr-FR" dirty="0"/>
-              <a:t>couples </a:t>
+              <a:t>Des couples </a:t>
             </a:r>
             <a:r>
               <a:rPr lang="en-GB" altLang="fr-FR" dirty="0" err="1"/>
@@ -10958,17 +10837,13 @@
             </a:r>
             <a:r>
               <a:rPr lang="en-GB" altLang="fr-FR" dirty="0"/>
-              <a:t> par des virgules et entre </a:t>
-            </a:r>
-            <a:r>
-              <a:rPr lang="en-GB" altLang="fr-FR" dirty="0" smtClean="0"/>
-              <a:t>accolades</a:t>
+              <a:t> par des virgules et entre accolades</a:t>
             </a:r>
           </a:p>
           <a:p>
             <a:pPr lvl="1" eaLnBrk="1" hangingPunct="1"/>
             <a:r>
-              <a:rPr lang="en-GB" altLang="fr-FR" i="1" dirty="0" smtClean="0">
+              <a:rPr lang="en-GB" altLang="fr-FR" i="1" dirty="0">
                 <a:solidFill>
                   <a:schemeClr val="accent2"/>
                 </a:solidFill>
@@ -11019,23 +10894,23 @@
           <a:p>
             <a:pPr eaLnBrk="1" hangingPunct="1"/>
             <a:r>
-              <a:rPr lang="en-GB" altLang="fr-FR" dirty="0" smtClean="0"/>
+              <a:rPr lang="en-GB" altLang="fr-FR" dirty="0"/>
               <a:t>Un </a:t>
             </a:r>
             <a:r>
-              <a:rPr lang="en-GB" altLang="fr-FR" dirty="0" err="1" smtClean="0"/>
+              <a:rPr lang="en-GB" altLang="fr-FR" dirty="0" err="1"/>
               <a:t>dictionnaire</a:t>
             </a:r>
             <a:r>
-              <a:rPr lang="en-GB" altLang="fr-FR" dirty="0" smtClean="0"/>
+              <a:rPr lang="en-GB" altLang="fr-FR" dirty="0"/>
               <a:t> </a:t>
             </a:r>
             <a:r>
-              <a:rPr lang="en-GB" altLang="fr-FR" dirty="0" err="1" smtClean="0"/>
+              <a:rPr lang="en-GB" altLang="fr-FR" dirty="0" err="1"/>
               <a:t>est</a:t>
             </a:r>
             <a:r>
-              <a:rPr lang="en-GB" altLang="fr-FR" dirty="0" smtClean="0"/>
+              <a:rPr lang="en-GB" altLang="fr-FR" dirty="0"/>
               <a:t> </a:t>
             </a:r>
             <a:r>
@@ -11044,18 +10919,14 @@
             </a:r>
             <a:r>
               <a:rPr lang="en-GB" altLang="fr-FR" dirty="0"/>
-              <a:t> </a:t>
-            </a:r>
-            <a:r>
-              <a:rPr lang="en-GB" altLang="fr-FR" dirty="0" smtClean="0"/>
-              <a:t>par </a:t>
-            </a:r>
-            <a:r>
-              <a:rPr lang="en-GB" altLang="fr-FR" dirty="0" err="1" smtClean="0"/>
+              <a:t> par </a:t>
+            </a:r>
+            <a:r>
+              <a:rPr lang="en-GB" altLang="fr-FR" dirty="0" err="1"/>
               <a:t>une</a:t>
             </a:r>
             <a:r>
-              <a:rPr lang="en-GB" altLang="fr-FR" dirty="0" smtClean="0"/>
+              <a:rPr lang="en-GB" altLang="fr-FR" dirty="0"/>
               <a:t> </a:t>
             </a:r>
             <a:r>
@@ -11075,11 +10946,11 @@
               <a:t> </a:t>
             </a:r>
             <a:r>
-              <a:rPr lang="en-GB" altLang="fr-FR" dirty="0" err="1" smtClean="0"/>
+              <a:rPr lang="en-GB" altLang="fr-FR" dirty="0" err="1"/>
               <a:t>être</a:t>
             </a:r>
             <a:r>
-              <a:rPr lang="en-GB" altLang="fr-FR" dirty="0" smtClean="0"/>
+              <a:rPr lang="en-GB" altLang="fr-FR" dirty="0"/>
               <a:t> de </a:t>
             </a:r>
             <a:r>
@@ -11096,18 +10967,14 @@
             </a:r>
             <a:r>
               <a:rPr lang="en-GB" altLang="fr-FR" dirty="0"/>
-              <a:t> type </a:t>
-            </a:r>
-            <a:r>
-              <a:rPr lang="en-GB" altLang="fr-FR" dirty="0" smtClean="0"/>
-              <a:t>non-modifiable (</a:t>
-            </a:r>
-            <a:r>
-              <a:rPr lang="en-GB" altLang="fr-FR" dirty="0" err="1" smtClean="0"/>
+              <a:t> type non-modifiable (</a:t>
+            </a:r>
+            <a:r>
+              <a:rPr lang="en-GB" altLang="fr-FR" dirty="0" err="1"/>
               <a:t>hachage</a:t>
             </a:r>
             <a:r>
-              <a:rPr lang="en-GB" altLang="fr-FR" dirty="0" smtClean="0"/>
+              <a:rPr lang="en-GB" altLang="fr-FR" dirty="0"/>
               <a:t>)</a:t>
             </a:r>
           </a:p>
@@ -11115,86 +10982,82 @@
             <a:pPr lvl="1" eaLnBrk="1" hangingPunct="1"/>
             <a:r>
               <a:rPr lang="en-GB" altLang="fr-FR" dirty="0"/>
-              <a:t>s</a:t>
-            </a:r>
-            <a:r>
-              <a:rPr lang="en-GB" altLang="fr-FR" dirty="0" smtClean="0"/>
-              <a:t>tring, </a:t>
-            </a:r>
-            <a:r>
-              <a:rPr lang="en-GB" altLang="fr-FR" dirty="0" err="1" smtClean="0"/>
+              <a:t>string, </a:t>
+            </a:r>
+            <a:r>
+              <a:rPr lang="en-GB" altLang="fr-FR" dirty="0" err="1"/>
               <a:t>nombre</a:t>
             </a:r>
             <a:r>
-              <a:rPr lang="en-GB" altLang="fr-FR" dirty="0" smtClean="0"/>
+              <a:rPr lang="en-GB" altLang="fr-FR" dirty="0"/>
               <a:t>, tuples de string et </a:t>
             </a:r>
             <a:r>
-              <a:rPr lang="en-GB" altLang="fr-FR" dirty="0" err="1" smtClean="0"/>
+              <a:rPr lang="en-GB" altLang="fr-FR" dirty="0" err="1"/>
               <a:t>nombre</a:t>
             </a:r>
-            <a:endParaRPr lang="en-GB" altLang="fr-FR" dirty="0" smtClean="0"/>
+            <a:endParaRPr lang="en-GB" altLang="fr-FR" dirty="0"/>
           </a:p>
           <a:p>
             <a:pPr eaLnBrk="1" hangingPunct="1"/>
             <a:r>
-              <a:rPr lang="en-GB" altLang="fr-FR" dirty="0" err="1" smtClean="0"/>
+              <a:rPr lang="en-GB" altLang="fr-FR" dirty="0" err="1"/>
               <a:t>Très</a:t>
-            </a:r>
-            <a:r>
-              <a:rPr lang="en-GB" altLang="fr-FR" dirty="0" smtClean="0"/>
-              <a:t> </a:t>
-            </a:r>
-            <a:r>
-              <a:rPr lang="en-GB" altLang="fr-FR" dirty="0" err="1" smtClean="0"/>
-              <a:t>rapide</a:t>
-            </a:r>
-            <a:endParaRPr lang="en-GB" altLang="fr-FR" dirty="0"/>
-          </a:p>
-          <a:p>
-            <a:pPr lvl="1" eaLnBrk="1" hangingPunct="1"/>
-            <a:r>
-              <a:rPr lang="en-GB" altLang="fr-FR" dirty="0" err="1" smtClean="0"/>
-              <a:t>Algorithme</a:t>
-            </a:r>
-            <a:r>
-              <a:rPr lang="en-GB" altLang="fr-FR" dirty="0" smtClean="0"/>
-              <a:t> de </a:t>
-            </a:r>
-            <a:r>
-              <a:rPr lang="en-GB" altLang="fr-FR" dirty="0" err="1" smtClean="0"/>
-              <a:t>hachage</a:t>
-            </a:r>
-            <a:endParaRPr lang="en-GB" altLang="fr-FR" dirty="0" smtClean="0"/>
-          </a:p>
-          <a:p>
-            <a:pPr lvl="1" eaLnBrk="1" hangingPunct="1"/>
-            <a:r>
-              <a:rPr lang="en-GB" altLang="fr-FR" dirty="0" err="1" smtClean="0"/>
-              <a:t>Perte</a:t>
-            </a:r>
-            <a:r>
-              <a:rPr lang="en-GB" altLang="fr-FR" dirty="0" smtClean="0"/>
-              <a:t> de </a:t>
-            </a:r>
-            <a:r>
-              <a:rPr lang="en-GB" altLang="fr-FR" dirty="0" err="1" smtClean="0"/>
-              <a:t>l’ordre</a:t>
             </a:r>
             <a:r>
               <a:rPr lang="en-GB" altLang="fr-FR" dirty="0"/>
               <a:t> </a:t>
             </a:r>
             <a:r>
-              <a:rPr lang="en-GB" altLang="fr-FR" dirty="0" err="1" smtClean="0"/>
+              <a:rPr lang="en-GB" altLang="fr-FR" dirty="0" err="1"/>
+              <a:t>rapide</a:t>
+            </a:r>
+            <a:endParaRPr lang="en-GB" altLang="fr-FR" dirty="0"/>
+          </a:p>
+          <a:p>
+            <a:pPr lvl="1" eaLnBrk="1" hangingPunct="1"/>
+            <a:r>
+              <a:rPr lang="en-GB" altLang="fr-FR" dirty="0" err="1"/>
+              <a:t>Algorithme</a:t>
+            </a:r>
+            <a:r>
+              <a:rPr lang="en-GB" altLang="fr-FR" dirty="0"/>
+              <a:t> de </a:t>
+            </a:r>
+            <a:r>
+              <a:rPr lang="en-GB" altLang="fr-FR" dirty="0" err="1"/>
+              <a:t>hachage</a:t>
+            </a:r>
+            <a:endParaRPr lang="en-GB" altLang="fr-FR" dirty="0"/>
+          </a:p>
+          <a:p>
+            <a:pPr lvl="1" eaLnBrk="1" hangingPunct="1"/>
+            <a:r>
+              <a:rPr lang="en-GB" altLang="fr-FR" dirty="0" err="1"/>
+              <a:t>Perte</a:t>
+            </a:r>
+            <a:r>
+              <a:rPr lang="en-GB" altLang="fr-FR" dirty="0"/>
+              <a:t> de </a:t>
+            </a:r>
+            <a:r>
+              <a:rPr lang="en-GB" altLang="fr-FR" dirty="0" err="1"/>
+              <a:t>l’ordre</a:t>
+            </a:r>
+            <a:r>
+              <a:rPr lang="en-GB" altLang="fr-FR" dirty="0"/>
+              <a:t> </a:t>
+            </a:r>
+            <a:r>
+              <a:rPr lang="en-GB" altLang="fr-FR" dirty="0" err="1"/>
               <a:t>sauf</a:t>
             </a:r>
             <a:r>
-              <a:rPr lang="en-GB" altLang="fr-FR" dirty="0" smtClean="0"/>
+              <a:rPr lang="en-GB" altLang="fr-FR" dirty="0"/>
               <a:t> pour </a:t>
             </a:r>
             <a:r>
-              <a:rPr lang="en-GB" altLang="fr-FR" dirty="0" err="1" smtClean="0"/>
+              <a:rPr lang="en-GB" altLang="fr-FR" dirty="0" err="1"/>
               <a:t>collections.OrderedDict</a:t>
             </a:r>
             <a:endParaRPr lang="en-GB" altLang="fr-FR" dirty="0"/>
@@ -11214,13 +11077,6 @@
   <p:clrMapOvr>
     <a:masterClrMapping/>
   </p:clrMapOvr>
-  <p:timing>
-    <p:tnLst>
-      <p:par>
-        <p:cTn id="1" dur="indefinite" restart="never" nodeType="tmRoot"/>
-      </p:par>
-    </p:tnLst>
-  </p:timing>
 </p:sld>
 </file>
 
@@ -11257,10 +11113,9 @@
           <a:lstStyle/>
           <a:p>
             <a:r>
-              <a:rPr lang="fr-FR" dirty="0" smtClean="0"/>
+              <a:rPr lang="fr-FR" dirty="0"/>
               <a:t>Opérations de dictionnaire</a:t>
             </a:r>
-            <a:endParaRPr lang="fr-FR" dirty="0"/>
           </a:p>
         </p:txBody>
       </p:sp>
@@ -11343,30 +11198,26 @@
             </a:pPr>
             <a:r>
               <a:rPr lang="en-GB" altLang="fr-FR" dirty="0" err="1"/>
-              <a:t>h</a:t>
-            </a:r>
-            <a:r>
-              <a:rPr lang="en-GB" altLang="fr-FR" dirty="0" err="1" smtClean="0"/>
-              <a:t>as_keys</a:t>
-            </a:r>
-            <a:r>
-              <a:rPr lang="en-GB" altLang="fr-FR" dirty="0" smtClean="0"/>
+              <a:t>has_keys</a:t>
+            </a:r>
+            <a:r>
+              <a:rPr lang="en-GB" altLang="fr-FR" dirty="0"/>
               <a:t> </a:t>
             </a:r>
             <a:r>
-              <a:rPr lang="en-GB" altLang="fr-FR" dirty="0" err="1" smtClean="0"/>
+              <a:rPr lang="en-GB" altLang="fr-FR" dirty="0" err="1"/>
               <a:t>remplacé</a:t>
             </a:r>
             <a:r>
-              <a:rPr lang="en-GB" altLang="fr-FR" dirty="0" smtClean="0"/>
+              <a:rPr lang="en-GB" altLang="fr-FR" dirty="0"/>
               <a:t> par in </a:t>
             </a:r>
             <a:r>
-              <a:rPr lang="en-GB" altLang="fr-FR" dirty="0" err="1" smtClean="0"/>
+              <a:rPr lang="en-GB" altLang="fr-FR" dirty="0" err="1"/>
               <a:t>en</a:t>
             </a:r>
             <a:r>
-              <a:rPr lang="en-GB" altLang="fr-FR" dirty="0" smtClean="0"/>
+              <a:rPr lang="en-GB" altLang="fr-FR" dirty="0"/>
               <a:t> python 3</a:t>
             </a:r>
             <a:endParaRPr lang="fr-FR" dirty="0"/>
@@ -11505,10 +11356,9 @@
           <a:lstStyle/>
           <a:p>
             <a:r>
-              <a:rPr lang="fr-FR" dirty="0" smtClean="0"/>
+              <a:rPr lang="fr-FR" dirty="0"/>
               <a:t>Les listes</a:t>
             </a:r>
-            <a:endParaRPr lang="fr-FR" dirty="0"/>
           </a:p>
         </p:txBody>
       </p:sp>
@@ -11533,31 +11383,27 @@
               </a:lnSpc>
             </a:pPr>
             <a:r>
-              <a:rPr lang="en-GB" altLang="fr-FR" dirty="0" smtClean="0"/>
+              <a:rPr lang="en-GB" altLang="fr-FR" dirty="0"/>
               <a:t>Il </a:t>
             </a:r>
             <a:r>
-              <a:rPr lang="en-GB" altLang="fr-FR" dirty="0" err="1" smtClean="0"/>
+              <a:rPr lang="en-GB" altLang="fr-FR" dirty="0" err="1"/>
               <a:t>s’agit</a:t>
             </a:r>
             <a:r>
-              <a:rPr lang="en-GB" altLang="fr-FR" dirty="0" smtClean="0"/>
+              <a:rPr lang="en-GB" altLang="fr-FR" dirty="0"/>
               <a:t> </a:t>
             </a:r>
             <a:r>
-              <a:rPr lang="en-GB" altLang="fr-FR" dirty="0" err="1" smtClean="0"/>
+              <a:rPr lang="en-GB" altLang="fr-FR" dirty="0" err="1"/>
               <a:t>d’une</a:t>
             </a:r>
             <a:r>
-              <a:rPr lang="en-GB" altLang="fr-FR" dirty="0" smtClean="0"/>
-              <a:t> </a:t>
-            </a:r>
-            <a:r>
               <a:rPr lang="en-GB" altLang="fr-FR" dirty="0"/>
-              <a:t>collection </a:t>
-            </a:r>
-            <a:r>
-              <a:rPr lang="en-GB" altLang="fr-FR" dirty="0" err="1" smtClean="0"/>
+              <a:t> collection </a:t>
+            </a:r>
+            <a:r>
+              <a:rPr lang="en-GB" altLang="fr-FR" dirty="0" err="1"/>
               <a:t>d’objets</a:t>
             </a:r>
             <a:endParaRPr lang="en-GB" altLang="fr-FR" dirty="0"/>
@@ -11569,11 +11415,11 @@
               </a:lnSpc>
             </a:pPr>
             <a:r>
-              <a:rPr lang="en-GB" altLang="fr-FR" dirty="0" err="1" smtClean="0"/>
+              <a:rPr lang="en-GB" altLang="fr-FR" dirty="0" err="1"/>
               <a:t>une</a:t>
             </a:r>
             <a:r>
-              <a:rPr lang="en-GB" altLang="fr-FR" dirty="0" smtClean="0"/>
+              <a:rPr lang="en-GB" altLang="fr-FR" dirty="0"/>
               <a:t> </a:t>
             </a:r>
             <a:r>
@@ -11614,11 +11460,7 @@
             </a:r>
             <a:r>
               <a:rPr lang="en-GB" altLang="fr-FR" dirty="0"/>
-              <a:t> par des </a:t>
-            </a:r>
-            <a:r>
-              <a:rPr lang="en-GB" altLang="fr-FR" dirty="0" smtClean="0"/>
-              <a:t>virgules.</a:t>
+              <a:t> par des virgules.</a:t>
             </a:r>
           </a:p>
           <a:p>
@@ -11628,7 +11470,7 @@
               </a:lnSpc>
             </a:pPr>
             <a:r>
-              <a:rPr lang="en-GB" altLang="fr-FR" dirty="0" smtClean="0"/>
+              <a:rPr lang="en-GB" altLang="fr-FR" dirty="0"/>
               <a:t>Les </a:t>
             </a:r>
             <a:r>
@@ -11669,11 +11511,7 @@
             </a:r>
             <a:r>
               <a:rPr lang="en-GB" altLang="fr-FR" dirty="0"/>
-              <a:t> </a:t>
-            </a:r>
-            <a:r>
-              <a:rPr lang="en-GB" altLang="fr-FR" dirty="0" smtClean="0"/>
-              <a:t>type</a:t>
+              <a:t> type</a:t>
             </a:r>
           </a:p>
           <a:p>
@@ -11683,11 +11521,11 @@
               </a:lnSpc>
             </a:pPr>
             <a:r>
-              <a:rPr lang="en-GB" altLang="fr-FR" dirty="0" err="1" smtClean="0"/>
+              <a:rPr lang="en-GB" altLang="fr-FR" dirty="0" err="1"/>
               <a:t>Voici</a:t>
             </a:r>
             <a:r>
-              <a:rPr lang="en-GB" altLang="fr-FR" dirty="0" smtClean="0"/>
+              <a:rPr lang="en-GB" altLang="fr-FR" dirty="0"/>
               <a:t> </a:t>
             </a:r>
             <a:r>
@@ -11707,7 +11545,7 @@
               <a:t> de 4 </a:t>
             </a:r>
             <a:r>
-              <a:rPr lang="en-GB" altLang="fr-FR" dirty="0" err="1" smtClean="0"/>
+              <a:rPr lang="en-GB" altLang="fr-FR" dirty="0" err="1"/>
               <a:t>éléments</a:t>
             </a:r>
             <a:endParaRPr lang="en-GB" altLang="fr-FR" dirty="0"/>
@@ -11719,12 +11557,8 @@
               </a:lnSpc>
             </a:pPr>
             <a:r>
-              <a:rPr lang="en-GB" altLang="fr-FR" dirty="0" smtClean="0"/>
-              <a:t>&gt;&gt;&gt;</a:t>
-            </a:r>
-            <a:r>
               <a:rPr lang="en-GB" altLang="fr-FR" dirty="0"/>
-              <a:t>a = [‘spam’, ‘eggs’,100,1234]				  </a:t>
+              <a:t>&gt;&gt;&gt;a = [‘spam’, ‘eggs’,100,1234]				  </a:t>
             </a:r>
           </a:p>
           <a:p>
@@ -11798,10 +11632,10 @@
               <a:t>, </a:t>
             </a:r>
             <a:r>
-              <a:rPr lang="en-GB" altLang="fr-FR" dirty="0" err="1" smtClean="0"/>
+              <a:rPr lang="en-GB" altLang="fr-FR" dirty="0" err="1"/>
               <a:t>concaténées</a:t>
             </a:r>
-            <a:endParaRPr lang="en-GB" altLang="fr-FR" dirty="0" smtClean="0"/>
+            <a:endParaRPr lang="en-GB" altLang="fr-FR" dirty="0"/>
           </a:p>
           <a:p>
             <a:pPr eaLnBrk="1" hangingPunct="1">
@@ -11810,7 +11644,7 @@
               </a:lnSpc>
             </a:pPr>
             <a:r>
-              <a:rPr lang="en-GB" altLang="fr-FR" dirty="0" smtClean="0"/>
+              <a:rPr lang="en-GB" altLang="fr-FR" dirty="0"/>
               <a:t>Les </a:t>
             </a:r>
             <a:r>
@@ -11866,7 +11700,7 @@
               <a:t> </a:t>
             </a:r>
             <a:r>
-              <a:rPr lang="en-GB" altLang="fr-FR" dirty="0" err="1" smtClean="0"/>
+              <a:rPr lang="en-GB" altLang="fr-FR" dirty="0" err="1"/>
               <a:t>individuellement</a:t>
             </a:r>
             <a:endParaRPr lang="fr-FR" dirty="0"/>
@@ -11883,13 +11717,6 @@
   <p:clrMapOvr>
     <a:masterClrMapping/>
   </p:clrMapOvr>
-  <p:timing>
-    <p:tnLst>
-      <p:par>
-        <p:cTn id="1" dur="indefinite" restart="never" nodeType="tmRoot"/>
-      </p:par>
-    </p:tnLst>
-  </p:timing>
 </p:sld>
 </file>
 
@@ -11926,10 +11753,9 @@
           <a:lstStyle/>
           <a:p>
             <a:r>
-              <a:rPr lang="fr-FR" dirty="0" smtClean="0"/>
+              <a:rPr lang="fr-FR" dirty="0"/>
               <a:t>Exemple</a:t>
             </a:r>
-            <a:endParaRPr lang="fr-FR" dirty="0"/>
           </a:p>
         </p:txBody>
       </p:sp>
@@ -12129,7 +11955,7 @@
               </a:spcBef>
             </a:pPr>
             <a:r>
-              <a:rPr lang="en-GB" altLang="fr-FR" sz="1800" kern="0" smtClean="0">
+              <a:rPr lang="en-GB" altLang="fr-FR" sz="1800" kern="0">
                 <a:solidFill>
                   <a:schemeClr val="accent2"/>
                 </a:solidFill>
@@ -12140,7 +11966,7 @@
           </a:p>
           <a:p>
             <a:pPr eaLnBrk="1" hangingPunct="1"/>
-            <a:endParaRPr lang="en-GB" altLang="fr-FR" sz="1800" kern="0" smtClean="0">
+            <a:endParaRPr lang="en-GB" altLang="fr-FR" sz="1800" kern="0">
               <a:solidFill>
                 <a:schemeClr val="accent2"/>
               </a:solidFill>
@@ -12148,7 +11974,7 @@
           </a:p>
           <a:p>
             <a:pPr eaLnBrk="1" hangingPunct="1"/>
-            <a:endParaRPr lang="en-GB" altLang="fr-FR" sz="1800" kern="0" smtClean="0">
+            <a:endParaRPr lang="en-GB" altLang="fr-FR" sz="1800" kern="0">
               <a:solidFill>
                 <a:schemeClr val="accent2"/>
               </a:solidFill>
@@ -12156,7 +11982,7 @@
           </a:p>
           <a:p>
             <a:pPr eaLnBrk="1" hangingPunct="1"/>
-            <a:endParaRPr lang="en-GB" altLang="fr-FR" sz="1800" kern="0" smtClean="0">
+            <a:endParaRPr lang="en-GB" altLang="fr-FR" sz="1800" kern="0">
               <a:solidFill>
                 <a:schemeClr val="accent2"/>
               </a:solidFill>
@@ -12164,7 +11990,7 @@
           </a:p>
           <a:p>
             <a:pPr eaLnBrk="1" hangingPunct="1"/>
-            <a:endParaRPr lang="en-GB" altLang="fr-FR" sz="1800" kern="0" smtClean="0">
+            <a:endParaRPr lang="en-GB" altLang="fr-FR" sz="1800" kern="0">
               <a:solidFill>
                 <a:schemeClr val="accent2"/>
               </a:solidFill>
@@ -12172,7 +11998,7 @@
           </a:p>
           <a:p>
             <a:pPr eaLnBrk="1" hangingPunct="1"/>
-            <a:endParaRPr lang="en-GB" altLang="fr-FR" sz="1800" kern="0" smtClean="0">
+            <a:endParaRPr lang="en-GB" altLang="fr-FR" sz="1800" kern="0">
               <a:solidFill>
                 <a:schemeClr val="accent2"/>
               </a:solidFill>
@@ -12180,7 +12006,7 @@
           </a:p>
           <a:p>
             <a:pPr eaLnBrk="1" hangingPunct="1"/>
-            <a:endParaRPr lang="en-GB" altLang="fr-FR" sz="1800" kern="0" dirty="0" smtClean="0">
+            <a:endParaRPr lang="en-GB" altLang="fr-FR" sz="1800" kern="0" dirty="0">
               <a:solidFill>
                 <a:schemeClr val="accent2"/>
               </a:solidFill>
@@ -12331,10 +12157,9 @@
           <a:lstStyle/>
           <a:p>
             <a:r>
-              <a:rPr lang="fr-FR" dirty="0" smtClean="0"/>
+              <a:rPr lang="fr-FR" dirty="0"/>
               <a:t>zip</a:t>
             </a:r>
-            <a:endParaRPr lang="fr-FR" dirty="0"/>
           </a:p>
         </p:txBody>
       </p:sp>
@@ -12354,14 +12179,14 @@
           <a:lstStyle/>
           <a:p>
             <a:r>
-              <a:rPr lang="fr-FR" dirty="0" smtClean="0"/>
+              <a:rPr lang="fr-FR" dirty="0"/>
               <a:t>Permet de lier 2 listes en une liste de </a:t>
             </a:r>
             <a:r>
-              <a:rPr lang="fr-FR" dirty="0" err="1" smtClean="0"/>
+              <a:rPr lang="fr-FR" dirty="0" err="1"/>
               <a:t>tuples</a:t>
             </a:r>
-            <a:endParaRPr lang="fr-FR" dirty="0" smtClean="0"/>
+            <a:endParaRPr lang="fr-FR" dirty="0"/>
           </a:p>
           <a:p>
             <a:pPr lvl="1"/>
@@ -12373,27 +12198,19 @@
           <a:p>
             <a:pPr lvl="1"/>
             <a:r>
-              <a:rPr lang="es-ES" dirty="0" smtClean="0"/>
-              <a:t>y </a:t>
-            </a:r>
-            <a:r>
               <a:rPr lang="es-ES" dirty="0"/>
-              <a:t>= [4, 5, 6]</a:t>
+              <a:t>y = [4, 5, 6]</a:t>
             </a:r>
           </a:p>
           <a:p>
             <a:pPr lvl="1"/>
             <a:r>
-              <a:rPr lang="es-ES" dirty="0" err="1" smtClean="0"/>
+              <a:rPr lang="es-ES" dirty="0" err="1"/>
               <a:t>zipped</a:t>
             </a:r>
             <a:r>
-              <a:rPr lang="es-ES" dirty="0" smtClean="0"/>
-              <a:t> </a:t>
-            </a:r>
-            <a:r>
               <a:rPr lang="es-ES" dirty="0"/>
-              <a:t>= </a:t>
+              <a:t> = </a:t>
             </a:r>
             <a:r>
               <a:rPr lang="es-ES" dirty="0" err="1"/>
@@ -12407,148 +12224,121 @@
           <a:p>
             <a:pPr lvl="1"/>
             <a:r>
-              <a:rPr lang="es-ES" dirty="0" smtClean="0"/>
-              <a:t># [(</a:t>
-            </a:r>
-            <a:r>
               <a:rPr lang="es-ES" dirty="0"/>
-              <a:t>1, 4), (2, 5), (3, 6</a:t>
-            </a:r>
-            <a:r>
-              <a:rPr lang="es-ES" dirty="0" smtClean="0"/>
-              <a:t>)]</a:t>
-            </a:r>
-          </a:p>
-          <a:p>
-            <a:r>
-              <a:rPr lang="es-ES" dirty="0" err="1" smtClean="0"/>
+              <a:t># [(1, 4), (2, 5), (3, 6)]</a:t>
+            </a:r>
+          </a:p>
+          <a:p>
+            <a:r>
+              <a:rPr lang="es-ES" dirty="0" err="1"/>
               <a:t>Utilise</a:t>
             </a:r>
             <a:r>
-              <a:rPr lang="es-ES" dirty="0" smtClean="0"/>
+              <a:rPr lang="es-ES" dirty="0"/>
               <a:t> </a:t>
             </a:r>
             <a:r>
-              <a:rPr lang="es-ES" dirty="0" err="1" smtClean="0"/>
+              <a:rPr lang="es-ES" dirty="0" err="1"/>
               <a:t>pour</a:t>
             </a:r>
             <a:r>
-              <a:rPr lang="es-ES" dirty="0" smtClean="0"/>
+              <a:rPr lang="es-ES" dirty="0"/>
               <a:t> </a:t>
             </a:r>
             <a:r>
-              <a:rPr lang="es-ES" dirty="0" err="1" smtClean="0"/>
+              <a:rPr lang="es-ES" dirty="0" err="1"/>
               <a:t>retourner</a:t>
             </a:r>
             <a:r>
-              <a:rPr lang="es-ES" dirty="0" smtClean="0"/>
+              <a:rPr lang="es-ES" dirty="0"/>
               <a:t> des </a:t>
             </a:r>
             <a:r>
-              <a:rPr lang="es-ES" dirty="0" err="1" smtClean="0"/>
+              <a:rPr lang="es-ES" dirty="0" err="1"/>
               <a:t>tuples</a:t>
             </a:r>
             <a:r>
-              <a:rPr lang="es-ES" dirty="0" smtClean="0"/>
+              <a:rPr lang="es-ES" dirty="0"/>
               <a:t> </a:t>
             </a:r>
             <a:r>
-              <a:rPr lang="es-ES" dirty="0" err="1" smtClean="0"/>
+              <a:rPr lang="es-ES" dirty="0" err="1"/>
               <a:t>clés</a:t>
             </a:r>
             <a:r>
-              <a:rPr lang="es-ES" dirty="0" smtClean="0"/>
+              <a:rPr lang="es-ES" dirty="0"/>
               <a:t> </a:t>
             </a:r>
             <a:r>
-              <a:rPr lang="es-ES" dirty="0" err="1" smtClean="0"/>
+              <a:rPr lang="es-ES" dirty="0" err="1"/>
               <a:t>valeurs</a:t>
             </a:r>
-            <a:endParaRPr lang="es-ES" dirty="0" smtClean="0"/>
+            <a:endParaRPr lang="es-ES" dirty="0"/>
           </a:p>
           <a:p>
             <a:pPr lvl="1"/>
             <a:r>
-              <a:rPr lang="es-ES" dirty="0" err="1" smtClean="0"/>
+              <a:rPr lang="es-ES" dirty="0" err="1"/>
               <a:t>keys</a:t>
             </a:r>
             <a:r>
-              <a:rPr lang="es-ES" dirty="0" smtClean="0"/>
-              <a:t> </a:t>
-            </a:r>
-            <a:r>
               <a:rPr lang="es-ES" dirty="0"/>
-              <a:t>= </a:t>
-            </a:r>
-            <a:r>
-              <a:rPr lang="es-ES" dirty="0" smtClean="0"/>
-              <a:t>[“París”, “London”, “</a:t>
-            </a:r>
-            <a:r>
-              <a:rPr lang="es-ES" dirty="0" err="1" smtClean="0"/>
+              <a:t> = [“París”, “London”, “</a:t>
+            </a:r>
+            <a:r>
+              <a:rPr lang="es-ES" dirty="0" err="1"/>
               <a:t>Berlin</a:t>
             </a:r>
             <a:r>
-              <a:rPr lang="es-ES" dirty="0" smtClean="0"/>
+              <a:rPr lang="es-ES" dirty="0"/>
               <a:t>”]</a:t>
             </a:r>
-            <a:endParaRPr lang="es-ES" dirty="0"/>
           </a:p>
           <a:p>
             <a:pPr lvl="1"/>
             <a:r>
-              <a:rPr lang="es-ES" dirty="0" err="1" smtClean="0"/>
+              <a:rPr lang="es-ES" dirty="0" err="1"/>
               <a:t>values</a:t>
             </a:r>
             <a:r>
-              <a:rPr lang="es-ES" dirty="0" smtClean="0"/>
-              <a:t> </a:t>
-            </a:r>
-            <a:r>
               <a:rPr lang="es-ES" dirty="0"/>
-              <a:t>= </a:t>
-            </a:r>
-            <a:r>
-              <a:rPr lang="es-ES" dirty="0" smtClean="0"/>
-              <a:t>[19, 15, 22]</a:t>
-            </a:r>
-            <a:endParaRPr lang="es-ES" dirty="0"/>
+              <a:t> = [19, 15, 22]</a:t>
+            </a:r>
           </a:p>
           <a:p>
             <a:pPr lvl="1"/>
             <a:r>
-              <a:rPr lang="es-ES" dirty="0" err="1" smtClean="0"/>
+              <a:rPr lang="es-ES" dirty="0" err="1"/>
               <a:t>temperatures</a:t>
             </a:r>
             <a:r>
-              <a:rPr lang="es-ES" dirty="0" smtClean="0"/>
+              <a:rPr lang="es-ES" dirty="0"/>
               <a:t> = </a:t>
             </a:r>
             <a:r>
-              <a:rPr lang="es-ES" dirty="0" err="1" smtClean="0"/>
+              <a:rPr lang="es-ES" dirty="0" err="1"/>
               <a:t>zip</a:t>
             </a:r>
             <a:r>
-              <a:rPr lang="es-ES" dirty="0" smtClean="0"/>
+              <a:rPr lang="es-ES" dirty="0"/>
               <a:t>(</a:t>
             </a:r>
             <a:r>
-              <a:rPr lang="es-ES" dirty="0" err="1" smtClean="0"/>
+              <a:rPr lang="es-ES" dirty="0" err="1"/>
               <a:t>keys</a:t>
             </a:r>
             <a:r>
-              <a:rPr lang="es-ES" dirty="0" smtClean="0"/>
+              <a:rPr lang="es-ES" dirty="0"/>
               <a:t>, </a:t>
             </a:r>
             <a:r>
-              <a:rPr lang="es-ES" dirty="0" err="1" smtClean="0"/>
+              <a:rPr lang="es-ES" dirty="0" err="1"/>
               <a:t>values</a:t>
             </a:r>
             <a:r>
-              <a:rPr lang="es-ES" dirty="0" smtClean="0"/>
+              <a:rPr lang="es-ES" dirty="0"/>
               <a:t>)</a:t>
             </a:r>
-            <a:endParaRPr lang="es-ES" dirty="0"/>
           </a:p>
           <a:p>
             <a:pPr lvl="1"/>
@@ -12602,7 +12392,7 @@
           <a:lstStyle/>
           <a:p>
             <a:r>
-              <a:rPr lang="fr-FR" dirty="0" err="1" smtClean="0"/>
+              <a:rPr lang="fr-FR" dirty="0" err="1"/>
               <a:t>Iterator</a:t>
             </a:r>
             <a:endParaRPr lang="fr-FR" dirty="0"/>
@@ -12625,69 +12415,69 @@
           <a:lstStyle/>
           <a:p>
             <a:r>
-              <a:rPr lang="fr-FR" dirty="0" smtClean="0"/>
+              <a:rPr lang="fr-FR" dirty="0"/>
               <a:t>Les listes, listes en intentions, générateurs, </a:t>
             </a:r>
             <a:r>
-              <a:rPr lang="fr-FR" dirty="0" err="1" smtClean="0"/>
+              <a:rPr lang="fr-FR" dirty="0" err="1"/>
               <a:t>tuples</a:t>
             </a:r>
             <a:r>
-              <a:rPr lang="fr-FR" dirty="0" smtClean="0"/>
+              <a:rPr lang="fr-FR" dirty="0"/>
               <a:t> et clés de dictionnaires sont des </a:t>
             </a:r>
             <a:r>
-              <a:rPr lang="fr-FR" dirty="0" err="1" smtClean="0"/>
+              <a:rPr lang="fr-FR" dirty="0" err="1"/>
               <a:t>itérateurs</a:t>
             </a:r>
-            <a:endParaRPr lang="fr-FR" dirty="0" smtClean="0"/>
-          </a:p>
-          <a:p>
-            <a:r>
-              <a:rPr lang="fr-FR" dirty="0" err="1" smtClean="0"/>
+            <a:endParaRPr lang="fr-FR" dirty="0"/>
+          </a:p>
+          <a:p>
+            <a:r>
+              <a:rPr lang="fr-FR" dirty="0" err="1"/>
               <a:t>Iterator</a:t>
             </a:r>
-            <a:endParaRPr lang="fr-FR" dirty="0" smtClean="0"/>
-          </a:p>
-          <a:p>
-            <a:r>
-              <a:rPr lang="fr-FR" dirty="0" smtClean="0"/>
+            <a:endParaRPr lang="fr-FR" dirty="0"/>
+          </a:p>
+          <a:p>
+            <a:r>
+              <a:rPr lang="fr-FR" dirty="0"/>
               <a:t>Possibilités de faire des for</a:t>
             </a:r>
           </a:p>
           <a:p>
             <a:pPr lvl="1"/>
             <a:r>
-              <a:rPr lang="fr-FR" dirty="0" smtClean="0"/>
+              <a:rPr lang="fr-FR" dirty="0"/>
               <a:t>Méthodes __</a:t>
             </a:r>
             <a:r>
-              <a:rPr lang="fr-FR" dirty="0" err="1" smtClean="0"/>
+              <a:rPr lang="fr-FR" dirty="0" err="1"/>
               <a:t>iter</a:t>
             </a:r>
             <a:r>
-              <a:rPr lang="fr-FR" dirty="0" smtClean="0"/>
+              <a:rPr lang="fr-FR" dirty="0"/>
               <a:t>__() et </a:t>
             </a:r>
             <a:r>
-              <a:rPr lang="fr-FR" dirty="0" err="1" smtClean="0"/>
+              <a:rPr lang="fr-FR" dirty="0" err="1"/>
               <a:t>next</a:t>
             </a:r>
             <a:r>
-              <a:rPr lang="fr-FR" dirty="0" smtClean="0"/>
+              <a:rPr lang="fr-FR" dirty="0"/>
               <a:t>()</a:t>
             </a:r>
           </a:p>
           <a:p>
             <a:r>
-              <a:rPr lang="fr-FR" dirty="0" smtClean="0"/>
+              <a:rPr lang="fr-FR" dirty="0"/>
               <a:t>Tous les types complexes dérivent de </a:t>
             </a:r>
             <a:r>
-              <a:rPr lang="fr-FR" dirty="0" err="1" smtClean="0"/>
+              <a:rPr lang="fr-FR" dirty="0" err="1"/>
               <a:t>Iterator</a:t>
             </a:r>
-            <a:endParaRPr lang="fr-FR" dirty="0" smtClean="0"/>
+            <a:endParaRPr lang="fr-FR" dirty="0"/>
           </a:p>
           <a:p>
             <a:endParaRPr lang="fr-FR" dirty="0"/>
@@ -12740,10 +12530,9 @@
           <a:lstStyle/>
           <a:p>
             <a:r>
-              <a:rPr lang="fr-FR" dirty="0" smtClean="0"/>
+              <a:rPr lang="fr-FR" dirty="0"/>
               <a:t>Opérations de liste</a:t>
             </a:r>
-            <a:endParaRPr lang="fr-FR" dirty="0"/>
           </a:p>
         </p:txBody>
       </p:sp>
@@ -12936,10 +12725,9 @@
           <a:lstStyle/>
           <a:p>
             <a:r>
-              <a:rPr lang="fr-FR" dirty="0" smtClean="0"/>
+              <a:rPr lang="fr-FR" dirty="0"/>
               <a:t>Exemples</a:t>
             </a:r>
-            <a:endParaRPr lang="fr-FR" dirty="0"/>
           </a:p>
         </p:txBody>
       </p:sp>
@@ -13142,7 +12930,7 @@
               </a:spcBef>
             </a:pPr>
             <a:r>
-              <a:rPr lang="en-GB" altLang="fr-FR" sz="1800" kern="0" dirty="0" smtClean="0">
+              <a:rPr lang="en-GB" altLang="fr-FR" sz="1800" kern="0" dirty="0">
                 <a:solidFill>
                   <a:schemeClr val="accent2"/>
                 </a:solidFill>
@@ -13160,7 +12948,7 @@
               </a:spcBef>
             </a:pPr>
             <a:r>
-              <a:rPr lang="en-GB" altLang="fr-FR" sz="1800" kern="0" dirty="0" smtClean="0">
+              <a:rPr lang="en-GB" altLang="fr-FR" sz="1800" kern="0" dirty="0">
                 <a:solidFill>
                   <a:schemeClr val="accent2"/>
                 </a:solidFill>
@@ -13178,7 +12966,7 @@
               </a:spcBef>
             </a:pPr>
             <a:r>
-              <a:rPr lang="en-GB" altLang="fr-FR" sz="1800" kern="0" dirty="0" smtClean="0">
+              <a:rPr lang="en-GB" altLang="fr-FR" sz="1800" kern="0" dirty="0">
                 <a:solidFill>
                   <a:schemeClr val="accent2"/>
                 </a:solidFill>
@@ -13196,7 +12984,7 @@
               </a:spcBef>
             </a:pPr>
             <a:r>
-              <a:rPr lang="en-GB" altLang="fr-FR" sz="1800" kern="0" dirty="0" smtClean="0">
+              <a:rPr lang="en-GB" altLang="fr-FR" sz="1800" kern="0" dirty="0">
                 <a:solidFill>
                   <a:schemeClr val="accent2"/>
                 </a:solidFill>
@@ -13214,7 +13002,7 @@
               </a:spcBef>
             </a:pPr>
             <a:r>
-              <a:rPr lang="en-GB" altLang="fr-FR" sz="1800" kern="0" dirty="0" smtClean="0">
+              <a:rPr lang="en-GB" altLang="fr-FR" sz="1800" kern="0" dirty="0">
                 <a:solidFill>
                   <a:schemeClr val="accent2"/>
                 </a:solidFill>
@@ -13232,7 +13020,7 @@
               </a:spcBef>
             </a:pPr>
             <a:r>
-              <a:rPr lang="en-GB" altLang="fr-FR" sz="1800" kern="0" dirty="0" smtClean="0">
+              <a:rPr lang="en-GB" altLang="fr-FR" sz="1800" kern="0" dirty="0">
                 <a:solidFill>
                   <a:schemeClr val="accent2"/>
                 </a:solidFill>
@@ -13250,7 +13038,7 @@
               </a:spcBef>
             </a:pPr>
             <a:r>
-              <a:rPr lang="en-GB" altLang="fr-FR" sz="1800" kern="0" dirty="0" smtClean="0">
+              <a:rPr lang="en-GB" altLang="fr-FR" sz="1800" kern="0" dirty="0">
                 <a:solidFill>
                   <a:schemeClr val="accent2"/>
                 </a:solidFill>
@@ -13268,7 +13056,7 @@
               </a:spcBef>
             </a:pPr>
             <a:r>
-              <a:rPr lang="en-GB" altLang="fr-FR" sz="1800" kern="0" dirty="0" smtClean="0">
+              <a:rPr lang="en-GB" altLang="fr-FR" sz="1800" kern="0" dirty="0">
                 <a:solidFill>
                   <a:schemeClr val="accent2"/>
                 </a:solidFill>
@@ -13286,7 +13074,7 @@
               </a:spcBef>
             </a:pPr>
             <a:r>
-              <a:rPr lang="en-GB" altLang="fr-FR" sz="1800" kern="0" dirty="0" smtClean="0">
+              <a:rPr lang="en-GB" altLang="fr-FR" sz="1800" kern="0" dirty="0">
                 <a:solidFill>
                   <a:schemeClr val="accent2"/>
                 </a:solidFill>
@@ -13304,7 +13092,7 @@
               </a:spcBef>
             </a:pPr>
             <a:r>
-              <a:rPr lang="en-GB" altLang="fr-FR" sz="1800" kern="0" dirty="0" smtClean="0">
+              <a:rPr lang="en-GB" altLang="fr-FR" sz="1800" kern="0" dirty="0">
                 <a:solidFill>
                   <a:schemeClr val="accent2"/>
                 </a:solidFill>
@@ -13322,7 +13110,7 @@
               </a:spcBef>
             </a:pPr>
             <a:r>
-              <a:rPr lang="en-GB" altLang="fr-FR" sz="1800" kern="0" dirty="0" smtClean="0">
+              <a:rPr lang="en-GB" altLang="fr-FR" sz="1800" kern="0" dirty="0">
                 <a:solidFill>
                   <a:schemeClr val="accent2"/>
                 </a:solidFill>
@@ -13340,7 +13128,7 @@
               </a:spcBef>
             </a:pPr>
             <a:r>
-              <a:rPr lang="en-GB" altLang="fr-FR" sz="1800" kern="0" dirty="0" smtClean="0">
+              <a:rPr lang="en-GB" altLang="fr-FR" sz="1800" kern="0" dirty="0">
                 <a:solidFill>
                   <a:schemeClr val="accent2"/>
                 </a:solidFill>
@@ -13358,7 +13146,7 @@
               </a:spcBef>
             </a:pPr>
             <a:r>
-              <a:rPr lang="en-GB" altLang="fr-FR" sz="1800" kern="0" dirty="0" smtClean="0">
+              <a:rPr lang="en-GB" altLang="fr-FR" sz="1800" kern="0" dirty="0">
                 <a:solidFill>
                   <a:schemeClr val="accent2"/>
                 </a:solidFill>
@@ -13376,7 +13164,7 @@
               </a:spcBef>
             </a:pPr>
             <a:r>
-              <a:rPr lang="en-GB" altLang="fr-FR" sz="1800" kern="0" dirty="0" smtClean="0">
+              <a:rPr lang="en-GB" altLang="fr-FR" sz="1800" kern="0" dirty="0">
                 <a:solidFill>
                   <a:schemeClr val="accent2"/>
                 </a:solidFill>
@@ -13384,7 +13172,7 @@
               <a:t>&gt;&gt;&gt; 3*a[:3] + ['</a:t>
             </a:r>
             <a:r>
-              <a:rPr lang="en-GB" altLang="fr-FR" sz="1800" kern="0" dirty="0" err="1" smtClean="0">
+              <a:rPr lang="en-GB" altLang="fr-FR" sz="1800" kern="0" dirty="0" err="1">
                 <a:solidFill>
                   <a:schemeClr val="accent2"/>
                 </a:solidFill>
@@ -13392,7 +13180,7 @@
               <a:t>Boe</a:t>
             </a:r>
             <a:r>
-              <a:rPr lang="en-GB" altLang="fr-FR" sz="1800" kern="0" dirty="0" smtClean="0">
+              <a:rPr lang="en-GB" altLang="fr-FR" sz="1800" kern="0" dirty="0">
                 <a:solidFill>
                   <a:schemeClr val="accent2"/>
                 </a:solidFill>
@@ -13410,7 +13198,7 @@
               </a:spcBef>
             </a:pPr>
             <a:r>
-              <a:rPr lang="en-GB" altLang="fr-FR" sz="1800" kern="0" dirty="0" smtClean="0">
+              <a:rPr lang="en-GB" altLang="fr-FR" sz="1800" kern="0" dirty="0">
                 <a:solidFill>
                   <a:schemeClr val="accent2"/>
                 </a:solidFill>
@@ -13418,7 +13206,7 @@
               <a:t>['spam', 'eggs', 100, 'spam', 'eggs', 100, 'spam', 'eggs', 100, '</a:t>
             </a:r>
             <a:r>
-              <a:rPr lang="en-GB" altLang="fr-FR" sz="1800" kern="0" dirty="0" err="1" smtClean="0">
+              <a:rPr lang="en-GB" altLang="fr-FR" sz="1800" kern="0" dirty="0" err="1">
                 <a:solidFill>
                   <a:schemeClr val="accent2"/>
                 </a:solidFill>
@@ -13426,7 +13214,7 @@
               <a:t>Boe</a:t>
             </a:r>
             <a:r>
-              <a:rPr lang="en-GB" altLang="fr-FR" sz="1800" kern="0" dirty="0" smtClean="0">
+              <a:rPr lang="en-GB" altLang="fr-FR" sz="1800" kern="0" dirty="0">
                 <a:solidFill>
                   <a:schemeClr val="accent2"/>
                 </a:solidFill>
@@ -13440,7 +13228,7 @@
                 <a:spcPct val="90000"/>
               </a:lnSpc>
             </a:pPr>
-            <a:endParaRPr lang="en-GB" altLang="fr-FR" sz="1800" kern="0" dirty="0" smtClean="0">
+            <a:endParaRPr lang="en-GB" altLang="fr-FR" sz="1800" kern="0" dirty="0">
               <a:solidFill>
                 <a:schemeClr val="accent2"/>
               </a:solidFill>
@@ -14193,10 +13981,9 @@
           <a:lstStyle/>
           <a:p>
             <a:r>
-              <a:rPr lang="fr-FR" dirty="0" smtClean="0"/>
+              <a:rPr lang="fr-FR" dirty="0"/>
               <a:t>Imbrication</a:t>
             </a:r>
-            <a:endParaRPr lang="fr-FR" dirty="0"/>
           </a:p>
         </p:txBody>
       </p:sp>
@@ -14399,15 +14186,15 @@
               </a:spcAft>
             </a:pPr>
             <a:r>
-              <a:rPr lang="en-GB" altLang="fr-FR" sz="2000" kern="0" smtClean="0"/>
+              <a:rPr lang="en-GB" altLang="fr-FR" sz="2000" kern="0"/>
               <a:t>L = ['abc', [(1,2), ([3], 4)], 5];</a:t>
             </a:r>
             <a:r>
-              <a:rPr lang="en-GB" altLang="fr-FR" kern="0" smtClean="0"/>
+              <a:rPr lang="en-GB" altLang="fr-FR" kern="0"/>
               <a:t> </a:t>
             </a:r>
             <a:r>
-              <a:rPr lang="en-GB" altLang="fr-FR" sz="1800" kern="0" smtClean="0"/>
+              <a:rPr lang="en-GB" altLang="fr-FR" sz="1800" kern="0"/>
               <a:t>ainsi, L[1] donnera [(1,2),([3],4)] et     L[1][1] donnera ([3],4) </a:t>
             </a:r>
           </a:p>
@@ -14420,11 +14207,11 @@
                 <a:spcPts val="500"/>
               </a:spcAft>
             </a:pPr>
-            <a:endParaRPr lang="en-GB" altLang="fr-FR" sz="1800" kern="0" smtClean="0"/>
+            <a:endParaRPr lang="en-GB" altLang="fr-FR" sz="1800" kern="0"/>
           </a:p>
           <a:p>
             <a:pPr eaLnBrk="1" hangingPunct="1"/>
-            <a:endParaRPr lang="en-GB" altLang="fr-FR" sz="1800" kern="0" dirty="0" smtClean="0"/>
+            <a:endParaRPr lang="en-GB" altLang="fr-FR" sz="1800" kern="0" dirty="0"/>
           </a:p>
         </p:txBody>
       </p:sp>
@@ -14663,10 +14450,9 @@
           <a:lstStyle/>
           <a:p>
             <a:r>
-              <a:rPr lang="fr-FR" dirty="0" smtClean="0"/>
+              <a:rPr lang="fr-FR" dirty="0"/>
               <a:t>Méthodes de liste</a:t>
             </a:r>
-            <a:endParaRPr lang="fr-FR" dirty="0"/>
           </a:p>
         </p:txBody>
       </p:sp>
@@ -15172,13 +14958,6 @@
   <p:clrMapOvr>
     <a:masterClrMapping/>
   </p:clrMapOvr>
-  <p:timing>
-    <p:tnLst>
-      <p:par>
-        <p:cTn id="1" dur="indefinite" restart="never" nodeType="tmRoot"/>
-      </p:par>
-    </p:tnLst>
-  </p:timing>
 </p:sld>
 </file>
 
@@ -15215,10 +14994,9 @@
           <a:lstStyle/>
           <a:p>
             <a:r>
-              <a:rPr lang="fr-FR" dirty="0" smtClean="0"/>
+              <a:rPr lang="fr-FR" dirty="0"/>
               <a:t>Méthodes de liste</a:t>
             </a:r>
-            <a:endParaRPr lang="fr-FR" dirty="0"/>
           </a:p>
         </p:txBody>
       </p:sp>
@@ -15410,13 +15188,6 @@
   <p:clrMapOvr>
     <a:masterClrMapping/>
   </p:clrMapOvr>
-  <p:timing>
-    <p:tnLst>
-      <p:par>
-        <p:cTn id="1" dur="indefinite" restart="never" nodeType="tmRoot"/>
-      </p:par>
-    </p:tnLst>
-  </p:timing>
 </p:sld>
 </file>
 
@@ -15453,10 +15224,9 @@
           <a:lstStyle/>
           <a:p>
             <a:r>
-              <a:rPr lang="fr-FR" dirty="0" smtClean="0"/>
+              <a:rPr lang="fr-FR" dirty="0"/>
               <a:t>Exemples de méthodes de liste</a:t>
             </a:r>
-            <a:endParaRPr lang="fr-FR" dirty="0"/>
           </a:p>
         </p:txBody>
       </p:sp>
@@ -15662,7 +15432,7 @@
               </a:spcAft>
             </a:pPr>
             <a:r>
-              <a:rPr lang="en-GB" altLang="fr-FR" sz="1800" kern="0" smtClean="0"/>
+              <a:rPr lang="en-GB" altLang="fr-FR" sz="1800" kern="0"/>
               <a:t>Un exemple qui utilise toutes les méthodes des listes: </a:t>
             </a:r>
           </a:p>
@@ -15676,7 +15446,7 @@
               </a:spcBef>
             </a:pPr>
             <a:r>
-              <a:rPr lang="en-GB" altLang="fr-FR" sz="1800" kern="0" smtClean="0">
+              <a:rPr lang="en-GB" altLang="fr-FR" sz="1800" kern="0">
                 <a:solidFill>
                   <a:schemeClr val="accent2"/>
                 </a:solidFill>
@@ -15695,7 +15465,7 @@
               </a:spcBef>
             </a:pPr>
             <a:r>
-              <a:rPr lang="en-GB" altLang="fr-FR" sz="1800" kern="0" smtClean="0">
+              <a:rPr lang="en-GB" altLang="fr-FR" sz="1800" kern="0">
                 <a:solidFill>
                   <a:schemeClr val="accent2"/>
                 </a:solidFill>
@@ -15714,7 +15484,7 @@
               </a:spcBef>
             </a:pPr>
             <a:r>
-              <a:rPr lang="en-GB" altLang="fr-FR" sz="1800" kern="0" smtClean="0">
+              <a:rPr lang="en-GB" altLang="fr-FR" sz="1800" kern="0">
                 <a:solidFill>
                   <a:schemeClr val="accent2"/>
                 </a:solidFill>
@@ -15733,7 +15503,7 @@
               </a:spcBef>
             </a:pPr>
             <a:r>
-              <a:rPr lang="en-GB" altLang="fr-FR" sz="1800" kern="0" smtClean="0">
+              <a:rPr lang="en-GB" altLang="fr-FR" sz="1800" kern="0">
                 <a:solidFill>
                   <a:schemeClr val="accent2"/>
                 </a:solidFill>
@@ -15752,7 +15522,7 @@
               </a:spcBef>
             </a:pPr>
             <a:r>
-              <a:rPr lang="en-GB" altLang="fr-FR" sz="1800" kern="0" smtClean="0">
+              <a:rPr lang="en-GB" altLang="fr-FR" sz="1800" kern="0">
                 <a:solidFill>
                   <a:schemeClr val="accent2"/>
                 </a:solidFill>
@@ -15771,7 +15541,7 @@
               </a:spcBef>
             </a:pPr>
             <a:r>
-              <a:rPr lang="en-GB" altLang="fr-FR" sz="1800" kern="0" smtClean="0">
+              <a:rPr lang="en-GB" altLang="fr-FR" sz="1800" kern="0">
                 <a:solidFill>
                   <a:schemeClr val="accent2"/>
                 </a:solidFill>
@@ -15790,7 +15560,7 @@
               </a:spcBef>
             </a:pPr>
             <a:r>
-              <a:rPr lang="en-GB" altLang="fr-FR" sz="1800" kern="0" smtClean="0">
+              <a:rPr lang="en-GB" altLang="fr-FR" sz="1800" kern="0">
                 <a:solidFill>
                   <a:schemeClr val="accent2"/>
                 </a:solidFill>
@@ -15809,7 +15579,7 @@
               </a:spcBef>
             </a:pPr>
             <a:r>
-              <a:rPr lang="en-GB" altLang="fr-FR" sz="1800" kern="0" smtClean="0">
+              <a:rPr lang="en-GB" altLang="fr-FR" sz="1800" kern="0">
                 <a:solidFill>
                   <a:schemeClr val="accent2"/>
                 </a:solidFill>
@@ -15828,7 +15598,7 @@
               </a:spcBef>
             </a:pPr>
             <a:r>
-              <a:rPr lang="en-GB" altLang="fr-FR" sz="1800" kern="0" smtClean="0">
+              <a:rPr lang="en-GB" altLang="fr-FR" sz="1800" kern="0">
                 <a:solidFill>
                   <a:schemeClr val="accent2"/>
                 </a:solidFill>
@@ -15847,7 +15617,7 @@
               </a:spcBef>
             </a:pPr>
             <a:r>
-              <a:rPr lang="en-GB" altLang="fr-FR" sz="1800" kern="0" smtClean="0">
+              <a:rPr lang="en-GB" altLang="fr-FR" sz="1800" kern="0">
                 <a:solidFill>
                   <a:schemeClr val="accent2"/>
                 </a:solidFill>
@@ -15866,7 +15636,7 @@
               </a:spcBef>
             </a:pPr>
             <a:r>
-              <a:rPr lang="en-GB" altLang="fr-FR" sz="1800" kern="0" smtClean="0">
+              <a:rPr lang="en-GB" altLang="fr-FR" sz="1800" kern="0">
                 <a:solidFill>
                   <a:schemeClr val="accent2"/>
                 </a:solidFill>
@@ -15885,7 +15655,7 @@
               </a:spcBef>
             </a:pPr>
             <a:r>
-              <a:rPr lang="en-GB" altLang="fr-FR" sz="1800" kern="0" smtClean="0">
+              <a:rPr lang="en-GB" altLang="fr-FR" sz="1800" kern="0">
                 <a:solidFill>
                   <a:schemeClr val="accent2"/>
                 </a:solidFill>
@@ -15904,7 +15674,7 @@
               </a:spcBef>
             </a:pPr>
             <a:r>
-              <a:rPr lang="en-GB" altLang="fr-FR" sz="1800" kern="0" smtClean="0">
+              <a:rPr lang="en-GB" altLang="fr-FR" sz="1800" kern="0">
                 <a:solidFill>
                   <a:schemeClr val="accent2"/>
                 </a:solidFill>
@@ -15923,7 +15693,7 @@
               </a:spcBef>
             </a:pPr>
             <a:r>
-              <a:rPr lang="en-GB" altLang="fr-FR" sz="1800" kern="0" smtClean="0">
+              <a:rPr lang="en-GB" altLang="fr-FR" sz="1800" kern="0">
                 <a:solidFill>
                   <a:schemeClr val="accent2"/>
                 </a:solidFill>
@@ -15942,7 +15712,7 @@
               </a:spcBef>
             </a:pPr>
             <a:r>
-              <a:rPr lang="en-GB" altLang="fr-FR" sz="1800" kern="0" smtClean="0">
+              <a:rPr lang="en-GB" altLang="fr-FR" sz="1800" kern="0">
                 <a:solidFill>
                   <a:schemeClr val="accent2"/>
                 </a:solidFill>
@@ -15961,7 +15731,7 @@
               </a:spcBef>
             </a:pPr>
             <a:r>
-              <a:rPr lang="en-GB" altLang="fr-FR" sz="1800" kern="0" smtClean="0">
+              <a:rPr lang="en-GB" altLang="fr-FR" sz="1800" kern="0">
                 <a:solidFill>
                   <a:schemeClr val="accent2"/>
                 </a:solidFill>
@@ -15980,7 +15750,7 @@
               </a:spcBef>
             </a:pPr>
             <a:r>
-              <a:rPr lang="en-GB" altLang="fr-FR" sz="1800" kern="0" smtClean="0">
+              <a:rPr lang="en-GB" altLang="fr-FR" sz="1800" kern="0">
                 <a:solidFill>
                   <a:schemeClr val="accent2"/>
                 </a:solidFill>
@@ -15999,7 +15769,7 @@
               </a:spcBef>
             </a:pPr>
             <a:r>
-              <a:rPr lang="en-GB" altLang="fr-FR" sz="1800" kern="0" smtClean="0">
+              <a:rPr lang="en-GB" altLang="fr-FR" sz="1800" kern="0">
                 <a:solidFill>
                   <a:schemeClr val="accent2"/>
                 </a:solidFill>
@@ -16014,7 +15784,7 @@
                 <a:spcPct val="90000"/>
               </a:lnSpc>
             </a:pPr>
-            <a:endParaRPr lang="en-GB" altLang="fr-FR" sz="1800" kern="0" dirty="0" smtClean="0">
+            <a:endParaRPr lang="en-GB" altLang="fr-FR" sz="1800" kern="0" dirty="0">
               <a:solidFill>
                 <a:schemeClr val="accent2"/>
               </a:solidFill>
@@ -16158,10 +15928,9 @@
           <a:lstStyle/>
           <a:p>
             <a:r>
-              <a:rPr lang="fr-FR" dirty="0" smtClean="0"/>
+              <a:rPr lang="fr-FR" dirty="0"/>
               <a:t>Filtre</a:t>
             </a:r>
-            <a:endParaRPr lang="fr-FR" dirty="0"/>
           </a:p>
         </p:txBody>
       </p:sp>
@@ -16217,11 +15986,11 @@
               <a:t> </a:t>
             </a:r>
             <a:r>
-              <a:rPr lang="en-GB" altLang="fr-FR" sz="2000" dirty="0" err="1" smtClean="0"/>
+              <a:rPr lang="en-GB" altLang="fr-FR" sz="2000" dirty="0" err="1"/>
               <a:t>une</a:t>
             </a:r>
             <a:r>
-              <a:rPr lang="en-GB" altLang="fr-FR" sz="2000" dirty="0" smtClean="0"/>
+              <a:rPr lang="en-GB" altLang="fr-FR" sz="2000" dirty="0"/>
               <a:t> reference de </a:t>
             </a:r>
             <a:r>
@@ -16325,13 +16094,13 @@
               <a:t> </a:t>
             </a:r>
             <a:r>
-              <a:rPr lang="en-GB" altLang="fr-FR" sz="2000" dirty="0" err="1" smtClean="0">
+              <a:rPr lang="en-GB" altLang="fr-FR" sz="2000" dirty="0" err="1">
                 <a:latin typeface="Courier New" panose="02070309020205020404" pitchFamily="49" charset="0"/>
               </a:rPr>
               <a:t>vraie</a:t>
             </a:r>
             <a:r>
-              <a:rPr lang="en-GB" altLang="fr-FR" sz="2000" dirty="0" smtClean="0">
+              <a:rPr lang="en-GB" altLang="fr-FR" sz="2000" dirty="0">
                 <a:latin typeface="Courier New" panose="02070309020205020404" pitchFamily="49" charset="0"/>
               </a:rPr>
               <a:t>.</a:t>
@@ -16347,7 +16116,7 @@
               </a:spcAft>
             </a:pPr>
             <a:r>
-              <a:rPr lang="en-GB" altLang="fr-FR" sz="2000" dirty="0" smtClean="0">
+              <a:rPr lang="en-GB" altLang="fr-FR" sz="2000" dirty="0">
                 <a:latin typeface="Courier New" panose="02070309020205020404" pitchFamily="49" charset="0"/>
               </a:rPr>
               <a:t>Par </a:t>
@@ -16414,25 +16183,7 @@
                 </a:solidFill>
                 <a:latin typeface="Courier New" panose="02070309020205020404" pitchFamily="49" charset="0"/>
               </a:rPr>
-              <a:t>&gt;&gt;&gt; </a:t>
-            </a:r>
-            <a:r>
-              <a:rPr lang="en-GB" altLang="fr-FR" dirty="0" err="1">
-                <a:solidFill>
-                  <a:schemeClr val="accent2"/>
-                </a:solidFill>
-                <a:latin typeface="Courier New" panose="02070309020205020404" pitchFamily="49" charset="0"/>
-              </a:rPr>
-              <a:t>def</a:t>
-            </a:r>
-            <a:r>
-              <a:rPr lang="en-GB" altLang="fr-FR" dirty="0">
-                <a:solidFill>
-                  <a:schemeClr val="accent2"/>
-                </a:solidFill>
-                <a:latin typeface="Courier New" panose="02070309020205020404" pitchFamily="49" charset="0"/>
-              </a:rPr>
-              <a:t> f(x): returnx%2 != 0 and x%3 != 0</a:t>
+              <a:t>&gt;&gt;&gt; def f(x): return x%2 != 0 and x%3 != 0</a:t>
             </a:r>
           </a:p>
           <a:p>
@@ -16495,13 +16246,6 @@
   <p:clrMapOvr>
     <a:masterClrMapping/>
   </p:clrMapOvr>
-  <p:timing>
-    <p:tnLst>
-      <p:par>
-        <p:cTn id="1" dur="indefinite" restart="never" nodeType="tmRoot"/>
-      </p:par>
-    </p:tnLst>
-  </p:timing>
 </p:sld>
 </file>
 

--- a/ppt/Python07-ComplexTypes.pptx
+++ b/ppt/Python07-ComplexTypes.pptx
@@ -5,10 +5,10 @@
     <p:sldMasterId id="2147483653" r:id="rId1"/>
   </p:sldMasterIdLst>
   <p:notesMasterIdLst>
-    <p:notesMasterId r:id="rId24"/>
+    <p:notesMasterId r:id="rId23"/>
   </p:notesMasterIdLst>
   <p:handoutMasterIdLst>
-    <p:handoutMasterId r:id="rId25"/>
+    <p:handoutMasterId r:id="rId24"/>
   </p:handoutMasterIdLst>
   <p:sldIdLst>
     <p:sldId id="264" r:id="rId2"/>
@@ -19,20 +19,19 @@
     <p:sldId id="269" r:id="rId7"/>
     <p:sldId id="271" r:id="rId8"/>
     <p:sldId id="270" r:id="rId9"/>
-    <p:sldId id="272" r:id="rId10"/>
-    <p:sldId id="284" r:id="rId11"/>
-    <p:sldId id="288" r:id="rId12"/>
-    <p:sldId id="289" r:id="rId13"/>
-    <p:sldId id="280" r:id="rId14"/>
-    <p:sldId id="278" r:id="rId15"/>
-    <p:sldId id="273" r:id="rId16"/>
-    <p:sldId id="275" r:id="rId17"/>
-    <p:sldId id="276" r:id="rId18"/>
-    <p:sldId id="281" r:id="rId19"/>
-    <p:sldId id="282" r:id="rId20"/>
-    <p:sldId id="283" r:id="rId21"/>
-    <p:sldId id="285" r:id="rId22"/>
-    <p:sldId id="287" r:id="rId23"/>
+    <p:sldId id="284" r:id="rId10"/>
+    <p:sldId id="288" r:id="rId11"/>
+    <p:sldId id="289" r:id="rId12"/>
+    <p:sldId id="280" r:id="rId13"/>
+    <p:sldId id="278" r:id="rId14"/>
+    <p:sldId id="273" r:id="rId15"/>
+    <p:sldId id="275" r:id="rId16"/>
+    <p:sldId id="276" r:id="rId17"/>
+    <p:sldId id="281" r:id="rId18"/>
+    <p:sldId id="282" r:id="rId19"/>
+    <p:sldId id="283" r:id="rId20"/>
+    <p:sldId id="285" r:id="rId21"/>
+    <p:sldId id="287" r:id="rId22"/>
   </p:sldIdLst>
   <p:sldSz cx="9144000" cy="6858000" type="screen4x3"/>
   <p:notesSz cx="6648450" cy="9782175"/>
@@ -3786,107 +3785,6 @@
           <a:lstStyle/>
           <a:p>
             <a:r>
-              <a:rPr lang="fr-FR" dirty="0" err="1"/>
-              <a:t>Map</a:t>
-            </a:r>
-            <a:endParaRPr lang="fr-FR" dirty="0"/>
-          </a:p>
-        </p:txBody>
-      </p:sp>
-      <p:sp>
-        <p:nvSpPr>
-          <p:cNvPr id="3" name="Espace réservé du contenu 2"/>
-          <p:cNvSpPr>
-            <a:spLocks noGrp="1"/>
-          </p:cNvSpPr>
-          <p:nvPr>
-            <p:ph idx="1"/>
-          </p:nvPr>
-        </p:nvSpPr>
-        <p:spPr/>
-        <p:txBody>
-          <a:bodyPr/>
-          <a:lstStyle/>
-          <a:p>
-            <a:r>
-              <a:rPr lang="fr-FR" dirty="0"/>
-              <a:t>Permet d’appliquer une fonction à une liste</a:t>
-            </a:r>
-          </a:p>
-          <a:p>
-            <a:pPr lvl="1"/>
-            <a:r>
-              <a:rPr lang="en-US" dirty="0"/>
-              <a:t>l= ["It's over 9000 !", "All your base are belong to us."]</a:t>
-            </a:r>
-          </a:p>
-          <a:p>
-            <a:pPr lvl="1"/>
-            <a:r>
-              <a:rPr lang="en-US" dirty="0"/>
-              <a:t>print(map(</a:t>
-            </a:r>
-            <a:r>
-              <a:rPr lang="en-US" dirty="0" err="1"/>
-              <a:t>unicode.upper</a:t>
-            </a:r>
-            <a:r>
-              <a:rPr lang="en-US" dirty="0"/>
-              <a:t>, l))</a:t>
-            </a:r>
-            <a:endParaRPr lang="fr-FR" dirty="0"/>
-          </a:p>
-          <a:p>
-            <a:endParaRPr lang="fr-FR" dirty="0"/>
-          </a:p>
-        </p:txBody>
-      </p:sp>
-    </p:spTree>
-    <p:extLst>
-      <p:ext uri="{BB962C8B-B14F-4D97-AF65-F5344CB8AC3E}">
-        <p14:creationId xmlns:p14="http://schemas.microsoft.com/office/powerpoint/2010/main" val="4191346338"/>
-      </p:ext>
-    </p:extLst>
-  </p:cSld>
-  <p:clrMapOvr>
-    <a:masterClrMapping/>
-  </p:clrMapOvr>
-</p:sld>
-</file>
-
-<file path=ppt/slides/slide11.xml><?xml version="1.0" encoding="utf-8"?>
-<p:sld xmlns:a="http://schemas.openxmlformats.org/drawingml/2006/main" xmlns:r="http://schemas.openxmlformats.org/officeDocument/2006/relationships" xmlns:p="http://schemas.openxmlformats.org/presentationml/2006/main">
-  <p:cSld>
-    <p:spTree>
-      <p:nvGrpSpPr>
-        <p:cNvPr id="1" name=""/>
-        <p:cNvGrpSpPr/>
-        <p:nvPr/>
-      </p:nvGrpSpPr>
-      <p:grpSpPr>
-        <a:xfrm>
-          <a:off x="0" y="0"/>
-          <a:ext cx="0" cy="0"/>
-          <a:chOff x="0" y="0"/>
-          <a:chExt cx="0" cy="0"/>
-        </a:xfrm>
-      </p:grpSpPr>
-      <p:sp>
-        <p:nvSpPr>
-          <p:cNvPr id="2" name="Titre 1"/>
-          <p:cNvSpPr>
-            <a:spLocks noGrp="1"/>
-          </p:cNvSpPr>
-          <p:nvPr>
-            <p:ph type="title"/>
-          </p:nvPr>
-        </p:nvSpPr>
-        <p:spPr/>
-        <p:txBody>
-          <a:bodyPr/>
-          <a:lstStyle/>
-          <a:p>
-            <a:r>
               <a:rPr lang="fr-FR" dirty="0"/>
               <a:t>Les listes en intention</a:t>
             </a:r>
@@ -4030,7 +3928,7 @@
 </p:sld>
 </file>
 
-<file path=ppt/slides/slide12.xml><?xml version="1.0" encoding="utf-8"?>
+<file path=ppt/slides/slide11.xml><?xml version="1.0" encoding="utf-8"?>
 <p:sld xmlns:a="http://schemas.openxmlformats.org/drawingml/2006/main" xmlns:r="http://schemas.openxmlformats.org/officeDocument/2006/relationships" xmlns:p="http://schemas.openxmlformats.org/presentationml/2006/main">
   <p:cSld>
     <p:spTree>
@@ -4130,7 +4028,7 @@
 </p:sld>
 </file>
 
-<file path=ppt/slides/slide13.xml><?xml version="1.0" encoding="utf-8"?>
+<file path=ppt/slides/slide12.xml><?xml version="1.0" encoding="utf-8"?>
 <p:sld xmlns:a="http://schemas.openxmlformats.org/drawingml/2006/main" xmlns:r="http://schemas.openxmlformats.org/officeDocument/2006/relationships" xmlns:p="http://schemas.openxmlformats.org/presentationml/2006/main">
   <p:cSld>
     <p:spTree>
@@ -6513,7 +6411,7 @@
 </p:sld>
 </file>
 
-<file path=ppt/slides/slide14.xml><?xml version="1.0" encoding="utf-8"?>
+<file path=ppt/slides/slide13.xml><?xml version="1.0" encoding="utf-8"?>
 <p:sld xmlns:a="http://schemas.openxmlformats.org/drawingml/2006/main" xmlns:r="http://schemas.openxmlformats.org/officeDocument/2006/relationships" xmlns:p="http://schemas.openxmlformats.org/presentationml/2006/main">
   <p:cSld>
     <p:spTree>
@@ -9837,6 +9735,445 @@
 </p:sld>
 </file>
 
+<file path=ppt/slides/slide14.xml><?xml version="1.0" encoding="utf-8"?>
+<p:sld xmlns:a="http://schemas.openxmlformats.org/drawingml/2006/main" xmlns:r="http://schemas.openxmlformats.org/officeDocument/2006/relationships" xmlns:p="http://schemas.openxmlformats.org/presentationml/2006/main">
+  <p:cSld>
+    <p:spTree>
+      <p:nvGrpSpPr>
+        <p:cNvPr id="1" name=""/>
+        <p:cNvGrpSpPr/>
+        <p:nvPr/>
+      </p:nvGrpSpPr>
+      <p:grpSpPr>
+        <a:xfrm>
+          <a:off x="0" y="0"/>
+          <a:ext cx="0" cy="0"/>
+          <a:chOff x="0" y="0"/>
+          <a:chExt cx="0" cy="0"/>
+        </a:xfrm>
+      </p:grpSpPr>
+      <p:sp>
+        <p:nvSpPr>
+          <p:cNvPr id="2" name="Titre 1"/>
+          <p:cNvSpPr>
+            <a:spLocks noGrp="1"/>
+          </p:cNvSpPr>
+          <p:nvPr>
+            <p:ph type="title"/>
+          </p:nvPr>
+        </p:nvSpPr>
+        <p:spPr/>
+        <p:txBody>
+          <a:bodyPr/>
+          <a:lstStyle/>
+          <a:p>
+            <a:r>
+              <a:rPr lang="fr-FR" dirty="0"/>
+              <a:t>Remarques</a:t>
+            </a:r>
+          </a:p>
+        </p:txBody>
+      </p:sp>
+      <p:sp>
+        <p:nvSpPr>
+          <p:cNvPr id="3" name="Espace réservé du contenu 2"/>
+          <p:cNvSpPr>
+            <a:spLocks noGrp="1"/>
+          </p:cNvSpPr>
+          <p:nvPr>
+            <p:ph idx="1"/>
+          </p:nvPr>
+        </p:nvSpPr>
+        <p:spPr/>
+        <p:txBody>
+          <a:bodyPr/>
+          <a:lstStyle/>
+          <a:p>
+            <a:pPr eaLnBrk="1" hangingPunct="1">
+              <a:spcBef>
+                <a:spcPts val="500"/>
+              </a:spcBef>
+              <a:spcAft>
+                <a:spcPts val="500"/>
+              </a:spcAft>
+            </a:pPr>
+            <a:r>
+              <a:rPr lang="en-GB" altLang="fr-FR" dirty="0"/>
+              <a:t>Les </a:t>
+            </a:r>
+            <a:r>
+              <a:rPr lang="en-GB" altLang="fr-FR" dirty="0" err="1"/>
+              <a:t>opérateurs</a:t>
+            </a:r>
+            <a:r>
+              <a:rPr lang="en-GB" altLang="fr-FR" dirty="0"/>
+              <a:t> de </a:t>
+            </a:r>
+            <a:r>
+              <a:rPr lang="en-GB" altLang="fr-FR" dirty="0" err="1"/>
+              <a:t>comparaison</a:t>
+            </a:r>
+            <a:r>
+              <a:rPr lang="en-GB" altLang="fr-FR" dirty="0"/>
+              <a:t> </a:t>
+            </a:r>
+            <a:r>
+              <a:rPr lang="en-GB" altLang="fr-FR" b="1" dirty="0"/>
+              <a:t>in</a:t>
+            </a:r>
+            <a:r>
+              <a:rPr lang="en-GB" altLang="fr-FR" dirty="0"/>
+              <a:t> et </a:t>
+            </a:r>
+            <a:r>
+              <a:rPr lang="en-GB" altLang="fr-FR" b="1" dirty="0"/>
+              <a:t>not in</a:t>
+            </a:r>
+            <a:r>
+              <a:rPr lang="en-GB" altLang="fr-FR" dirty="0"/>
+              <a:t> </a:t>
+            </a:r>
+            <a:r>
+              <a:rPr lang="en-GB" altLang="fr-FR" dirty="0" err="1"/>
+              <a:t>vérifient</a:t>
+            </a:r>
+            <a:r>
+              <a:rPr lang="en-GB" altLang="fr-FR" dirty="0"/>
+              <a:t> </a:t>
+            </a:r>
+            <a:r>
+              <a:rPr lang="en-GB" altLang="fr-FR" dirty="0" err="1"/>
+              <a:t>si</a:t>
+            </a:r>
+            <a:r>
+              <a:rPr lang="en-GB" altLang="fr-FR" dirty="0"/>
+              <a:t> </a:t>
+            </a:r>
+            <a:r>
+              <a:rPr lang="en-GB" altLang="fr-FR" dirty="0" err="1"/>
+              <a:t>une</a:t>
+            </a:r>
+            <a:r>
+              <a:rPr lang="en-GB" altLang="fr-FR" dirty="0"/>
+              <a:t> </a:t>
+            </a:r>
+            <a:r>
+              <a:rPr lang="en-GB" altLang="fr-FR" dirty="0" err="1"/>
+              <a:t>valeur</a:t>
+            </a:r>
+            <a:r>
+              <a:rPr lang="en-GB" altLang="fr-FR" dirty="0"/>
+              <a:t> </a:t>
+            </a:r>
+            <a:r>
+              <a:rPr lang="en-GB" altLang="fr-FR" dirty="0" err="1"/>
+              <a:t>apparaît</a:t>
+            </a:r>
+            <a:r>
+              <a:rPr lang="en-GB" altLang="fr-FR" dirty="0"/>
+              <a:t> (</a:t>
+            </a:r>
+            <a:r>
+              <a:rPr lang="en-GB" altLang="fr-FR" dirty="0" err="1"/>
+              <a:t>ou</a:t>
+            </a:r>
+            <a:r>
+              <a:rPr lang="en-GB" altLang="fr-FR" dirty="0"/>
+              <a:t> non) </a:t>
+            </a:r>
+            <a:r>
+              <a:rPr lang="en-GB" altLang="fr-FR" dirty="0" err="1"/>
+              <a:t>dans</a:t>
+            </a:r>
+            <a:r>
+              <a:rPr lang="en-GB" altLang="fr-FR" dirty="0"/>
+              <a:t> </a:t>
+            </a:r>
+            <a:r>
+              <a:rPr lang="en-GB" altLang="fr-FR" dirty="0" err="1"/>
+              <a:t>une</a:t>
+            </a:r>
+            <a:r>
+              <a:rPr lang="en-GB" altLang="fr-FR" dirty="0"/>
+              <a:t> </a:t>
+            </a:r>
+            <a:r>
+              <a:rPr lang="en-GB" altLang="fr-FR" dirty="0" err="1"/>
+              <a:t>séquence</a:t>
+            </a:r>
+            <a:r>
+              <a:rPr lang="en-GB" altLang="fr-FR" dirty="0"/>
+              <a:t>. </a:t>
+            </a:r>
+          </a:p>
+          <a:p>
+            <a:pPr eaLnBrk="1" hangingPunct="1">
+              <a:spcBef>
+                <a:spcPts val="500"/>
+              </a:spcBef>
+              <a:spcAft>
+                <a:spcPts val="500"/>
+              </a:spcAft>
+            </a:pPr>
+            <a:r>
+              <a:rPr lang="en-GB" altLang="fr-FR" dirty="0"/>
+              <a:t>Les </a:t>
+            </a:r>
+            <a:r>
+              <a:rPr lang="en-GB" altLang="fr-FR" dirty="0" err="1"/>
+              <a:t>opérateurs</a:t>
+            </a:r>
+            <a:r>
+              <a:rPr lang="en-GB" altLang="fr-FR" dirty="0"/>
+              <a:t> </a:t>
+            </a:r>
+            <a:r>
+              <a:rPr lang="en-GB" altLang="fr-FR" b="1" dirty="0"/>
+              <a:t>is</a:t>
+            </a:r>
+            <a:r>
+              <a:rPr lang="en-GB" altLang="fr-FR" dirty="0"/>
+              <a:t> et </a:t>
+            </a:r>
+            <a:r>
+              <a:rPr lang="en-GB" altLang="fr-FR" b="1" dirty="0"/>
+              <a:t>is not</a:t>
+            </a:r>
+            <a:r>
+              <a:rPr lang="en-GB" altLang="fr-FR" dirty="0"/>
+              <a:t> </a:t>
+            </a:r>
+            <a:r>
+              <a:rPr lang="en-GB" altLang="fr-FR" dirty="0" err="1"/>
+              <a:t>vérifient</a:t>
+            </a:r>
+            <a:r>
+              <a:rPr lang="en-GB" altLang="fr-FR" dirty="0"/>
+              <a:t> </a:t>
+            </a:r>
+            <a:r>
+              <a:rPr lang="en-GB" altLang="fr-FR" dirty="0" err="1"/>
+              <a:t>si</a:t>
+            </a:r>
+            <a:r>
+              <a:rPr lang="en-GB" altLang="fr-FR" dirty="0"/>
+              <a:t> </a:t>
+            </a:r>
+            <a:r>
+              <a:rPr lang="en-GB" altLang="fr-FR" dirty="0" err="1"/>
+              <a:t>deux</a:t>
+            </a:r>
+            <a:r>
+              <a:rPr lang="en-GB" altLang="fr-FR" dirty="0"/>
+              <a:t> </a:t>
+            </a:r>
+            <a:r>
+              <a:rPr lang="en-GB" altLang="fr-FR" dirty="0" err="1"/>
+              <a:t>objets</a:t>
+            </a:r>
+            <a:r>
+              <a:rPr lang="en-GB" altLang="fr-FR" dirty="0"/>
+              <a:t> </a:t>
+            </a:r>
+            <a:r>
+              <a:rPr lang="en-GB" altLang="fr-FR" dirty="0" err="1"/>
+              <a:t>sont</a:t>
+            </a:r>
+            <a:r>
+              <a:rPr lang="en-GB" altLang="fr-FR" dirty="0"/>
+              <a:t> </a:t>
+            </a:r>
+            <a:r>
+              <a:rPr lang="en-GB" altLang="fr-FR" dirty="0" err="1"/>
+              <a:t>réellement</a:t>
+            </a:r>
+            <a:r>
+              <a:rPr lang="en-GB" altLang="fr-FR" dirty="0"/>
+              <a:t> le </a:t>
+            </a:r>
+            <a:r>
+              <a:rPr lang="en-GB" altLang="fr-FR" dirty="0" err="1"/>
+              <a:t>même</a:t>
+            </a:r>
+            <a:r>
+              <a:rPr lang="en-GB" altLang="fr-FR" dirty="0"/>
+              <a:t> objet</a:t>
+            </a:r>
+          </a:p>
+          <a:p>
+            <a:pPr lvl="1" eaLnBrk="1" hangingPunct="1">
+              <a:spcBef>
+                <a:spcPts val="500"/>
+              </a:spcBef>
+              <a:spcAft>
+                <a:spcPts val="500"/>
+              </a:spcAft>
+            </a:pPr>
+            <a:r>
+              <a:rPr lang="en-GB" altLang="fr-FR" dirty="0" err="1"/>
+              <a:t>ceci</a:t>
+            </a:r>
+            <a:r>
+              <a:rPr lang="en-GB" altLang="fr-FR" dirty="0"/>
+              <a:t> se </a:t>
+            </a:r>
+            <a:r>
+              <a:rPr lang="en-GB" altLang="fr-FR" dirty="0" err="1"/>
+              <a:t>justifie</a:t>
+            </a:r>
+            <a:r>
+              <a:rPr lang="en-GB" altLang="fr-FR" dirty="0"/>
+              <a:t> </a:t>
+            </a:r>
+            <a:r>
+              <a:rPr lang="en-GB" altLang="fr-FR" dirty="0" err="1"/>
+              <a:t>seulement</a:t>
+            </a:r>
+            <a:r>
+              <a:rPr lang="en-GB" altLang="fr-FR" dirty="0"/>
+              <a:t> pour les </a:t>
+            </a:r>
+            <a:r>
+              <a:rPr lang="en-GB" altLang="fr-FR" dirty="0" err="1"/>
+              <a:t>objets</a:t>
+            </a:r>
+            <a:r>
+              <a:rPr lang="en-GB" altLang="fr-FR" dirty="0"/>
+              <a:t> </a:t>
+            </a:r>
+            <a:r>
+              <a:rPr lang="en-GB" altLang="fr-FR" dirty="0" err="1"/>
+              <a:t>modifiables</a:t>
+            </a:r>
+            <a:r>
+              <a:rPr lang="en-GB" altLang="fr-FR" dirty="0"/>
+              <a:t> </a:t>
+            </a:r>
+            <a:r>
+              <a:rPr lang="en-GB" altLang="fr-FR" dirty="0" err="1"/>
+              <a:t>comme</a:t>
+            </a:r>
+            <a:r>
+              <a:rPr lang="en-GB" altLang="fr-FR" dirty="0"/>
+              <a:t> les </a:t>
+            </a:r>
+            <a:r>
+              <a:rPr lang="en-GB" altLang="fr-FR" dirty="0" err="1"/>
+              <a:t>listes</a:t>
+            </a:r>
+            <a:endParaRPr lang="en-GB" altLang="fr-FR" dirty="0"/>
+          </a:p>
+          <a:p>
+            <a:pPr eaLnBrk="1" hangingPunct="1">
+              <a:spcBef>
+                <a:spcPts val="500"/>
+              </a:spcBef>
+              <a:spcAft>
+                <a:spcPts val="500"/>
+              </a:spcAft>
+            </a:pPr>
+            <a:r>
+              <a:rPr lang="en-GB" altLang="fr-FR" dirty="0"/>
+              <a:t>Pour cloner </a:t>
+            </a:r>
+            <a:r>
+              <a:rPr lang="en-GB" altLang="fr-FR" dirty="0" err="1"/>
+              <a:t>une</a:t>
+            </a:r>
+            <a:r>
+              <a:rPr lang="en-GB" altLang="fr-FR" dirty="0"/>
+              <a:t> </a:t>
+            </a:r>
+            <a:r>
+              <a:rPr lang="en-GB" altLang="fr-FR" dirty="0" err="1"/>
+              <a:t>liste</a:t>
+            </a:r>
+            <a:r>
+              <a:rPr lang="en-GB" altLang="fr-FR" dirty="0"/>
+              <a:t> utiliser la </a:t>
+            </a:r>
+            <a:r>
+              <a:rPr lang="en-GB" altLang="fr-FR" dirty="0" err="1"/>
+              <a:t>fonction</a:t>
+            </a:r>
+            <a:r>
+              <a:rPr lang="en-GB" altLang="fr-FR" dirty="0"/>
+              <a:t> list()</a:t>
+            </a:r>
+          </a:p>
+          <a:p>
+            <a:pPr lvl="1" eaLnBrk="1" hangingPunct="1">
+              <a:spcBef>
+                <a:spcPts val="500"/>
+              </a:spcBef>
+              <a:spcAft>
+                <a:spcPts val="500"/>
+              </a:spcAft>
+            </a:pPr>
+            <a:r>
+              <a:rPr lang="en-GB" altLang="fr-FR" dirty="0" err="1"/>
+              <a:t>Transforme</a:t>
+            </a:r>
+            <a:r>
+              <a:rPr lang="en-GB" altLang="fr-FR" dirty="0"/>
+              <a:t> </a:t>
+            </a:r>
+            <a:r>
+              <a:rPr lang="en-GB" altLang="fr-FR" dirty="0" err="1"/>
+              <a:t>une</a:t>
+            </a:r>
+            <a:r>
+              <a:rPr lang="en-GB" altLang="fr-FR" dirty="0"/>
+              <a:t> collection de </a:t>
+            </a:r>
+            <a:r>
+              <a:rPr lang="en-GB" altLang="fr-FR" dirty="0" err="1"/>
+              <a:t>valeurs</a:t>
+            </a:r>
+            <a:r>
+              <a:rPr lang="en-GB" altLang="fr-FR" dirty="0"/>
+              <a:t> </a:t>
+            </a:r>
+            <a:r>
+              <a:rPr lang="en-GB" altLang="fr-FR" dirty="0" err="1"/>
+              <a:t>en</a:t>
+            </a:r>
+            <a:r>
+              <a:rPr lang="en-GB" altLang="fr-FR" dirty="0"/>
+              <a:t> </a:t>
+            </a:r>
+            <a:r>
+              <a:rPr lang="en-GB" altLang="fr-FR" dirty="0" err="1"/>
+              <a:t>liste</a:t>
+            </a:r>
+            <a:endParaRPr lang="en-GB" altLang="fr-FR" dirty="0"/>
+          </a:p>
+          <a:p>
+            <a:pPr lvl="1" eaLnBrk="1" hangingPunct="1">
+              <a:spcBef>
+                <a:spcPts val="500"/>
+              </a:spcBef>
+              <a:spcAft>
+                <a:spcPts val="500"/>
+              </a:spcAft>
+            </a:pPr>
+            <a:endParaRPr lang="en-GB" altLang="fr-FR" dirty="0"/>
+          </a:p>
+        </p:txBody>
+      </p:sp>
+    </p:spTree>
+    <p:extLst>
+      <p:ext uri="{BB962C8B-B14F-4D97-AF65-F5344CB8AC3E}">
+        <p14:creationId xmlns:p14="http://schemas.microsoft.com/office/powerpoint/2010/main" val="2997700510"/>
+      </p:ext>
+    </p:extLst>
+  </p:cSld>
+  <p:clrMapOvr>
+    <a:masterClrMapping/>
+  </p:clrMapOvr>
+</p:sld>
+</file>
+
 <file path=ppt/slides/slide15.xml><?xml version="1.0" encoding="utf-8"?>
 <p:sld xmlns:a="http://schemas.openxmlformats.org/drawingml/2006/main" xmlns:r="http://schemas.openxmlformats.org/officeDocument/2006/relationships" xmlns:p="http://schemas.openxmlformats.org/presentationml/2006/main">
   <p:cSld>
@@ -9870,9 +10207,10 @@
           <a:lstStyle/>
           <a:p>
             <a:r>
-              <a:rPr lang="fr-FR" dirty="0"/>
-              <a:t>Remarques</a:t>
-            </a:r>
+              <a:rPr lang="fr-FR" dirty="0" err="1"/>
+              <a:t>Tuples</a:t>
+            </a:r>
+            <a:endParaRPr lang="fr-FR" dirty="0"/>
           </a:p>
         </p:txBody>
       </p:sp>
@@ -9891,446 +10229,6 @@
           <a:bodyPr/>
           <a:lstStyle/>
           <a:p>
-            <a:pPr eaLnBrk="1" hangingPunct="1">
-              <a:spcBef>
-                <a:spcPts val="500"/>
-              </a:spcBef>
-              <a:spcAft>
-                <a:spcPts val="500"/>
-              </a:spcAft>
-            </a:pPr>
-            <a:r>
-              <a:rPr lang="en-GB" altLang="fr-FR" dirty="0"/>
-              <a:t>Les </a:t>
-            </a:r>
-            <a:r>
-              <a:rPr lang="en-GB" altLang="fr-FR" dirty="0" err="1"/>
-              <a:t>opérateurs</a:t>
-            </a:r>
-            <a:r>
-              <a:rPr lang="en-GB" altLang="fr-FR" dirty="0"/>
-              <a:t> de </a:t>
-            </a:r>
-            <a:r>
-              <a:rPr lang="en-GB" altLang="fr-FR" dirty="0" err="1"/>
-              <a:t>comparaison</a:t>
-            </a:r>
-            <a:r>
-              <a:rPr lang="en-GB" altLang="fr-FR" dirty="0"/>
-              <a:t> </a:t>
-            </a:r>
-            <a:r>
-              <a:rPr lang="en-GB" altLang="fr-FR" b="1" dirty="0"/>
-              <a:t>in</a:t>
-            </a:r>
-            <a:r>
-              <a:rPr lang="en-GB" altLang="fr-FR" dirty="0"/>
-              <a:t> et </a:t>
-            </a:r>
-            <a:r>
-              <a:rPr lang="en-GB" altLang="fr-FR" b="1" dirty="0"/>
-              <a:t>not in</a:t>
-            </a:r>
-            <a:r>
-              <a:rPr lang="en-GB" altLang="fr-FR" dirty="0"/>
-              <a:t> </a:t>
-            </a:r>
-            <a:r>
-              <a:rPr lang="en-GB" altLang="fr-FR" dirty="0" err="1"/>
-              <a:t>vérifient</a:t>
-            </a:r>
-            <a:r>
-              <a:rPr lang="en-GB" altLang="fr-FR" dirty="0"/>
-              <a:t> </a:t>
-            </a:r>
-            <a:r>
-              <a:rPr lang="en-GB" altLang="fr-FR" dirty="0" err="1"/>
-              <a:t>si</a:t>
-            </a:r>
-            <a:r>
-              <a:rPr lang="en-GB" altLang="fr-FR" dirty="0"/>
-              <a:t> </a:t>
-            </a:r>
-            <a:r>
-              <a:rPr lang="en-GB" altLang="fr-FR" dirty="0" err="1"/>
-              <a:t>une</a:t>
-            </a:r>
-            <a:r>
-              <a:rPr lang="en-GB" altLang="fr-FR" dirty="0"/>
-              <a:t> </a:t>
-            </a:r>
-            <a:r>
-              <a:rPr lang="en-GB" altLang="fr-FR" dirty="0" err="1"/>
-              <a:t>valeur</a:t>
-            </a:r>
-            <a:r>
-              <a:rPr lang="en-GB" altLang="fr-FR" dirty="0"/>
-              <a:t> </a:t>
-            </a:r>
-            <a:r>
-              <a:rPr lang="en-GB" altLang="fr-FR" dirty="0" err="1"/>
-              <a:t>apparaît</a:t>
-            </a:r>
-            <a:r>
-              <a:rPr lang="en-GB" altLang="fr-FR" dirty="0"/>
-              <a:t> (</a:t>
-            </a:r>
-            <a:r>
-              <a:rPr lang="en-GB" altLang="fr-FR" dirty="0" err="1"/>
-              <a:t>ou</a:t>
-            </a:r>
-            <a:r>
-              <a:rPr lang="en-GB" altLang="fr-FR" dirty="0"/>
-              <a:t> non) </a:t>
-            </a:r>
-            <a:r>
-              <a:rPr lang="en-GB" altLang="fr-FR" dirty="0" err="1"/>
-              <a:t>dans</a:t>
-            </a:r>
-            <a:r>
-              <a:rPr lang="en-GB" altLang="fr-FR" dirty="0"/>
-              <a:t> </a:t>
-            </a:r>
-            <a:r>
-              <a:rPr lang="en-GB" altLang="fr-FR" dirty="0" err="1"/>
-              <a:t>une</a:t>
-            </a:r>
-            <a:r>
-              <a:rPr lang="en-GB" altLang="fr-FR" dirty="0"/>
-              <a:t> </a:t>
-            </a:r>
-            <a:r>
-              <a:rPr lang="en-GB" altLang="fr-FR" dirty="0" err="1"/>
-              <a:t>séquence</a:t>
-            </a:r>
-            <a:r>
-              <a:rPr lang="en-GB" altLang="fr-FR" dirty="0"/>
-              <a:t>. </a:t>
-            </a:r>
-          </a:p>
-          <a:p>
-            <a:pPr eaLnBrk="1" hangingPunct="1">
-              <a:spcBef>
-                <a:spcPts val="500"/>
-              </a:spcBef>
-              <a:spcAft>
-                <a:spcPts val="500"/>
-              </a:spcAft>
-            </a:pPr>
-            <a:r>
-              <a:rPr lang="en-GB" altLang="fr-FR" dirty="0"/>
-              <a:t>Les </a:t>
-            </a:r>
-            <a:r>
-              <a:rPr lang="en-GB" altLang="fr-FR" dirty="0" err="1"/>
-              <a:t>opérateurs</a:t>
-            </a:r>
-            <a:r>
-              <a:rPr lang="en-GB" altLang="fr-FR" dirty="0"/>
-              <a:t> </a:t>
-            </a:r>
-            <a:r>
-              <a:rPr lang="en-GB" altLang="fr-FR" b="1" dirty="0"/>
-              <a:t>is</a:t>
-            </a:r>
-            <a:r>
-              <a:rPr lang="en-GB" altLang="fr-FR" dirty="0"/>
-              <a:t> et </a:t>
-            </a:r>
-            <a:r>
-              <a:rPr lang="en-GB" altLang="fr-FR" b="1" dirty="0"/>
-              <a:t>is not</a:t>
-            </a:r>
-            <a:r>
-              <a:rPr lang="en-GB" altLang="fr-FR" dirty="0"/>
-              <a:t> </a:t>
-            </a:r>
-            <a:r>
-              <a:rPr lang="en-GB" altLang="fr-FR" dirty="0" err="1"/>
-              <a:t>vérifient</a:t>
-            </a:r>
-            <a:r>
-              <a:rPr lang="en-GB" altLang="fr-FR" dirty="0"/>
-              <a:t> </a:t>
-            </a:r>
-            <a:r>
-              <a:rPr lang="en-GB" altLang="fr-FR" dirty="0" err="1"/>
-              <a:t>si</a:t>
-            </a:r>
-            <a:r>
-              <a:rPr lang="en-GB" altLang="fr-FR" dirty="0"/>
-              <a:t> </a:t>
-            </a:r>
-            <a:r>
-              <a:rPr lang="en-GB" altLang="fr-FR" dirty="0" err="1"/>
-              <a:t>deux</a:t>
-            </a:r>
-            <a:r>
-              <a:rPr lang="en-GB" altLang="fr-FR" dirty="0"/>
-              <a:t> </a:t>
-            </a:r>
-            <a:r>
-              <a:rPr lang="en-GB" altLang="fr-FR" dirty="0" err="1"/>
-              <a:t>objets</a:t>
-            </a:r>
-            <a:r>
-              <a:rPr lang="en-GB" altLang="fr-FR" dirty="0"/>
-              <a:t> </a:t>
-            </a:r>
-            <a:r>
-              <a:rPr lang="en-GB" altLang="fr-FR" dirty="0" err="1"/>
-              <a:t>sont</a:t>
-            </a:r>
-            <a:r>
-              <a:rPr lang="en-GB" altLang="fr-FR" dirty="0"/>
-              <a:t> </a:t>
-            </a:r>
-            <a:r>
-              <a:rPr lang="en-GB" altLang="fr-FR" dirty="0" err="1"/>
-              <a:t>réellement</a:t>
-            </a:r>
-            <a:r>
-              <a:rPr lang="en-GB" altLang="fr-FR" dirty="0"/>
-              <a:t> le </a:t>
-            </a:r>
-            <a:r>
-              <a:rPr lang="en-GB" altLang="fr-FR" dirty="0" err="1"/>
-              <a:t>même</a:t>
-            </a:r>
-            <a:r>
-              <a:rPr lang="en-GB" altLang="fr-FR" dirty="0"/>
-              <a:t> objet</a:t>
-            </a:r>
-          </a:p>
-          <a:p>
-            <a:pPr lvl="1" eaLnBrk="1" hangingPunct="1">
-              <a:spcBef>
-                <a:spcPts val="500"/>
-              </a:spcBef>
-              <a:spcAft>
-                <a:spcPts val="500"/>
-              </a:spcAft>
-            </a:pPr>
-            <a:r>
-              <a:rPr lang="en-GB" altLang="fr-FR" dirty="0" err="1"/>
-              <a:t>ceci</a:t>
-            </a:r>
-            <a:r>
-              <a:rPr lang="en-GB" altLang="fr-FR" dirty="0"/>
-              <a:t> se </a:t>
-            </a:r>
-            <a:r>
-              <a:rPr lang="en-GB" altLang="fr-FR" dirty="0" err="1"/>
-              <a:t>justifie</a:t>
-            </a:r>
-            <a:r>
-              <a:rPr lang="en-GB" altLang="fr-FR" dirty="0"/>
-              <a:t> </a:t>
-            </a:r>
-            <a:r>
-              <a:rPr lang="en-GB" altLang="fr-FR" dirty="0" err="1"/>
-              <a:t>seulement</a:t>
-            </a:r>
-            <a:r>
-              <a:rPr lang="en-GB" altLang="fr-FR" dirty="0"/>
-              <a:t> pour les </a:t>
-            </a:r>
-            <a:r>
-              <a:rPr lang="en-GB" altLang="fr-FR" dirty="0" err="1"/>
-              <a:t>objets</a:t>
-            </a:r>
-            <a:r>
-              <a:rPr lang="en-GB" altLang="fr-FR" dirty="0"/>
-              <a:t> </a:t>
-            </a:r>
-            <a:r>
-              <a:rPr lang="en-GB" altLang="fr-FR" dirty="0" err="1"/>
-              <a:t>modifiables</a:t>
-            </a:r>
-            <a:r>
-              <a:rPr lang="en-GB" altLang="fr-FR" dirty="0"/>
-              <a:t> </a:t>
-            </a:r>
-            <a:r>
-              <a:rPr lang="en-GB" altLang="fr-FR" dirty="0" err="1"/>
-              <a:t>comme</a:t>
-            </a:r>
-            <a:r>
-              <a:rPr lang="en-GB" altLang="fr-FR" dirty="0"/>
-              <a:t> les </a:t>
-            </a:r>
-            <a:r>
-              <a:rPr lang="en-GB" altLang="fr-FR" dirty="0" err="1"/>
-              <a:t>listes</a:t>
-            </a:r>
-            <a:endParaRPr lang="en-GB" altLang="fr-FR" dirty="0"/>
-          </a:p>
-          <a:p>
-            <a:pPr eaLnBrk="1" hangingPunct="1">
-              <a:spcBef>
-                <a:spcPts val="500"/>
-              </a:spcBef>
-              <a:spcAft>
-                <a:spcPts val="500"/>
-              </a:spcAft>
-            </a:pPr>
-            <a:r>
-              <a:rPr lang="en-GB" altLang="fr-FR" dirty="0"/>
-              <a:t>Pour cloner </a:t>
-            </a:r>
-            <a:r>
-              <a:rPr lang="en-GB" altLang="fr-FR" dirty="0" err="1"/>
-              <a:t>une</a:t>
-            </a:r>
-            <a:r>
-              <a:rPr lang="en-GB" altLang="fr-FR" dirty="0"/>
-              <a:t> </a:t>
-            </a:r>
-            <a:r>
-              <a:rPr lang="en-GB" altLang="fr-FR" dirty="0" err="1"/>
-              <a:t>liste</a:t>
-            </a:r>
-            <a:r>
-              <a:rPr lang="en-GB" altLang="fr-FR" dirty="0"/>
-              <a:t> utiliser la </a:t>
-            </a:r>
-            <a:r>
-              <a:rPr lang="en-GB" altLang="fr-FR" dirty="0" err="1"/>
-              <a:t>fonction</a:t>
-            </a:r>
-            <a:r>
-              <a:rPr lang="en-GB" altLang="fr-FR" dirty="0"/>
-              <a:t> list()</a:t>
-            </a:r>
-          </a:p>
-          <a:p>
-            <a:pPr lvl="1" eaLnBrk="1" hangingPunct="1">
-              <a:spcBef>
-                <a:spcPts val="500"/>
-              </a:spcBef>
-              <a:spcAft>
-                <a:spcPts val="500"/>
-              </a:spcAft>
-            </a:pPr>
-            <a:r>
-              <a:rPr lang="en-GB" altLang="fr-FR" dirty="0" err="1"/>
-              <a:t>Transforme</a:t>
-            </a:r>
-            <a:r>
-              <a:rPr lang="en-GB" altLang="fr-FR" dirty="0"/>
-              <a:t> </a:t>
-            </a:r>
-            <a:r>
-              <a:rPr lang="en-GB" altLang="fr-FR" dirty="0" err="1"/>
-              <a:t>une</a:t>
-            </a:r>
-            <a:r>
-              <a:rPr lang="en-GB" altLang="fr-FR" dirty="0"/>
-              <a:t> collection de </a:t>
-            </a:r>
-            <a:r>
-              <a:rPr lang="en-GB" altLang="fr-FR" dirty="0" err="1"/>
-              <a:t>valeurs</a:t>
-            </a:r>
-            <a:r>
-              <a:rPr lang="en-GB" altLang="fr-FR" dirty="0"/>
-              <a:t> </a:t>
-            </a:r>
-            <a:r>
-              <a:rPr lang="en-GB" altLang="fr-FR" dirty="0" err="1"/>
-              <a:t>en</a:t>
-            </a:r>
-            <a:r>
-              <a:rPr lang="en-GB" altLang="fr-FR" dirty="0"/>
-              <a:t> </a:t>
-            </a:r>
-            <a:r>
-              <a:rPr lang="en-GB" altLang="fr-FR" dirty="0" err="1"/>
-              <a:t>liste</a:t>
-            </a:r>
-            <a:endParaRPr lang="en-GB" altLang="fr-FR" dirty="0"/>
-          </a:p>
-          <a:p>
-            <a:pPr lvl="1" eaLnBrk="1" hangingPunct="1">
-              <a:spcBef>
-                <a:spcPts val="500"/>
-              </a:spcBef>
-              <a:spcAft>
-                <a:spcPts val="500"/>
-              </a:spcAft>
-            </a:pPr>
-            <a:endParaRPr lang="en-GB" altLang="fr-FR" dirty="0"/>
-          </a:p>
-        </p:txBody>
-      </p:sp>
-    </p:spTree>
-    <p:extLst>
-      <p:ext uri="{BB962C8B-B14F-4D97-AF65-F5344CB8AC3E}">
-        <p14:creationId xmlns:p14="http://schemas.microsoft.com/office/powerpoint/2010/main" val="2997700510"/>
-      </p:ext>
-    </p:extLst>
-  </p:cSld>
-  <p:clrMapOvr>
-    <a:masterClrMapping/>
-  </p:clrMapOvr>
-</p:sld>
-</file>
-
-<file path=ppt/slides/slide16.xml><?xml version="1.0" encoding="utf-8"?>
-<p:sld xmlns:a="http://schemas.openxmlformats.org/drawingml/2006/main" xmlns:r="http://schemas.openxmlformats.org/officeDocument/2006/relationships" xmlns:p="http://schemas.openxmlformats.org/presentationml/2006/main">
-  <p:cSld>
-    <p:spTree>
-      <p:nvGrpSpPr>
-        <p:cNvPr id="1" name=""/>
-        <p:cNvGrpSpPr/>
-        <p:nvPr/>
-      </p:nvGrpSpPr>
-      <p:grpSpPr>
-        <a:xfrm>
-          <a:off x="0" y="0"/>
-          <a:ext cx="0" cy="0"/>
-          <a:chOff x="0" y="0"/>
-          <a:chExt cx="0" cy="0"/>
-        </a:xfrm>
-      </p:grpSpPr>
-      <p:sp>
-        <p:nvSpPr>
-          <p:cNvPr id="2" name="Titre 1"/>
-          <p:cNvSpPr>
-            <a:spLocks noGrp="1"/>
-          </p:cNvSpPr>
-          <p:nvPr>
-            <p:ph type="title"/>
-          </p:nvPr>
-        </p:nvSpPr>
-        <p:spPr/>
-        <p:txBody>
-          <a:bodyPr/>
-          <a:lstStyle/>
-          <a:p>
-            <a:r>
-              <a:rPr lang="fr-FR" dirty="0" err="1"/>
-              <a:t>Tuples</a:t>
-            </a:r>
-            <a:endParaRPr lang="fr-FR" dirty="0"/>
-          </a:p>
-        </p:txBody>
-      </p:sp>
-      <p:sp>
-        <p:nvSpPr>
-          <p:cNvPr id="3" name="Espace réservé du contenu 2"/>
-          <p:cNvSpPr>
-            <a:spLocks noGrp="1"/>
-          </p:cNvSpPr>
-          <p:nvPr>
-            <p:ph idx="1"/>
-          </p:nvPr>
-        </p:nvSpPr>
-        <p:spPr/>
-        <p:txBody>
-          <a:bodyPr/>
-          <a:lstStyle/>
-          <a:p>
             <a:r>
               <a:rPr lang="fr-FR" dirty="0"/>
               <a:t>Est une collection de valeurs non modifiable</a:t>
@@ -10513,7 +10411,7 @@
 </p:sld>
 </file>
 
-<file path=ppt/slides/slide17.xml><?xml version="1.0" encoding="utf-8"?>
+<file path=ppt/slides/slide16.xml><?xml version="1.0" encoding="utf-8"?>
 <p:sld xmlns:a="http://schemas.openxmlformats.org/drawingml/2006/main" xmlns:r="http://schemas.openxmlformats.org/officeDocument/2006/relationships" xmlns:p="http://schemas.openxmlformats.org/presentationml/2006/main">
   <p:cSld>
     <p:spTree>
@@ -10712,7 +10610,7 @@
 </p:sld>
 </file>
 
-<file path=ppt/slides/slide18.xml><?xml version="1.0" encoding="utf-8"?>
+<file path=ppt/slides/slide17.xml><?xml version="1.0" encoding="utf-8"?>
 <p:sld xmlns:a="http://schemas.openxmlformats.org/drawingml/2006/main" xmlns:r="http://schemas.openxmlformats.org/officeDocument/2006/relationships" xmlns:p="http://schemas.openxmlformats.org/presentationml/2006/main">
   <p:cSld>
     <p:spTree>
@@ -11080,7 +10978,7 @@
 </p:sld>
 </file>
 
-<file path=ppt/slides/slide19.xml><?xml version="1.0" encoding="utf-8"?>
+<file path=ppt/slides/slide18.xml><?xml version="1.0" encoding="utf-8"?>
 <p:sld xmlns:a="http://schemas.openxmlformats.org/drawingml/2006/main" xmlns:r="http://schemas.openxmlformats.org/officeDocument/2006/relationships" xmlns:p="http://schemas.openxmlformats.org/presentationml/2006/main">
   <p:cSld>
     <p:spTree>
@@ -11323,404 +11221,7 @@
 </p:sld>
 </file>
 
-<file path=ppt/slides/slide2.xml><?xml version="1.0" encoding="utf-8"?>
-<p:sld xmlns:a="http://schemas.openxmlformats.org/drawingml/2006/main" xmlns:r="http://schemas.openxmlformats.org/officeDocument/2006/relationships" xmlns:p="http://schemas.openxmlformats.org/presentationml/2006/main">
-  <p:cSld>
-    <p:spTree>
-      <p:nvGrpSpPr>
-        <p:cNvPr id="1" name=""/>
-        <p:cNvGrpSpPr/>
-        <p:nvPr/>
-      </p:nvGrpSpPr>
-      <p:grpSpPr>
-        <a:xfrm>
-          <a:off x="0" y="0"/>
-          <a:ext cx="0" cy="0"/>
-          <a:chOff x="0" y="0"/>
-          <a:chExt cx="0" cy="0"/>
-        </a:xfrm>
-      </p:grpSpPr>
-      <p:sp>
-        <p:nvSpPr>
-          <p:cNvPr id="2" name="Titre 1"/>
-          <p:cNvSpPr>
-            <a:spLocks noGrp="1"/>
-          </p:cNvSpPr>
-          <p:nvPr>
-            <p:ph type="title"/>
-          </p:nvPr>
-        </p:nvSpPr>
-        <p:spPr/>
-        <p:txBody>
-          <a:bodyPr/>
-          <a:lstStyle/>
-          <a:p>
-            <a:r>
-              <a:rPr lang="fr-FR" dirty="0"/>
-              <a:t>Les listes</a:t>
-            </a:r>
-          </a:p>
-        </p:txBody>
-      </p:sp>
-      <p:sp>
-        <p:nvSpPr>
-          <p:cNvPr id="3" name="Espace réservé du contenu 2"/>
-          <p:cNvSpPr>
-            <a:spLocks noGrp="1"/>
-          </p:cNvSpPr>
-          <p:nvPr>
-            <p:ph idx="1"/>
-          </p:nvPr>
-        </p:nvSpPr>
-        <p:spPr/>
-        <p:txBody>
-          <a:bodyPr/>
-          <a:lstStyle/>
-          <a:p>
-            <a:pPr eaLnBrk="1" hangingPunct="1">
-              <a:lnSpc>
-                <a:spcPct val="90000"/>
-              </a:lnSpc>
-            </a:pPr>
-            <a:r>
-              <a:rPr lang="en-GB" altLang="fr-FR" dirty="0"/>
-              <a:t>Il </a:t>
-            </a:r>
-            <a:r>
-              <a:rPr lang="en-GB" altLang="fr-FR" dirty="0" err="1"/>
-              <a:t>s’agit</a:t>
-            </a:r>
-            <a:r>
-              <a:rPr lang="en-GB" altLang="fr-FR" dirty="0"/>
-              <a:t> </a:t>
-            </a:r>
-            <a:r>
-              <a:rPr lang="en-GB" altLang="fr-FR" dirty="0" err="1"/>
-              <a:t>d’une</a:t>
-            </a:r>
-            <a:r>
-              <a:rPr lang="en-GB" altLang="fr-FR" dirty="0"/>
-              <a:t> collection </a:t>
-            </a:r>
-            <a:r>
-              <a:rPr lang="en-GB" altLang="fr-FR" dirty="0" err="1"/>
-              <a:t>d’objets</a:t>
-            </a:r>
-            <a:endParaRPr lang="en-GB" altLang="fr-FR" dirty="0"/>
-          </a:p>
-          <a:p>
-            <a:pPr lvl="1" eaLnBrk="1" hangingPunct="1">
-              <a:lnSpc>
-                <a:spcPct val="90000"/>
-              </a:lnSpc>
-            </a:pPr>
-            <a:r>
-              <a:rPr lang="en-GB" altLang="fr-FR" dirty="0" err="1"/>
-              <a:t>une</a:t>
-            </a:r>
-            <a:r>
-              <a:rPr lang="en-GB" altLang="fr-FR" dirty="0"/>
-              <a:t> </a:t>
-            </a:r>
-            <a:r>
-              <a:rPr lang="en-GB" altLang="fr-FR" dirty="0" err="1"/>
-              <a:t>liste</a:t>
-            </a:r>
-            <a:r>
-              <a:rPr lang="en-GB" altLang="fr-FR" dirty="0"/>
-              <a:t> de </a:t>
-            </a:r>
-            <a:r>
-              <a:rPr lang="en-GB" altLang="fr-FR" dirty="0" err="1"/>
-              <a:t>valeurs</a:t>
-            </a:r>
-            <a:r>
-              <a:rPr lang="en-GB" altLang="fr-FR" dirty="0"/>
-              <a:t> (</a:t>
-            </a:r>
-            <a:r>
-              <a:rPr lang="en-GB" altLang="fr-FR" dirty="0" err="1"/>
-              <a:t>ou</a:t>
-            </a:r>
-            <a:r>
-              <a:rPr lang="en-GB" altLang="fr-FR" dirty="0"/>
-              <a:t> </a:t>
-            </a:r>
-            <a:r>
-              <a:rPr lang="en-GB" altLang="fr-FR" dirty="0" err="1"/>
-              <a:t>éléments</a:t>
-            </a:r>
-            <a:r>
-              <a:rPr lang="en-GB" altLang="fr-FR" dirty="0"/>
-              <a:t>) entre crochets </a:t>
-            </a:r>
-            <a:r>
-              <a:rPr lang="en-GB" altLang="fr-FR" dirty="0" err="1"/>
-              <a:t>séparés</a:t>
-            </a:r>
-            <a:r>
-              <a:rPr lang="en-GB" altLang="fr-FR" dirty="0"/>
-              <a:t> par des virgules.</a:t>
-            </a:r>
-          </a:p>
-          <a:p>
-            <a:pPr lvl="1" eaLnBrk="1" hangingPunct="1">
-              <a:lnSpc>
-                <a:spcPct val="90000"/>
-              </a:lnSpc>
-            </a:pPr>
-            <a:r>
-              <a:rPr lang="en-GB" altLang="fr-FR" dirty="0"/>
-              <a:t>Les </a:t>
-            </a:r>
-            <a:r>
-              <a:rPr lang="en-GB" altLang="fr-FR" dirty="0" err="1"/>
-              <a:t>éléments</a:t>
-            </a:r>
-            <a:r>
-              <a:rPr lang="en-GB" altLang="fr-FR" dirty="0"/>
-              <a:t> de la </a:t>
-            </a:r>
-            <a:r>
-              <a:rPr lang="en-GB" altLang="fr-FR" dirty="0" err="1"/>
-              <a:t>liste</a:t>
-            </a:r>
-            <a:r>
-              <a:rPr lang="en-GB" altLang="fr-FR" dirty="0"/>
-              <a:t> </a:t>
-            </a:r>
-            <a:r>
-              <a:rPr lang="en-GB" altLang="fr-FR" dirty="0" err="1"/>
-              <a:t>n’ont</a:t>
-            </a:r>
-            <a:r>
-              <a:rPr lang="en-GB" altLang="fr-FR" dirty="0"/>
-              <a:t> pas </a:t>
-            </a:r>
-            <a:r>
-              <a:rPr lang="en-GB" altLang="fr-FR" dirty="0" err="1"/>
-              <a:t>nécessairement</a:t>
-            </a:r>
-            <a:r>
-              <a:rPr lang="en-GB" altLang="fr-FR" dirty="0"/>
-              <a:t> le </a:t>
-            </a:r>
-            <a:r>
-              <a:rPr lang="en-GB" altLang="fr-FR" dirty="0" err="1"/>
-              <a:t>même</a:t>
-            </a:r>
-            <a:r>
-              <a:rPr lang="en-GB" altLang="fr-FR" dirty="0"/>
-              <a:t> type</a:t>
-            </a:r>
-          </a:p>
-          <a:p>
-            <a:pPr lvl="1" eaLnBrk="1" hangingPunct="1">
-              <a:lnSpc>
-                <a:spcPct val="90000"/>
-              </a:lnSpc>
-            </a:pPr>
-            <a:r>
-              <a:rPr lang="en-GB" altLang="fr-FR" dirty="0" err="1"/>
-              <a:t>Voici</a:t>
-            </a:r>
-            <a:r>
-              <a:rPr lang="en-GB" altLang="fr-FR" dirty="0"/>
-              <a:t> </a:t>
-            </a:r>
-            <a:r>
-              <a:rPr lang="en-GB" altLang="fr-FR" dirty="0" err="1"/>
-              <a:t>une</a:t>
-            </a:r>
-            <a:r>
-              <a:rPr lang="en-GB" altLang="fr-FR" dirty="0"/>
-              <a:t> </a:t>
-            </a:r>
-            <a:r>
-              <a:rPr lang="en-GB" altLang="fr-FR" dirty="0" err="1"/>
-              <a:t>liste</a:t>
-            </a:r>
-            <a:r>
-              <a:rPr lang="en-GB" altLang="fr-FR" dirty="0"/>
-              <a:t> de 4 </a:t>
-            </a:r>
-            <a:r>
-              <a:rPr lang="en-GB" altLang="fr-FR" dirty="0" err="1"/>
-              <a:t>éléments</a:t>
-            </a:r>
-            <a:endParaRPr lang="en-GB" altLang="fr-FR" dirty="0"/>
-          </a:p>
-          <a:p>
-            <a:pPr lvl="1" eaLnBrk="1" hangingPunct="1">
-              <a:lnSpc>
-                <a:spcPct val="90000"/>
-              </a:lnSpc>
-            </a:pPr>
-            <a:r>
-              <a:rPr lang="en-GB" altLang="fr-FR" dirty="0"/>
-              <a:t>&gt;&gt;&gt;a = [‘spam’, ‘eggs’,100,1234]				  </a:t>
-            </a:r>
-          </a:p>
-          <a:p>
-            <a:pPr eaLnBrk="1" hangingPunct="1">
-              <a:lnSpc>
-                <a:spcPct val="90000"/>
-              </a:lnSpc>
-            </a:pPr>
-            <a:r>
-              <a:rPr lang="en-GB" altLang="fr-FR" dirty="0" err="1"/>
-              <a:t>Comme</a:t>
-            </a:r>
-            <a:r>
-              <a:rPr lang="en-GB" altLang="fr-FR" dirty="0"/>
-              <a:t> les indices des </a:t>
-            </a:r>
-            <a:r>
-              <a:rPr lang="en-GB" altLang="fr-FR" dirty="0" err="1"/>
-              <a:t>chaînes</a:t>
-            </a:r>
-            <a:r>
-              <a:rPr lang="en-GB" altLang="fr-FR" dirty="0"/>
-              <a:t>, les indices des </a:t>
-            </a:r>
-            <a:r>
-              <a:rPr lang="en-GB" altLang="fr-FR" dirty="0" err="1"/>
-              <a:t>listes</a:t>
-            </a:r>
-            <a:r>
-              <a:rPr lang="en-GB" altLang="fr-FR" dirty="0"/>
-              <a:t> </a:t>
-            </a:r>
-            <a:r>
-              <a:rPr lang="en-GB" altLang="fr-FR" dirty="0" err="1"/>
-              <a:t>commencent</a:t>
-            </a:r>
-            <a:r>
-              <a:rPr lang="en-GB" altLang="fr-FR" dirty="0"/>
-              <a:t> à 0, et les </a:t>
-            </a:r>
-            <a:r>
-              <a:rPr lang="en-GB" altLang="fr-FR" dirty="0" err="1"/>
-              <a:t>listes</a:t>
-            </a:r>
-            <a:r>
-              <a:rPr lang="en-GB" altLang="fr-FR" dirty="0"/>
-              <a:t> </a:t>
-            </a:r>
-            <a:r>
-              <a:rPr lang="en-GB" altLang="fr-FR" dirty="0" err="1"/>
-              <a:t>peuvent</a:t>
-            </a:r>
-            <a:r>
-              <a:rPr lang="en-GB" altLang="fr-FR" dirty="0"/>
-              <a:t> </a:t>
-            </a:r>
-            <a:r>
-              <a:rPr lang="en-GB" altLang="fr-FR" dirty="0" err="1"/>
-              <a:t>étre</a:t>
-            </a:r>
-            <a:r>
-              <a:rPr lang="en-GB" altLang="fr-FR" dirty="0"/>
-              <a:t> </a:t>
-            </a:r>
-            <a:r>
-              <a:rPr lang="en-GB" altLang="fr-FR" dirty="0" err="1"/>
-              <a:t>découpées</a:t>
-            </a:r>
-            <a:r>
-              <a:rPr lang="en-GB" altLang="fr-FR" dirty="0"/>
-              <a:t>, </a:t>
-            </a:r>
-            <a:r>
-              <a:rPr lang="en-GB" altLang="fr-FR" dirty="0" err="1"/>
-              <a:t>concaténées</a:t>
-            </a:r>
-            <a:endParaRPr lang="en-GB" altLang="fr-FR" dirty="0"/>
-          </a:p>
-          <a:p>
-            <a:pPr eaLnBrk="1" hangingPunct="1">
-              <a:lnSpc>
-                <a:spcPct val="90000"/>
-              </a:lnSpc>
-            </a:pPr>
-            <a:r>
-              <a:rPr lang="en-GB" altLang="fr-FR" dirty="0"/>
-              <a:t>Les </a:t>
-            </a:r>
-            <a:r>
-              <a:rPr lang="en-GB" altLang="fr-FR" dirty="0" err="1"/>
-              <a:t>listes</a:t>
-            </a:r>
-            <a:r>
-              <a:rPr lang="en-GB" altLang="fr-FR" dirty="0"/>
-              <a:t> </a:t>
-            </a:r>
-            <a:r>
-              <a:rPr lang="en-GB" altLang="fr-FR" dirty="0" err="1"/>
-              <a:t>sont</a:t>
-            </a:r>
-            <a:r>
-              <a:rPr lang="en-GB" altLang="fr-FR" b="1" dirty="0"/>
-              <a:t> </a:t>
-            </a:r>
-            <a:r>
-              <a:rPr lang="en-GB" altLang="fr-FR" b="1" dirty="0" err="1"/>
-              <a:t>modifiables</a:t>
-            </a:r>
-            <a:r>
-              <a:rPr lang="en-GB" altLang="fr-FR" dirty="0" err="1"/>
-              <a:t>,on</a:t>
-            </a:r>
-            <a:r>
-              <a:rPr lang="en-GB" altLang="fr-FR" dirty="0"/>
-              <a:t> </a:t>
-            </a:r>
-            <a:r>
-              <a:rPr lang="en-GB" altLang="fr-FR" dirty="0" err="1"/>
-              <a:t>peut</a:t>
-            </a:r>
-            <a:r>
-              <a:rPr lang="en-GB" altLang="fr-FR" dirty="0"/>
-              <a:t> </a:t>
-            </a:r>
-            <a:r>
-              <a:rPr lang="en-GB" altLang="fr-FR" dirty="0" err="1"/>
-              <a:t>donc</a:t>
-            </a:r>
-            <a:r>
-              <a:rPr lang="en-GB" altLang="fr-FR" dirty="0"/>
-              <a:t> changer les </a:t>
-            </a:r>
-            <a:r>
-              <a:rPr lang="en-GB" altLang="fr-FR" dirty="0" err="1"/>
-              <a:t>éléments</a:t>
-            </a:r>
-            <a:r>
-              <a:rPr lang="en-GB" altLang="fr-FR" dirty="0"/>
-              <a:t> </a:t>
-            </a:r>
-            <a:r>
-              <a:rPr lang="en-GB" altLang="fr-FR" dirty="0" err="1"/>
-              <a:t>individuellement</a:t>
-            </a:r>
-            <a:endParaRPr lang="fr-FR" dirty="0"/>
-          </a:p>
-        </p:txBody>
-      </p:sp>
-    </p:spTree>
-    <p:extLst>
-      <p:ext uri="{BB962C8B-B14F-4D97-AF65-F5344CB8AC3E}">
-        <p14:creationId xmlns:p14="http://schemas.microsoft.com/office/powerpoint/2010/main" val="613000178"/>
-      </p:ext>
-    </p:extLst>
-  </p:cSld>
-  <p:clrMapOvr>
-    <a:masterClrMapping/>
-  </p:clrMapOvr>
-</p:sld>
-</file>
-
-<file path=ppt/slides/slide20.xml><?xml version="1.0" encoding="utf-8"?>
+<file path=ppt/slides/slide19.xml><?xml version="1.0" encoding="utf-8"?>
 <p:sld xmlns:a="http://schemas.openxmlformats.org/drawingml/2006/main" xmlns:r="http://schemas.openxmlformats.org/officeDocument/2006/relationships" xmlns:p="http://schemas.openxmlformats.org/presentationml/2006/main">
   <p:cSld>
     <p:spTree>
@@ -12124,7 +11625,7 @@
 </p:sld>
 </file>
 
-<file path=ppt/slides/slide21.xml><?xml version="1.0" encoding="utf-8"?>
+<file path=ppt/slides/slide2.xml><?xml version="1.0" encoding="utf-8"?>
 <p:sld xmlns:a="http://schemas.openxmlformats.org/drawingml/2006/main" xmlns:r="http://schemas.openxmlformats.org/officeDocument/2006/relationships" xmlns:p="http://schemas.openxmlformats.org/presentationml/2006/main">
   <p:cSld>
     <p:spTree>
@@ -12158,7 +11659,7 @@
           <a:p>
             <a:r>
               <a:rPr lang="fr-FR" dirty="0"/>
-              <a:t>zip</a:t>
+              <a:t>Les listes</a:t>
             </a:r>
           </a:p>
         </p:txBody>
@@ -12178,6 +11679,403 @@
           <a:bodyPr/>
           <a:lstStyle/>
           <a:p>
+            <a:pPr eaLnBrk="1" hangingPunct="1">
+              <a:lnSpc>
+                <a:spcPct val="90000"/>
+              </a:lnSpc>
+            </a:pPr>
+            <a:r>
+              <a:rPr lang="en-GB" altLang="fr-FR" dirty="0"/>
+              <a:t>Il </a:t>
+            </a:r>
+            <a:r>
+              <a:rPr lang="en-GB" altLang="fr-FR" dirty="0" err="1"/>
+              <a:t>s’agit</a:t>
+            </a:r>
+            <a:r>
+              <a:rPr lang="en-GB" altLang="fr-FR" dirty="0"/>
+              <a:t> </a:t>
+            </a:r>
+            <a:r>
+              <a:rPr lang="en-GB" altLang="fr-FR" dirty="0" err="1"/>
+              <a:t>d’une</a:t>
+            </a:r>
+            <a:r>
+              <a:rPr lang="en-GB" altLang="fr-FR" dirty="0"/>
+              <a:t> collection </a:t>
+            </a:r>
+            <a:r>
+              <a:rPr lang="en-GB" altLang="fr-FR" dirty="0" err="1"/>
+              <a:t>d’objets</a:t>
+            </a:r>
+            <a:endParaRPr lang="en-GB" altLang="fr-FR" dirty="0"/>
+          </a:p>
+          <a:p>
+            <a:pPr lvl="1" eaLnBrk="1" hangingPunct="1">
+              <a:lnSpc>
+                <a:spcPct val="90000"/>
+              </a:lnSpc>
+            </a:pPr>
+            <a:r>
+              <a:rPr lang="en-GB" altLang="fr-FR" dirty="0" err="1"/>
+              <a:t>une</a:t>
+            </a:r>
+            <a:r>
+              <a:rPr lang="en-GB" altLang="fr-FR" dirty="0"/>
+              <a:t> </a:t>
+            </a:r>
+            <a:r>
+              <a:rPr lang="en-GB" altLang="fr-FR" dirty="0" err="1"/>
+              <a:t>liste</a:t>
+            </a:r>
+            <a:r>
+              <a:rPr lang="en-GB" altLang="fr-FR" dirty="0"/>
+              <a:t> de </a:t>
+            </a:r>
+            <a:r>
+              <a:rPr lang="en-GB" altLang="fr-FR" dirty="0" err="1"/>
+              <a:t>valeurs</a:t>
+            </a:r>
+            <a:r>
+              <a:rPr lang="en-GB" altLang="fr-FR" dirty="0"/>
+              <a:t> (</a:t>
+            </a:r>
+            <a:r>
+              <a:rPr lang="en-GB" altLang="fr-FR" dirty="0" err="1"/>
+              <a:t>ou</a:t>
+            </a:r>
+            <a:r>
+              <a:rPr lang="en-GB" altLang="fr-FR" dirty="0"/>
+              <a:t> </a:t>
+            </a:r>
+            <a:r>
+              <a:rPr lang="en-GB" altLang="fr-FR" dirty="0" err="1"/>
+              <a:t>éléments</a:t>
+            </a:r>
+            <a:r>
+              <a:rPr lang="en-GB" altLang="fr-FR" dirty="0"/>
+              <a:t>) entre crochets </a:t>
+            </a:r>
+            <a:r>
+              <a:rPr lang="en-GB" altLang="fr-FR" dirty="0" err="1"/>
+              <a:t>séparés</a:t>
+            </a:r>
+            <a:r>
+              <a:rPr lang="en-GB" altLang="fr-FR" dirty="0"/>
+              <a:t> par des virgules.</a:t>
+            </a:r>
+          </a:p>
+          <a:p>
+            <a:pPr lvl="1" eaLnBrk="1" hangingPunct="1">
+              <a:lnSpc>
+                <a:spcPct val="90000"/>
+              </a:lnSpc>
+            </a:pPr>
+            <a:r>
+              <a:rPr lang="en-GB" altLang="fr-FR" dirty="0"/>
+              <a:t>Les </a:t>
+            </a:r>
+            <a:r>
+              <a:rPr lang="en-GB" altLang="fr-FR" dirty="0" err="1"/>
+              <a:t>éléments</a:t>
+            </a:r>
+            <a:r>
+              <a:rPr lang="en-GB" altLang="fr-FR" dirty="0"/>
+              <a:t> de la </a:t>
+            </a:r>
+            <a:r>
+              <a:rPr lang="en-GB" altLang="fr-FR" dirty="0" err="1"/>
+              <a:t>liste</a:t>
+            </a:r>
+            <a:r>
+              <a:rPr lang="en-GB" altLang="fr-FR" dirty="0"/>
+              <a:t> </a:t>
+            </a:r>
+            <a:r>
+              <a:rPr lang="en-GB" altLang="fr-FR" dirty="0" err="1"/>
+              <a:t>n’ont</a:t>
+            </a:r>
+            <a:r>
+              <a:rPr lang="en-GB" altLang="fr-FR" dirty="0"/>
+              <a:t> pas </a:t>
+            </a:r>
+            <a:r>
+              <a:rPr lang="en-GB" altLang="fr-FR" dirty="0" err="1"/>
+              <a:t>nécessairement</a:t>
+            </a:r>
+            <a:r>
+              <a:rPr lang="en-GB" altLang="fr-FR" dirty="0"/>
+              <a:t> le </a:t>
+            </a:r>
+            <a:r>
+              <a:rPr lang="en-GB" altLang="fr-FR" dirty="0" err="1"/>
+              <a:t>même</a:t>
+            </a:r>
+            <a:r>
+              <a:rPr lang="en-GB" altLang="fr-FR" dirty="0"/>
+              <a:t> type</a:t>
+            </a:r>
+          </a:p>
+          <a:p>
+            <a:pPr lvl="1" eaLnBrk="1" hangingPunct="1">
+              <a:lnSpc>
+                <a:spcPct val="90000"/>
+              </a:lnSpc>
+            </a:pPr>
+            <a:r>
+              <a:rPr lang="en-GB" altLang="fr-FR" dirty="0" err="1"/>
+              <a:t>Voici</a:t>
+            </a:r>
+            <a:r>
+              <a:rPr lang="en-GB" altLang="fr-FR" dirty="0"/>
+              <a:t> </a:t>
+            </a:r>
+            <a:r>
+              <a:rPr lang="en-GB" altLang="fr-FR" dirty="0" err="1"/>
+              <a:t>une</a:t>
+            </a:r>
+            <a:r>
+              <a:rPr lang="en-GB" altLang="fr-FR" dirty="0"/>
+              <a:t> </a:t>
+            </a:r>
+            <a:r>
+              <a:rPr lang="en-GB" altLang="fr-FR" dirty="0" err="1"/>
+              <a:t>liste</a:t>
+            </a:r>
+            <a:r>
+              <a:rPr lang="en-GB" altLang="fr-FR" dirty="0"/>
+              <a:t> de 4 </a:t>
+            </a:r>
+            <a:r>
+              <a:rPr lang="en-GB" altLang="fr-FR" dirty="0" err="1"/>
+              <a:t>éléments</a:t>
+            </a:r>
+            <a:endParaRPr lang="en-GB" altLang="fr-FR" dirty="0"/>
+          </a:p>
+          <a:p>
+            <a:pPr lvl="1" eaLnBrk="1" hangingPunct="1">
+              <a:lnSpc>
+                <a:spcPct val="90000"/>
+              </a:lnSpc>
+            </a:pPr>
+            <a:r>
+              <a:rPr lang="en-GB" altLang="fr-FR" dirty="0"/>
+              <a:t>&gt;&gt;&gt;a = [‘spam’, ‘eggs’,100,1234]				  </a:t>
+            </a:r>
+          </a:p>
+          <a:p>
+            <a:pPr eaLnBrk="1" hangingPunct="1">
+              <a:lnSpc>
+                <a:spcPct val="90000"/>
+              </a:lnSpc>
+            </a:pPr>
+            <a:r>
+              <a:rPr lang="en-GB" altLang="fr-FR" dirty="0" err="1"/>
+              <a:t>Comme</a:t>
+            </a:r>
+            <a:r>
+              <a:rPr lang="en-GB" altLang="fr-FR" dirty="0"/>
+              <a:t> les indices des </a:t>
+            </a:r>
+            <a:r>
+              <a:rPr lang="en-GB" altLang="fr-FR" dirty="0" err="1"/>
+              <a:t>chaînes</a:t>
+            </a:r>
+            <a:r>
+              <a:rPr lang="en-GB" altLang="fr-FR" dirty="0"/>
+              <a:t>, les indices des </a:t>
+            </a:r>
+            <a:r>
+              <a:rPr lang="en-GB" altLang="fr-FR" dirty="0" err="1"/>
+              <a:t>listes</a:t>
+            </a:r>
+            <a:r>
+              <a:rPr lang="en-GB" altLang="fr-FR" dirty="0"/>
+              <a:t> </a:t>
+            </a:r>
+            <a:r>
+              <a:rPr lang="en-GB" altLang="fr-FR" dirty="0" err="1"/>
+              <a:t>commencent</a:t>
+            </a:r>
+            <a:r>
+              <a:rPr lang="en-GB" altLang="fr-FR" dirty="0"/>
+              <a:t> à 0, et les </a:t>
+            </a:r>
+            <a:r>
+              <a:rPr lang="en-GB" altLang="fr-FR" dirty="0" err="1"/>
+              <a:t>listes</a:t>
+            </a:r>
+            <a:r>
+              <a:rPr lang="en-GB" altLang="fr-FR" dirty="0"/>
+              <a:t> </a:t>
+            </a:r>
+            <a:r>
+              <a:rPr lang="en-GB" altLang="fr-FR" dirty="0" err="1"/>
+              <a:t>peuvent</a:t>
+            </a:r>
+            <a:r>
+              <a:rPr lang="en-GB" altLang="fr-FR" dirty="0"/>
+              <a:t> </a:t>
+            </a:r>
+            <a:r>
+              <a:rPr lang="en-GB" altLang="fr-FR" dirty="0" err="1"/>
+              <a:t>étre</a:t>
+            </a:r>
+            <a:r>
+              <a:rPr lang="en-GB" altLang="fr-FR" dirty="0"/>
+              <a:t> </a:t>
+            </a:r>
+            <a:r>
+              <a:rPr lang="en-GB" altLang="fr-FR" dirty="0" err="1"/>
+              <a:t>découpées</a:t>
+            </a:r>
+            <a:r>
+              <a:rPr lang="en-GB" altLang="fr-FR" dirty="0"/>
+              <a:t>, </a:t>
+            </a:r>
+            <a:r>
+              <a:rPr lang="en-GB" altLang="fr-FR" dirty="0" err="1"/>
+              <a:t>concaténées</a:t>
+            </a:r>
+            <a:endParaRPr lang="en-GB" altLang="fr-FR" dirty="0"/>
+          </a:p>
+          <a:p>
+            <a:pPr eaLnBrk="1" hangingPunct="1">
+              <a:lnSpc>
+                <a:spcPct val="90000"/>
+              </a:lnSpc>
+            </a:pPr>
+            <a:r>
+              <a:rPr lang="en-GB" altLang="fr-FR" dirty="0"/>
+              <a:t>Les </a:t>
+            </a:r>
+            <a:r>
+              <a:rPr lang="en-GB" altLang="fr-FR" dirty="0" err="1"/>
+              <a:t>listes</a:t>
+            </a:r>
+            <a:r>
+              <a:rPr lang="en-GB" altLang="fr-FR" dirty="0"/>
+              <a:t> </a:t>
+            </a:r>
+            <a:r>
+              <a:rPr lang="en-GB" altLang="fr-FR" dirty="0" err="1"/>
+              <a:t>sont</a:t>
+            </a:r>
+            <a:r>
+              <a:rPr lang="en-GB" altLang="fr-FR" b="1" dirty="0"/>
+              <a:t> </a:t>
+            </a:r>
+            <a:r>
+              <a:rPr lang="en-GB" altLang="fr-FR" b="1" dirty="0" err="1"/>
+              <a:t>modifiables</a:t>
+            </a:r>
+            <a:r>
+              <a:rPr lang="en-GB" altLang="fr-FR" dirty="0" err="1"/>
+              <a:t>,on</a:t>
+            </a:r>
+            <a:r>
+              <a:rPr lang="en-GB" altLang="fr-FR" dirty="0"/>
+              <a:t> </a:t>
+            </a:r>
+            <a:r>
+              <a:rPr lang="en-GB" altLang="fr-FR" dirty="0" err="1"/>
+              <a:t>peut</a:t>
+            </a:r>
+            <a:r>
+              <a:rPr lang="en-GB" altLang="fr-FR" dirty="0"/>
+              <a:t> </a:t>
+            </a:r>
+            <a:r>
+              <a:rPr lang="en-GB" altLang="fr-FR" dirty="0" err="1"/>
+              <a:t>donc</a:t>
+            </a:r>
+            <a:r>
+              <a:rPr lang="en-GB" altLang="fr-FR" dirty="0"/>
+              <a:t> changer les </a:t>
+            </a:r>
+            <a:r>
+              <a:rPr lang="en-GB" altLang="fr-FR" dirty="0" err="1"/>
+              <a:t>éléments</a:t>
+            </a:r>
+            <a:r>
+              <a:rPr lang="en-GB" altLang="fr-FR" dirty="0"/>
+              <a:t> </a:t>
+            </a:r>
+            <a:r>
+              <a:rPr lang="en-GB" altLang="fr-FR" dirty="0" err="1"/>
+              <a:t>individuellement</a:t>
+            </a:r>
+            <a:endParaRPr lang="fr-FR" dirty="0"/>
+          </a:p>
+        </p:txBody>
+      </p:sp>
+    </p:spTree>
+    <p:extLst>
+      <p:ext uri="{BB962C8B-B14F-4D97-AF65-F5344CB8AC3E}">
+        <p14:creationId xmlns:p14="http://schemas.microsoft.com/office/powerpoint/2010/main" val="613000178"/>
+      </p:ext>
+    </p:extLst>
+  </p:cSld>
+  <p:clrMapOvr>
+    <a:masterClrMapping/>
+  </p:clrMapOvr>
+</p:sld>
+</file>
+
+<file path=ppt/slides/slide20.xml><?xml version="1.0" encoding="utf-8"?>
+<p:sld xmlns:a="http://schemas.openxmlformats.org/drawingml/2006/main" xmlns:r="http://schemas.openxmlformats.org/officeDocument/2006/relationships" xmlns:p="http://schemas.openxmlformats.org/presentationml/2006/main">
+  <p:cSld>
+    <p:spTree>
+      <p:nvGrpSpPr>
+        <p:cNvPr id="1" name=""/>
+        <p:cNvGrpSpPr/>
+        <p:nvPr/>
+      </p:nvGrpSpPr>
+      <p:grpSpPr>
+        <a:xfrm>
+          <a:off x="0" y="0"/>
+          <a:ext cx="0" cy="0"/>
+          <a:chOff x="0" y="0"/>
+          <a:chExt cx="0" cy="0"/>
+        </a:xfrm>
+      </p:grpSpPr>
+      <p:sp>
+        <p:nvSpPr>
+          <p:cNvPr id="2" name="Titre 1"/>
+          <p:cNvSpPr>
+            <a:spLocks noGrp="1"/>
+          </p:cNvSpPr>
+          <p:nvPr>
+            <p:ph type="title"/>
+          </p:nvPr>
+        </p:nvSpPr>
+        <p:spPr/>
+        <p:txBody>
+          <a:bodyPr/>
+          <a:lstStyle/>
+          <a:p>
+            <a:r>
+              <a:rPr lang="fr-FR" dirty="0"/>
+              <a:t>zip</a:t>
+            </a:r>
+          </a:p>
+        </p:txBody>
+      </p:sp>
+      <p:sp>
+        <p:nvSpPr>
+          <p:cNvPr id="3" name="Espace réservé du contenu 2"/>
+          <p:cNvSpPr>
+            <a:spLocks noGrp="1"/>
+          </p:cNvSpPr>
+          <p:nvPr>
+            <p:ph idx="1"/>
+          </p:nvPr>
+        </p:nvSpPr>
+        <p:spPr/>
+        <p:txBody>
+          <a:bodyPr/>
+          <a:lstStyle/>
+          <a:p>
             <a:r>
               <a:rPr lang="fr-FR" dirty="0"/>
               <a:t>Permet de lier 2 listes en une liste de </a:t>
@@ -12359,7 +12257,7 @@
 </p:sld>
 </file>
 
-<file path=ppt/slides/slide22.xml><?xml version="1.0" encoding="utf-8"?>
+<file path=ppt/slides/slide21.xml><?xml version="1.0" encoding="utf-8"?>
 <p:sld xmlns:a="http://schemas.openxmlformats.org/drawingml/2006/main" xmlns:r="http://schemas.openxmlformats.org/officeDocument/2006/relationships" xmlns:p="http://schemas.openxmlformats.org/presentationml/2006/main">
   <p:cSld>
     <p:spTree>
@@ -15928,9 +15826,10 @@
           <a:lstStyle/>
           <a:p>
             <a:r>
-              <a:rPr lang="fr-FR" dirty="0"/>
-              <a:t>Filtre</a:t>
-            </a:r>
+              <a:rPr lang="fr-FR" dirty="0" err="1"/>
+              <a:t>Map</a:t>
+            </a:r>
+            <a:endParaRPr lang="fr-FR" dirty="0"/>
           </a:p>
         </p:txBody>
       </p:sp>
@@ -15949,297 +15848,43 @@
           <a:bodyPr/>
           <a:lstStyle/>
           <a:p>
-            <a:pPr eaLnBrk="1" hangingPunct="1">
-              <a:spcBef>
-                <a:spcPts val="500"/>
-              </a:spcBef>
-              <a:spcAft>
-                <a:spcPts val="500"/>
-              </a:spcAft>
-            </a:pPr>
-            <a:r>
-              <a:rPr lang="en-GB" altLang="fr-FR" sz="2000" dirty="0"/>
-              <a:t>"filter(</a:t>
-            </a:r>
-            <a:r>
-              <a:rPr lang="en-GB" altLang="fr-FR" sz="2000" i="1" dirty="0" err="1"/>
-              <a:t>fonction</a:t>
-            </a:r>
-            <a:r>
-              <a:rPr lang="en-GB" altLang="fr-FR" sz="2000" dirty="0"/>
-              <a:t>, </a:t>
-            </a:r>
-            <a:r>
-              <a:rPr lang="en-GB" altLang="fr-FR" sz="2000" i="1" dirty="0"/>
-              <a:t>sequence</a:t>
-            </a:r>
-            <a:r>
-              <a:rPr lang="en-GB" altLang="fr-FR" sz="2000" dirty="0"/>
-              <a:t>)" </a:t>
-            </a:r>
-            <a:r>
-              <a:rPr lang="en-GB" altLang="fr-FR" sz="2000" dirty="0" err="1"/>
-              <a:t>renvoit</a:t>
-            </a:r>
-            <a:r>
-              <a:rPr lang="en-GB" altLang="fr-FR" sz="2000" dirty="0"/>
-              <a:t> </a:t>
-            </a:r>
-            <a:r>
-              <a:rPr lang="en-GB" altLang="fr-FR" sz="2000" dirty="0" err="1"/>
-              <a:t>une</a:t>
-            </a:r>
-            <a:r>
-              <a:rPr lang="en-GB" altLang="fr-FR" sz="2000" dirty="0"/>
-              <a:t> reference de </a:t>
-            </a:r>
-            <a:r>
-              <a:rPr lang="en-GB" altLang="fr-FR" sz="2000" dirty="0" err="1"/>
-              <a:t>liste</a:t>
-            </a:r>
-            <a:r>
-              <a:rPr lang="en-GB" altLang="fr-FR" sz="2000" dirty="0"/>
-              <a:t> (du </a:t>
-            </a:r>
-            <a:r>
-              <a:rPr lang="en-GB" altLang="fr-FR" sz="2000" dirty="0" err="1"/>
-              <a:t>même</a:t>
-            </a:r>
-            <a:r>
-              <a:rPr lang="en-GB" altLang="fr-FR" sz="2000" dirty="0"/>
-              <a:t> type, </a:t>
-            </a:r>
-            <a:r>
-              <a:rPr lang="en-GB" altLang="fr-FR" sz="2000" dirty="0" err="1"/>
-              <a:t>si</a:t>
-            </a:r>
-            <a:r>
-              <a:rPr lang="en-GB" altLang="fr-FR" sz="2000" dirty="0"/>
-              <a:t> possible) </a:t>
-            </a:r>
-            <a:r>
-              <a:rPr lang="en-GB" altLang="fr-FR" sz="2000" dirty="0" err="1"/>
-              <a:t>contenant</a:t>
-            </a:r>
-            <a:r>
-              <a:rPr lang="en-GB" altLang="fr-FR" sz="2000" dirty="0"/>
-              <a:t> les </a:t>
-            </a:r>
-            <a:r>
-              <a:rPr lang="en-GB" altLang="fr-FR" sz="2000" dirty="0" err="1"/>
-              <a:t>seul</a:t>
-            </a:r>
-            <a:r>
-              <a:rPr lang="en-GB" altLang="fr-FR" sz="2000" dirty="0"/>
-              <a:t> </a:t>
-            </a:r>
-            <a:r>
-              <a:rPr lang="en-GB" altLang="fr-FR" sz="2000" dirty="0" err="1"/>
-              <a:t>éléments</a:t>
-            </a:r>
-            <a:r>
-              <a:rPr lang="en-GB" altLang="fr-FR" sz="2000" dirty="0"/>
-              <a:t> de la </a:t>
-            </a:r>
-            <a:r>
-              <a:rPr lang="en-GB" altLang="fr-FR" sz="2000" dirty="0" err="1"/>
-              <a:t>séquence</a:t>
-            </a:r>
-            <a:r>
-              <a:rPr lang="en-GB" altLang="fr-FR" sz="2000" dirty="0"/>
-              <a:t> pour </a:t>
-            </a:r>
-            <a:r>
-              <a:rPr lang="en-GB" altLang="fr-FR" sz="2000" dirty="0" err="1"/>
-              <a:t>lesquels</a:t>
-            </a:r>
-            <a:r>
-              <a:rPr lang="en-GB" altLang="fr-FR" sz="2000" dirty="0"/>
-              <a:t> </a:t>
-            </a:r>
-            <a:r>
-              <a:rPr lang="en-GB" altLang="fr-FR" sz="2000" i="1" dirty="0" err="1">
-                <a:latin typeface="Courier New" panose="02070309020205020404" pitchFamily="49" charset="0"/>
-              </a:rPr>
-              <a:t>fonction</a:t>
-            </a:r>
-            <a:r>
-              <a:rPr lang="en-GB" altLang="fr-FR" sz="2000" dirty="0">
-                <a:latin typeface="Courier New" panose="02070309020205020404" pitchFamily="49" charset="0"/>
-              </a:rPr>
-              <a:t>(</a:t>
-            </a:r>
-            <a:r>
-              <a:rPr lang="en-GB" altLang="fr-FR" sz="2000" i="1" dirty="0">
-                <a:latin typeface="Courier New" panose="02070309020205020404" pitchFamily="49" charset="0"/>
-              </a:rPr>
-              <a:t>element</a:t>
-            </a:r>
-            <a:r>
-              <a:rPr lang="en-GB" altLang="fr-FR" sz="2000" dirty="0">
-                <a:latin typeface="Courier New" panose="02070309020205020404" pitchFamily="49" charset="0"/>
-              </a:rPr>
-              <a:t>) </a:t>
-            </a:r>
-            <a:r>
-              <a:rPr lang="en-GB" altLang="fr-FR" sz="2000" dirty="0" err="1">
-                <a:latin typeface="Courier New" panose="02070309020205020404" pitchFamily="49" charset="0"/>
-              </a:rPr>
-              <a:t>est</a:t>
-            </a:r>
-            <a:r>
-              <a:rPr lang="en-GB" altLang="fr-FR" sz="2000" dirty="0">
-                <a:latin typeface="Courier New" panose="02070309020205020404" pitchFamily="49" charset="0"/>
-              </a:rPr>
-              <a:t> </a:t>
-            </a:r>
-            <a:r>
-              <a:rPr lang="en-GB" altLang="fr-FR" sz="2000" dirty="0" err="1">
-                <a:latin typeface="Courier New" panose="02070309020205020404" pitchFamily="49" charset="0"/>
-              </a:rPr>
-              <a:t>vraie</a:t>
-            </a:r>
-            <a:r>
-              <a:rPr lang="en-GB" altLang="fr-FR" sz="2000" dirty="0">
-                <a:latin typeface="Courier New" panose="02070309020205020404" pitchFamily="49" charset="0"/>
-              </a:rPr>
-              <a:t>.</a:t>
-            </a:r>
-          </a:p>
-          <a:p>
-            <a:pPr eaLnBrk="1" hangingPunct="1">
-              <a:spcBef>
-                <a:spcPts val="500"/>
-              </a:spcBef>
-              <a:spcAft>
-                <a:spcPts val="500"/>
-              </a:spcAft>
-            </a:pPr>
-            <a:r>
-              <a:rPr lang="en-GB" altLang="fr-FR" sz="2000" dirty="0">
-                <a:latin typeface="Courier New" panose="02070309020205020404" pitchFamily="49" charset="0"/>
-              </a:rPr>
-              <a:t>Par </a:t>
-            </a:r>
-            <a:r>
-              <a:rPr lang="en-GB" altLang="fr-FR" sz="2000" dirty="0" err="1">
-                <a:latin typeface="Courier New" panose="02070309020205020404" pitchFamily="49" charset="0"/>
-              </a:rPr>
-              <a:t>exemple</a:t>
-            </a:r>
-            <a:r>
-              <a:rPr lang="en-GB" altLang="fr-FR" sz="2000" dirty="0">
-                <a:latin typeface="Courier New" panose="02070309020205020404" pitchFamily="49" charset="0"/>
-              </a:rPr>
-              <a:t>, pour </a:t>
-            </a:r>
-            <a:r>
-              <a:rPr lang="en-GB" altLang="fr-FR" sz="2000" dirty="0" err="1">
-                <a:latin typeface="Courier New" panose="02070309020205020404" pitchFamily="49" charset="0"/>
-              </a:rPr>
-              <a:t>calculer</a:t>
-            </a:r>
-            <a:r>
-              <a:rPr lang="en-GB" altLang="fr-FR" sz="2000" dirty="0">
-                <a:latin typeface="Courier New" panose="02070309020205020404" pitchFamily="49" charset="0"/>
-              </a:rPr>
-              <a:t> </a:t>
-            </a:r>
-            <a:r>
-              <a:rPr lang="en-GB" altLang="fr-FR" sz="2000" dirty="0" err="1">
-                <a:latin typeface="Courier New" panose="02070309020205020404" pitchFamily="49" charset="0"/>
-              </a:rPr>
-              <a:t>quelques</a:t>
-            </a:r>
-            <a:r>
-              <a:rPr lang="en-GB" altLang="fr-FR" sz="2000" dirty="0">
-                <a:latin typeface="Courier New" panose="02070309020205020404" pitchFamily="49" charset="0"/>
-              </a:rPr>
-              <a:t> </a:t>
-            </a:r>
-            <a:r>
-              <a:rPr lang="en-GB" altLang="fr-FR" sz="2000" dirty="0" err="1">
-                <a:latin typeface="Courier New" panose="02070309020205020404" pitchFamily="49" charset="0"/>
-              </a:rPr>
-              <a:t>nombres</a:t>
-            </a:r>
-            <a:r>
-              <a:rPr lang="en-GB" altLang="fr-FR" sz="2000" dirty="0">
-                <a:latin typeface="Courier New" panose="02070309020205020404" pitchFamily="49" charset="0"/>
-              </a:rPr>
-              <a:t> premiers: </a:t>
-            </a:r>
-          </a:p>
-          <a:p>
-            <a:pPr lvl="2" eaLnBrk="1" hangingPunct="1">
-              <a:spcBef>
-                <a:spcPct val="0"/>
-              </a:spcBef>
-            </a:pPr>
-            <a:r>
-              <a:rPr lang="en-GB" altLang="fr-FR" dirty="0">
-                <a:solidFill>
-                  <a:schemeClr val="accent2"/>
-                </a:solidFill>
-                <a:latin typeface="Courier New" panose="02070309020205020404" pitchFamily="49" charset="0"/>
-              </a:rPr>
-              <a:t>&gt;&gt;&gt; def f(x): return x%2 != 0 and x%3 != 0</a:t>
-            </a:r>
-          </a:p>
-          <a:p>
-            <a:pPr lvl="2" eaLnBrk="1" hangingPunct="1">
-              <a:spcBef>
-                <a:spcPct val="0"/>
-              </a:spcBef>
-            </a:pPr>
-            <a:r>
-              <a:rPr lang="en-GB" altLang="fr-FR" dirty="0">
-                <a:solidFill>
-                  <a:schemeClr val="accent2"/>
-                </a:solidFill>
-                <a:latin typeface="Courier New" panose="02070309020205020404" pitchFamily="49" charset="0"/>
-              </a:rPr>
-              <a:t>...</a:t>
-            </a:r>
-          </a:p>
-          <a:p>
-            <a:pPr lvl="2" eaLnBrk="1" hangingPunct="1">
-              <a:spcBef>
-                <a:spcPct val="0"/>
-              </a:spcBef>
-            </a:pPr>
-            <a:r>
-              <a:rPr lang="en-GB" altLang="fr-FR" dirty="0">
-                <a:solidFill>
-                  <a:schemeClr val="accent2"/>
-                </a:solidFill>
-                <a:latin typeface="Courier New" panose="02070309020205020404" pitchFamily="49" charset="0"/>
-              </a:rPr>
-              <a:t>&gt;&gt;&gt; filter(f, range(2, 25))</a:t>
-            </a:r>
-          </a:p>
-          <a:p>
-            <a:pPr lvl="2" eaLnBrk="1" hangingPunct="1">
-              <a:spcBef>
-                <a:spcPct val="0"/>
-              </a:spcBef>
-            </a:pPr>
-            <a:r>
-              <a:rPr lang="en-GB" altLang="fr-FR" dirty="0">
-                <a:solidFill>
-                  <a:schemeClr val="accent2"/>
-                </a:solidFill>
-                <a:latin typeface="Courier New" panose="02070309020205020404" pitchFamily="49" charset="0"/>
-              </a:rPr>
-              <a:t>[5, 7, 11, 13, 17, 19, 23]</a:t>
-            </a:r>
+            <a:r>
+              <a:rPr lang="fr-FR" dirty="0"/>
+              <a:t>Permet d’appliquer une fonction à une liste</a:t>
+            </a:r>
+          </a:p>
+          <a:p>
+            <a:pPr lvl="1"/>
+            <a:r>
+              <a:rPr lang="en-US" dirty="0"/>
+              <a:t>l= ["It's over 9000 !", "All your base are belong to us."]</a:t>
+            </a:r>
+          </a:p>
+          <a:p>
+            <a:pPr lvl="1"/>
+            <a:r>
+              <a:rPr lang="en-US" dirty="0"/>
+              <a:t>print(map(</a:t>
+            </a:r>
+            <a:r>
+              <a:rPr lang="en-US" dirty="0" err="1"/>
+              <a:t>unicode.upper</a:t>
+            </a:r>
+            <a:r>
+              <a:rPr lang="en-US" dirty="0"/>
+              <a:t>, l))</a:t>
+            </a:r>
+            <a:endParaRPr lang="fr-FR" dirty="0"/>
+          </a:p>
+          <a:p>
+            <a:endParaRPr lang="fr-FR" dirty="0"/>
           </a:p>
         </p:txBody>
       </p:sp>
     </p:spTree>
     <p:extLst>
       <p:ext uri="{BB962C8B-B14F-4D97-AF65-F5344CB8AC3E}">
-        <p14:creationId xmlns:p14="http://schemas.microsoft.com/office/powerpoint/2010/main" val="3417084078"/>
+        <p14:creationId xmlns:p14="http://schemas.microsoft.com/office/powerpoint/2010/main" val="4191346338"/>
       </p:ext>
     </p:extLst>
   </p:cSld>

--- a/ppt/Python07-ComplexTypes.pptx
+++ b/ppt/Python07-ComplexTypes.pptx
@@ -5,10 +5,10 @@
     <p:sldMasterId id="2147483653" r:id="rId1"/>
   </p:sldMasterIdLst>
   <p:notesMasterIdLst>
-    <p:notesMasterId r:id="rId23"/>
+    <p:notesMasterId r:id="rId24"/>
   </p:notesMasterIdLst>
   <p:handoutMasterIdLst>
-    <p:handoutMasterId r:id="rId24"/>
+    <p:handoutMasterId r:id="rId25"/>
   </p:handoutMasterIdLst>
   <p:sldIdLst>
     <p:sldId id="264" r:id="rId2"/>
@@ -19,19 +19,20 @@
     <p:sldId id="269" r:id="rId7"/>
     <p:sldId id="271" r:id="rId8"/>
     <p:sldId id="270" r:id="rId9"/>
-    <p:sldId id="284" r:id="rId10"/>
-    <p:sldId id="288" r:id="rId11"/>
-    <p:sldId id="289" r:id="rId12"/>
-    <p:sldId id="280" r:id="rId13"/>
-    <p:sldId id="278" r:id="rId14"/>
-    <p:sldId id="273" r:id="rId15"/>
-    <p:sldId id="275" r:id="rId16"/>
-    <p:sldId id="276" r:id="rId17"/>
-    <p:sldId id="281" r:id="rId18"/>
-    <p:sldId id="282" r:id="rId19"/>
-    <p:sldId id="283" r:id="rId20"/>
-    <p:sldId id="285" r:id="rId21"/>
-    <p:sldId id="287" r:id="rId22"/>
+    <p:sldId id="272" r:id="rId10"/>
+    <p:sldId id="284" r:id="rId11"/>
+    <p:sldId id="288" r:id="rId12"/>
+    <p:sldId id="289" r:id="rId13"/>
+    <p:sldId id="280" r:id="rId14"/>
+    <p:sldId id="278" r:id="rId15"/>
+    <p:sldId id="273" r:id="rId16"/>
+    <p:sldId id="275" r:id="rId17"/>
+    <p:sldId id="276" r:id="rId18"/>
+    <p:sldId id="281" r:id="rId19"/>
+    <p:sldId id="282" r:id="rId20"/>
+    <p:sldId id="283" r:id="rId21"/>
+    <p:sldId id="285" r:id="rId22"/>
+    <p:sldId id="287" r:id="rId23"/>
   </p:sldIdLst>
   <p:sldSz cx="9144000" cy="6858000" type="screen4x3"/>
   <p:notesSz cx="6648450" cy="9782175"/>
@@ -3785,6 +3786,107 @@
           <a:lstStyle/>
           <a:p>
             <a:r>
+              <a:rPr lang="fr-FR" dirty="0" err="1"/>
+              <a:t>Map</a:t>
+            </a:r>
+            <a:endParaRPr lang="fr-FR" dirty="0"/>
+          </a:p>
+        </p:txBody>
+      </p:sp>
+      <p:sp>
+        <p:nvSpPr>
+          <p:cNvPr id="3" name="Espace réservé du contenu 2"/>
+          <p:cNvSpPr>
+            <a:spLocks noGrp="1"/>
+          </p:cNvSpPr>
+          <p:nvPr>
+            <p:ph idx="1"/>
+          </p:nvPr>
+        </p:nvSpPr>
+        <p:spPr/>
+        <p:txBody>
+          <a:bodyPr/>
+          <a:lstStyle/>
+          <a:p>
+            <a:r>
+              <a:rPr lang="fr-FR" dirty="0"/>
+              <a:t>Permet d’appliquer une fonction à une liste</a:t>
+            </a:r>
+          </a:p>
+          <a:p>
+            <a:pPr lvl="1"/>
+            <a:r>
+              <a:rPr lang="en-US" dirty="0"/>
+              <a:t>l= ["It's over 9000 !", "All your base are belong to us."]</a:t>
+            </a:r>
+          </a:p>
+          <a:p>
+            <a:pPr lvl="1"/>
+            <a:r>
+              <a:rPr lang="en-US" dirty="0"/>
+              <a:t>print(map(</a:t>
+            </a:r>
+            <a:r>
+              <a:rPr lang="en-US" dirty="0" err="1"/>
+              <a:t>unicode.upper</a:t>
+            </a:r>
+            <a:r>
+              <a:rPr lang="en-US" dirty="0"/>
+              <a:t>, l))</a:t>
+            </a:r>
+            <a:endParaRPr lang="fr-FR" dirty="0"/>
+          </a:p>
+          <a:p>
+            <a:endParaRPr lang="fr-FR" dirty="0"/>
+          </a:p>
+        </p:txBody>
+      </p:sp>
+    </p:spTree>
+    <p:extLst>
+      <p:ext uri="{BB962C8B-B14F-4D97-AF65-F5344CB8AC3E}">
+        <p14:creationId xmlns:p14="http://schemas.microsoft.com/office/powerpoint/2010/main" val="4191346338"/>
+      </p:ext>
+    </p:extLst>
+  </p:cSld>
+  <p:clrMapOvr>
+    <a:masterClrMapping/>
+  </p:clrMapOvr>
+</p:sld>
+</file>
+
+<file path=ppt/slides/slide11.xml><?xml version="1.0" encoding="utf-8"?>
+<p:sld xmlns:a="http://schemas.openxmlformats.org/drawingml/2006/main" xmlns:r="http://schemas.openxmlformats.org/officeDocument/2006/relationships" xmlns:p="http://schemas.openxmlformats.org/presentationml/2006/main">
+  <p:cSld>
+    <p:spTree>
+      <p:nvGrpSpPr>
+        <p:cNvPr id="1" name=""/>
+        <p:cNvGrpSpPr/>
+        <p:nvPr/>
+      </p:nvGrpSpPr>
+      <p:grpSpPr>
+        <a:xfrm>
+          <a:off x="0" y="0"/>
+          <a:ext cx="0" cy="0"/>
+          <a:chOff x="0" y="0"/>
+          <a:chExt cx="0" cy="0"/>
+        </a:xfrm>
+      </p:grpSpPr>
+      <p:sp>
+        <p:nvSpPr>
+          <p:cNvPr id="2" name="Titre 1"/>
+          <p:cNvSpPr>
+            <a:spLocks noGrp="1"/>
+          </p:cNvSpPr>
+          <p:nvPr>
+            <p:ph type="title"/>
+          </p:nvPr>
+        </p:nvSpPr>
+        <p:spPr/>
+        <p:txBody>
+          <a:bodyPr/>
+          <a:lstStyle/>
+          <a:p>
+            <a:r>
               <a:rPr lang="fr-FR" dirty="0"/>
               <a:t>Les listes en intention</a:t>
             </a:r>
@@ -3928,7 +4030,7 @@
 </p:sld>
 </file>
 
-<file path=ppt/slides/slide11.xml><?xml version="1.0" encoding="utf-8"?>
+<file path=ppt/slides/slide12.xml><?xml version="1.0" encoding="utf-8"?>
 <p:sld xmlns:a="http://schemas.openxmlformats.org/drawingml/2006/main" xmlns:r="http://schemas.openxmlformats.org/officeDocument/2006/relationships" xmlns:p="http://schemas.openxmlformats.org/presentationml/2006/main">
   <p:cSld>
     <p:spTree>
@@ -4028,7 +4130,7 @@
 </p:sld>
 </file>
 
-<file path=ppt/slides/slide12.xml><?xml version="1.0" encoding="utf-8"?>
+<file path=ppt/slides/slide13.xml><?xml version="1.0" encoding="utf-8"?>
 <p:sld xmlns:a="http://schemas.openxmlformats.org/drawingml/2006/main" xmlns:r="http://schemas.openxmlformats.org/officeDocument/2006/relationships" xmlns:p="http://schemas.openxmlformats.org/presentationml/2006/main">
   <p:cSld>
     <p:spTree>
@@ -6411,7 +6513,7 @@
 </p:sld>
 </file>
 
-<file path=ppt/slides/slide13.xml><?xml version="1.0" encoding="utf-8"?>
+<file path=ppt/slides/slide14.xml><?xml version="1.0" encoding="utf-8"?>
 <p:sld xmlns:a="http://schemas.openxmlformats.org/drawingml/2006/main" xmlns:r="http://schemas.openxmlformats.org/officeDocument/2006/relationships" xmlns:p="http://schemas.openxmlformats.org/presentationml/2006/main">
   <p:cSld>
     <p:spTree>
@@ -9735,445 +9837,6 @@
 </p:sld>
 </file>
 
-<file path=ppt/slides/slide14.xml><?xml version="1.0" encoding="utf-8"?>
-<p:sld xmlns:a="http://schemas.openxmlformats.org/drawingml/2006/main" xmlns:r="http://schemas.openxmlformats.org/officeDocument/2006/relationships" xmlns:p="http://schemas.openxmlformats.org/presentationml/2006/main">
-  <p:cSld>
-    <p:spTree>
-      <p:nvGrpSpPr>
-        <p:cNvPr id="1" name=""/>
-        <p:cNvGrpSpPr/>
-        <p:nvPr/>
-      </p:nvGrpSpPr>
-      <p:grpSpPr>
-        <a:xfrm>
-          <a:off x="0" y="0"/>
-          <a:ext cx="0" cy="0"/>
-          <a:chOff x="0" y="0"/>
-          <a:chExt cx="0" cy="0"/>
-        </a:xfrm>
-      </p:grpSpPr>
-      <p:sp>
-        <p:nvSpPr>
-          <p:cNvPr id="2" name="Titre 1"/>
-          <p:cNvSpPr>
-            <a:spLocks noGrp="1"/>
-          </p:cNvSpPr>
-          <p:nvPr>
-            <p:ph type="title"/>
-          </p:nvPr>
-        </p:nvSpPr>
-        <p:spPr/>
-        <p:txBody>
-          <a:bodyPr/>
-          <a:lstStyle/>
-          <a:p>
-            <a:r>
-              <a:rPr lang="fr-FR" dirty="0"/>
-              <a:t>Remarques</a:t>
-            </a:r>
-          </a:p>
-        </p:txBody>
-      </p:sp>
-      <p:sp>
-        <p:nvSpPr>
-          <p:cNvPr id="3" name="Espace réservé du contenu 2"/>
-          <p:cNvSpPr>
-            <a:spLocks noGrp="1"/>
-          </p:cNvSpPr>
-          <p:nvPr>
-            <p:ph idx="1"/>
-          </p:nvPr>
-        </p:nvSpPr>
-        <p:spPr/>
-        <p:txBody>
-          <a:bodyPr/>
-          <a:lstStyle/>
-          <a:p>
-            <a:pPr eaLnBrk="1" hangingPunct="1">
-              <a:spcBef>
-                <a:spcPts val="500"/>
-              </a:spcBef>
-              <a:spcAft>
-                <a:spcPts val="500"/>
-              </a:spcAft>
-            </a:pPr>
-            <a:r>
-              <a:rPr lang="en-GB" altLang="fr-FR" dirty="0"/>
-              <a:t>Les </a:t>
-            </a:r>
-            <a:r>
-              <a:rPr lang="en-GB" altLang="fr-FR" dirty="0" err="1"/>
-              <a:t>opérateurs</a:t>
-            </a:r>
-            <a:r>
-              <a:rPr lang="en-GB" altLang="fr-FR" dirty="0"/>
-              <a:t> de </a:t>
-            </a:r>
-            <a:r>
-              <a:rPr lang="en-GB" altLang="fr-FR" dirty="0" err="1"/>
-              <a:t>comparaison</a:t>
-            </a:r>
-            <a:r>
-              <a:rPr lang="en-GB" altLang="fr-FR" dirty="0"/>
-              <a:t> </a:t>
-            </a:r>
-            <a:r>
-              <a:rPr lang="en-GB" altLang="fr-FR" b="1" dirty="0"/>
-              <a:t>in</a:t>
-            </a:r>
-            <a:r>
-              <a:rPr lang="en-GB" altLang="fr-FR" dirty="0"/>
-              <a:t> et </a:t>
-            </a:r>
-            <a:r>
-              <a:rPr lang="en-GB" altLang="fr-FR" b="1" dirty="0"/>
-              <a:t>not in</a:t>
-            </a:r>
-            <a:r>
-              <a:rPr lang="en-GB" altLang="fr-FR" dirty="0"/>
-              <a:t> </a:t>
-            </a:r>
-            <a:r>
-              <a:rPr lang="en-GB" altLang="fr-FR" dirty="0" err="1"/>
-              <a:t>vérifient</a:t>
-            </a:r>
-            <a:r>
-              <a:rPr lang="en-GB" altLang="fr-FR" dirty="0"/>
-              <a:t> </a:t>
-            </a:r>
-            <a:r>
-              <a:rPr lang="en-GB" altLang="fr-FR" dirty="0" err="1"/>
-              <a:t>si</a:t>
-            </a:r>
-            <a:r>
-              <a:rPr lang="en-GB" altLang="fr-FR" dirty="0"/>
-              <a:t> </a:t>
-            </a:r>
-            <a:r>
-              <a:rPr lang="en-GB" altLang="fr-FR" dirty="0" err="1"/>
-              <a:t>une</a:t>
-            </a:r>
-            <a:r>
-              <a:rPr lang="en-GB" altLang="fr-FR" dirty="0"/>
-              <a:t> </a:t>
-            </a:r>
-            <a:r>
-              <a:rPr lang="en-GB" altLang="fr-FR" dirty="0" err="1"/>
-              <a:t>valeur</a:t>
-            </a:r>
-            <a:r>
-              <a:rPr lang="en-GB" altLang="fr-FR" dirty="0"/>
-              <a:t> </a:t>
-            </a:r>
-            <a:r>
-              <a:rPr lang="en-GB" altLang="fr-FR" dirty="0" err="1"/>
-              <a:t>apparaît</a:t>
-            </a:r>
-            <a:r>
-              <a:rPr lang="en-GB" altLang="fr-FR" dirty="0"/>
-              <a:t> (</a:t>
-            </a:r>
-            <a:r>
-              <a:rPr lang="en-GB" altLang="fr-FR" dirty="0" err="1"/>
-              <a:t>ou</a:t>
-            </a:r>
-            <a:r>
-              <a:rPr lang="en-GB" altLang="fr-FR" dirty="0"/>
-              <a:t> non) </a:t>
-            </a:r>
-            <a:r>
-              <a:rPr lang="en-GB" altLang="fr-FR" dirty="0" err="1"/>
-              <a:t>dans</a:t>
-            </a:r>
-            <a:r>
-              <a:rPr lang="en-GB" altLang="fr-FR" dirty="0"/>
-              <a:t> </a:t>
-            </a:r>
-            <a:r>
-              <a:rPr lang="en-GB" altLang="fr-FR" dirty="0" err="1"/>
-              <a:t>une</a:t>
-            </a:r>
-            <a:r>
-              <a:rPr lang="en-GB" altLang="fr-FR" dirty="0"/>
-              <a:t> </a:t>
-            </a:r>
-            <a:r>
-              <a:rPr lang="en-GB" altLang="fr-FR" dirty="0" err="1"/>
-              <a:t>séquence</a:t>
-            </a:r>
-            <a:r>
-              <a:rPr lang="en-GB" altLang="fr-FR" dirty="0"/>
-              <a:t>. </a:t>
-            </a:r>
-          </a:p>
-          <a:p>
-            <a:pPr eaLnBrk="1" hangingPunct="1">
-              <a:spcBef>
-                <a:spcPts val="500"/>
-              </a:spcBef>
-              <a:spcAft>
-                <a:spcPts val="500"/>
-              </a:spcAft>
-            </a:pPr>
-            <a:r>
-              <a:rPr lang="en-GB" altLang="fr-FR" dirty="0"/>
-              <a:t>Les </a:t>
-            </a:r>
-            <a:r>
-              <a:rPr lang="en-GB" altLang="fr-FR" dirty="0" err="1"/>
-              <a:t>opérateurs</a:t>
-            </a:r>
-            <a:r>
-              <a:rPr lang="en-GB" altLang="fr-FR" dirty="0"/>
-              <a:t> </a:t>
-            </a:r>
-            <a:r>
-              <a:rPr lang="en-GB" altLang="fr-FR" b="1" dirty="0"/>
-              <a:t>is</a:t>
-            </a:r>
-            <a:r>
-              <a:rPr lang="en-GB" altLang="fr-FR" dirty="0"/>
-              <a:t> et </a:t>
-            </a:r>
-            <a:r>
-              <a:rPr lang="en-GB" altLang="fr-FR" b="1" dirty="0"/>
-              <a:t>is not</a:t>
-            </a:r>
-            <a:r>
-              <a:rPr lang="en-GB" altLang="fr-FR" dirty="0"/>
-              <a:t> </a:t>
-            </a:r>
-            <a:r>
-              <a:rPr lang="en-GB" altLang="fr-FR" dirty="0" err="1"/>
-              <a:t>vérifient</a:t>
-            </a:r>
-            <a:r>
-              <a:rPr lang="en-GB" altLang="fr-FR" dirty="0"/>
-              <a:t> </a:t>
-            </a:r>
-            <a:r>
-              <a:rPr lang="en-GB" altLang="fr-FR" dirty="0" err="1"/>
-              <a:t>si</a:t>
-            </a:r>
-            <a:r>
-              <a:rPr lang="en-GB" altLang="fr-FR" dirty="0"/>
-              <a:t> </a:t>
-            </a:r>
-            <a:r>
-              <a:rPr lang="en-GB" altLang="fr-FR" dirty="0" err="1"/>
-              <a:t>deux</a:t>
-            </a:r>
-            <a:r>
-              <a:rPr lang="en-GB" altLang="fr-FR" dirty="0"/>
-              <a:t> </a:t>
-            </a:r>
-            <a:r>
-              <a:rPr lang="en-GB" altLang="fr-FR" dirty="0" err="1"/>
-              <a:t>objets</a:t>
-            </a:r>
-            <a:r>
-              <a:rPr lang="en-GB" altLang="fr-FR" dirty="0"/>
-              <a:t> </a:t>
-            </a:r>
-            <a:r>
-              <a:rPr lang="en-GB" altLang="fr-FR" dirty="0" err="1"/>
-              <a:t>sont</a:t>
-            </a:r>
-            <a:r>
-              <a:rPr lang="en-GB" altLang="fr-FR" dirty="0"/>
-              <a:t> </a:t>
-            </a:r>
-            <a:r>
-              <a:rPr lang="en-GB" altLang="fr-FR" dirty="0" err="1"/>
-              <a:t>réellement</a:t>
-            </a:r>
-            <a:r>
-              <a:rPr lang="en-GB" altLang="fr-FR" dirty="0"/>
-              <a:t> le </a:t>
-            </a:r>
-            <a:r>
-              <a:rPr lang="en-GB" altLang="fr-FR" dirty="0" err="1"/>
-              <a:t>même</a:t>
-            </a:r>
-            <a:r>
-              <a:rPr lang="en-GB" altLang="fr-FR" dirty="0"/>
-              <a:t> objet</a:t>
-            </a:r>
-          </a:p>
-          <a:p>
-            <a:pPr lvl="1" eaLnBrk="1" hangingPunct="1">
-              <a:spcBef>
-                <a:spcPts val="500"/>
-              </a:spcBef>
-              <a:spcAft>
-                <a:spcPts val="500"/>
-              </a:spcAft>
-            </a:pPr>
-            <a:r>
-              <a:rPr lang="en-GB" altLang="fr-FR" dirty="0" err="1"/>
-              <a:t>ceci</a:t>
-            </a:r>
-            <a:r>
-              <a:rPr lang="en-GB" altLang="fr-FR" dirty="0"/>
-              <a:t> se </a:t>
-            </a:r>
-            <a:r>
-              <a:rPr lang="en-GB" altLang="fr-FR" dirty="0" err="1"/>
-              <a:t>justifie</a:t>
-            </a:r>
-            <a:r>
-              <a:rPr lang="en-GB" altLang="fr-FR" dirty="0"/>
-              <a:t> </a:t>
-            </a:r>
-            <a:r>
-              <a:rPr lang="en-GB" altLang="fr-FR" dirty="0" err="1"/>
-              <a:t>seulement</a:t>
-            </a:r>
-            <a:r>
-              <a:rPr lang="en-GB" altLang="fr-FR" dirty="0"/>
-              <a:t> pour les </a:t>
-            </a:r>
-            <a:r>
-              <a:rPr lang="en-GB" altLang="fr-FR" dirty="0" err="1"/>
-              <a:t>objets</a:t>
-            </a:r>
-            <a:r>
-              <a:rPr lang="en-GB" altLang="fr-FR" dirty="0"/>
-              <a:t> </a:t>
-            </a:r>
-            <a:r>
-              <a:rPr lang="en-GB" altLang="fr-FR" dirty="0" err="1"/>
-              <a:t>modifiables</a:t>
-            </a:r>
-            <a:r>
-              <a:rPr lang="en-GB" altLang="fr-FR" dirty="0"/>
-              <a:t> </a:t>
-            </a:r>
-            <a:r>
-              <a:rPr lang="en-GB" altLang="fr-FR" dirty="0" err="1"/>
-              <a:t>comme</a:t>
-            </a:r>
-            <a:r>
-              <a:rPr lang="en-GB" altLang="fr-FR" dirty="0"/>
-              <a:t> les </a:t>
-            </a:r>
-            <a:r>
-              <a:rPr lang="en-GB" altLang="fr-FR" dirty="0" err="1"/>
-              <a:t>listes</a:t>
-            </a:r>
-            <a:endParaRPr lang="en-GB" altLang="fr-FR" dirty="0"/>
-          </a:p>
-          <a:p>
-            <a:pPr eaLnBrk="1" hangingPunct="1">
-              <a:spcBef>
-                <a:spcPts val="500"/>
-              </a:spcBef>
-              <a:spcAft>
-                <a:spcPts val="500"/>
-              </a:spcAft>
-            </a:pPr>
-            <a:r>
-              <a:rPr lang="en-GB" altLang="fr-FR" dirty="0"/>
-              <a:t>Pour cloner </a:t>
-            </a:r>
-            <a:r>
-              <a:rPr lang="en-GB" altLang="fr-FR" dirty="0" err="1"/>
-              <a:t>une</a:t>
-            </a:r>
-            <a:r>
-              <a:rPr lang="en-GB" altLang="fr-FR" dirty="0"/>
-              <a:t> </a:t>
-            </a:r>
-            <a:r>
-              <a:rPr lang="en-GB" altLang="fr-FR" dirty="0" err="1"/>
-              <a:t>liste</a:t>
-            </a:r>
-            <a:r>
-              <a:rPr lang="en-GB" altLang="fr-FR" dirty="0"/>
-              <a:t> utiliser la </a:t>
-            </a:r>
-            <a:r>
-              <a:rPr lang="en-GB" altLang="fr-FR" dirty="0" err="1"/>
-              <a:t>fonction</a:t>
-            </a:r>
-            <a:r>
-              <a:rPr lang="en-GB" altLang="fr-FR" dirty="0"/>
-              <a:t> list()</a:t>
-            </a:r>
-          </a:p>
-          <a:p>
-            <a:pPr lvl="1" eaLnBrk="1" hangingPunct="1">
-              <a:spcBef>
-                <a:spcPts val="500"/>
-              </a:spcBef>
-              <a:spcAft>
-                <a:spcPts val="500"/>
-              </a:spcAft>
-            </a:pPr>
-            <a:r>
-              <a:rPr lang="en-GB" altLang="fr-FR" dirty="0" err="1"/>
-              <a:t>Transforme</a:t>
-            </a:r>
-            <a:r>
-              <a:rPr lang="en-GB" altLang="fr-FR" dirty="0"/>
-              <a:t> </a:t>
-            </a:r>
-            <a:r>
-              <a:rPr lang="en-GB" altLang="fr-FR" dirty="0" err="1"/>
-              <a:t>une</a:t>
-            </a:r>
-            <a:r>
-              <a:rPr lang="en-GB" altLang="fr-FR" dirty="0"/>
-              <a:t> collection de </a:t>
-            </a:r>
-            <a:r>
-              <a:rPr lang="en-GB" altLang="fr-FR" dirty="0" err="1"/>
-              <a:t>valeurs</a:t>
-            </a:r>
-            <a:r>
-              <a:rPr lang="en-GB" altLang="fr-FR" dirty="0"/>
-              <a:t> </a:t>
-            </a:r>
-            <a:r>
-              <a:rPr lang="en-GB" altLang="fr-FR" dirty="0" err="1"/>
-              <a:t>en</a:t>
-            </a:r>
-            <a:r>
-              <a:rPr lang="en-GB" altLang="fr-FR" dirty="0"/>
-              <a:t> </a:t>
-            </a:r>
-            <a:r>
-              <a:rPr lang="en-GB" altLang="fr-FR" dirty="0" err="1"/>
-              <a:t>liste</a:t>
-            </a:r>
-            <a:endParaRPr lang="en-GB" altLang="fr-FR" dirty="0"/>
-          </a:p>
-          <a:p>
-            <a:pPr lvl="1" eaLnBrk="1" hangingPunct="1">
-              <a:spcBef>
-                <a:spcPts val="500"/>
-              </a:spcBef>
-              <a:spcAft>
-                <a:spcPts val="500"/>
-              </a:spcAft>
-            </a:pPr>
-            <a:endParaRPr lang="en-GB" altLang="fr-FR" dirty="0"/>
-          </a:p>
-        </p:txBody>
-      </p:sp>
-    </p:spTree>
-    <p:extLst>
-      <p:ext uri="{BB962C8B-B14F-4D97-AF65-F5344CB8AC3E}">
-        <p14:creationId xmlns:p14="http://schemas.microsoft.com/office/powerpoint/2010/main" val="2997700510"/>
-      </p:ext>
-    </p:extLst>
-  </p:cSld>
-  <p:clrMapOvr>
-    <a:masterClrMapping/>
-  </p:clrMapOvr>
-</p:sld>
-</file>
-
 <file path=ppt/slides/slide15.xml><?xml version="1.0" encoding="utf-8"?>
 <p:sld xmlns:a="http://schemas.openxmlformats.org/drawingml/2006/main" xmlns:r="http://schemas.openxmlformats.org/officeDocument/2006/relationships" xmlns:p="http://schemas.openxmlformats.org/presentationml/2006/main">
   <p:cSld>
@@ -10207,10 +9870,9 @@
           <a:lstStyle/>
           <a:p>
             <a:r>
-              <a:rPr lang="fr-FR" dirty="0" err="1"/>
-              <a:t>Tuples</a:t>
-            </a:r>
-            <a:endParaRPr lang="fr-FR" dirty="0"/>
+              <a:rPr lang="fr-FR" dirty="0"/>
+              <a:t>Remarques</a:t>
+            </a:r>
           </a:p>
         </p:txBody>
       </p:sp>
@@ -10229,6 +9891,446 @@
           <a:bodyPr/>
           <a:lstStyle/>
           <a:p>
+            <a:pPr eaLnBrk="1" hangingPunct="1">
+              <a:spcBef>
+                <a:spcPts val="500"/>
+              </a:spcBef>
+              <a:spcAft>
+                <a:spcPts val="500"/>
+              </a:spcAft>
+            </a:pPr>
+            <a:r>
+              <a:rPr lang="en-GB" altLang="fr-FR" dirty="0"/>
+              <a:t>Les </a:t>
+            </a:r>
+            <a:r>
+              <a:rPr lang="en-GB" altLang="fr-FR" dirty="0" err="1"/>
+              <a:t>opérateurs</a:t>
+            </a:r>
+            <a:r>
+              <a:rPr lang="en-GB" altLang="fr-FR" dirty="0"/>
+              <a:t> de </a:t>
+            </a:r>
+            <a:r>
+              <a:rPr lang="en-GB" altLang="fr-FR" dirty="0" err="1"/>
+              <a:t>comparaison</a:t>
+            </a:r>
+            <a:r>
+              <a:rPr lang="en-GB" altLang="fr-FR" dirty="0"/>
+              <a:t> </a:t>
+            </a:r>
+            <a:r>
+              <a:rPr lang="en-GB" altLang="fr-FR" b="1" dirty="0"/>
+              <a:t>in</a:t>
+            </a:r>
+            <a:r>
+              <a:rPr lang="en-GB" altLang="fr-FR" dirty="0"/>
+              <a:t> et </a:t>
+            </a:r>
+            <a:r>
+              <a:rPr lang="en-GB" altLang="fr-FR" b="1" dirty="0"/>
+              <a:t>not in</a:t>
+            </a:r>
+            <a:r>
+              <a:rPr lang="en-GB" altLang="fr-FR" dirty="0"/>
+              <a:t> </a:t>
+            </a:r>
+            <a:r>
+              <a:rPr lang="en-GB" altLang="fr-FR" dirty="0" err="1"/>
+              <a:t>vérifient</a:t>
+            </a:r>
+            <a:r>
+              <a:rPr lang="en-GB" altLang="fr-FR" dirty="0"/>
+              <a:t> </a:t>
+            </a:r>
+            <a:r>
+              <a:rPr lang="en-GB" altLang="fr-FR" dirty="0" err="1"/>
+              <a:t>si</a:t>
+            </a:r>
+            <a:r>
+              <a:rPr lang="en-GB" altLang="fr-FR" dirty="0"/>
+              <a:t> </a:t>
+            </a:r>
+            <a:r>
+              <a:rPr lang="en-GB" altLang="fr-FR" dirty="0" err="1"/>
+              <a:t>une</a:t>
+            </a:r>
+            <a:r>
+              <a:rPr lang="en-GB" altLang="fr-FR" dirty="0"/>
+              <a:t> </a:t>
+            </a:r>
+            <a:r>
+              <a:rPr lang="en-GB" altLang="fr-FR" dirty="0" err="1"/>
+              <a:t>valeur</a:t>
+            </a:r>
+            <a:r>
+              <a:rPr lang="en-GB" altLang="fr-FR" dirty="0"/>
+              <a:t> </a:t>
+            </a:r>
+            <a:r>
+              <a:rPr lang="en-GB" altLang="fr-FR" dirty="0" err="1"/>
+              <a:t>apparaît</a:t>
+            </a:r>
+            <a:r>
+              <a:rPr lang="en-GB" altLang="fr-FR" dirty="0"/>
+              <a:t> (</a:t>
+            </a:r>
+            <a:r>
+              <a:rPr lang="en-GB" altLang="fr-FR" dirty="0" err="1"/>
+              <a:t>ou</a:t>
+            </a:r>
+            <a:r>
+              <a:rPr lang="en-GB" altLang="fr-FR" dirty="0"/>
+              <a:t> non) </a:t>
+            </a:r>
+            <a:r>
+              <a:rPr lang="en-GB" altLang="fr-FR" dirty="0" err="1"/>
+              <a:t>dans</a:t>
+            </a:r>
+            <a:r>
+              <a:rPr lang="en-GB" altLang="fr-FR" dirty="0"/>
+              <a:t> </a:t>
+            </a:r>
+            <a:r>
+              <a:rPr lang="en-GB" altLang="fr-FR" dirty="0" err="1"/>
+              <a:t>une</a:t>
+            </a:r>
+            <a:r>
+              <a:rPr lang="en-GB" altLang="fr-FR" dirty="0"/>
+              <a:t> </a:t>
+            </a:r>
+            <a:r>
+              <a:rPr lang="en-GB" altLang="fr-FR" dirty="0" err="1"/>
+              <a:t>séquence</a:t>
+            </a:r>
+            <a:r>
+              <a:rPr lang="en-GB" altLang="fr-FR" dirty="0"/>
+              <a:t>. </a:t>
+            </a:r>
+          </a:p>
+          <a:p>
+            <a:pPr eaLnBrk="1" hangingPunct="1">
+              <a:spcBef>
+                <a:spcPts val="500"/>
+              </a:spcBef>
+              <a:spcAft>
+                <a:spcPts val="500"/>
+              </a:spcAft>
+            </a:pPr>
+            <a:r>
+              <a:rPr lang="en-GB" altLang="fr-FR" dirty="0"/>
+              <a:t>Les </a:t>
+            </a:r>
+            <a:r>
+              <a:rPr lang="en-GB" altLang="fr-FR" dirty="0" err="1"/>
+              <a:t>opérateurs</a:t>
+            </a:r>
+            <a:r>
+              <a:rPr lang="en-GB" altLang="fr-FR" dirty="0"/>
+              <a:t> </a:t>
+            </a:r>
+            <a:r>
+              <a:rPr lang="en-GB" altLang="fr-FR" b="1" dirty="0"/>
+              <a:t>is</a:t>
+            </a:r>
+            <a:r>
+              <a:rPr lang="en-GB" altLang="fr-FR" dirty="0"/>
+              <a:t> et </a:t>
+            </a:r>
+            <a:r>
+              <a:rPr lang="en-GB" altLang="fr-FR" b="1" dirty="0"/>
+              <a:t>is not</a:t>
+            </a:r>
+            <a:r>
+              <a:rPr lang="en-GB" altLang="fr-FR" dirty="0"/>
+              <a:t> </a:t>
+            </a:r>
+            <a:r>
+              <a:rPr lang="en-GB" altLang="fr-FR" dirty="0" err="1"/>
+              <a:t>vérifient</a:t>
+            </a:r>
+            <a:r>
+              <a:rPr lang="en-GB" altLang="fr-FR" dirty="0"/>
+              <a:t> </a:t>
+            </a:r>
+            <a:r>
+              <a:rPr lang="en-GB" altLang="fr-FR" dirty="0" err="1"/>
+              <a:t>si</a:t>
+            </a:r>
+            <a:r>
+              <a:rPr lang="en-GB" altLang="fr-FR" dirty="0"/>
+              <a:t> </a:t>
+            </a:r>
+            <a:r>
+              <a:rPr lang="en-GB" altLang="fr-FR" dirty="0" err="1"/>
+              <a:t>deux</a:t>
+            </a:r>
+            <a:r>
+              <a:rPr lang="en-GB" altLang="fr-FR" dirty="0"/>
+              <a:t> </a:t>
+            </a:r>
+            <a:r>
+              <a:rPr lang="en-GB" altLang="fr-FR" dirty="0" err="1"/>
+              <a:t>objets</a:t>
+            </a:r>
+            <a:r>
+              <a:rPr lang="en-GB" altLang="fr-FR" dirty="0"/>
+              <a:t> </a:t>
+            </a:r>
+            <a:r>
+              <a:rPr lang="en-GB" altLang="fr-FR" dirty="0" err="1"/>
+              <a:t>sont</a:t>
+            </a:r>
+            <a:r>
+              <a:rPr lang="en-GB" altLang="fr-FR" dirty="0"/>
+              <a:t> </a:t>
+            </a:r>
+            <a:r>
+              <a:rPr lang="en-GB" altLang="fr-FR" dirty="0" err="1"/>
+              <a:t>réellement</a:t>
+            </a:r>
+            <a:r>
+              <a:rPr lang="en-GB" altLang="fr-FR" dirty="0"/>
+              <a:t> le </a:t>
+            </a:r>
+            <a:r>
+              <a:rPr lang="en-GB" altLang="fr-FR" dirty="0" err="1"/>
+              <a:t>même</a:t>
+            </a:r>
+            <a:r>
+              <a:rPr lang="en-GB" altLang="fr-FR" dirty="0"/>
+              <a:t> objet</a:t>
+            </a:r>
+          </a:p>
+          <a:p>
+            <a:pPr lvl="1" eaLnBrk="1" hangingPunct="1">
+              <a:spcBef>
+                <a:spcPts val="500"/>
+              </a:spcBef>
+              <a:spcAft>
+                <a:spcPts val="500"/>
+              </a:spcAft>
+            </a:pPr>
+            <a:r>
+              <a:rPr lang="en-GB" altLang="fr-FR" dirty="0" err="1"/>
+              <a:t>ceci</a:t>
+            </a:r>
+            <a:r>
+              <a:rPr lang="en-GB" altLang="fr-FR" dirty="0"/>
+              <a:t> se </a:t>
+            </a:r>
+            <a:r>
+              <a:rPr lang="en-GB" altLang="fr-FR" dirty="0" err="1"/>
+              <a:t>justifie</a:t>
+            </a:r>
+            <a:r>
+              <a:rPr lang="en-GB" altLang="fr-FR" dirty="0"/>
+              <a:t> </a:t>
+            </a:r>
+            <a:r>
+              <a:rPr lang="en-GB" altLang="fr-FR" dirty="0" err="1"/>
+              <a:t>seulement</a:t>
+            </a:r>
+            <a:r>
+              <a:rPr lang="en-GB" altLang="fr-FR" dirty="0"/>
+              <a:t> pour les </a:t>
+            </a:r>
+            <a:r>
+              <a:rPr lang="en-GB" altLang="fr-FR" dirty="0" err="1"/>
+              <a:t>objets</a:t>
+            </a:r>
+            <a:r>
+              <a:rPr lang="en-GB" altLang="fr-FR" dirty="0"/>
+              <a:t> </a:t>
+            </a:r>
+            <a:r>
+              <a:rPr lang="en-GB" altLang="fr-FR" dirty="0" err="1"/>
+              <a:t>modifiables</a:t>
+            </a:r>
+            <a:r>
+              <a:rPr lang="en-GB" altLang="fr-FR" dirty="0"/>
+              <a:t> </a:t>
+            </a:r>
+            <a:r>
+              <a:rPr lang="en-GB" altLang="fr-FR" dirty="0" err="1"/>
+              <a:t>comme</a:t>
+            </a:r>
+            <a:r>
+              <a:rPr lang="en-GB" altLang="fr-FR" dirty="0"/>
+              <a:t> les </a:t>
+            </a:r>
+            <a:r>
+              <a:rPr lang="en-GB" altLang="fr-FR" dirty="0" err="1"/>
+              <a:t>listes</a:t>
+            </a:r>
+            <a:endParaRPr lang="en-GB" altLang="fr-FR" dirty="0"/>
+          </a:p>
+          <a:p>
+            <a:pPr eaLnBrk="1" hangingPunct="1">
+              <a:spcBef>
+                <a:spcPts val="500"/>
+              </a:spcBef>
+              <a:spcAft>
+                <a:spcPts val="500"/>
+              </a:spcAft>
+            </a:pPr>
+            <a:r>
+              <a:rPr lang="en-GB" altLang="fr-FR" dirty="0"/>
+              <a:t>Pour cloner </a:t>
+            </a:r>
+            <a:r>
+              <a:rPr lang="en-GB" altLang="fr-FR" dirty="0" err="1"/>
+              <a:t>une</a:t>
+            </a:r>
+            <a:r>
+              <a:rPr lang="en-GB" altLang="fr-FR" dirty="0"/>
+              <a:t> </a:t>
+            </a:r>
+            <a:r>
+              <a:rPr lang="en-GB" altLang="fr-FR" dirty="0" err="1"/>
+              <a:t>liste</a:t>
+            </a:r>
+            <a:r>
+              <a:rPr lang="en-GB" altLang="fr-FR" dirty="0"/>
+              <a:t> utiliser la </a:t>
+            </a:r>
+            <a:r>
+              <a:rPr lang="en-GB" altLang="fr-FR" dirty="0" err="1"/>
+              <a:t>fonction</a:t>
+            </a:r>
+            <a:r>
+              <a:rPr lang="en-GB" altLang="fr-FR" dirty="0"/>
+              <a:t> list()</a:t>
+            </a:r>
+          </a:p>
+          <a:p>
+            <a:pPr lvl="1" eaLnBrk="1" hangingPunct="1">
+              <a:spcBef>
+                <a:spcPts val="500"/>
+              </a:spcBef>
+              <a:spcAft>
+                <a:spcPts val="500"/>
+              </a:spcAft>
+            </a:pPr>
+            <a:r>
+              <a:rPr lang="en-GB" altLang="fr-FR" dirty="0" err="1"/>
+              <a:t>Transforme</a:t>
+            </a:r>
+            <a:r>
+              <a:rPr lang="en-GB" altLang="fr-FR" dirty="0"/>
+              <a:t> </a:t>
+            </a:r>
+            <a:r>
+              <a:rPr lang="en-GB" altLang="fr-FR" dirty="0" err="1"/>
+              <a:t>une</a:t>
+            </a:r>
+            <a:r>
+              <a:rPr lang="en-GB" altLang="fr-FR" dirty="0"/>
+              <a:t> collection de </a:t>
+            </a:r>
+            <a:r>
+              <a:rPr lang="en-GB" altLang="fr-FR" dirty="0" err="1"/>
+              <a:t>valeurs</a:t>
+            </a:r>
+            <a:r>
+              <a:rPr lang="en-GB" altLang="fr-FR" dirty="0"/>
+              <a:t> </a:t>
+            </a:r>
+            <a:r>
+              <a:rPr lang="en-GB" altLang="fr-FR" dirty="0" err="1"/>
+              <a:t>en</a:t>
+            </a:r>
+            <a:r>
+              <a:rPr lang="en-GB" altLang="fr-FR" dirty="0"/>
+              <a:t> </a:t>
+            </a:r>
+            <a:r>
+              <a:rPr lang="en-GB" altLang="fr-FR" dirty="0" err="1"/>
+              <a:t>liste</a:t>
+            </a:r>
+            <a:endParaRPr lang="en-GB" altLang="fr-FR" dirty="0"/>
+          </a:p>
+          <a:p>
+            <a:pPr lvl="1" eaLnBrk="1" hangingPunct="1">
+              <a:spcBef>
+                <a:spcPts val="500"/>
+              </a:spcBef>
+              <a:spcAft>
+                <a:spcPts val="500"/>
+              </a:spcAft>
+            </a:pPr>
+            <a:endParaRPr lang="en-GB" altLang="fr-FR" dirty="0"/>
+          </a:p>
+        </p:txBody>
+      </p:sp>
+    </p:spTree>
+    <p:extLst>
+      <p:ext uri="{BB962C8B-B14F-4D97-AF65-F5344CB8AC3E}">
+        <p14:creationId xmlns:p14="http://schemas.microsoft.com/office/powerpoint/2010/main" val="2997700510"/>
+      </p:ext>
+    </p:extLst>
+  </p:cSld>
+  <p:clrMapOvr>
+    <a:masterClrMapping/>
+  </p:clrMapOvr>
+</p:sld>
+</file>
+
+<file path=ppt/slides/slide16.xml><?xml version="1.0" encoding="utf-8"?>
+<p:sld xmlns:a="http://schemas.openxmlformats.org/drawingml/2006/main" xmlns:r="http://schemas.openxmlformats.org/officeDocument/2006/relationships" xmlns:p="http://schemas.openxmlformats.org/presentationml/2006/main">
+  <p:cSld>
+    <p:spTree>
+      <p:nvGrpSpPr>
+        <p:cNvPr id="1" name=""/>
+        <p:cNvGrpSpPr/>
+        <p:nvPr/>
+      </p:nvGrpSpPr>
+      <p:grpSpPr>
+        <a:xfrm>
+          <a:off x="0" y="0"/>
+          <a:ext cx="0" cy="0"/>
+          <a:chOff x="0" y="0"/>
+          <a:chExt cx="0" cy="0"/>
+        </a:xfrm>
+      </p:grpSpPr>
+      <p:sp>
+        <p:nvSpPr>
+          <p:cNvPr id="2" name="Titre 1"/>
+          <p:cNvSpPr>
+            <a:spLocks noGrp="1"/>
+          </p:cNvSpPr>
+          <p:nvPr>
+            <p:ph type="title"/>
+          </p:nvPr>
+        </p:nvSpPr>
+        <p:spPr/>
+        <p:txBody>
+          <a:bodyPr/>
+          <a:lstStyle/>
+          <a:p>
+            <a:r>
+              <a:rPr lang="fr-FR" dirty="0" err="1"/>
+              <a:t>Tuples</a:t>
+            </a:r>
+            <a:endParaRPr lang="fr-FR" dirty="0"/>
+          </a:p>
+        </p:txBody>
+      </p:sp>
+      <p:sp>
+        <p:nvSpPr>
+          <p:cNvPr id="3" name="Espace réservé du contenu 2"/>
+          <p:cNvSpPr>
+            <a:spLocks noGrp="1"/>
+          </p:cNvSpPr>
+          <p:nvPr>
+            <p:ph idx="1"/>
+          </p:nvPr>
+        </p:nvSpPr>
+        <p:spPr/>
+        <p:txBody>
+          <a:bodyPr/>
+          <a:lstStyle/>
+          <a:p>
             <a:r>
               <a:rPr lang="fr-FR" dirty="0"/>
               <a:t>Est une collection de valeurs non modifiable</a:t>
@@ -10411,7 +10513,7 @@
 </p:sld>
 </file>
 
-<file path=ppt/slides/slide16.xml><?xml version="1.0" encoding="utf-8"?>
+<file path=ppt/slides/slide17.xml><?xml version="1.0" encoding="utf-8"?>
 <p:sld xmlns:a="http://schemas.openxmlformats.org/drawingml/2006/main" xmlns:r="http://schemas.openxmlformats.org/officeDocument/2006/relationships" xmlns:p="http://schemas.openxmlformats.org/presentationml/2006/main">
   <p:cSld>
     <p:spTree>
@@ -10610,7 +10712,7 @@
 </p:sld>
 </file>
 
-<file path=ppt/slides/slide17.xml><?xml version="1.0" encoding="utf-8"?>
+<file path=ppt/slides/slide18.xml><?xml version="1.0" encoding="utf-8"?>
 <p:sld xmlns:a="http://schemas.openxmlformats.org/drawingml/2006/main" xmlns:r="http://schemas.openxmlformats.org/officeDocument/2006/relationships" xmlns:p="http://schemas.openxmlformats.org/presentationml/2006/main">
   <p:cSld>
     <p:spTree>
@@ -10978,7 +11080,7 @@
 </p:sld>
 </file>
 
-<file path=ppt/slides/slide18.xml><?xml version="1.0" encoding="utf-8"?>
+<file path=ppt/slides/slide19.xml><?xml version="1.0" encoding="utf-8"?>
 <p:sld xmlns:a="http://schemas.openxmlformats.org/drawingml/2006/main" xmlns:r="http://schemas.openxmlformats.org/officeDocument/2006/relationships" xmlns:p="http://schemas.openxmlformats.org/presentationml/2006/main">
   <p:cSld>
     <p:spTree>
@@ -11221,7 +11323,404 @@
 </p:sld>
 </file>
 
-<file path=ppt/slides/slide19.xml><?xml version="1.0" encoding="utf-8"?>
+<file path=ppt/slides/slide2.xml><?xml version="1.0" encoding="utf-8"?>
+<p:sld xmlns:a="http://schemas.openxmlformats.org/drawingml/2006/main" xmlns:r="http://schemas.openxmlformats.org/officeDocument/2006/relationships" xmlns:p="http://schemas.openxmlformats.org/presentationml/2006/main">
+  <p:cSld>
+    <p:spTree>
+      <p:nvGrpSpPr>
+        <p:cNvPr id="1" name=""/>
+        <p:cNvGrpSpPr/>
+        <p:nvPr/>
+      </p:nvGrpSpPr>
+      <p:grpSpPr>
+        <a:xfrm>
+          <a:off x="0" y="0"/>
+          <a:ext cx="0" cy="0"/>
+          <a:chOff x="0" y="0"/>
+          <a:chExt cx="0" cy="0"/>
+        </a:xfrm>
+      </p:grpSpPr>
+      <p:sp>
+        <p:nvSpPr>
+          <p:cNvPr id="2" name="Titre 1"/>
+          <p:cNvSpPr>
+            <a:spLocks noGrp="1"/>
+          </p:cNvSpPr>
+          <p:nvPr>
+            <p:ph type="title"/>
+          </p:nvPr>
+        </p:nvSpPr>
+        <p:spPr/>
+        <p:txBody>
+          <a:bodyPr/>
+          <a:lstStyle/>
+          <a:p>
+            <a:r>
+              <a:rPr lang="fr-FR" dirty="0"/>
+              <a:t>Les listes</a:t>
+            </a:r>
+          </a:p>
+        </p:txBody>
+      </p:sp>
+      <p:sp>
+        <p:nvSpPr>
+          <p:cNvPr id="3" name="Espace réservé du contenu 2"/>
+          <p:cNvSpPr>
+            <a:spLocks noGrp="1"/>
+          </p:cNvSpPr>
+          <p:nvPr>
+            <p:ph idx="1"/>
+          </p:nvPr>
+        </p:nvSpPr>
+        <p:spPr/>
+        <p:txBody>
+          <a:bodyPr/>
+          <a:lstStyle/>
+          <a:p>
+            <a:pPr eaLnBrk="1" hangingPunct="1">
+              <a:lnSpc>
+                <a:spcPct val="90000"/>
+              </a:lnSpc>
+            </a:pPr>
+            <a:r>
+              <a:rPr lang="en-GB" altLang="fr-FR" dirty="0"/>
+              <a:t>Il </a:t>
+            </a:r>
+            <a:r>
+              <a:rPr lang="en-GB" altLang="fr-FR" dirty="0" err="1"/>
+              <a:t>s’agit</a:t>
+            </a:r>
+            <a:r>
+              <a:rPr lang="en-GB" altLang="fr-FR" dirty="0"/>
+              <a:t> </a:t>
+            </a:r>
+            <a:r>
+              <a:rPr lang="en-GB" altLang="fr-FR" dirty="0" err="1"/>
+              <a:t>d’une</a:t>
+            </a:r>
+            <a:r>
+              <a:rPr lang="en-GB" altLang="fr-FR" dirty="0"/>
+              <a:t> collection </a:t>
+            </a:r>
+            <a:r>
+              <a:rPr lang="en-GB" altLang="fr-FR" dirty="0" err="1"/>
+              <a:t>d’objets</a:t>
+            </a:r>
+            <a:endParaRPr lang="en-GB" altLang="fr-FR" dirty="0"/>
+          </a:p>
+          <a:p>
+            <a:pPr lvl="1" eaLnBrk="1" hangingPunct="1">
+              <a:lnSpc>
+                <a:spcPct val="90000"/>
+              </a:lnSpc>
+            </a:pPr>
+            <a:r>
+              <a:rPr lang="en-GB" altLang="fr-FR" dirty="0" err="1"/>
+              <a:t>une</a:t>
+            </a:r>
+            <a:r>
+              <a:rPr lang="en-GB" altLang="fr-FR" dirty="0"/>
+              <a:t> </a:t>
+            </a:r>
+            <a:r>
+              <a:rPr lang="en-GB" altLang="fr-FR" dirty="0" err="1"/>
+              <a:t>liste</a:t>
+            </a:r>
+            <a:r>
+              <a:rPr lang="en-GB" altLang="fr-FR" dirty="0"/>
+              <a:t> de </a:t>
+            </a:r>
+            <a:r>
+              <a:rPr lang="en-GB" altLang="fr-FR" dirty="0" err="1"/>
+              <a:t>valeurs</a:t>
+            </a:r>
+            <a:r>
+              <a:rPr lang="en-GB" altLang="fr-FR" dirty="0"/>
+              <a:t> (</a:t>
+            </a:r>
+            <a:r>
+              <a:rPr lang="en-GB" altLang="fr-FR" dirty="0" err="1"/>
+              <a:t>ou</a:t>
+            </a:r>
+            <a:r>
+              <a:rPr lang="en-GB" altLang="fr-FR" dirty="0"/>
+              <a:t> </a:t>
+            </a:r>
+            <a:r>
+              <a:rPr lang="en-GB" altLang="fr-FR" dirty="0" err="1"/>
+              <a:t>éléments</a:t>
+            </a:r>
+            <a:r>
+              <a:rPr lang="en-GB" altLang="fr-FR" dirty="0"/>
+              <a:t>) entre crochets </a:t>
+            </a:r>
+            <a:r>
+              <a:rPr lang="en-GB" altLang="fr-FR" dirty="0" err="1"/>
+              <a:t>séparés</a:t>
+            </a:r>
+            <a:r>
+              <a:rPr lang="en-GB" altLang="fr-FR" dirty="0"/>
+              <a:t> par des virgules.</a:t>
+            </a:r>
+          </a:p>
+          <a:p>
+            <a:pPr lvl="1" eaLnBrk="1" hangingPunct="1">
+              <a:lnSpc>
+                <a:spcPct val="90000"/>
+              </a:lnSpc>
+            </a:pPr>
+            <a:r>
+              <a:rPr lang="en-GB" altLang="fr-FR" dirty="0"/>
+              <a:t>Les </a:t>
+            </a:r>
+            <a:r>
+              <a:rPr lang="en-GB" altLang="fr-FR" dirty="0" err="1"/>
+              <a:t>éléments</a:t>
+            </a:r>
+            <a:r>
+              <a:rPr lang="en-GB" altLang="fr-FR" dirty="0"/>
+              <a:t> de la </a:t>
+            </a:r>
+            <a:r>
+              <a:rPr lang="en-GB" altLang="fr-FR" dirty="0" err="1"/>
+              <a:t>liste</a:t>
+            </a:r>
+            <a:r>
+              <a:rPr lang="en-GB" altLang="fr-FR" dirty="0"/>
+              <a:t> </a:t>
+            </a:r>
+            <a:r>
+              <a:rPr lang="en-GB" altLang="fr-FR" dirty="0" err="1"/>
+              <a:t>n’ont</a:t>
+            </a:r>
+            <a:r>
+              <a:rPr lang="en-GB" altLang="fr-FR" dirty="0"/>
+              <a:t> pas </a:t>
+            </a:r>
+            <a:r>
+              <a:rPr lang="en-GB" altLang="fr-FR" dirty="0" err="1"/>
+              <a:t>nécessairement</a:t>
+            </a:r>
+            <a:r>
+              <a:rPr lang="en-GB" altLang="fr-FR" dirty="0"/>
+              <a:t> le </a:t>
+            </a:r>
+            <a:r>
+              <a:rPr lang="en-GB" altLang="fr-FR" dirty="0" err="1"/>
+              <a:t>même</a:t>
+            </a:r>
+            <a:r>
+              <a:rPr lang="en-GB" altLang="fr-FR" dirty="0"/>
+              <a:t> type</a:t>
+            </a:r>
+          </a:p>
+          <a:p>
+            <a:pPr lvl="1" eaLnBrk="1" hangingPunct="1">
+              <a:lnSpc>
+                <a:spcPct val="90000"/>
+              </a:lnSpc>
+            </a:pPr>
+            <a:r>
+              <a:rPr lang="en-GB" altLang="fr-FR" dirty="0" err="1"/>
+              <a:t>Voici</a:t>
+            </a:r>
+            <a:r>
+              <a:rPr lang="en-GB" altLang="fr-FR" dirty="0"/>
+              <a:t> </a:t>
+            </a:r>
+            <a:r>
+              <a:rPr lang="en-GB" altLang="fr-FR" dirty="0" err="1"/>
+              <a:t>une</a:t>
+            </a:r>
+            <a:r>
+              <a:rPr lang="en-GB" altLang="fr-FR" dirty="0"/>
+              <a:t> </a:t>
+            </a:r>
+            <a:r>
+              <a:rPr lang="en-GB" altLang="fr-FR" dirty="0" err="1"/>
+              <a:t>liste</a:t>
+            </a:r>
+            <a:r>
+              <a:rPr lang="en-GB" altLang="fr-FR" dirty="0"/>
+              <a:t> de 4 </a:t>
+            </a:r>
+            <a:r>
+              <a:rPr lang="en-GB" altLang="fr-FR" dirty="0" err="1"/>
+              <a:t>éléments</a:t>
+            </a:r>
+            <a:endParaRPr lang="en-GB" altLang="fr-FR" dirty="0"/>
+          </a:p>
+          <a:p>
+            <a:pPr lvl="1" eaLnBrk="1" hangingPunct="1">
+              <a:lnSpc>
+                <a:spcPct val="90000"/>
+              </a:lnSpc>
+            </a:pPr>
+            <a:r>
+              <a:rPr lang="en-GB" altLang="fr-FR" dirty="0"/>
+              <a:t>&gt;&gt;&gt;a = [‘spam’, ‘eggs’,100,1234]				  </a:t>
+            </a:r>
+          </a:p>
+          <a:p>
+            <a:pPr eaLnBrk="1" hangingPunct="1">
+              <a:lnSpc>
+                <a:spcPct val="90000"/>
+              </a:lnSpc>
+            </a:pPr>
+            <a:r>
+              <a:rPr lang="en-GB" altLang="fr-FR" dirty="0" err="1"/>
+              <a:t>Comme</a:t>
+            </a:r>
+            <a:r>
+              <a:rPr lang="en-GB" altLang="fr-FR" dirty="0"/>
+              <a:t> les indices des </a:t>
+            </a:r>
+            <a:r>
+              <a:rPr lang="en-GB" altLang="fr-FR" dirty="0" err="1"/>
+              <a:t>chaînes</a:t>
+            </a:r>
+            <a:r>
+              <a:rPr lang="en-GB" altLang="fr-FR" dirty="0"/>
+              <a:t>, les indices des </a:t>
+            </a:r>
+            <a:r>
+              <a:rPr lang="en-GB" altLang="fr-FR" dirty="0" err="1"/>
+              <a:t>listes</a:t>
+            </a:r>
+            <a:r>
+              <a:rPr lang="en-GB" altLang="fr-FR" dirty="0"/>
+              <a:t> </a:t>
+            </a:r>
+            <a:r>
+              <a:rPr lang="en-GB" altLang="fr-FR" dirty="0" err="1"/>
+              <a:t>commencent</a:t>
+            </a:r>
+            <a:r>
+              <a:rPr lang="en-GB" altLang="fr-FR" dirty="0"/>
+              <a:t> à 0, et les </a:t>
+            </a:r>
+            <a:r>
+              <a:rPr lang="en-GB" altLang="fr-FR" dirty="0" err="1"/>
+              <a:t>listes</a:t>
+            </a:r>
+            <a:r>
+              <a:rPr lang="en-GB" altLang="fr-FR" dirty="0"/>
+              <a:t> </a:t>
+            </a:r>
+            <a:r>
+              <a:rPr lang="en-GB" altLang="fr-FR" dirty="0" err="1"/>
+              <a:t>peuvent</a:t>
+            </a:r>
+            <a:r>
+              <a:rPr lang="en-GB" altLang="fr-FR" dirty="0"/>
+              <a:t> </a:t>
+            </a:r>
+            <a:r>
+              <a:rPr lang="en-GB" altLang="fr-FR" dirty="0" err="1"/>
+              <a:t>étre</a:t>
+            </a:r>
+            <a:r>
+              <a:rPr lang="en-GB" altLang="fr-FR" dirty="0"/>
+              <a:t> </a:t>
+            </a:r>
+            <a:r>
+              <a:rPr lang="en-GB" altLang="fr-FR" dirty="0" err="1"/>
+              <a:t>découpées</a:t>
+            </a:r>
+            <a:r>
+              <a:rPr lang="en-GB" altLang="fr-FR" dirty="0"/>
+              <a:t>, </a:t>
+            </a:r>
+            <a:r>
+              <a:rPr lang="en-GB" altLang="fr-FR" dirty="0" err="1"/>
+              <a:t>concaténées</a:t>
+            </a:r>
+            <a:endParaRPr lang="en-GB" altLang="fr-FR" dirty="0"/>
+          </a:p>
+          <a:p>
+            <a:pPr eaLnBrk="1" hangingPunct="1">
+              <a:lnSpc>
+                <a:spcPct val="90000"/>
+              </a:lnSpc>
+            </a:pPr>
+            <a:r>
+              <a:rPr lang="en-GB" altLang="fr-FR" dirty="0"/>
+              <a:t>Les </a:t>
+            </a:r>
+            <a:r>
+              <a:rPr lang="en-GB" altLang="fr-FR" dirty="0" err="1"/>
+              <a:t>listes</a:t>
+            </a:r>
+            <a:r>
+              <a:rPr lang="en-GB" altLang="fr-FR" dirty="0"/>
+              <a:t> </a:t>
+            </a:r>
+            <a:r>
+              <a:rPr lang="en-GB" altLang="fr-FR" dirty="0" err="1"/>
+              <a:t>sont</a:t>
+            </a:r>
+            <a:r>
+              <a:rPr lang="en-GB" altLang="fr-FR" b="1" dirty="0"/>
+              <a:t> </a:t>
+            </a:r>
+            <a:r>
+              <a:rPr lang="en-GB" altLang="fr-FR" b="1" dirty="0" err="1"/>
+              <a:t>modifiables</a:t>
+            </a:r>
+            <a:r>
+              <a:rPr lang="en-GB" altLang="fr-FR" dirty="0" err="1"/>
+              <a:t>,on</a:t>
+            </a:r>
+            <a:r>
+              <a:rPr lang="en-GB" altLang="fr-FR" dirty="0"/>
+              <a:t> </a:t>
+            </a:r>
+            <a:r>
+              <a:rPr lang="en-GB" altLang="fr-FR" dirty="0" err="1"/>
+              <a:t>peut</a:t>
+            </a:r>
+            <a:r>
+              <a:rPr lang="en-GB" altLang="fr-FR" dirty="0"/>
+              <a:t> </a:t>
+            </a:r>
+            <a:r>
+              <a:rPr lang="en-GB" altLang="fr-FR" dirty="0" err="1"/>
+              <a:t>donc</a:t>
+            </a:r>
+            <a:r>
+              <a:rPr lang="en-GB" altLang="fr-FR" dirty="0"/>
+              <a:t> changer les </a:t>
+            </a:r>
+            <a:r>
+              <a:rPr lang="en-GB" altLang="fr-FR" dirty="0" err="1"/>
+              <a:t>éléments</a:t>
+            </a:r>
+            <a:r>
+              <a:rPr lang="en-GB" altLang="fr-FR" dirty="0"/>
+              <a:t> </a:t>
+            </a:r>
+            <a:r>
+              <a:rPr lang="en-GB" altLang="fr-FR" dirty="0" err="1"/>
+              <a:t>individuellement</a:t>
+            </a:r>
+            <a:endParaRPr lang="fr-FR" dirty="0"/>
+          </a:p>
+        </p:txBody>
+      </p:sp>
+    </p:spTree>
+    <p:extLst>
+      <p:ext uri="{BB962C8B-B14F-4D97-AF65-F5344CB8AC3E}">
+        <p14:creationId xmlns:p14="http://schemas.microsoft.com/office/powerpoint/2010/main" val="613000178"/>
+      </p:ext>
+    </p:extLst>
+  </p:cSld>
+  <p:clrMapOvr>
+    <a:masterClrMapping/>
+  </p:clrMapOvr>
+</p:sld>
+</file>
+
+<file path=ppt/slides/slide20.xml><?xml version="1.0" encoding="utf-8"?>
 <p:sld xmlns:a="http://schemas.openxmlformats.org/drawingml/2006/main" xmlns:r="http://schemas.openxmlformats.org/officeDocument/2006/relationships" xmlns:p="http://schemas.openxmlformats.org/presentationml/2006/main">
   <p:cSld>
     <p:spTree>
@@ -11625,7 +12124,7 @@
 </p:sld>
 </file>
 
-<file path=ppt/slides/slide2.xml><?xml version="1.0" encoding="utf-8"?>
+<file path=ppt/slides/slide21.xml><?xml version="1.0" encoding="utf-8"?>
 <p:sld xmlns:a="http://schemas.openxmlformats.org/drawingml/2006/main" xmlns:r="http://schemas.openxmlformats.org/officeDocument/2006/relationships" xmlns:p="http://schemas.openxmlformats.org/presentationml/2006/main">
   <p:cSld>
     <p:spTree>
@@ -11659,7 +12158,7 @@
           <a:p>
             <a:r>
               <a:rPr lang="fr-FR" dirty="0"/>
-              <a:t>Les listes</a:t>
+              <a:t>zip</a:t>
             </a:r>
           </a:p>
         </p:txBody>
@@ -11679,403 +12178,6 @@
           <a:bodyPr/>
           <a:lstStyle/>
           <a:p>
-            <a:pPr eaLnBrk="1" hangingPunct="1">
-              <a:lnSpc>
-                <a:spcPct val="90000"/>
-              </a:lnSpc>
-            </a:pPr>
-            <a:r>
-              <a:rPr lang="en-GB" altLang="fr-FR" dirty="0"/>
-              <a:t>Il </a:t>
-            </a:r>
-            <a:r>
-              <a:rPr lang="en-GB" altLang="fr-FR" dirty="0" err="1"/>
-              <a:t>s’agit</a:t>
-            </a:r>
-            <a:r>
-              <a:rPr lang="en-GB" altLang="fr-FR" dirty="0"/>
-              <a:t> </a:t>
-            </a:r>
-            <a:r>
-              <a:rPr lang="en-GB" altLang="fr-FR" dirty="0" err="1"/>
-              <a:t>d’une</a:t>
-            </a:r>
-            <a:r>
-              <a:rPr lang="en-GB" altLang="fr-FR" dirty="0"/>
-              <a:t> collection </a:t>
-            </a:r>
-            <a:r>
-              <a:rPr lang="en-GB" altLang="fr-FR" dirty="0" err="1"/>
-              <a:t>d’objets</a:t>
-            </a:r>
-            <a:endParaRPr lang="en-GB" altLang="fr-FR" dirty="0"/>
-          </a:p>
-          <a:p>
-            <a:pPr lvl="1" eaLnBrk="1" hangingPunct="1">
-              <a:lnSpc>
-                <a:spcPct val="90000"/>
-              </a:lnSpc>
-            </a:pPr>
-            <a:r>
-              <a:rPr lang="en-GB" altLang="fr-FR" dirty="0" err="1"/>
-              <a:t>une</a:t>
-            </a:r>
-            <a:r>
-              <a:rPr lang="en-GB" altLang="fr-FR" dirty="0"/>
-              <a:t> </a:t>
-            </a:r>
-            <a:r>
-              <a:rPr lang="en-GB" altLang="fr-FR" dirty="0" err="1"/>
-              <a:t>liste</a:t>
-            </a:r>
-            <a:r>
-              <a:rPr lang="en-GB" altLang="fr-FR" dirty="0"/>
-              <a:t> de </a:t>
-            </a:r>
-            <a:r>
-              <a:rPr lang="en-GB" altLang="fr-FR" dirty="0" err="1"/>
-              <a:t>valeurs</a:t>
-            </a:r>
-            <a:r>
-              <a:rPr lang="en-GB" altLang="fr-FR" dirty="0"/>
-              <a:t> (</a:t>
-            </a:r>
-            <a:r>
-              <a:rPr lang="en-GB" altLang="fr-FR" dirty="0" err="1"/>
-              <a:t>ou</a:t>
-            </a:r>
-            <a:r>
-              <a:rPr lang="en-GB" altLang="fr-FR" dirty="0"/>
-              <a:t> </a:t>
-            </a:r>
-            <a:r>
-              <a:rPr lang="en-GB" altLang="fr-FR" dirty="0" err="1"/>
-              <a:t>éléments</a:t>
-            </a:r>
-            <a:r>
-              <a:rPr lang="en-GB" altLang="fr-FR" dirty="0"/>
-              <a:t>) entre crochets </a:t>
-            </a:r>
-            <a:r>
-              <a:rPr lang="en-GB" altLang="fr-FR" dirty="0" err="1"/>
-              <a:t>séparés</a:t>
-            </a:r>
-            <a:r>
-              <a:rPr lang="en-GB" altLang="fr-FR" dirty="0"/>
-              <a:t> par des virgules.</a:t>
-            </a:r>
-          </a:p>
-          <a:p>
-            <a:pPr lvl="1" eaLnBrk="1" hangingPunct="1">
-              <a:lnSpc>
-                <a:spcPct val="90000"/>
-              </a:lnSpc>
-            </a:pPr>
-            <a:r>
-              <a:rPr lang="en-GB" altLang="fr-FR" dirty="0"/>
-              <a:t>Les </a:t>
-            </a:r>
-            <a:r>
-              <a:rPr lang="en-GB" altLang="fr-FR" dirty="0" err="1"/>
-              <a:t>éléments</a:t>
-            </a:r>
-            <a:r>
-              <a:rPr lang="en-GB" altLang="fr-FR" dirty="0"/>
-              <a:t> de la </a:t>
-            </a:r>
-            <a:r>
-              <a:rPr lang="en-GB" altLang="fr-FR" dirty="0" err="1"/>
-              <a:t>liste</a:t>
-            </a:r>
-            <a:r>
-              <a:rPr lang="en-GB" altLang="fr-FR" dirty="0"/>
-              <a:t> </a:t>
-            </a:r>
-            <a:r>
-              <a:rPr lang="en-GB" altLang="fr-FR" dirty="0" err="1"/>
-              <a:t>n’ont</a:t>
-            </a:r>
-            <a:r>
-              <a:rPr lang="en-GB" altLang="fr-FR" dirty="0"/>
-              <a:t> pas </a:t>
-            </a:r>
-            <a:r>
-              <a:rPr lang="en-GB" altLang="fr-FR" dirty="0" err="1"/>
-              <a:t>nécessairement</a:t>
-            </a:r>
-            <a:r>
-              <a:rPr lang="en-GB" altLang="fr-FR" dirty="0"/>
-              <a:t> le </a:t>
-            </a:r>
-            <a:r>
-              <a:rPr lang="en-GB" altLang="fr-FR" dirty="0" err="1"/>
-              <a:t>même</a:t>
-            </a:r>
-            <a:r>
-              <a:rPr lang="en-GB" altLang="fr-FR" dirty="0"/>
-              <a:t> type</a:t>
-            </a:r>
-          </a:p>
-          <a:p>
-            <a:pPr lvl="1" eaLnBrk="1" hangingPunct="1">
-              <a:lnSpc>
-                <a:spcPct val="90000"/>
-              </a:lnSpc>
-            </a:pPr>
-            <a:r>
-              <a:rPr lang="en-GB" altLang="fr-FR" dirty="0" err="1"/>
-              <a:t>Voici</a:t>
-            </a:r>
-            <a:r>
-              <a:rPr lang="en-GB" altLang="fr-FR" dirty="0"/>
-              <a:t> </a:t>
-            </a:r>
-            <a:r>
-              <a:rPr lang="en-GB" altLang="fr-FR" dirty="0" err="1"/>
-              <a:t>une</a:t>
-            </a:r>
-            <a:r>
-              <a:rPr lang="en-GB" altLang="fr-FR" dirty="0"/>
-              <a:t> </a:t>
-            </a:r>
-            <a:r>
-              <a:rPr lang="en-GB" altLang="fr-FR" dirty="0" err="1"/>
-              <a:t>liste</a:t>
-            </a:r>
-            <a:r>
-              <a:rPr lang="en-GB" altLang="fr-FR" dirty="0"/>
-              <a:t> de 4 </a:t>
-            </a:r>
-            <a:r>
-              <a:rPr lang="en-GB" altLang="fr-FR" dirty="0" err="1"/>
-              <a:t>éléments</a:t>
-            </a:r>
-            <a:endParaRPr lang="en-GB" altLang="fr-FR" dirty="0"/>
-          </a:p>
-          <a:p>
-            <a:pPr lvl="1" eaLnBrk="1" hangingPunct="1">
-              <a:lnSpc>
-                <a:spcPct val="90000"/>
-              </a:lnSpc>
-            </a:pPr>
-            <a:r>
-              <a:rPr lang="en-GB" altLang="fr-FR" dirty="0"/>
-              <a:t>&gt;&gt;&gt;a = [‘spam’, ‘eggs’,100,1234]				  </a:t>
-            </a:r>
-          </a:p>
-          <a:p>
-            <a:pPr eaLnBrk="1" hangingPunct="1">
-              <a:lnSpc>
-                <a:spcPct val="90000"/>
-              </a:lnSpc>
-            </a:pPr>
-            <a:r>
-              <a:rPr lang="en-GB" altLang="fr-FR" dirty="0" err="1"/>
-              <a:t>Comme</a:t>
-            </a:r>
-            <a:r>
-              <a:rPr lang="en-GB" altLang="fr-FR" dirty="0"/>
-              <a:t> les indices des </a:t>
-            </a:r>
-            <a:r>
-              <a:rPr lang="en-GB" altLang="fr-FR" dirty="0" err="1"/>
-              <a:t>chaînes</a:t>
-            </a:r>
-            <a:r>
-              <a:rPr lang="en-GB" altLang="fr-FR" dirty="0"/>
-              <a:t>, les indices des </a:t>
-            </a:r>
-            <a:r>
-              <a:rPr lang="en-GB" altLang="fr-FR" dirty="0" err="1"/>
-              <a:t>listes</a:t>
-            </a:r>
-            <a:r>
-              <a:rPr lang="en-GB" altLang="fr-FR" dirty="0"/>
-              <a:t> </a:t>
-            </a:r>
-            <a:r>
-              <a:rPr lang="en-GB" altLang="fr-FR" dirty="0" err="1"/>
-              <a:t>commencent</a:t>
-            </a:r>
-            <a:r>
-              <a:rPr lang="en-GB" altLang="fr-FR" dirty="0"/>
-              <a:t> à 0, et les </a:t>
-            </a:r>
-            <a:r>
-              <a:rPr lang="en-GB" altLang="fr-FR" dirty="0" err="1"/>
-              <a:t>listes</a:t>
-            </a:r>
-            <a:r>
-              <a:rPr lang="en-GB" altLang="fr-FR" dirty="0"/>
-              <a:t> </a:t>
-            </a:r>
-            <a:r>
-              <a:rPr lang="en-GB" altLang="fr-FR" dirty="0" err="1"/>
-              <a:t>peuvent</a:t>
-            </a:r>
-            <a:r>
-              <a:rPr lang="en-GB" altLang="fr-FR" dirty="0"/>
-              <a:t> </a:t>
-            </a:r>
-            <a:r>
-              <a:rPr lang="en-GB" altLang="fr-FR" dirty="0" err="1"/>
-              <a:t>étre</a:t>
-            </a:r>
-            <a:r>
-              <a:rPr lang="en-GB" altLang="fr-FR" dirty="0"/>
-              <a:t> </a:t>
-            </a:r>
-            <a:r>
-              <a:rPr lang="en-GB" altLang="fr-FR" dirty="0" err="1"/>
-              <a:t>découpées</a:t>
-            </a:r>
-            <a:r>
-              <a:rPr lang="en-GB" altLang="fr-FR" dirty="0"/>
-              <a:t>, </a:t>
-            </a:r>
-            <a:r>
-              <a:rPr lang="en-GB" altLang="fr-FR" dirty="0" err="1"/>
-              <a:t>concaténées</a:t>
-            </a:r>
-            <a:endParaRPr lang="en-GB" altLang="fr-FR" dirty="0"/>
-          </a:p>
-          <a:p>
-            <a:pPr eaLnBrk="1" hangingPunct="1">
-              <a:lnSpc>
-                <a:spcPct val="90000"/>
-              </a:lnSpc>
-            </a:pPr>
-            <a:r>
-              <a:rPr lang="en-GB" altLang="fr-FR" dirty="0"/>
-              <a:t>Les </a:t>
-            </a:r>
-            <a:r>
-              <a:rPr lang="en-GB" altLang="fr-FR" dirty="0" err="1"/>
-              <a:t>listes</a:t>
-            </a:r>
-            <a:r>
-              <a:rPr lang="en-GB" altLang="fr-FR" dirty="0"/>
-              <a:t> </a:t>
-            </a:r>
-            <a:r>
-              <a:rPr lang="en-GB" altLang="fr-FR" dirty="0" err="1"/>
-              <a:t>sont</a:t>
-            </a:r>
-            <a:r>
-              <a:rPr lang="en-GB" altLang="fr-FR" b="1" dirty="0"/>
-              <a:t> </a:t>
-            </a:r>
-            <a:r>
-              <a:rPr lang="en-GB" altLang="fr-FR" b="1" dirty="0" err="1"/>
-              <a:t>modifiables</a:t>
-            </a:r>
-            <a:r>
-              <a:rPr lang="en-GB" altLang="fr-FR" dirty="0" err="1"/>
-              <a:t>,on</a:t>
-            </a:r>
-            <a:r>
-              <a:rPr lang="en-GB" altLang="fr-FR" dirty="0"/>
-              <a:t> </a:t>
-            </a:r>
-            <a:r>
-              <a:rPr lang="en-GB" altLang="fr-FR" dirty="0" err="1"/>
-              <a:t>peut</a:t>
-            </a:r>
-            <a:r>
-              <a:rPr lang="en-GB" altLang="fr-FR" dirty="0"/>
-              <a:t> </a:t>
-            </a:r>
-            <a:r>
-              <a:rPr lang="en-GB" altLang="fr-FR" dirty="0" err="1"/>
-              <a:t>donc</a:t>
-            </a:r>
-            <a:r>
-              <a:rPr lang="en-GB" altLang="fr-FR" dirty="0"/>
-              <a:t> changer les </a:t>
-            </a:r>
-            <a:r>
-              <a:rPr lang="en-GB" altLang="fr-FR" dirty="0" err="1"/>
-              <a:t>éléments</a:t>
-            </a:r>
-            <a:r>
-              <a:rPr lang="en-GB" altLang="fr-FR" dirty="0"/>
-              <a:t> </a:t>
-            </a:r>
-            <a:r>
-              <a:rPr lang="en-GB" altLang="fr-FR" dirty="0" err="1"/>
-              <a:t>individuellement</a:t>
-            </a:r>
-            <a:endParaRPr lang="fr-FR" dirty="0"/>
-          </a:p>
-        </p:txBody>
-      </p:sp>
-    </p:spTree>
-    <p:extLst>
-      <p:ext uri="{BB962C8B-B14F-4D97-AF65-F5344CB8AC3E}">
-        <p14:creationId xmlns:p14="http://schemas.microsoft.com/office/powerpoint/2010/main" val="613000178"/>
-      </p:ext>
-    </p:extLst>
-  </p:cSld>
-  <p:clrMapOvr>
-    <a:masterClrMapping/>
-  </p:clrMapOvr>
-</p:sld>
-</file>
-
-<file path=ppt/slides/slide20.xml><?xml version="1.0" encoding="utf-8"?>
-<p:sld xmlns:a="http://schemas.openxmlformats.org/drawingml/2006/main" xmlns:r="http://schemas.openxmlformats.org/officeDocument/2006/relationships" xmlns:p="http://schemas.openxmlformats.org/presentationml/2006/main">
-  <p:cSld>
-    <p:spTree>
-      <p:nvGrpSpPr>
-        <p:cNvPr id="1" name=""/>
-        <p:cNvGrpSpPr/>
-        <p:nvPr/>
-      </p:nvGrpSpPr>
-      <p:grpSpPr>
-        <a:xfrm>
-          <a:off x="0" y="0"/>
-          <a:ext cx="0" cy="0"/>
-          <a:chOff x="0" y="0"/>
-          <a:chExt cx="0" cy="0"/>
-        </a:xfrm>
-      </p:grpSpPr>
-      <p:sp>
-        <p:nvSpPr>
-          <p:cNvPr id="2" name="Titre 1"/>
-          <p:cNvSpPr>
-            <a:spLocks noGrp="1"/>
-          </p:cNvSpPr>
-          <p:nvPr>
-            <p:ph type="title"/>
-          </p:nvPr>
-        </p:nvSpPr>
-        <p:spPr/>
-        <p:txBody>
-          <a:bodyPr/>
-          <a:lstStyle/>
-          <a:p>
-            <a:r>
-              <a:rPr lang="fr-FR" dirty="0"/>
-              <a:t>zip</a:t>
-            </a:r>
-          </a:p>
-        </p:txBody>
-      </p:sp>
-      <p:sp>
-        <p:nvSpPr>
-          <p:cNvPr id="3" name="Espace réservé du contenu 2"/>
-          <p:cNvSpPr>
-            <a:spLocks noGrp="1"/>
-          </p:cNvSpPr>
-          <p:nvPr>
-            <p:ph idx="1"/>
-          </p:nvPr>
-        </p:nvSpPr>
-        <p:spPr/>
-        <p:txBody>
-          <a:bodyPr/>
-          <a:lstStyle/>
-          <a:p>
             <a:r>
               <a:rPr lang="fr-FR" dirty="0"/>
               <a:t>Permet de lier 2 listes en une liste de </a:t>
@@ -12257,7 +12359,7 @@
 </p:sld>
 </file>
 
-<file path=ppt/slides/slide21.xml><?xml version="1.0" encoding="utf-8"?>
+<file path=ppt/slides/slide22.xml><?xml version="1.0" encoding="utf-8"?>
 <p:sld xmlns:a="http://schemas.openxmlformats.org/drawingml/2006/main" xmlns:r="http://schemas.openxmlformats.org/officeDocument/2006/relationships" xmlns:p="http://schemas.openxmlformats.org/presentationml/2006/main">
   <p:cSld>
     <p:spTree>
@@ -15826,10 +15928,9 @@
           <a:lstStyle/>
           <a:p>
             <a:r>
-              <a:rPr lang="fr-FR" dirty="0" err="1"/>
-              <a:t>Map</a:t>
-            </a:r>
-            <a:endParaRPr lang="fr-FR" dirty="0"/>
+              <a:rPr lang="fr-FR" dirty="0"/>
+              <a:t>Filtre</a:t>
+            </a:r>
           </a:p>
         </p:txBody>
       </p:sp>
@@ -15848,43 +15949,297 @@
           <a:bodyPr/>
           <a:lstStyle/>
           <a:p>
-            <a:r>
-              <a:rPr lang="fr-FR" dirty="0"/>
-              <a:t>Permet d’appliquer une fonction à une liste</a:t>
-            </a:r>
-          </a:p>
-          <a:p>
-            <a:pPr lvl="1"/>
-            <a:r>
-              <a:rPr lang="en-US" dirty="0"/>
-              <a:t>l= ["It's over 9000 !", "All your base are belong to us."]</a:t>
-            </a:r>
-          </a:p>
-          <a:p>
-            <a:pPr lvl="1"/>
-            <a:r>
-              <a:rPr lang="en-US" dirty="0"/>
-              <a:t>print(map(</a:t>
-            </a:r>
-            <a:r>
-              <a:rPr lang="en-US" dirty="0" err="1"/>
-              <a:t>unicode.upper</a:t>
-            </a:r>
-            <a:r>
-              <a:rPr lang="en-US" dirty="0"/>
-              <a:t>, l))</a:t>
-            </a:r>
-            <a:endParaRPr lang="fr-FR" dirty="0"/>
-          </a:p>
-          <a:p>
-            <a:endParaRPr lang="fr-FR" dirty="0"/>
+            <a:pPr eaLnBrk="1" hangingPunct="1">
+              <a:spcBef>
+                <a:spcPts val="500"/>
+              </a:spcBef>
+              <a:spcAft>
+                <a:spcPts val="500"/>
+              </a:spcAft>
+            </a:pPr>
+            <a:r>
+              <a:rPr lang="en-GB" altLang="fr-FR" sz="2000" dirty="0"/>
+              <a:t>"filter(</a:t>
+            </a:r>
+            <a:r>
+              <a:rPr lang="en-GB" altLang="fr-FR" sz="2000" i="1" dirty="0" err="1"/>
+              <a:t>fonction</a:t>
+            </a:r>
+            <a:r>
+              <a:rPr lang="en-GB" altLang="fr-FR" sz="2000" dirty="0"/>
+              <a:t>, </a:t>
+            </a:r>
+            <a:r>
+              <a:rPr lang="en-GB" altLang="fr-FR" sz="2000" i="1" dirty="0"/>
+              <a:t>sequence</a:t>
+            </a:r>
+            <a:r>
+              <a:rPr lang="en-GB" altLang="fr-FR" sz="2000" dirty="0"/>
+              <a:t>)" </a:t>
+            </a:r>
+            <a:r>
+              <a:rPr lang="en-GB" altLang="fr-FR" sz="2000" dirty="0" err="1"/>
+              <a:t>renvoit</a:t>
+            </a:r>
+            <a:r>
+              <a:rPr lang="en-GB" altLang="fr-FR" sz="2000" dirty="0"/>
+              <a:t> </a:t>
+            </a:r>
+            <a:r>
+              <a:rPr lang="en-GB" altLang="fr-FR" sz="2000" dirty="0" err="1"/>
+              <a:t>une</a:t>
+            </a:r>
+            <a:r>
+              <a:rPr lang="en-GB" altLang="fr-FR" sz="2000" dirty="0"/>
+              <a:t> reference de </a:t>
+            </a:r>
+            <a:r>
+              <a:rPr lang="en-GB" altLang="fr-FR" sz="2000" dirty="0" err="1"/>
+              <a:t>liste</a:t>
+            </a:r>
+            <a:r>
+              <a:rPr lang="en-GB" altLang="fr-FR" sz="2000" dirty="0"/>
+              <a:t> (du </a:t>
+            </a:r>
+            <a:r>
+              <a:rPr lang="en-GB" altLang="fr-FR" sz="2000" dirty="0" err="1"/>
+              <a:t>même</a:t>
+            </a:r>
+            <a:r>
+              <a:rPr lang="en-GB" altLang="fr-FR" sz="2000" dirty="0"/>
+              <a:t> type, </a:t>
+            </a:r>
+            <a:r>
+              <a:rPr lang="en-GB" altLang="fr-FR" sz="2000" dirty="0" err="1"/>
+              <a:t>si</a:t>
+            </a:r>
+            <a:r>
+              <a:rPr lang="en-GB" altLang="fr-FR" sz="2000" dirty="0"/>
+              <a:t> possible) </a:t>
+            </a:r>
+            <a:r>
+              <a:rPr lang="en-GB" altLang="fr-FR" sz="2000" dirty="0" err="1"/>
+              <a:t>contenant</a:t>
+            </a:r>
+            <a:r>
+              <a:rPr lang="en-GB" altLang="fr-FR" sz="2000" dirty="0"/>
+              <a:t> les </a:t>
+            </a:r>
+            <a:r>
+              <a:rPr lang="en-GB" altLang="fr-FR" sz="2000" dirty="0" err="1"/>
+              <a:t>seul</a:t>
+            </a:r>
+            <a:r>
+              <a:rPr lang="en-GB" altLang="fr-FR" sz="2000" dirty="0"/>
+              <a:t> </a:t>
+            </a:r>
+            <a:r>
+              <a:rPr lang="en-GB" altLang="fr-FR" sz="2000" dirty="0" err="1"/>
+              <a:t>éléments</a:t>
+            </a:r>
+            <a:r>
+              <a:rPr lang="en-GB" altLang="fr-FR" sz="2000" dirty="0"/>
+              <a:t> de la </a:t>
+            </a:r>
+            <a:r>
+              <a:rPr lang="en-GB" altLang="fr-FR" sz="2000" dirty="0" err="1"/>
+              <a:t>séquence</a:t>
+            </a:r>
+            <a:r>
+              <a:rPr lang="en-GB" altLang="fr-FR" sz="2000" dirty="0"/>
+              <a:t> pour </a:t>
+            </a:r>
+            <a:r>
+              <a:rPr lang="en-GB" altLang="fr-FR" sz="2000" dirty="0" err="1"/>
+              <a:t>lesquels</a:t>
+            </a:r>
+            <a:r>
+              <a:rPr lang="en-GB" altLang="fr-FR" sz="2000" dirty="0"/>
+              <a:t> </a:t>
+            </a:r>
+            <a:r>
+              <a:rPr lang="en-GB" altLang="fr-FR" sz="2000" i="1" dirty="0" err="1">
+                <a:latin typeface="Courier New" panose="02070309020205020404" pitchFamily="49" charset="0"/>
+              </a:rPr>
+              <a:t>fonction</a:t>
+            </a:r>
+            <a:r>
+              <a:rPr lang="en-GB" altLang="fr-FR" sz="2000" dirty="0">
+                <a:latin typeface="Courier New" panose="02070309020205020404" pitchFamily="49" charset="0"/>
+              </a:rPr>
+              <a:t>(</a:t>
+            </a:r>
+            <a:r>
+              <a:rPr lang="en-GB" altLang="fr-FR" sz="2000" i="1" dirty="0">
+                <a:latin typeface="Courier New" panose="02070309020205020404" pitchFamily="49" charset="0"/>
+              </a:rPr>
+              <a:t>element</a:t>
+            </a:r>
+            <a:r>
+              <a:rPr lang="en-GB" altLang="fr-FR" sz="2000" dirty="0">
+                <a:latin typeface="Courier New" panose="02070309020205020404" pitchFamily="49" charset="0"/>
+              </a:rPr>
+              <a:t>) </a:t>
+            </a:r>
+            <a:r>
+              <a:rPr lang="en-GB" altLang="fr-FR" sz="2000" dirty="0" err="1">
+                <a:latin typeface="Courier New" panose="02070309020205020404" pitchFamily="49" charset="0"/>
+              </a:rPr>
+              <a:t>est</a:t>
+            </a:r>
+            <a:r>
+              <a:rPr lang="en-GB" altLang="fr-FR" sz="2000" dirty="0">
+                <a:latin typeface="Courier New" panose="02070309020205020404" pitchFamily="49" charset="0"/>
+              </a:rPr>
+              <a:t> </a:t>
+            </a:r>
+            <a:r>
+              <a:rPr lang="en-GB" altLang="fr-FR" sz="2000" dirty="0" err="1">
+                <a:latin typeface="Courier New" panose="02070309020205020404" pitchFamily="49" charset="0"/>
+              </a:rPr>
+              <a:t>vraie</a:t>
+            </a:r>
+            <a:r>
+              <a:rPr lang="en-GB" altLang="fr-FR" sz="2000" dirty="0">
+                <a:latin typeface="Courier New" panose="02070309020205020404" pitchFamily="49" charset="0"/>
+              </a:rPr>
+              <a:t>.</a:t>
+            </a:r>
+          </a:p>
+          <a:p>
+            <a:pPr eaLnBrk="1" hangingPunct="1">
+              <a:spcBef>
+                <a:spcPts val="500"/>
+              </a:spcBef>
+              <a:spcAft>
+                <a:spcPts val="500"/>
+              </a:spcAft>
+            </a:pPr>
+            <a:r>
+              <a:rPr lang="en-GB" altLang="fr-FR" sz="2000" dirty="0">
+                <a:latin typeface="Courier New" panose="02070309020205020404" pitchFamily="49" charset="0"/>
+              </a:rPr>
+              <a:t>Par </a:t>
+            </a:r>
+            <a:r>
+              <a:rPr lang="en-GB" altLang="fr-FR" sz="2000" dirty="0" err="1">
+                <a:latin typeface="Courier New" panose="02070309020205020404" pitchFamily="49" charset="0"/>
+              </a:rPr>
+              <a:t>exemple</a:t>
+            </a:r>
+            <a:r>
+              <a:rPr lang="en-GB" altLang="fr-FR" sz="2000" dirty="0">
+                <a:latin typeface="Courier New" panose="02070309020205020404" pitchFamily="49" charset="0"/>
+              </a:rPr>
+              <a:t>, pour </a:t>
+            </a:r>
+            <a:r>
+              <a:rPr lang="en-GB" altLang="fr-FR" sz="2000" dirty="0" err="1">
+                <a:latin typeface="Courier New" panose="02070309020205020404" pitchFamily="49" charset="0"/>
+              </a:rPr>
+              <a:t>calculer</a:t>
+            </a:r>
+            <a:r>
+              <a:rPr lang="en-GB" altLang="fr-FR" sz="2000" dirty="0">
+                <a:latin typeface="Courier New" panose="02070309020205020404" pitchFamily="49" charset="0"/>
+              </a:rPr>
+              <a:t> </a:t>
+            </a:r>
+            <a:r>
+              <a:rPr lang="en-GB" altLang="fr-FR" sz="2000" dirty="0" err="1">
+                <a:latin typeface="Courier New" panose="02070309020205020404" pitchFamily="49" charset="0"/>
+              </a:rPr>
+              <a:t>quelques</a:t>
+            </a:r>
+            <a:r>
+              <a:rPr lang="en-GB" altLang="fr-FR" sz="2000" dirty="0">
+                <a:latin typeface="Courier New" panose="02070309020205020404" pitchFamily="49" charset="0"/>
+              </a:rPr>
+              <a:t> </a:t>
+            </a:r>
+            <a:r>
+              <a:rPr lang="en-GB" altLang="fr-FR" sz="2000" dirty="0" err="1">
+                <a:latin typeface="Courier New" panose="02070309020205020404" pitchFamily="49" charset="0"/>
+              </a:rPr>
+              <a:t>nombres</a:t>
+            </a:r>
+            <a:r>
+              <a:rPr lang="en-GB" altLang="fr-FR" sz="2000" dirty="0">
+                <a:latin typeface="Courier New" panose="02070309020205020404" pitchFamily="49" charset="0"/>
+              </a:rPr>
+              <a:t> premiers: </a:t>
+            </a:r>
+          </a:p>
+          <a:p>
+            <a:pPr lvl="2" eaLnBrk="1" hangingPunct="1">
+              <a:spcBef>
+                <a:spcPct val="0"/>
+              </a:spcBef>
+            </a:pPr>
+            <a:r>
+              <a:rPr lang="en-GB" altLang="fr-FR" dirty="0">
+                <a:solidFill>
+                  <a:schemeClr val="accent2"/>
+                </a:solidFill>
+                <a:latin typeface="Courier New" panose="02070309020205020404" pitchFamily="49" charset="0"/>
+              </a:rPr>
+              <a:t>&gt;&gt;&gt; def f(x): return x%2 != 0 and x%3 != 0</a:t>
+            </a:r>
+          </a:p>
+          <a:p>
+            <a:pPr lvl="2" eaLnBrk="1" hangingPunct="1">
+              <a:spcBef>
+                <a:spcPct val="0"/>
+              </a:spcBef>
+            </a:pPr>
+            <a:r>
+              <a:rPr lang="en-GB" altLang="fr-FR" dirty="0">
+                <a:solidFill>
+                  <a:schemeClr val="accent2"/>
+                </a:solidFill>
+                <a:latin typeface="Courier New" panose="02070309020205020404" pitchFamily="49" charset="0"/>
+              </a:rPr>
+              <a:t>...</a:t>
+            </a:r>
+          </a:p>
+          <a:p>
+            <a:pPr lvl="2" eaLnBrk="1" hangingPunct="1">
+              <a:spcBef>
+                <a:spcPct val="0"/>
+              </a:spcBef>
+            </a:pPr>
+            <a:r>
+              <a:rPr lang="en-GB" altLang="fr-FR" dirty="0">
+                <a:solidFill>
+                  <a:schemeClr val="accent2"/>
+                </a:solidFill>
+                <a:latin typeface="Courier New" panose="02070309020205020404" pitchFamily="49" charset="0"/>
+              </a:rPr>
+              <a:t>&gt;&gt;&gt; filter(f, range(2, 25))</a:t>
+            </a:r>
+          </a:p>
+          <a:p>
+            <a:pPr lvl="2" eaLnBrk="1" hangingPunct="1">
+              <a:spcBef>
+                <a:spcPct val="0"/>
+              </a:spcBef>
+            </a:pPr>
+            <a:r>
+              <a:rPr lang="en-GB" altLang="fr-FR" dirty="0">
+                <a:solidFill>
+                  <a:schemeClr val="accent2"/>
+                </a:solidFill>
+                <a:latin typeface="Courier New" panose="02070309020205020404" pitchFamily="49" charset="0"/>
+              </a:rPr>
+              <a:t>[5, 7, 11, 13, 17, 19, 23]</a:t>
+            </a:r>
           </a:p>
         </p:txBody>
       </p:sp>
     </p:spTree>
     <p:extLst>
       <p:ext uri="{BB962C8B-B14F-4D97-AF65-F5344CB8AC3E}">
-        <p14:creationId xmlns:p14="http://schemas.microsoft.com/office/powerpoint/2010/main" val="4191346338"/>
+        <p14:creationId xmlns:p14="http://schemas.microsoft.com/office/powerpoint/2010/main" val="3417084078"/>
       </p:ext>
     </p:extLst>
   </p:cSld>

--- a/ppt/Python07-ComplexTypes.pptx
+++ b/ppt/Python07-ComplexTypes.pptx
@@ -3750,6 +3750,13 @@
   <p:clrMapOvr>
     <a:masterClrMapping/>
   </p:clrMapOvr>
+  <p:timing>
+    <p:tnLst>
+      <p:par>
+        <p:cTn id="1" dur="indefinite" restart="never" nodeType="tmRoot"/>
+      </p:par>
+    </p:tnLst>
+  </p:timing>
 </p:sld>
 </file>
 
@@ -3851,6 +3858,13 @@
   <p:clrMapOvr>
     <a:masterClrMapping/>
   </p:clrMapOvr>
+  <p:timing>
+    <p:tnLst>
+      <p:par>
+        <p:cTn id="1" dur="indefinite" restart="never" nodeType="tmRoot"/>
+      </p:par>
+    </p:tnLst>
+  </p:timing>
 </p:sld>
 </file>
 
@@ -4027,6 +4041,13 @@
   <p:clrMapOvr>
     <a:masterClrMapping/>
   </p:clrMapOvr>
+  <p:timing>
+    <p:tnLst>
+      <p:par>
+        <p:cTn id="1" dur="indefinite" restart="never" nodeType="tmRoot"/>
+      </p:par>
+    </p:tnLst>
+  </p:timing>
 </p:sld>
 </file>
 
@@ -4127,6 +4148,13 @@
   <p:clrMapOvr>
     <a:masterClrMapping/>
   </p:clrMapOvr>
+  <p:timing>
+    <p:tnLst>
+      <p:par>
+        <p:cTn id="1" dur="indefinite" restart="never" nodeType="tmRoot"/>
+      </p:par>
+    </p:tnLst>
+  </p:timing>
 </p:sld>
 </file>
 
@@ -6510,6 +6538,13 @@
   <p:clrMapOvr>
     <a:masterClrMapping/>
   </p:clrMapOvr>
+  <p:timing>
+    <p:tnLst>
+      <p:par>
+        <p:cTn id="1" dur="indefinite" restart="never" nodeType="tmRoot"/>
+      </p:par>
+    </p:tnLst>
+  </p:timing>
 </p:sld>
 </file>
 
@@ -9834,6 +9869,13 @@
   <p:clrMapOvr>
     <a:masterClrMapping/>
   </p:clrMapOvr>
+  <p:timing>
+    <p:tnLst>
+      <p:par>
+        <p:cTn id="1" dur="indefinite" restart="never" nodeType="tmRoot"/>
+      </p:par>
+    </p:tnLst>
+  </p:timing>
 </p:sld>
 </file>
 
@@ -9900,125 +9942,7 @@
               </a:spcAft>
             </a:pPr>
             <a:r>
-              <a:rPr lang="en-GB" altLang="fr-FR" dirty="0"/>
-              <a:t>Les </a:t>
-            </a:r>
-            <a:r>
-              <a:rPr lang="en-GB" altLang="fr-FR" dirty="0" err="1"/>
-              <a:t>opérateurs</a:t>
-            </a:r>
-            <a:r>
-              <a:rPr lang="en-GB" altLang="fr-FR" dirty="0"/>
-              <a:t> de </a:t>
-            </a:r>
-            <a:r>
-              <a:rPr lang="en-GB" altLang="fr-FR" dirty="0" err="1"/>
-              <a:t>comparaison</a:t>
-            </a:r>
-            <a:r>
-              <a:rPr lang="en-GB" altLang="fr-FR" dirty="0"/>
-              <a:t> </a:t>
-            </a:r>
-            <a:r>
-              <a:rPr lang="en-GB" altLang="fr-FR" b="1" dirty="0"/>
-              <a:t>in</a:t>
-            </a:r>
-            <a:r>
-              <a:rPr lang="en-GB" altLang="fr-FR" dirty="0"/>
-              <a:t> et </a:t>
-            </a:r>
-            <a:r>
-              <a:rPr lang="en-GB" altLang="fr-FR" b="1" dirty="0"/>
-              <a:t>not in</a:t>
-            </a:r>
-            <a:r>
-              <a:rPr lang="en-GB" altLang="fr-FR" dirty="0"/>
-              <a:t> </a:t>
-            </a:r>
-            <a:r>
-              <a:rPr lang="en-GB" altLang="fr-FR" dirty="0" err="1"/>
-              <a:t>vérifient</a:t>
-            </a:r>
-            <a:r>
-              <a:rPr lang="en-GB" altLang="fr-FR" dirty="0"/>
-              <a:t> </a:t>
-            </a:r>
-            <a:r>
-              <a:rPr lang="en-GB" altLang="fr-FR" dirty="0" err="1"/>
-              <a:t>si</a:t>
-            </a:r>
-            <a:r>
-              <a:rPr lang="en-GB" altLang="fr-FR" dirty="0"/>
-              <a:t> </a:t>
-            </a:r>
-            <a:r>
-              <a:rPr lang="en-GB" altLang="fr-FR" dirty="0" err="1"/>
-              <a:t>une</a:t>
-            </a:r>
-            <a:r>
-              <a:rPr lang="en-GB" altLang="fr-FR" dirty="0"/>
-              <a:t> </a:t>
-            </a:r>
-            <a:r>
-              <a:rPr lang="en-GB" altLang="fr-FR" dirty="0" err="1"/>
-              <a:t>valeur</a:t>
-            </a:r>
-            <a:r>
-              <a:rPr lang="en-GB" altLang="fr-FR" dirty="0"/>
-              <a:t> </a:t>
-            </a:r>
-            <a:r>
-              <a:rPr lang="en-GB" altLang="fr-FR" dirty="0" err="1"/>
-              <a:t>apparaît</a:t>
-            </a:r>
-            <a:r>
-              <a:rPr lang="en-GB" altLang="fr-FR" dirty="0"/>
-              <a:t> (</a:t>
-            </a:r>
-            <a:r>
-              <a:rPr lang="en-GB" altLang="fr-FR" dirty="0" err="1"/>
-              <a:t>ou</a:t>
-            </a:r>
-            <a:r>
-              <a:rPr lang="en-GB" altLang="fr-FR" dirty="0"/>
-              <a:t> non) </a:t>
-            </a:r>
-            <a:r>
-              <a:rPr lang="en-GB" altLang="fr-FR" dirty="0" err="1"/>
-              <a:t>dans</a:t>
-            </a:r>
-            <a:r>
-              <a:rPr lang="en-GB" altLang="fr-FR" dirty="0"/>
-              <a:t> </a:t>
-            </a:r>
-            <a:r>
-              <a:rPr lang="en-GB" altLang="fr-FR" dirty="0" err="1"/>
-              <a:t>une</a:t>
-            </a:r>
-            <a:r>
-              <a:rPr lang="en-GB" altLang="fr-FR" dirty="0"/>
-              <a:t> </a:t>
-            </a:r>
-            <a:r>
-              <a:rPr lang="en-GB" altLang="fr-FR" dirty="0" err="1"/>
-              <a:t>séquence</a:t>
-            </a:r>
-            <a:r>
-              <a:rPr lang="en-GB" altLang="fr-FR" dirty="0"/>
-              <a:t>. </a:t>
-            </a:r>
-          </a:p>
-          <a:p>
-            <a:pPr eaLnBrk="1" hangingPunct="1">
-              <a:spcBef>
-                <a:spcPts val="500"/>
-              </a:spcBef>
-              <a:spcAft>
-                <a:spcPts val="500"/>
-              </a:spcAft>
-            </a:pPr>
-            <a:r>
-              <a:rPr lang="en-GB" altLang="fr-FR" dirty="0"/>
+              <a:rPr lang="en-GB" altLang="fr-FR" dirty="0" smtClean="0"/>
               <a:t>Les </a:t>
             </a:r>
             <a:r>
@@ -10273,6 +10197,13 @@
   <p:clrMapOvr>
     <a:masterClrMapping/>
   </p:clrMapOvr>
+  <p:timing>
+    <p:tnLst>
+      <p:par>
+        <p:cTn id="1" dur="indefinite" restart="never" nodeType="tmRoot"/>
+      </p:par>
+    </p:tnLst>
+  </p:timing>
 </p:sld>
 </file>
 
@@ -10510,6 +10441,13 @@
   <p:clrMapOvr>
     <a:masterClrMapping/>
   </p:clrMapOvr>
+  <p:timing>
+    <p:tnLst>
+      <p:par>
+        <p:cTn id="1" dur="indefinite" restart="never" nodeType="tmRoot"/>
+      </p:par>
+    </p:tnLst>
+  </p:timing>
 </p:sld>
 </file>
 
@@ -11077,6 +11015,13 @@
   <p:clrMapOvr>
     <a:masterClrMapping/>
   </p:clrMapOvr>
+  <p:timing>
+    <p:tnLst>
+      <p:par>
+        <p:cTn id="1" dur="indefinite" restart="never" nodeType="tmRoot"/>
+      </p:par>
+    </p:tnLst>
+  </p:timing>
 </p:sld>
 </file>
 
@@ -11717,6 +11662,13 @@
   <p:clrMapOvr>
     <a:masterClrMapping/>
   </p:clrMapOvr>
+  <p:timing>
+    <p:tnLst>
+      <p:par>
+        <p:cTn id="1" dur="indefinite" restart="never" nodeType="tmRoot"/>
+      </p:par>
+    </p:tnLst>
+  </p:timing>
 </p:sld>
 </file>
 
@@ -12356,6 +12308,13 @@
   <p:clrMapOvr>
     <a:masterClrMapping/>
   </p:clrMapOvr>
+  <p:timing>
+    <p:tnLst>
+      <p:par>
+        <p:cTn id="1" dur="indefinite" restart="never" nodeType="tmRoot"/>
+      </p:par>
+    </p:tnLst>
+  </p:timing>
 </p:sld>
 </file>
 
@@ -12494,6 +12453,13 @@
   <p:clrMapOvr>
     <a:masterClrMapping/>
   </p:clrMapOvr>
+  <p:timing>
+    <p:tnLst>
+      <p:par>
+        <p:cTn id="1" dur="indefinite" restart="never" nodeType="tmRoot"/>
+      </p:par>
+    </p:tnLst>
+  </p:timing>
 </p:sld>
 </file>
 
@@ -14958,6 +14924,13 @@
   <p:clrMapOvr>
     <a:masterClrMapping/>
   </p:clrMapOvr>
+  <p:timing>
+    <p:tnLst>
+      <p:par>
+        <p:cTn id="1" dur="indefinite" restart="never" nodeType="tmRoot"/>
+      </p:par>
+    </p:tnLst>
+  </p:timing>
 </p:sld>
 </file>
 
@@ -15188,6 +15161,13 @@
   <p:clrMapOvr>
     <a:masterClrMapping/>
   </p:clrMapOvr>
+  <p:timing>
+    <p:tnLst>
+      <p:par>
+        <p:cTn id="1" dur="indefinite" restart="never" nodeType="tmRoot"/>
+      </p:par>
+    </p:tnLst>
+  </p:timing>
 </p:sld>
 </file>
 
@@ -16246,6 +16226,13 @@
   <p:clrMapOvr>
     <a:masterClrMapping/>
   </p:clrMapOvr>
+  <p:timing>
+    <p:tnLst>
+      <p:par>
+        <p:cTn id="1" dur="indefinite" restart="never" nodeType="tmRoot"/>
+      </p:par>
+    </p:tnLst>
+  </p:timing>
 </p:sld>
 </file>
 

--- a/ppt/Python07-ComplexTypes.pptx
+++ b/ppt/Python07-ComplexTypes.pptx
@@ -5,10 +5,10 @@
     <p:sldMasterId id="2147483653" r:id="rId1"/>
   </p:sldMasterIdLst>
   <p:notesMasterIdLst>
-    <p:notesMasterId r:id="rId24"/>
+    <p:notesMasterId r:id="rId22"/>
   </p:notesMasterIdLst>
   <p:handoutMasterIdLst>
-    <p:handoutMasterId r:id="rId25"/>
+    <p:handoutMasterId r:id="rId23"/>
   </p:handoutMasterIdLst>
   <p:sldIdLst>
     <p:sldId id="264" r:id="rId2"/>
@@ -19,20 +19,18 @@
     <p:sldId id="269" r:id="rId7"/>
     <p:sldId id="271" r:id="rId8"/>
     <p:sldId id="270" r:id="rId9"/>
-    <p:sldId id="272" r:id="rId10"/>
-    <p:sldId id="284" r:id="rId11"/>
-    <p:sldId id="288" r:id="rId12"/>
-    <p:sldId id="289" r:id="rId13"/>
-    <p:sldId id="280" r:id="rId14"/>
-    <p:sldId id="278" r:id="rId15"/>
-    <p:sldId id="273" r:id="rId16"/>
-    <p:sldId id="275" r:id="rId17"/>
-    <p:sldId id="276" r:id="rId18"/>
-    <p:sldId id="281" r:id="rId19"/>
-    <p:sldId id="282" r:id="rId20"/>
-    <p:sldId id="283" r:id="rId21"/>
-    <p:sldId id="285" r:id="rId22"/>
-    <p:sldId id="287" r:id="rId23"/>
+    <p:sldId id="288" r:id="rId10"/>
+    <p:sldId id="289" r:id="rId11"/>
+    <p:sldId id="280" r:id="rId12"/>
+    <p:sldId id="278" r:id="rId13"/>
+    <p:sldId id="273" r:id="rId14"/>
+    <p:sldId id="275" r:id="rId15"/>
+    <p:sldId id="276" r:id="rId16"/>
+    <p:sldId id="281" r:id="rId17"/>
+    <p:sldId id="282" r:id="rId18"/>
+    <p:sldId id="283" r:id="rId19"/>
+    <p:sldId id="285" r:id="rId20"/>
+    <p:sldId id="287" r:id="rId21"/>
   </p:sldIdLst>
   <p:sldSz cx="9144000" cy="6858000" type="screen4x3"/>
   <p:notesSz cx="6648450" cy="9782175"/>
@@ -3793,297 +3791,6 @@
           <a:lstStyle/>
           <a:p>
             <a:r>
-              <a:rPr lang="fr-FR" dirty="0" err="1"/>
-              <a:t>Map</a:t>
-            </a:r>
-            <a:endParaRPr lang="fr-FR" dirty="0"/>
-          </a:p>
-        </p:txBody>
-      </p:sp>
-      <p:sp>
-        <p:nvSpPr>
-          <p:cNvPr id="3" name="Espace réservé du contenu 2"/>
-          <p:cNvSpPr>
-            <a:spLocks noGrp="1"/>
-          </p:cNvSpPr>
-          <p:nvPr>
-            <p:ph idx="1"/>
-          </p:nvPr>
-        </p:nvSpPr>
-        <p:spPr/>
-        <p:txBody>
-          <a:bodyPr/>
-          <a:lstStyle/>
-          <a:p>
-            <a:r>
-              <a:rPr lang="fr-FR" dirty="0"/>
-              <a:t>Permet d’appliquer une fonction à une liste</a:t>
-            </a:r>
-          </a:p>
-          <a:p>
-            <a:pPr lvl="1"/>
-            <a:r>
-              <a:rPr lang="en-US" dirty="0"/>
-              <a:t>l= ["It's over 9000 !", "All your base are belong to us."]</a:t>
-            </a:r>
-          </a:p>
-          <a:p>
-            <a:pPr lvl="1"/>
-            <a:r>
-              <a:rPr lang="en-US" dirty="0"/>
-              <a:t>print(map(</a:t>
-            </a:r>
-            <a:r>
-              <a:rPr lang="en-US" dirty="0" err="1"/>
-              <a:t>unicode.upper</a:t>
-            </a:r>
-            <a:r>
-              <a:rPr lang="en-US" dirty="0"/>
-              <a:t>, l))</a:t>
-            </a:r>
-            <a:endParaRPr lang="fr-FR" dirty="0"/>
-          </a:p>
-          <a:p>
-            <a:endParaRPr lang="fr-FR" dirty="0"/>
-          </a:p>
-        </p:txBody>
-      </p:sp>
-    </p:spTree>
-    <p:extLst>
-      <p:ext uri="{BB962C8B-B14F-4D97-AF65-F5344CB8AC3E}">
-        <p14:creationId xmlns:p14="http://schemas.microsoft.com/office/powerpoint/2010/main" val="4191346338"/>
-      </p:ext>
-    </p:extLst>
-  </p:cSld>
-  <p:clrMapOvr>
-    <a:masterClrMapping/>
-  </p:clrMapOvr>
-  <p:timing>
-    <p:tnLst>
-      <p:par>
-        <p:cTn id="1" dur="indefinite" restart="never" nodeType="tmRoot"/>
-      </p:par>
-    </p:tnLst>
-  </p:timing>
-</p:sld>
-</file>
-
-<file path=ppt/slides/slide11.xml><?xml version="1.0" encoding="utf-8"?>
-<p:sld xmlns:a="http://schemas.openxmlformats.org/drawingml/2006/main" xmlns:r="http://schemas.openxmlformats.org/officeDocument/2006/relationships" xmlns:p="http://schemas.openxmlformats.org/presentationml/2006/main">
-  <p:cSld>
-    <p:spTree>
-      <p:nvGrpSpPr>
-        <p:cNvPr id="1" name=""/>
-        <p:cNvGrpSpPr/>
-        <p:nvPr/>
-      </p:nvGrpSpPr>
-      <p:grpSpPr>
-        <a:xfrm>
-          <a:off x="0" y="0"/>
-          <a:ext cx="0" cy="0"/>
-          <a:chOff x="0" y="0"/>
-          <a:chExt cx="0" cy="0"/>
-        </a:xfrm>
-      </p:grpSpPr>
-      <p:sp>
-        <p:nvSpPr>
-          <p:cNvPr id="2" name="Titre 1"/>
-          <p:cNvSpPr>
-            <a:spLocks noGrp="1"/>
-          </p:cNvSpPr>
-          <p:nvPr>
-            <p:ph type="title"/>
-          </p:nvPr>
-        </p:nvSpPr>
-        <p:spPr/>
-        <p:txBody>
-          <a:bodyPr/>
-          <a:lstStyle/>
-          <a:p>
-            <a:r>
-              <a:rPr lang="fr-FR" dirty="0"/>
-              <a:t>Les listes en intention</a:t>
-            </a:r>
-          </a:p>
-        </p:txBody>
-      </p:sp>
-      <p:sp>
-        <p:nvSpPr>
-          <p:cNvPr id="3" name="Espace réservé du contenu 2"/>
-          <p:cNvSpPr>
-            <a:spLocks noGrp="1"/>
-          </p:cNvSpPr>
-          <p:nvPr>
-            <p:ph idx="1"/>
-          </p:nvPr>
-        </p:nvSpPr>
-        <p:spPr/>
-        <p:txBody>
-          <a:bodyPr/>
-          <a:lstStyle/>
-          <a:p>
-            <a:r>
-              <a:rPr lang="fr-FR" dirty="0"/>
-              <a:t>Une boucle classique </a:t>
-            </a:r>
-          </a:p>
-          <a:p>
-            <a:pPr lvl="2"/>
-            <a:endParaRPr lang="fr-FR" dirty="0"/>
-          </a:p>
-          <a:p>
-            <a:pPr lvl="2"/>
-            <a:endParaRPr lang="fr-FR" dirty="0"/>
-          </a:p>
-          <a:p>
-            <a:pPr lvl="2"/>
-            <a:endParaRPr lang="fr-FR" dirty="0"/>
-          </a:p>
-          <a:p>
-            <a:r>
-              <a:rPr lang="fr-FR" dirty="0"/>
-              <a:t>Peut se réécrire en liste en intention</a:t>
-            </a:r>
-          </a:p>
-          <a:p>
-            <a:endParaRPr lang="fr-FR" dirty="0"/>
-          </a:p>
-          <a:p>
-            <a:endParaRPr lang="fr-FR" dirty="0"/>
-          </a:p>
-          <a:p>
-            <a:pPr lvl="1"/>
-            <a:r>
-              <a:rPr lang="fr-FR" dirty="0"/>
-              <a:t>Combinable avec </a:t>
-            </a:r>
-            <a:r>
-              <a:rPr lang="fr-FR" dirty="0" err="1"/>
-              <a:t>filter</a:t>
-            </a:r>
-            <a:endParaRPr lang="fr-FR" dirty="0"/>
-          </a:p>
-          <a:p>
-            <a:r>
-              <a:rPr lang="fr-FR" dirty="0"/>
-              <a:t>Permet d’effectuer une opération directement sur une liste</a:t>
-            </a:r>
-          </a:p>
-          <a:p>
-            <a:pPr lvl="1"/>
-            <a:r>
-              <a:rPr lang="fr-FR" dirty="0"/>
-              <a:t>Utilisation d’un </a:t>
-            </a:r>
-            <a:r>
-              <a:rPr lang="fr-FR" dirty="0" err="1"/>
-              <a:t>map</a:t>
-            </a:r>
-            <a:endParaRPr lang="fr-FR" dirty="0"/>
-          </a:p>
-        </p:txBody>
-      </p:sp>
-      <p:pic>
-        <p:nvPicPr>
-          <p:cNvPr id="4" name="Image 3"/>
-          <p:cNvPicPr>
-            <a:picLocks noChangeAspect="1"/>
-          </p:cNvPicPr>
-          <p:nvPr/>
-        </p:nvPicPr>
-        <p:blipFill>
-          <a:blip r:embed="rId2"/>
-          <a:stretch>
-            <a:fillRect/>
-          </a:stretch>
-        </p:blipFill>
-        <p:spPr>
-          <a:xfrm>
-            <a:off x="3059832" y="2060848"/>
-            <a:ext cx="2256530" cy="895722"/>
-          </a:xfrm>
-          <a:prstGeom prst="rect">
-            <a:avLst/>
-          </a:prstGeom>
-        </p:spPr>
-      </p:pic>
-      <p:pic>
-        <p:nvPicPr>
-          <p:cNvPr id="5" name="Image 4"/>
-          <p:cNvPicPr>
-            <a:picLocks noChangeAspect="1"/>
-          </p:cNvPicPr>
-          <p:nvPr/>
-        </p:nvPicPr>
-        <p:blipFill>
-          <a:blip r:embed="rId3"/>
-          <a:stretch>
-            <a:fillRect/>
-          </a:stretch>
-        </p:blipFill>
-        <p:spPr>
-          <a:xfrm>
-            <a:off x="2641100" y="3604642"/>
-            <a:ext cx="3842873" cy="989831"/>
-          </a:xfrm>
-          <a:prstGeom prst="rect">
-            <a:avLst/>
-          </a:prstGeom>
-        </p:spPr>
-      </p:pic>
-    </p:spTree>
-    <p:extLst>
-      <p:ext uri="{BB962C8B-B14F-4D97-AF65-F5344CB8AC3E}">
-        <p14:creationId xmlns:p14="http://schemas.microsoft.com/office/powerpoint/2010/main" val="984881001"/>
-      </p:ext>
-    </p:extLst>
-  </p:cSld>
-  <p:clrMapOvr>
-    <a:masterClrMapping/>
-  </p:clrMapOvr>
-  <p:timing>
-    <p:tnLst>
-      <p:par>
-        <p:cTn id="1" dur="indefinite" restart="never" nodeType="tmRoot"/>
-      </p:par>
-    </p:tnLst>
-  </p:timing>
-</p:sld>
-</file>
-
-<file path=ppt/slides/slide12.xml><?xml version="1.0" encoding="utf-8"?>
-<p:sld xmlns:a="http://schemas.openxmlformats.org/drawingml/2006/main" xmlns:r="http://schemas.openxmlformats.org/officeDocument/2006/relationships" xmlns:p="http://schemas.openxmlformats.org/presentationml/2006/main">
-  <p:cSld>
-    <p:spTree>
-      <p:nvGrpSpPr>
-        <p:cNvPr id="1" name=""/>
-        <p:cNvGrpSpPr/>
-        <p:nvPr/>
-      </p:nvGrpSpPr>
-      <p:grpSpPr>
-        <a:xfrm>
-          <a:off x="0" y="0"/>
-          <a:ext cx="0" cy="0"/>
-          <a:chOff x="0" y="0"/>
-          <a:chExt cx="0" cy="0"/>
-        </a:xfrm>
-      </p:grpSpPr>
-      <p:sp>
-        <p:nvSpPr>
-          <p:cNvPr id="2" name="Titre 1"/>
-          <p:cNvSpPr>
-            <a:spLocks noGrp="1"/>
-          </p:cNvSpPr>
-          <p:nvPr>
-            <p:ph type="title"/>
-          </p:nvPr>
-        </p:nvSpPr>
-        <p:spPr/>
-        <p:txBody>
-          <a:bodyPr/>
-          <a:lstStyle/>
-          <a:p>
-            <a:r>
               <a:rPr lang="fr-FR" dirty="0"/>
               <a:t>Liste en intention et filtre</a:t>
             </a:r>
@@ -4158,7 +3865,7 @@
 </p:sld>
 </file>
 
-<file path=ppt/slides/slide13.xml><?xml version="1.0" encoding="utf-8"?>
+<file path=ppt/slides/slide11.xml><?xml version="1.0" encoding="utf-8"?>
 <p:sld xmlns:a="http://schemas.openxmlformats.org/drawingml/2006/main" xmlns:r="http://schemas.openxmlformats.org/officeDocument/2006/relationships" xmlns:p="http://schemas.openxmlformats.org/presentationml/2006/main">
   <p:cSld>
     <p:spTree>
@@ -6548,7 +6255,7 @@
 </p:sld>
 </file>
 
-<file path=ppt/slides/slide14.xml><?xml version="1.0" encoding="utf-8"?>
+<file path=ppt/slides/slide12.xml><?xml version="1.0" encoding="utf-8"?>
 <p:sld xmlns:a="http://schemas.openxmlformats.org/drawingml/2006/main" xmlns:r="http://schemas.openxmlformats.org/officeDocument/2006/relationships" xmlns:p="http://schemas.openxmlformats.org/presentationml/2006/main">
   <p:cSld>
     <p:spTree>
@@ -9879,6 +9586,578 @@
 </p:sld>
 </file>
 
+<file path=ppt/slides/slide13.xml><?xml version="1.0" encoding="utf-8"?>
+<p:sld xmlns:a="http://schemas.openxmlformats.org/drawingml/2006/main" xmlns:r="http://schemas.openxmlformats.org/officeDocument/2006/relationships" xmlns:p="http://schemas.openxmlformats.org/presentationml/2006/main">
+  <p:cSld>
+    <p:spTree>
+      <p:nvGrpSpPr>
+        <p:cNvPr id="1" name=""/>
+        <p:cNvGrpSpPr/>
+        <p:nvPr/>
+      </p:nvGrpSpPr>
+      <p:grpSpPr>
+        <a:xfrm>
+          <a:off x="0" y="0"/>
+          <a:ext cx="0" cy="0"/>
+          <a:chOff x="0" y="0"/>
+          <a:chExt cx="0" cy="0"/>
+        </a:xfrm>
+      </p:grpSpPr>
+      <p:sp>
+        <p:nvSpPr>
+          <p:cNvPr id="2" name="Titre 1"/>
+          <p:cNvSpPr>
+            <a:spLocks noGrp="1"/>
+          </p:cNvSpPr>
+          <p:nvPr>
+            <p:ph type="title"/>
+          </p:nvPr>
+        </p:nvSpPr>
+        <p:spPr/>
+        <p:txBody>
+          <a:bodyPr/>
+          <a:lstStyle/>
+          <a:p>
+            <a:r>
+              <a:rPr lang="fr-FR" dirty="0"/>
+              <a:t>Remarques</a:t>
+            </a:r>
+          </a:p>
+        </p:txBody>
+      </p:sp>
+      <p:sp>
+        <p:nvSpPr>
+          <p:cNvPr id="3" name="Espace réservé du contenu 2"/>
+          <p:cNvSpPr>
+            <a:spLocks noGrp="1"/>
+          </p:cNvSpPr>
+          <p:nvPr>
+            <p:ph idx="1"/>
+          </p:nvPr>
+        </p:nvSpPr>
+        <p:spPr/>
+        <p:txBody>
+          <a:bodyPr/>
+          <a:lstStyle/>
+          <a:p>
+            <a:pPr eaLnBrk="1" hangingPunct="1">
+              <a:spcBef>
+                <a:spcPts val="500"/>
+              </a:spcBef>
+              <a:spcAft>
+                <a:spcPts val="500"/>
+              </a:spcAft>
+            </a:pPr>
+            <a:r>
+              <a:rPr lang="en-GB" altLang="fr-FR" dirty="0" smtClean="0"/>
+              <a:t>Les </a:t>
+            </a:r>
+            <a:r>
+              <a:rPr lang="en-GB" altLang="fr-FR" dirty="0" err="1"/>
+              <a:t>opérateurs</a:t>
+            </a:r>
+            <a:r>
+              <a:rPr lang="en-GB" altLang="fr-FR" dirty="0"/>
+              <a:t> </a:t>
+            </a:r>
+            <a:r>
+              <a:rPr lang="en-GB" altLang="fr-FR" b="1" dirty="0"/>
+              <a:t>is</a:t>
+            </a:r>
+            <a:r>
+              <a:rPr lang="en-GB" altLang="fr-FR" dirty="0"/>
+              <a:t> et </a:t>
+            </a:r>
+            <a:r>
+              <a:rPr lang="en-GB" altLang="fr-FR" b="1" dirty="0"/>
+              <a:t>is not</a:t>
+            </a:r>
+            <a:r>
+              <a:rPr lang="en-GB" altLang="fr-FR" dirty="0"/>
+              <a:t> </a:t>
+            </a:r>
+            <a:r>
+              <a:rPr lang="en-GB" altLang="fr-FR" dirty="0" err="1"/>
+              <a:t>vérifient</a:t>
+            </a:r>
+            <a:r>
+              <a:rPr lang="en-GB" altLang="fr-FR" dirty="0"/>
+              <a:t> </a:t>
+            </a:r>
+            <a:r>
+              <a:rPr lang="en-GB" altLang="fr-FR" dirty="0" err="1"/>
+              <a:t>si</a:t>
+            </a:r>
+            <a:r>
+              <a:rPr lang="en-GB" altLang="fr-FR" dirty="0"/>
+              <a:t> </a:t>
+            </a:r>
+            <a:r>
+              <a:rPr lang="en-GB" altLang="fr-FR" dirty="0" err="1"/>
+              <a:t>deux</a:t>
+            </a:r>
+            <a:r>
+              <a:rPr lang="en-GB" altLang="fr-FR" dirty="0"/>
+              <a:t> </a:t>
+            </a:r>
+            <a:r>
+              <a:rPr lang="en-GB" altLang="fr-FR" dirty="0" err="1"/>
+              <a:t>objets</a:t>
+            </a:r>
+            <a:r>
+              <a:rPr lang="en-GB" altLang="fr-FR" dirty="0"/>
+              <a:t> </a:t>
+            </a:r>
+            <a:r>
+              <a:rPr lang="en-GB" altLang="fr-FR" dirty="0" err="1"/>
+              <a:t>sont</a:t>
+            </a:r>
+            <a:r>
+              <a:rPr lang="en-GB" altLang="fr-FR" dirty="0"/>
+              <a:t> </a:t>
+            </a:r>
+            <a:r>
+              <a:rPr lang="en-GB" altLang="fr-FR" dirty="0" err="1"/>
+              <a:t>réellement</a:t>
+            </a:r>
+            <a:r>
+              <a:rPr lang="en-GB" altLang="fr-FR" dirty="0"/>
+              <a:t> le </a:t>
+            </a:r>
+            <a:r>
+              <a:rPr lang="en-GB" altLang="fr-FR" dirty="0" err="1"/>
+              <a:t>même</a:t>
+            </a:r>
+            <a:r>
+              <a:rPr lang="en-GB" altLang="fr-FR" dirty="0"/>
+              <a:t> objet</a:t>
+            </a:r>
+          </a:p>
+          <a:p>
+            <a:pPr lvl="1" eaLnBrk="1" hangingPunct="1">
+              <a:spcBef>
+                <a:spcPts val="500"/>
+              </a:spcBef>
+              <a:spcAft>
+                <a:spcPts val="500"/>
+              </a:spcAft>
+            </a:pPr>
+            <a:r>
+              <a:rPr lang="en-GB" altLang="fr-FR" dirty="0" err="1"/>
+              <a:t>ceci</a:t>
+            </a:r>
+            <a:r>
+              <a:rPr lang="en-GB" altLang="fr-FR" dirty="0"/>
+              <a:t> se </a:t>
+            </a:r>
+            <a:r>
+              <a:rPr lang="en-GB" altLang="fr-FR" dirty="0" err="1"/>
+              <a:t>justifie</a:t>
+            </a:r>
+            <a:r>
+              <a:rPr lang="en-GB" altLang="fr-FR" dirty="0"/>
+              <a:t> </a:t>
+            </a:r>
+            <a:r>
+              <a:rPr lang="en-GB" altLang="fr-FR" dirty="0" err="1"/>
+              <a:t>seulement</a:t>
+            </a:r>
+            <a:r>
+              <a:rPr lang="en-GB" altLang="fr-FR" dirty="0"/>
+              <a:t> pour les </a:t>
+            </a:r>
+            <a:r>
+              <a:rPr lang="en-GB" altLang="fr-FR" dirty="0" err="1"/>
+              <a:t>objets</a:t>
+            </a:r>
+            <a:r>
+              <a:rPr lang="en-GB" altLang="fr-FR" dirty="0"/>
+              <a:t> </a:t>
+            </a:r>
+            <a:r>
+              <a:rPr lang="en-GB" altLang="fr-FR" dirty="0" err="1"/>
+              <a:t>modifiables</a:t>
+            </a:r>
+            <a:r>
+              <a:rPr lang="en-GB" altLang="fr-FR" dirty="0"/>
+              <a:t> </a:t>
+            </a:r>
+            <a:r>
+              <a:rPr lang="en-GB" altLang="fr-FR" dirty="0" err="1"/>
+              <a:t>comme</a:t>
+            </a:r>
+            <a:r>
+              <a:rPr lang="en-GB" altLang="fr-FR" dirty="0"/>
+              <a:t> les </a:t>
+            </a:r>
+            <a:r>
+              <a:rPr lang="en-GB" altLang="fr-FR" dirty="0" err="1"/>
+              <a:t>listes</a:t>
+            </a:r>
+            <a:endParaRPr lang="en-GB" altLang="fr-FR" dirty="0"/>
+          </a:p>
+          <a:p>
+            <a:pPr eaLnBrk="1" hangingPunct="1">
+              <a:spcBef>
+                <a:spcPts val="500"/>
+              </a:spcBef>
+              <a:spcAft>
+                <a:spcPts val="500"/>
+              </a:spcAft>
+            </a:pPr>
+            <a:r>
+              <a:rPr lang="en-GB" altLang="fr-FR" dirty="0"/>
+              <a:t>Pour cloner </a:t>
+            </a:r>
+            <a:r>
+              <a:rPr lang="en-GB" altLang="fr-FR" dirty="0" err="1"/>
+              <a:t>une</a:t>
+            </a:r>
+            <a:r>
+              <a:rPr lang="en-GB" altLang="fr-FR" dirty="0"/>
+              <a:t> </a:t>
+            </a:r>
+            <a:r>
+              <a:rPr lang="en-GB" altLang="fr-FR" dirty="0" err="1"/>
+              <a:t>liste</a:t>
+            </a:r>
+            <a:r>
+              <a:rPr lang="en-GB" altLang="fr-FR" dirty="0"/>
+              <a:t> utiliser la </a:t>
+            </a:r>
+            <a:r>
+              <a:rPr lang="en-GB" altLang="fr-FR" dirty="0" err="1"/>
+              <a:t>fonction</a:t>
+            </a:r>
+            <a:r>
+              <a:rPr lang="en-GB" altLang="fr-FR" dirty="0"/>
+              <a:t> list()</a:t>
+            </a:r>
+          </a:p>
+          <a:p>
+            <a:pPr lvl="1" eaLnBrk="1" hangingPunct="1">
+              <a:spcBef>
+                <a:spcPts val="500"/>
+              </a:spcBef>
+              <a:spcAft>
+                <a:spcPts val="500"/>
+              </a:spcAft>
+            </a:pPr>
+            <a:r>
+              <a:rPr lang="en-GB" altLang="fr-FR" dirty="0" err="1"/>
+              <a:t>Transforme</a:t>
+            </a:r>
+            <a:r>
+              <a:rPr lang="en-GB" altLang="fr-FR" dirty="0"/>
+              <a:t> </a:t>
+            </a:r>
+            <a:r>
+              <a:rPr lang="en-GB" altLang="fr-FR" dirty="0" err="1"/>
+              <a:t>une</a:t>
+            </a:r>
+            <a:r>
+              <a:rPr lang="en-GB" altLang="fr-FR" dirty="0"/>
+              <a:t> collection de </a:t>
+            </a:r>
+            <a:r>
+              <a:rPr lang="en-GB" altLang="fr-FR" dirty="0" err="1"/>
+              <a:t>valeurs</a:t>
+            </a:r>
+            <a:r>
+              <a:rPr lang="en-GB" altLang="fr-FR" dirty="0"/>
+              <a:t> </a:t>
+            </a:r>
+            <a:r>
+              <a:rPr lang="en-GB" altLang="fr-FR" dirty="0" err="1"/>
+              <a:t>en</a:t>
+            </a:r>
+            <a:r>
+              <a:rPr lang="en-GB" altLang="fr-FR" dirty="0"/>
+              <a:t> </a:t>
+            </a:r>
+            <a:r>
+              <a:rPr lang="en-GB" altLang="fr-FR" dirty="0" err="1"/>
+              <a:t>liste</a:t>
+            </a:r>
+            <a:endParaRPr lang="en-GB" altLang="fr-FR" dirty="0"/>
+          </a:p>
+          <a:p>
+            <a:pPr lvl="1" eaLnBrk="1" hangingPunct="1">
+              <a:spcBef>
+                <a:spcPts val="500"/>
+              </a:spcBef>
+              <a:spcAft>
+                <a:spcPts val="500"/>
+              </a:spcAft>
+            </a:pPr>
+            <a:endParaRPr lang="en-GB" altLang="fr-FR" dirty="0"/>
+          </a:p>
+        </p:txBody>
+      </p:sp>
+    </p:spTree>
+    <p:extLst>
+      <p:ext uri="{BB962C8B-B14F-4D97-AF65-F5344CB8AC3E}">
+        <p14:creationId xmlns:p14="http://schemas.microsoft.com/office/powerpoint/2010/main" val="2997700510"/>
+      </p:ext>
+    </p:extLst>
+  </p:cSld>
+  <p:clrMapOvr>
+    <a:masterClrMapping/>
+  </p:clrMapOvr>
+  <p:timing>
+    <p:tnLst>
+      <p:par>
+        <p:cTn id="1" dur="indefinite" restart="never" nodeType="tmRoot"/>
+      </p:par>
+    </p:tnLst>
+  </p:timing>
+</p:sld>
+</file>
+
+<file path=ppt/slides/slide14.xml><?xml version="1.0" encoding="utf-8"?>
+<p:sld xmlns:a="http://schemas.openxmlformats.org/drawingml/2006/main" xmlns:r="http://schemas.openxmlformats.org/officeDocument/2006/relationships" xmlns:p="http://schemas.openxmlformats.org/presentationml/2006/main">
+  <p:cSld>
+    <p:spTree>
+      <p:nvGrpSpPr>
+        <p:cNvPr id="1" name=""/>
+        <p:cNvGrpSpPr/>
+        <p:nvPr/>
+      </p:nvGrpSpPr>
+      <p:grpSpPr>
+        <a:xfrm>
+          <a:off x="0" y="0"/>
+          <a:ext cx="0" cy="0"/>
+          <a:chOff x="0" y="0"/>
+          <a:chExt cx="0" cy="0"/>
+        </a:xfrm>
+      </p:grpSpPr>
+      <p:sp>
+        <p:nvSpPr>
+          <p:cNvPr id="2" name="Titre 1"/>
+          <p:cNvSpPr>
+            <a:spLocks noGrp="1"/>
+          </p:cNvSpPr>
+          <p:nvPr>
+            <p:ph type="title"/>
+          </p:nvPr>
+        </p:nvSpPr>
+        <p:spPr/>
+        <p:txBody>
+          <a:bodyPr/>
+          <a:lstStyle/>
+          <a:p>
+            <a:r>
+              <a:rPr lang="fr-FR" dirty="0" err="1"/>
+              <a:t>Tuples</a:t>
+            </a:r>
+            <a:endParaRPr lang="fr-FR" dirty="0"/>
+          </a:p>
+        </p:txBody>
+      </p:sp>
+      <p:sp>
+        <p:nvSpPr>
+          <p:cNvPr id="3" name="Espace réservé du contenu 2"/>
+          <p:cNvSpPr>
+            <a:spLocks noGrp="1"/>
+          </p:cNvSpPr>
+          <p:nvPr>
+            <p:ph idx="1"/>
+          </p:nvPr>
+        </p:nvSpPr>
+        <p:spPr/>
+        <p:txBody>
+          <a:bodyPr/>
+          <a:lstStyle/>
+          <a:p>
+            <a:r>
+              <a:rPr lang="fr-FR" dirty="0"/>
+              <a:t>Est une collection de valeurs non modifiable</a:t>
+            </a:r>
+          </a:p>
+          <a:p>
+            <a:r>
+              <a:rPr lang="en-GB" altLang="fr-FR" dirty="0"/>
+              <a:t>Des </a:t>
+            </a:r>
+            <a:r>
+              <a:rPr lang="en-GB" altLang="fr-FR" dirty="0" err="1"/>
+              <a:t>valeurs</a:t>
+            </a:r>
+            <a:r>
+              <a:rPr lang="en-GB" altLang="fr-FR" dirty="0"/>
+              <a:t> (entre </a:t>
+            </a:r>
+            <a:r>
+              <a:rPr lang="en-GB" altLang="fr-FR" dirty="0" err="1"/>
+              <a:t>parenthèses</a:t>
+            </a:r>
+            <a:r>
+              <a:rPr lang="en-GB" altLang="fr-FR" dirty="0"/>
+              <a:t>) </a:t>
+            </a:r>
+            <a:r>
+              <a:rPr lang="en-GB" altLang="fr-FR" dirty="0" err="1"/>
+              <a:t>séparées</a:t>
+            </a:r>
+            <a:r>
+              <a:rPr lang="en-GB" altLang="fr-FR" dirty="0"/>
+              <a:t> par des virgules</a:t>
+            </a:r>
+          </a:p>
+          <a:p>
+            <a:pPr lvl="1"/>
+            <a:r>
+              <a:rPr lang="en-GB" altLang="fr-FR" dirty="0"/>
+              <a:t>&gt;&gt;&gt;tuple=(0,1.4,’world’)</a:t>
+            </a:r>
+          </a:p>
+          <a:p>
+            <a:r>
+              <a:rPr lang="en-GB" altLang="fr-FR" dirty="0" err="1"/>
+              <a:t>Très</a:t>
+            </a:r>
+            <a:r>
+              <a:rPr lang="en-GB" altLang="fr-FR" dirty="0"/>
+              <a:t> utile pour les retours de </a:t>
+            </a:r>
+            <a:r>
+              <a:rPr lang="en-GB" altLang="fr-FR" dirty="0" err="1"/>
+              <a:t>fonctions</a:t>
+            </a:r>
+            <a:endParaRPr lang="en-GB" altLang="fr-FR" dirty="0"/>
+          </a:p>
+          <a:p>
+            <a:pPr lvl="1"/>
+            <a:r>
+              <a:rPr lang="en-GB" altLang="fr-FR" dirty="0" err="1"/>
+              <a:t>Egalement</a:t>
+            </a:r>
+            <a:r>
+              <a:rPr lang="en-GB" altLang="fr-FR" dirty="0"/>
+              <a:t> pour les </a:t>
+            </a:r>
+            <a:r>
+              <a:rPr lang="en-GB" altLang="fr-FR" dirty="0" err="1"/>
+              <a:t>appels</a:t>
+            </a:r>
+            <a:r>
+              <a:rPr lang="en-GB" altLang="fr-FR" dirty="0"/>
+              <a:t> pour assurer de la non modification des </a:t>
+            </a:r>
+            <a:r>
+              <a:rPr lang="en-GB" altLang="fr-FR" dirty="0" err="1"/>
+              <a:t>valeurs</a:t>
+            </a:r>
+            <a:endParaRPr lang="en-GB" altLang="fr-FR" dirty="0"/>
+          </a:p>
+          <a:p>
+            <a:r>
+              <a:rPr lang="en-GB" altLang="fr-FR" dirty="0" err="1"/>
+              <a:t>Rapide</a:t>
+            </a:r>
+            <a:endParaRPr lang="en-GB" altLang="fr-FR" dirty="0"/>
+          </a:p>
+          <a:p>
+            <a:r>
+              <a:rPr lang="en-GB" altLang="fr-FR" dirty="0"/>
+              <a:t>t</a:t>
+            </a:r>
+            <a:r>
+              <a:rPr lang="en-GB" altLang="fr-FR"/>
+              <a:t>uple</a:t>
+            </a:r>
+            <a:r>
+              <a:rPr lang="en-GB" altLang="fr-FR" dirty="0"/>
+              <a:t>()</a:t>
+            </a:r>
+          </a:p>
+          <a:p>
+            <a:pPr lvl="1"/>
+            <a:r>
+              <a:rPr lang="en-GB" altLang="fr-FR" dirty="0" err="1"/>
+              <a:t>Convertit</a:t>
+            </a:r>
+            <a:r>
+              <a:rPr lang="en-GB" altLang="fr-FR" dirty="0"/>
+              <a:t> </a:t>
+            </a:r>
+            <a:r>
+              <a:rPr lang="en-GB" altLang="fr-FR" dirty="0" err="1"/>
+              <a:t>une</a:t>
+            </a:r>
+            <a:r>
+              <a:rPr lang="en-GB" altLang="fr-FR" dirty="0"/>
+              <a:t> </a:t>
+            </a:r>
+            <a:r>
+              <a:rPr lang="en-GB" altLang="fr-FR" dirty="0" err="1"/>
+              <a:t>liste</a:t>
+            </a:r>
+            <a:r>
+              <a:rPr lang="en-GB" altLang="fr-FR" dirty="0"/>
+              <a:t> </a:t>
+            </a:r>
+            <a:r>
+              <a:rPr lang="en-GB" altLang="fr-FR" dirty="0" err="1"/>
+              <a:t>en</a:t>
+            </a:r>
+            <a:r>
+              <a:rPr lang="en-GB" altLang="fr-FR" dirty="0"/>
+              <a:t> tuple </a:t>
+            </a:r>
+            <a:r>
+              <a:rPr lang="en-GB" altLang="fr-FR" dirty="0" err="1"/>
+              <a:t>en</a:t>
+            </a:r>
+            <a:r>
+              <a:rPr lang="en-GB" altLang="fr-FR" dirty="0"/>
+              <a:t> la </a:t>
+            </a:r>
+            <a:r>
+              <a:rPr lang="en-GB" altLang="fr-FR" dirty="0" err="1"/>
+              <a:t>clonant</a:t>
+            </a:r>
+            <a:r>
+              <a:rPr lang="en-GB" altLang="fr-FR" dirty="0"/>
+              <a:t> </a:t>
+            </a:r>
+            <a:r>
+              <a:rPr lang="en-GB" altLang="fr-FR" dirty="0" err="1"/>
+              <a:t>ou</a:t>
+            </a:r>
+            <a:r>
+              <a:rPr lang="en-GB" altLang="fr-FR" dirty="0"/>
+              <a:t> clone le tuple</a:t>
+            </a:r>
+          </a:p>
+          <a:p>
+            <a:endParaRPr lang="en-GB" altLang="fr-FR" dirty="0"/>
+          </a:p>
+          <a:p>
+            <a:endParaRPr lang="fr-FR" dirty="0"/>
+          </a:p>
+        </p:txBody>
+      </p:sp>
+    </p:spTree>
+    <p:extLst>
+      <p:ext uri="{BB962C8B-B14F-4D97-AF65-F5344CB8AC3E}">
+        <p14:creationId xmlns:p14="http://schemas.microsoft.com/office/powerpoint/2010/main" val="2258817408"/>
+      </p:ext>
+    </p:extLst>
+  </p:cSld>
+  <p:clrMapOvr>
+    <a:masterClrMapping/>
+  </p:clrMapOvr>
+  <p:timing>
+    <p:tnLst>
+      <p:par>
+        <p:cTn id="1" dur="indefinite" restart="never" nodeType="tmRoot"/>
+      </p:par>
+    </p:tnLst>
+  </p:timing>
+</p:sld>
+</file>
+
 <file path=ppt/slides/slide15.xml><?xml version="1.0" encoding="utf-8"?>
 <p:sld xmlns:a="http://schemas.openxmlformats.org/drawingml/2006/main" xmlns:r="http://schemas.openxmlformats.org/officeDocument/2006/relationships" xmlns:p="http://schemas.openxmlformats.org/presentationml/2006/main">
   <p:cSld>
@@ -9913,284 +10192,76 @@
           <a:p>
             <a:r>
               <a:rPr lang="fr-FR" dirty="0"/>
-              <a:t>Remarques</a:t>
-            </a:r>
+              <a:t>Opération sur les </a:t>
+            </a:r>
+            <a:r>
+              <a:rPr lang="fr-FR" dirty="0" err="1"/>
+              <a:t>tuples</a:t>
+            </a:r>
+            <a:endParaRPr lang="fr-FR" dirty="0"/>
           </a:p>
         </p:txBody>
       </p:sp>
-      <p:sp>
-        <p:nvSpPr>
-          <p:cNvPr id="3" name="Espace réservé du contenu 2"/>
-          <p:cNvSpPr>
-            <a:spLocks noGrp="1"/>
-          </p:cNvSpPr>
-          <p:nvPr>
-            <p:ph idx="1"/>
-          </p:nvPr>
-        </p:nvSpPr>
-        <p:spPr/>
-        <p:txBody>
-          <a:bodyPr/>
-          <a:lstStyle/>
-          <a:p>
-            <a:pPr eaLnBrk="1" hangingPunct="1">
-              <a:spcBef>
-                <a:spcPts val="500"/>
-              </a:spcBef>
-              <a:spcAft>
-                <a:spcPts val="500"/>
-              </a:spcAft>
-            </a:pPr>
-            <a:r>
-              <a:rPr lang="en-GB" altLang="fr-FR" dirty="0" smtClean="0"/>
-              <a:t>Les </a:t>
-            </a:r>
-            <a:r>
-              <a:rPr lang="en-GB" altLang="fr-FR" dirty="0" err="1"/>
-              <a:t>opérateurs</a:t>
-            </a:r>
-            <a:r>
-              <a:rPr lang="en-GB" altLang="fr-FR" dirty="0"/>
-              <a:t> </a:t>
-            </a:r>
-            <a:r>
-              <a:rPr lang="en-GB" altLang="fr-FR" b="1" dirty="0"/>
-              <a:t>is</a:t>
-            </a:r>
-            <a:r>
-              <a:rPr lang="en-GB" altLang="fr-FR" dirty="0"/>
-              <a:t> et </a:t>
-            </a:r>
-            <a:r>
-              <a:rPr lang="en-GB" altLang="fr-FR" b="1" dirty="0"/>
-              <a:t>is not</a:t>
-            </a:r>
-            <a:r>
-              <a:rPr lang="en-GB" altLang="fr-FR" dirty="0"/>
-              <a:t> </a:t>
-            </a:r>
-            <a:r>
-              <a:rPr lang="en-GB" altLang="fr-FR" dirty="0" err="1"/>
-              <a:t>vérifient</a:t>
-            </a:r>
-            <a:r>
-              <a:rPr lang="en-GB" altLang="fr-FR" dirty="0"/>
-              <a:t> </a:t>
-            </a:r>
-            <a:r>
-              <a:rPr lang="en-GB" altLang="fr-FR" dirty="0" err="1"/>
-              <a:t>si</a:t>
-            </a:r>
-            <a:r>
-              <a:rPr lang="en-GB" altLang="fr-FR" dirty="0"/>
-              <a:t> </a:t>
-            </a:r>
-            <a:r>
-              <a:rPr lang="en-GB" altLang="fr-FR" dirty="0" err="1"/>
-              <a:t>deux</a:t>
-            </a:r>
-            <a:r>
-              <a:rPr lang="en-GB" altLang="fr-FR" dirty="0"/>
-              <a:t> </a:t>
-            </a:r>
-            <a:r>
-              <a:rPr lang="en-GB" altLang="fr-FR" dirty="0" err="1"/>
-              <a:t>objets</a:t>
-            </a:r>
-            <a:r>
-              <a:rPr lang="en-GB" altLang="fr-FR" dirty="0"/>
-              <a:t> </a:t>
-            </a:r>
-            <a:r>
-              <a:rPr lang="en-GB" altLang="fr-FR" dirty="0" err="1"/>
-              <a:t>sont</a:t>
-            </a:r>
-            <a:r>
-              <a:rPr lang="en-GB" altLang="fr-FR" dirty="0"/>
-              <a:t> </a:t>
-            </a:r>
-            <a:r>
-              <a:rPr lang="en-GB" altLang="fr-FR" dirty="0" err="1"/>
-              <a:t>réellement</a:t>
-            </a:r>
-            <a:r>
-              <a:rPr lang="en-GB" altLang="fr-FR" dirty="0"/>
-              <a:t> le </a:t>
-            </a:r>
-            <a:r>
-              <a:rPr lang="en-GB" altLang="fr-FR" dirty="0" err="1"/>
-              <a:t>même</a:t>
-            </a:r>
-            <a:r>
-              <a:rPr lang="en-GB" altLang="fr-FR" dirty="0"/>
-              <a:t> objet</a:t>
-            </a:r>
-          </a:p>
-          <a:p>
-            <a:pPr lvl="1" eaLnBrk="1" hangingPunct="1">
-              <a:spcBef>
-                <a:spcPts val="500"/>
-              </a:spcBef>
-              <a:spcAft>
-                <a:spcPts val="500"/>
-              </a:spcAft>
-            </a:pPr>
-            <a:r>
-              <a:rPr lang="en-GB" altLang="fr-FR" dirty="0" err="1"/>
-              <a:t>ceci</a:t>
-            </a:r>
-            <a:r>
-              <a:rPr lang="en-GB" altLang="fr-FR" dirty="0"/>
-              <a:t> se </a:t>
-            </a:r>
-            <a:r>
-              <a:rPr lang="en-GB" altLang="fr-FR" dirty="0" err="1"/>
-              <a:t>justifie</a:t>
-            </a:r>
-            <a:r>
-              <a:rPr lang="en-GB" altLang="fr-FR" dirty="0"/>
-              <a:t> </a:t>
-            </a:r>
-            <a:r>
-              <a:rPr lang="en-GB" altLang="fr-FR" dirty="0" err="1"/>
-              <a:t>seulement</a:t>
-            </a:r>
-            <a:r>
-              <a:rPr lang="en-GB" altLang="fr-FR" dirty="0"/>
-              <a:t> pour les </a:t>
-            </a:r>
-            <a:r>
-              <a:rPr lang="en-GB" altLang="fr-FR" dirty="0" err="1"/>
-              <a:t>objets</a:t>
-            </a:r>
-            <a:r>
-              <a:rPr lang="en-GB" altLang="fr-FR" dirty="0"/>
-              <a:t> </a:t>
-            </a:r>
-            <a:r>
-              <a:rPr lang="en-GB" altLang="fr-FR" dirty="0" err="1"/>
-              <a:t>modifiables</a:t>
-            </a:r>
-            <a:r>
-              <a:rPr lang="en-GB" altLang="fr-FR" dirty="0"/>
-              <a:t> </a:t>
-            </a:r>
-            <a:r>
-              <a:rPr lang="en-GB" altLang="fr-FR" dirty="0" err="1"/>
-              <a:t>comme</a:t>
-            </a:r>
-            <a:r>
-              <a:rPr lang="en-GB" altLang="fr-FR" dirty="0"/>
-              <a:t> les </a:t>
-            </a:r>
-            <a:r>
-              <a:rPr lang="en-GB" altLang="fr-FR" dirty="0" err="1"/>
-              <a:t>listes</a:t>
-            </a:r>
-            <a:endParaRPr lang="en-GB" altLang="fr-FR" dirty="0"/>
-          </a:p>
-          <a:p>
-            <a:pPr eaLnBrk="1" hangingPunct="1">
-              <a:spcBef>
-                <a:spcPts val="500"/>
-              </a:spcBef>
-              <a:spcAft>
-                <a:spcPts val="500"/>
-              </a:spcAft>
-            </a:pPr>
-            <a:r>
-              <a:rPr lang="en-GB" altLang="fr-FR" dirty="0"/>
-              <a:t>Pour cloner </a:t>
-            </a:r>
-            <a:r>
-              <a:rPr lang="en-GB" altLang="fr-FR" dirty="0" err="1"/>
-              <a:t>une</a:t>
-            </a:r>
-            <a:r>
-              <a:rPr lang="en-GB" altLang="fr-FR" dirty="0"/>
-              <a:t> </a:t>
-            </a:r>
-            <a:r>
-              <a:rPr lang="en-GB" altLang="fr-FR" dirty="0" err="1"/>
-              <a:t>liste</a:t>
-            </a:r>
-            <a:r>
-              <a:rPr lang="en-GB" altLang="fr-FR" dirty="0"/>
-              <a:t> utiliser la </a:t>
-            </a:r>
-            <a:r>
-              <a:rPr lang="en-GB" altLang="fr-FR" dirty="0" err="1"/>
-              <a:t>fonction</a:t>
-            </a:r>
-            <a:r>
-              <a:rPr lang="en-GB" altLang="fr-FR" dirty="0"/>
-              <a:t> list()</a:t>
-            </a:r>
-          </a:p>
-          <a:p>
-            <a:pPr lvl="1" eaLnBrk="1" hangingPunct="1">
-              <a:spcBef>
-                <a:spcPts val="500"/>
-              </a:spcBef>
-              <a:spcAft>
-                <a:spcPts val="500"/>
-              </a:spcAft>
-            </a:pPr>
-            <a:r>
-              <a:rPr lang="en-GB" altLang="fr-FR" dirty="0" err="1"/>
-              <a:t>Transforme</a:t>
-            </a:r>
-            <a:r>
-              <a:rPr lang="en-GB" altLang="fr-FR" dirty="0"/>
-              <a:t> </a:t>
-            </a:r>
-            <a:r>
-              <a:rPr lang="en-GB" altLang="fr-FR" dirty="0" err="1"/>
-              <a:t>une</a:t>
-            </a:r>
-            <a:r>
-              <a:rPr lang="en-GB" altLang="fr-FR" dirty="0"/>
-              <a:t> collection de </a:t>
-            </a:r>
-            <a:r>
-              <a:rPr lang="en-GB" altLang="fr-FR" dirty="0" err="1"/>
-              <a:t>valeurs</a:t>
-            </a:r>
-            <a:r>
-              <a:rPr lang="en-GB" altLang="fr-FR" dirty="0"/>
-              <a:t> </a:t>
-            </a:r>
-            <a:r>
-              <a:rPr lang="en-GB" altLang="fr-FR" dirty="0" err="1"/>
-              <a:t>en</a:t>
-            </a:r>
-            <a:r>
-              <a:rPr lang="en-GB" altLang="fr-FR" dirty="0"/>
-              <a:t> </a:t>
-            </a:r>
-            <a:r>
-              <a:rPr lang="en-GB" altLang="fr-FR" dirty="0" err="1"/>
-              <a:t>liste</a:t>
-            </a:r>
-            <a:endParaRPr lang="en-GB" altLang="fr-FR" dirty="0"/>
-          </a:p>
-          <a:p>
-            <a:pPr lvl="1" eaLnBrk="1" hangingPunct="1">
-              <a:spcBef>
-                <a:spcPts val="500"/>
-              </a:spcBef>
-              <a:spcAft>
-                <a:spcPts val="500"/>
-              </a:spcAft>
-            </a:pPr>
-            <a:endParaRPr lang="en-GB" altLang="fr-FR" dirty="0"/>
-          </a:p>
-        </p:txBody>
-      </p:sp>
+      <p:pic>
+        <p:nvPicPr>
+          <p:cNvPr id="4" name="Picture 6" descr="D:\python\sv4884904.gif"/>
+          <p:cNvPicPr>
+            <a:picLocks noChangeAspect="1" noChangeArrowheads="1"/>
+          </p:cNvPicPr>
+          <p:nvPr/>
+        </p:nvPicPr>
+        <p:blipFill>
+          <a:blip r:embed="rId2">
+            <a:grayscl/>
+            <a:biLevel thresh="50000"/>
+            <a:extLst>
+              <a:ext uri="{28A0092B-C50C-407E-A947-70E740481C1C}">
+                <a14:useLocalDpi xmlns:a14="http://schemas.microsoft.com/office/drawing/2010/main" val="0"/>
+              </a:ext>
+            </a:extLst>
+          </a:blip>
+          <a:srcRect/>
+          <a:stretch>
+            <a:fillRect/>
+          </a:stretch>
+        </p:blipFill>
+        <p:spPr bwMode="auto">
+          <a:xfrm>
+            <a:off x="1187624" y="1177431"/>
+            <a:ext cx="6400800" cy="5029200"/>
+          </a:xfrm>
+          <a:prstGeom prst="rect">
+            <a:avLst/>
+          </a:prstGeom>
+          <a:noFill/>
+          <a:ln>
+            <a:noFill/>
+          </a:ln>
+          <a:extLst>
+            <a:ext uri="{909E8E84-426E-40DD-AFC4-6F175D3DCCD1}">
+              <a14:hiddenFill xmlns:a14="http://schemas.microsoft.com/office/drawing/2010/main">
+                <a:solidFill>
+                  <a:srgbClr val="FFFFFF"/>
+                </a:solidFill>
+              </a14:hiddenFill>
+            </a:ext>
+            <a:ext uri="{91240B29-F687-4F45-9708-019B960494DF}">
+              <a14:hiddenLine xmlns:a14="http://schemas.microsoft.com/office/drawing/2010/main" w="9525">
+                <a:solidFill>
+                  <a:srgbClr val="000000"/>
+                </a:solidFill>
+                <a:miter lim="800000"/>
+                <a:headEnd/>
+                <a:tailEnd/>
+              </a14:hiddenLine>
+            </a:ext>
+          </a:extLst>
+        </p:spPr>
+      </p:pic>
     </p:spTree>
     <p:extLst>
       <p:ext uri="{BB962C8B-B14F-4D97-AF65-F5344CB8AC3E}">
-        <p14:creationId xmlns:p14="http://schemas.microsoft.com/office/powerpoint/2010/main" val="2997700510"/>
+        <p14:creationId xmlns:p14="http://schemas.microsoft.com/office/powerpoint/2010/main" val="2150809346"/>
       </p:ext>
     </p:extLst>
   </p:cSld>
@@ -10200,7 +10271,86 @@
   <p:timing>
     <p:tnLst>
       <p:par>
-        <p:cTn id="1" dur="indefinite" restart="never" nodeType="tmRoot"/>
+        <p:cTn id="1" dur="indefinite" restart="never" nodeType="tmRoot">
+          <p:childTnLst>
+            <p:seq concurrent="1" nextAc="seek">
+              <p:cTn id="2" dur="indefinite" nodeType="mainSeq">
+                <p:childTnLst>
+                  <p:par>
+                    <p:cTn id="3" fill="hold">
+                      <p:stCondLst>
+                        <p:cond delay="indefinite"/>
+                        <p:cond evt="onBegin" delay="0">
+                          <p:tn val="2"/>
+                        </p:cond>
+                      </p:stCondLst>
+                      <p:childTnLst>
+                        <p:par>
+                          <p:cTn id="4" fill="hold">
+                            <p:stCondLst>
+                              <p:cond delay="0"/>
+                            </p:stCondLst>
+                            <p:childTnLst>
+                              <p:par>
+                                <p:cTn id="5" presetID="4" presetClass="entr" presetSubtype="32" fill="hold" nodeType="afterEffect">
+                                  <p:stCondLst>
+                                    <p:cond delay="0"/>
+                                  </p:stCondLst>
+                                  <p:childTnLst>
+                                    <p:set>
+                                      <p:cBhvr>
+                                        <p:cTn id="6" dur="1" fill="hold">
+                                          <p:stCondLst>
+                                            <p:cond delay="0"/>
+                                          </p:stCondLst>
+                                        </p:cTn>
+                                        <p:tgtEl>
+                                          <p:spTgt spid="4"/>
+                                        </p:tgtEl>
+                                        <p:attrNameLst>
+                                          <p:attrName>style.visibility</p:attrName>
+                                        </p:attrNameLst>
+                                      </p:cBhvr>
+                                      <p:to>
+                                        <p:strVal val="visible"/>
+                                      </p:to>
+                                    </p:set>
+                                    <p:animEffect transition="in" filter="box(out)">
+                                      <p:cBhvr>
+                                        <p:cTn id="7" dur="500"/>
+                                        <p:tgtEl>
+                                          <p:spTgt spid="4"/>
+                                        </p:tgtEl>
+                                      </p:cBhvr>
+                                    </p:animEffect>
+                                  </p:childTnLst>
+                                </p:cTn>
+                              </p:par>
+                            </p:childTnLst>
+                          </p:cTn>
+                        </p:par>
+                      </p:childTnLst>
+                    </p:cTn>
+                  </p:par>
+                </p:childTnLst>
+              </p:cTn>
+              <p:prevCondLst>
+                <p:cond evt="onPrev" delay="0">
+                  <p:tgtEl>
+                    <p:sldTgt/>
+                  </p:tgtEl>
+                </p:cond>
+              </p:prevCondLst>
+              <p:nextCondLst>
+                <p:cond evt="onNext" delay="0">
+                  <p:tgtEl>
+                    <p:sldTgt/>
+                  </p:tgtEl>
+                </p:cond>
+              </p:nextCondLst>
+            </p:seq>
+          </p:childTnLst>
+        </p:cTn>
       </p:par>
     </p:tnLst>
   </p:timing>
@@ -10240,10 +10390,9 @@
           <a:lstStyle/>
           <a:p>
             <a:r>
-              <a:rPr lang="fr-FR" dirty="0" err="1"/>
-              <a:t>Tuples</a:t>
-            </a:r>
-            <a:endParaRPr lang="fr-FR" dirty="0"/>
+              <a:rPr lang="fr-FR" dirty="0"/>
+              <a:t>Les dictionnaires</a:t>
+            </a:r>
           </a:p>
         </p:txBody>
       </p:sp>
@@ -10262,113 +10411,283 @@
           <a:bodyPr/>
           <a:lstStyle/>
           <a:p>
-            <a:r>
-              <a:rPr lang="fr-FR" dirty="0"/>
-              <a:t>Est une collection de valeurs non modifiable</a:t>
-            </a:r>
-          </a:p>
-          <a:p>
+            <a:pPr eaLnBrk="1" hangingPunct="1"/>
             <a:r>
               <a:rPr lang="en-GB" altLang="fr-FR" dirty="0"/>
-              <a:t>Des </a:t>
+              <a:t>Un </a:t>
             </a:r>
             <a:r>
               <a:rPr lang="en-GB" altLang="fr-FR" dirty="0" err="1"/>
-              <a:t>valeurs</a:t>
+              <a:t>dictionnaire</a:t>
             </a:r>
             <a:r>
               <a:rPr lang="en-GB" altLang="fr-FR" dirty="0"/>
-              <a:t> (entre </a:t>
+              <a:t> </a:t>
             </a:r>
             <a:r>
               <a:rPr lang="en-GB" altLang="fr-FR" dirty="0" err="1"/>
-              <a:t>parenthèses</a:t>
+              <a:t>est</a:t>
             </a:r>
             <a:r>
               <a:rPr lang="en-GB" altLang="fr-FR" dirty="0"/>
-              <a:t>) </a:t>
+              <a:t> un ensemble non </a:t>
             </a:r>
             <a:r>
               <a:rPr lang="en-GB" altLang="fr-FR" dirty="0" err="1"/>
-              <a:t>séparées</a:t>
+              <a:t>ordonnés</a:t>
             </a:r>
             <a:r>
               <a:rPr lang="en-GB" altLang="fr-FR" dirty="0"/>
-              <a:t> par des virgules</a:t>
-            </a:r>
-          </a:p>
-          <a:p>
-            <a:pPr lvl="1"/>
+              <a:t> de couples </a:t>
+            </a:r>
+            <a:r>
+              <a:rPr lang="en-GB" altLang="fr-FR" dirty="0" err="1"/>
+              <a:t>clé:valeur</a:t>
+            </a:r>
             <a:r>
               <a:rPr lang="en-GB" altLang="fr-FR" dirty="0"/>
-              <a:t>&gt;&gt;&gt;tuple=(0,1.4,’world’)</a:t>
-            </a:r>
-          </a:p>
-          <a:p>
+              <a:t> avec des </a:t>
+            </a:r>
+            <a:r>
+              <a:rPr lang="en-GB" altLang="fr-FR" dirty="0" err="1"/>
+              <a:t>clés</a:t>
+            </a:r>
+            <a:r>
+              <a:rPr lang="en-GB" altLang="fr-FR" dirty="0"/>
+              <a:t> </a:t>
+            </a:r>
+            <a:r>
+              <a:rPr lang="en-GB" altLang="fr-FR" dirty="0" err="1"/>
+              <a:t>uniques</a:t>
+            </a:r>
+            <a:endParaRPr lang="en-GB" altLang="fr-FR" dirty="0"/>
+          </a:p>
+          <a:p>
+            <a:pPr eaLnBrk="1" hangingPunct="1"/>
+            <a:r>
+              <a:rPr lang="en-GB" altLang="fr-FR" dirty="0"/>
+              <a:t>Des couples </a:t>
+            </a:r>
+            <a:r>
+              <a:rPr lang="en-GB" altLang="fr-FR" dirty="0" err="1"/>
+              <a:t>clé:valeur</a:t>
+            </a:r>
+            <a:r>
+              <a:rPr lang="en-GB" altLang="fr-FR" dirty="0"/>
+              <a:t> </a:t>
+            </a:r>
+            <a:r>
+              <a:rPr lang="en-GB" altLang="fr-FR" dirty="0" err="1"/>
+              <a:t>séparés</a:t>
+            </a:r>
+            <a:r>
+              <a:rPr lang="en-GB" altLang="fr-FR" dirty="0"/>
+              <a:t> par des virgules et entre accolades</a:t>
+            </a:r>
+          </a:p>
+          <a:p>
+            <a:pPr lvl="1" eaLnBrk="1" hangingPunct="1"/>
+            <a:r>
+              <a:rPr lang="en-GB" altLang="fr-FR" i="1" dirty="0">
+                <a:solidFill>
+                  <a:schemeClr val="accent2"/>
+                </a:solidFill>
+              </a:rPr>
+              <a:t>&gt;&gt;&gt; </a:t>
+            </a:r>
+            <a:r>
+              <a:rPr lang="en-GB" altLang="fr-FR" i="1" dirty="0" err="1">
+                <a:solidFill>
+                  <a:schemeClr val="accent2"/>
+                </a:solidFill>
+              </a:rPr>
+              <a:t>dico</a:t>
+            </a:r>
+            <a:r>
+              <a:rPr lang="en-GB" altLang="fr-FR" i="1" dirty="0">
+                <a:solidFill>
+                  <a:schemeClr val="accent2"/>
+                </a:solidFill>
+              </a:rPr>
+              <a:t> = {`</a:t>
+            </a:r>
+            <a:r>
+              <a:rPr lang="en-GB" altLang="fr-FR" i="1" dirty="0" err="1">
+                <a:solidFill>
+                  <a:schemeClr val="accent2"/>
+                </a:solidFill>
+              </a:rPr>
+              <a:t>japon</a:t>
+            </a:r>
+            <a:r>
+              <a:rPr lang="en-GB" altLang="fr-FR" i="1" dirty="0">
+                <a:solidFill>
+                  <a:schemeClr val="accent2"/>
+                </a:solidFill>
+              </a:rPr>
+              <a:t>' :'japan', `chine' :'china'}</a:t>
+            </a:r>
+            <a:r>
+              <a:rPr lang="en-GB" altLang="fr-FR" dirty="0">
+                <a:solidFill>
+                  <a:schemeClr val="accent2"/>
+                </a:solidFill>
+              </a:rPr>
+              <a:t> </a:t>
+            </a:r>
+          </a:p>
+          <a:p>
+            <a:pPr eaLnBrk="1" hangingPunct="1"/>
+            <a:r>
+              <a:rPr lang="en-GB" altLang="fr-FR" dirty="0"/>
+              <a:t>Un </a:t>
+            </a:r>
+            <a:r>
+              <a:rPr lang="en-GB" altLang="fr-FR" dirty="0" err="1"/>
+              <a:t>dictionnaire</a:t>
+            </a:r>
+            <a:r>
+              <a:rPr lang="en-GB" altLang="fr-FR" dirty="0"/>
+              <a:t> </a:t>
+            </a:r>
+            <a:r>
+              <a:rPr lang="en-GB" altLang="fr-FR" dirty="0" err="1"/>
+              <a:t>est</a:t>
+            </a:r>
+            <a:r>
+              <a:rPr lang="en-GB" altLang="fr-FR" dirty="0"/>
+              <a:t> </a:t>
+            </a:r>
+            <a:r>
+              <a:rPr lang="en-GB" altLang="fr-FR" dirty="0" err="1"/>
+              <a:t>indexé</a:t>
+            </a:r>
+            <a:r>
+              <a:rPr lang="en-GB" altLang="fr-FR" dirty="0"/>
+              <a:t> par </a:t>
+            </a:r>
+            <a:r>
+              <a:rPr lang="en-GB" altLang="fr-FR" dirty="0" err="1"/>
+              <a:t>une</a:t>
+            </a:r>
+            <a:r>
+              <a:rPr lang="en-GB" altLang="fr-FR" dirty="0"/>
+              <a:t> </a:t>
+            </a:r>
+            <a:r>
+              <a:rPr lang="en-GB" altLang="fr-FR" dirty="0" err="1"/>
+              <a:t>clé</a:t>
+            </a:r>
+            <a:r>
+              <a:rPr lang="en-GB" altLang="fr-FR" dirty="0"/>
+              <a:t> qui </a:t>
+            </a:r>
+            <a:r>
+              <a:rPr lang="en-GB" altLang="fr-FR" dirty="0" err="1"/>
+              <a:t>peut</a:t>
+            </a:r>
+            <a:r>
+              <a:rPr lang="en-GB" altLang="fr-FR" dirty="0"/>
+              <a:t> </a:t>
+            </a:r>
+            <a:r>
+              <a:rPr lang="en-GB" altLang="fr-FR" dirty="0" err="1"/>
+              <a:t>être</a:t>
+            </a:r>
+            <a:r>
+              <a:rPr lang="en-GB" altLang="fr-FR" dirty="0"/>
+              <a:t> de </a:t>
+            </a:r>
+            <a:r>
+              <a:rPr lang="en-GB" altLang="fr-FR" dirty="0" err="1"/>
+              <a:t>n’importe</a:t>
+            </a:r>
+            <a:r>
+              <a:rPr lang="en-GB" altLang="fr-FR" dirty="0"/>
+              <a:t> </a:t>
+            </a:r>
+            <a:r>
+              <a:rPr lang="en-GB" altLang="fr-FR" dirty="0" err="1"/>
+              <a:t>quel</a:t>
+            </a:r>
+            <a:r>
+              <a:rPr lang="en-GB" altLang="fr-FR" dirty="0"/>
+              <a:t> type non-modifiable (</a:t>
+            </a:r>
+            <a:r>
+              <a:rPr lang="en-GB" altLang="fr-FR" dirty="0" err="1"/>
+              <a:t>hachage</a:t>
+            </a:r>
+            <a:r>
+              <a:rPr lang="en-GB" altLang="fr-FR" dirty="0"/>
+              <a:t>)</a:t>
+            </a:r>
+          </a:p>
+          <a:p>
+            <a:pPr lvl="1" eaLnBrk="1" hangingPunct="1"/>
+            <a:r>
+              <a:rPr lang="en-GB" altLang="fr-FR" dirty="0"/>
+              <a:t>string, </a:t>
+            </a:r>
+            <a:r>
+              <a:rPr lang="en-GB" altLang="fr-FR" dirty="0" err="1"/>
+              <a:t>nombre</a:t>
+            </a:r>
+            <a:r>
+              <a:rPr lang="en-GB" altLang="fr-FR" dirty="0"/>
+              <a:t>, tuples de string et </a:t>
+            </a:r>
+            <a:r>
+              <a:rPr lang="en-GB" altLang="fr-FR" dirty="0" err="1"/>
+              <a:t>nombre</a:t>
+            </a:r>
+            <a:endParaRPr lang="en-GB" altLang="fr-FR" dirty="0"/>
+          </a:p>
+          <a:p>
+            <a:pPr eaLnBrk="1" hangingPunct="1"/>
             <a:r>
               <a:rPr lang="en-GB" altLang="fr-FR" dirty="0" err="1"/>
               <a:t>Très</a:t>
             </a:r>
             <a:r>
               <a:rPr lang="en-GB" altLang="fr-FR" dirty="0"/>
-              <a:t> utile pour les retours de </a:t>
+              <a:t> </a:t>
             </a:r>
             <a:r>
               <a:rPr lang="en-GB" altLang="fr-FR" dirty="0" err="1"/>
-              <a:t>fonctions</a:t>
+              <a:t>rapide</a:t>
             </a:r>
             <a:endParaRPr lang="en-GB" altLang="fr-FR" dirty="0"/>
           </a:p>
           <a:p>
-            <a:pPr lvl="1"/>
+            <a:pPr lvl="1" eaLnBrk="1" hangingPunct="1"/>
             <a:r>
               <a:rPr lang="en-GB" altLang="fr-FR" dirty="0" err="1"/>
-              <a:t>Egalement</a:t>
+              <a:t>Algorithme</a:t>
             </a:r>
             <a:r>
               <a:rPr lang="en-GB" altLang="fr-FR" dirty="0"/>
-              <a:t> pour les </a:t>
+              <a:t> de </a:t>
             </a:r>
             <a:r>
               <a:rPr lang="en-GB" altLang="fr-FR" dirty="0" err="1"/>
-              <a:t>appels</a:t>
+              <a:t>hachage</a:t>
+            </a:r>
+            <a:endParaRPr lang="en-GB" altLang="fr-FR" dirty="0"/>
+          </a:p>
+          <a:p>
+            <a:pPr lvl="1" eaLnBrk="1" hangingPunct="1"/>
+            <a:r>
+              <a:rPr lang="en-GB" altLang="fr-FR" dirty="0" err="1"/>
+              <a:t>Perte</a:t>
             </a:r>
             <a:r>
               <a:rPr lang="en-GB" altLang="fr-FR" dirty="0"/>
-              <a:t> pour assurer de la non modification des </a:t>
+              <a:t> de </a:t>
             </a:r>
             <a:r>
               <a:rPr lang="en-GB" altLang="fr-FR" dirty="0" err="1"/>
-              <a:t>valeurs</a:t>
-            </a:r>
-            <a:endParaRPr lang="en-GB" altLang="fr-FR" dirty="0"/>
-          </a:p>
-          <a:p>
-            <a:r>
-              <a:rPr lang="en-GB" altLang="fr-FR" dirty="0" err="1"/>
-              <a:t>Rapide</a:t>
-            </a:r>
-            <a:endParaRPr lang="en-GB" altLang="fr-FR" dirty="0"/>
-          </a:p>
-          <a:p>
-            <a:r>
-              <a:rPr lang="en-GB" altLang="fr-FR" dirty="0"/>
-              <a:t>t</a:t>
-            </a:r>
-            <a:r>
-              <a:rPr lang="en-GB" altLang="fr-FR"/>
-              <a:t>uple</a:t>
-            </a:r>
-            <a:r>
-              <a:rPr lang="en-GB" altLang="fr-FR" dirty="0"/>
-              <a:t>()</a:t>
-            </a:r>
-          </a:p>
-          <a:p>
-            <a:pPr lvl="1"/>
-            <a:r>
-              <a:rPr lang="en-GB" altLang="fr-FR" dirty="0" err="1"/>
-              <a:t>Convertit</a:t>
+              <a:t>l’ordre</a:t>
             </a:r>
             <a:r>
               <a:rPr lang="en-GB" altLang="fr-FR" dirty="0"/>
@@ -10376,54 +10695,16 @@
             </a:r>
             <a:r>
               <a:rPr lang="en-GB" altLang="fr-FR" dirty="0" err="1"/>
-              <a:t>une</a:t>
+              <a:t>sauf</a:t>
             </a:r>
             <a:r>
               <a:rPr lang="en-GB" altLang="fr-FR" dirty="0"/>
-              <a:t> </a:t>
+              <a:t> pour </a:t>
             </a:r>
             <a:r>
               <a:rPr lang="en-GB" altLang="fr-FR" dirty="0" err="1"/>
-              <a:t>liste</a:t>
-            </a:r>
-            <a:r>
-              <a:rPr lang="en-GB" altLang="fr-FR" dirty="0"/>
-              <a:t> </a:t>
-            </a:r>
-            <a:r>
-              <a:rPr lang="en-GB" altLang="fr-FR" dirty="0" err="1"/>
-              <a:t>en</a:t>
-            </a:r>
-            <a:r>
-              <a:rPr lang="en-GB" altLang="fr-FR" dirty="0"/>
-              <a:t> tuple </a:t>
-            </a:r>
-            <a:r>
-              <a:rPr lang="en-GB" altLang="fr-FR" dirty="0" err="1"/>
-              <a:t>en</a:t>
-            </a:r>
-            <a:r>
-              <a:rPr lang="en-GB" altLang="fr-FR" dirty="0"/>
-              <a:t> la </a:t>
-            </a:r>
-            <a:r>
-              <a:rPr lang="en-GB" altLang="fr-FR" dirty="0" err="1"/>
-              <a:t>clonant</a:t>
-            </a:r>
-            <a:r>
-              <a:rPr lang="en-GB" altLang="fr-FR" dirty="0"/>
-              <a:t> </a:t>
-            </a:r>
-            <a:r>
-              <a:rPr lang="en-GB" altLang="fr-FR" dirty="0" err="1"/>
-              <a:t>ou</a:t>
-            </a:r>
-            <a:r>
-              <a:rPr lang="en-GB" altLang="fr-FR" dirty="0"/>
-              <a:t> clone le tuple</a:t>
-            </a:r>
-          </a:p>
-          <a:p>
+              <a:t>collections.OrderedDict</a:t>
+            </a:r>
             <a:endParaRPr lang="en-GB" altLang="fr-FR" dirty="0"/>
           </a:p>
           <a:p>
@@ -10434,7 +10715,7 @@
     </p:spTree>
     <p:extLst>
       <p:ext uri="{BB962C8B-B14F-4D97-AF65-F5344CB8AC3E}">
-        <p14:creationId xmlns:p14="http://schemas.microsoft.com/office/powerpoint/2010/main" val="2258817408"/>
+        <p14:creationId xmlns:p14="http://schemas.microsoft.com/office/powerpoint/2010/main" val="3515866077"/>
       </p:ext>
     </p:extLst>
   </p:cSld>
@@ -10485,19 +10766,14 @@
           <a:p>
             <a:r>
               <a:rPr lang="fr-FR" dirty="0"/>
-              <a:t>Opération sur les </a:t>
-            </a:r>
-            <a:r>
-              <a:rPr lang="fr-FR" dirty="0" err="1"/>
-              <a:t>tuples</a:t>
-            </a:r>
-            <a:endParaRPr lang="fr-FR" dirty="0"/>
+              <a:t>Opérations de dictionnaire</a:t>
+            </a:r>
           </a:p>
         </p:txBody>
       </p:sp>
       <p:pic>
         <p:nvPicPr>
-          <p:cNvPr id="4" name="Picture 6" descr="D:\python\sv4884904.gif"/>
+          <p:cNvPr id="4" name="Picture 6" descr="D:\python\sv4884902.gif"/>
           <p:cNvPicPr>
             <a:picLocks noChangeAspect="1" noChangeArrowheads="1"/>
           </p:cNvPicPr>
@@ -10505,8 +10781,6 @@
         </p:nvPicPr>
         <p:blipFill>
           <a:blip r:embed="rId2">
-            <a:grayscl/>
-            <a:biLevel thresh="50000"/>
             <a:extLst>
               <a:ext uri="{28A0092B-C50C-407E-A947-70E740481C1C}">
                 <a14:useLocalDpi xmlns:a14="http://schemas.microsoft.com/office/drawing/2010/main" val="0"/>
@@ -10520,8 +10794,8 @@
         </p:blipFill>
         <p:spPr bwMode="auto">
           <a:xfrm>
-            <a:off x="1187624" y="1177431"/>
-            <a:ext cx="6400800" cy="5029200"/>
+            <a:off x="1362137" y="1388375"/>
+            <a:ext cx="6400800" cy="4200865"/>
           </a:xfrm>
           <a:prstGeom prst="rect">
             <a:avLst/>
@@ -10551,10 +10825,61 @@
           </a:extLst>
         </p:spPr>
       </p:pic>
+      <p:sp>
+        <p:nvSpPr>
+          <p:cNvPr id="5" name="Espace réservé du contenu 2"/>
+          <p:cNvSpPr>
+            <a:spLocks noGrp="1"/>
+          </p:cNvSpPr>
+          <p:nvPr>
+            <p:ph idx="1"/>
+          </p:nvPr>
+        </p:nvSpPr>
+        <p:spPr>
+          <a:xfrm>
+            <a:off x="899592" y="5821406"/>
+            <a:ext cx="8766051" cy="864096"/>
+          </a:xfrm>
+        </p:spPr>
+        <p:txBody>
+          <a:bodyPr/>
+          <a:lstStyle/>
+          <a:p>
+            <a:pPr marL="0" indent="0" eaLnBrk="1" hangingPunct="1">
+              <a:buNone/>
+            </a:pPr>
+            <a:r>
+              <a:rPr lang="en-GB" altLang="fr-FR" dirty="0" err="1"/>
+              <a:t>has_keys</a:t>
+            </a:r>
+            <a:r>
+              <a:rPr lang="en-GB" altLang="fr-FR" dirty="0"/>
+              <a:t> </a:t>
+            </a:r>
+            <a:r>
+              <a:rPr lang="en-GB" altLang="fr-FR" dirty="0" err="1"/>
+              <a:t>remplacé</a:t>
+            </a:r>
+            <a:r>
+              <a:rPr lang="en-GB" altLang="fr-FR" dirty="0"/>
+              <a:t> par in </a:t>
+            </a:r>
+            <a:r>
+              <a:rPr lang="en-GB" altLang="fr-FR" dirty="0" err="1"/>
+              <a:t>en</a:t>
+            </a:r>
+            <a:r>
+              <a:rPr lang="en-GB" altLang="fr-FR" dirty="0"/>
+              <a:t> python 3</a:t>
+            </a:r>
+            <a:endParaRPr lang="fr-FR" dirty="0"/>
+          </a:p>
+        </p:txBody>
+      </p:sp>
     </p:spTree>
     <p:extLst>
       <p:ext uri="{BB962C8B-B14F-4D97-AF65-F5344CB8AC3E}">
-        <p14:creationId xmlns:p14="http://schemas.microsoft.com/office/powerpoint/2010/main" val="2150809346"/>
+        <p14:creationId xmlns:p14="http://schemas.microsoft.com/office/powerpoint/2010/main" val="1173407600"/>
       </p:ext>
     </p:extLst>
   </p:cSld>
@@ -10684,1028 +11009,6 @@
           <a:p>
             <a:r>
               <a:rPr lang="fr-FR" dirty="0"/>
-              <a:t>Les dictionnaires</a:t>
-            </a:r>
-          </a:p>
-        </p:txBody>
-      </p:sp>
-      <p:sp>
-        <p:nvSpPr>
-          <p:cNvPr id="3" name="Espace réservé du contenu 2"/>
-          <p:cNvSpPr>
-            <a:spLocks noGrp="1"/>
-          </p:cNvSpPr>
-          <p:nvPr>
-            <p:ph idx="1"/>
-          </p:nvPr>
-        </p:nvSpPr>
-        <p:spPr/>
-        <p:txBody>
-          <a:bodyPr/>
-          <a:lstStyle/>
-          <a:p>
-            <a:pPr eaLnBrk="1" hangingPunct="1"/>
-            <a:r>
-              <a:rPr lang="en-GB" altLang="fr-FR" dirty="0"/>
-              <a:t>Un </a:t>
-            </a:r>
-            <a:r>
-              <a:rPr lang="en-GB" altLang="fr-FR" dirty="0" err="1"/>
-              <a:t>dictionnaire</a:t>
-            </a:r>
-            <a:r>
-              <a:rPr lang="en-GB" altLang="fr-FR" dirty="0"/>
-              <a:t> </a:t>
-            </a:r>
-            <a:r>
-              <a:rPr lang="en-GB" altLang="fr-FR" dirty="0" err="1"/>
-              <a:t>est</a:t>
-            </a:r>
-            <a:r>
-              <a:rPr lang="en-GB" altLang="fr-FR" dirty="0"/>
-              <a:t> un ensemble non </a:t>
-            </a:r>
-            <a:r>
-              <a:rPr lang="en-GB" altLang="fr-FR" dirty="0" err="1"/>
-              <a:t>ordonnés</a:t>
-            </a:r>
-            <a:r>
-              <a:rPr lang="en-GB" altLang="fr-FR" dirty="0"/>
-              <a:t> de couples </a:t>
-            </a:r>
-            <a:r>
-              <a:rPr lang="en-GB" altLang="fr-FR" dirty="0" err="1"/>
-              <a:t>clé:valeur</a:t>
-            </a:r>
-            <a:r>
-              <a:rPr lang="en-GB" altLang="fr-FR" dirty="0"/>
-              <a:t> avec des </a:t>
-            </a:r>
-            <a:r>
-              <a:rPr lang="en-GB" altLang="fr-FR" dirty="0" err="1"/>
-              <a:t>clés</a:t>
-            </a:r>
-            <a:r>
-              <a:rPr lang="en-GB" altLang="fr-FR" dirty="0"/>
-              <a:t> </a:t>
-            </a:r>
-            <a:r>
-              <a:rPr lang="en-GB" altLang="fr-FR" dirty="0" err="1"/>
-              <a:t>uniques</a:t>
-            </a:r>
-            <a:endParaRPr lang="en-GB" altLang="fr-FR" dirty="0"/>
-          </a:p>
-          <a:p>
-            <a:pPr eaLnBrk="1" hangingPunct="1"/>
-            <a:r>
-              <a:rPr lang="en-GB" altLang="fr-FR" dirty="0"/>
-              <a:t>Des couples </a:t>
-            </a:r>
-            <a:r>
-              <a:rPr lang="en-GB" altLang="fr-FR" dirty="0" err="1"/>
-              <a:t>clé:valeur</a:t>
-            </a:r>
-            <a:r>
-              <a:rPr lang="en-GB" altLang="fr-FR" dirty="0"/>
-              <a:t> </a:t>
-            </a:r>
-            <a:r>
-              <a:rPr lang="en-GB" altLang="fr-FR" dirty="0" err="1"/>
-              <a:t>séparés</a:t>
-            </a:r>
-            <a:r>
-              <a:rPr lang="en-GB" altLang="fr-FR" dirty="0"/>
-              <a:t> par des virgules et entre accolades</a:t>
-            </a:r>
-          </a:p>
-          <a:p>
-            <a:pPr lvl="1" eaLnBrk="1" hangingPunct="1"/>
-            <a:r>
-              <a:rPr lang="en-GB" altLang="fr-FR" i="1" dirty="0">
-                <a:solidFill>
-                  <a:schemeClr val="accent2"/>
-                </a:solidFill>
-              </a:rPr>
-              <a:t>&gt;&gt;&gt; </a:t>
-            </a:r>
-            <a:r>
-              <a:rPr lang="en-GB" altLang="fr-FR" i="1" dirty="0" err="1">
-                <a:solidFill>
-                  <a:schemeClr val="accent2"/>
-                </a:solidFill>
-              </a:rPr>
-              <a:t>dico</a:t>
-            </a:r>
-            <a:r>
-              <a:rPr lang="en-GB" altLang="fr-FR" i="1" dirty="0">
-                <a:solidFill>
-                  <a:schemeClr val="accent2"/>
-                </a:solidFill>
-              </a:rPr>
-              <a:t> = {`</a:t>
-            </a:r>
-            <a:r>
-              <a:rPr lang="en-GB" altLang="fr-FR" i="1" dirty="0" err="1">
-                <a:solidFill>
-                  <a:schemeClr val="accent2"/>
-                </a:solidFill>
-              </a:rPr>
-              <a:t>japon</a:t>
-            </a:r>
-            <a:r>
-              <a:rPr lang="en-GB" altLang="fr-FR" i="1" dirty="0">
-                <a:solidFill>
-                  <a:schemeClr val="accent2"/>
-                </a:solidFill>
-              </a:rPr>
-              <a:t>' :'japan', `chine' :'china'}</a:t>
-            </a:r>
-            <a:r>
-              <a:rPr lang="en-GB" altLang="fr-FR" dirty="0">
-                <a:solidFill>
-                  <a:schemeClr val="accent2"/>
-                </a:solidFill>
-              </a:rPr>
-              <a:t> </a:t>
-            </a:r>
-          </a:p>
-          <a:p>
-            <a:pPr eaLnBrk="1" hangingPunct="1"/>
-            <a:r>
-              <a:rPr lang="en-GB" altLang="fr-FR" dirty="0"/>
-              <a:t>Un </a:t>
-            </a:r>
-            <a:r>
-              <a:rPr lang="en-GB" altLang="fr-FR" dirty="0" err="1"/>
-              <a:t>dictionnaire</a:t>
-            </a:r>
-            <a:r>
-              <a:rPr lang="en-GB" altLang="fr-FR" dirty="0"/>
-              <a:t> </a:t>
-            </a:r>
-            <a:r>
-              <a:rPr lang="en-GB" altLang="fr-FR" dirty="0" err="1"/>
-              <a:t>est</a:t>
-            </a:r>
-            <a:r>
-              <a:rPr lang="en-GB" altLang="fr-FR" dirty="0"/>
-              <a:t> </a:t>
-            </a:r>
-            <a:r>
-              <a:rPr lang="en-GB" altLang="fr-FR" dirty="0" err="1"/>
-              <a:t>indexé</a:t>
-            </a:r>
-            <a:r>
-              <a:rPr lang="en-GB" altLang="fr-FR" dirty="0"/>
-              <a:t> par </a:t>
-            </a:r>
-            <a:r>
-              <a:rPr lang="en-GB" altLang="fr-FR" dirty="0" err="1"/>
-              <a:t>une</a:t>
-            </a:r>
-            <a:r>
-              <a:rPr lang="en-GB" altLang="fr-FR" dirty="0"/>
-              <a:t> </a:t>
-            </a:r>
-            <a:r>
-              <a:rPr lang="en-GB" altLang="fr-FR" dirty="0" err="1"/>
-              <a:t>clé</a:t>
-            </a:r>
-            <a:r>
-              <a:rPr lang="en-GB" altLang="fr-FR" dirty="0"/>
-              <a:t> qui </a:t>
-            </a:r>
-            <a:r>
-              <a:rPr lang="en-GB" altLang="fr-FR" dirty="0" err="1"/>
-              <a:t>peut</a:t>
-            </a:r>
-            <a:r>
-              <a:rPr lang="en-GB" altLang="fr-FR" dirty="0"/>
-              <a:t> </a:t>
-            </a:r>
-            <a:r>
-              <a:rPr lang="en-GB" altLang="fr-FR" dirty="0" err="1"/>
-              <a:t>être</a:t>
-            </a:r>
-            <a:r>
-              <a:rPr lang="en-GB" altLang="fr-FR" dirty="0"/>
-              <a:t> de </a:t>
-            </a:r>
-            <a:r>
-              <a:rPr lang="en-GB" altLang="fr-FR" dirty="0" err="1"/>
-              <a:t>n’importe</a:t>
-            </a:r>
-            <a:r>
-              <a:rPr lang="en-GB" altLang="fr-FR" dirty="0"/>
-              <a:t> </a:t>
-            </a:r>
-            <a:r>
-              <a:rPr lang="en-GB" altLang="fr-FR" dirty="0" err="1"/>
-              <a:t>quel</a:t>
-            </a:r>
-            <a:r>
-              <a:rPr lang="en-GB" altLang="fr-FR" dirty="0"/>
-              <a:t> type non-modifiable (</a:t>
-            </a:r>
-            <a:r>
-              <a:rPr lang="en-GB" altLang="fr-FR" dirty="0" err="1"/>
-              <a:t>hachage</a:t>
-            </a:r>
-            <a:r>
-              <a:rPr lang="en-GB" altLang="fr-FR" dirty="0"/>
-              <a:t>)</a:t>
-            </a:r>
-          </a:p>
-          <a:p>
-            <a:pPr lvl="1" eaLnBrk="1" hangingPunct="1"/>
-            <a:r>
-              <a:rPr lang="en-GB" altLang="fr-FR" dirty="0"/>
-              <a:t>string, </a:t>
-            </a:r>
-            <a:r>
-              <a:rPr lang="en-GB" altLang="fr-FR" dirty="0" err="1"/>
-              <a:t>nombre</a:t>
-            </a:r>
-            <a:r>
-              <a:rPr lang="en-GB" altLang="fr-FR" dirty="0"/>
-              <a:t>, tuples de string et </a:t>
-            </a:r>
-            <a:r>
-              <a:rPr lang="en-GB" altLang="fr-FR" dirty="0" err="1"/>
-              <a:t>nombre</a:t>
-            </a:r>
-            <a:endParaRPr lang="en-GB" altLang="fr-FR" dirty="0"/>
-          </a:p>
-          <a:p>
-            <a:pPr eaLnBrk="1" hangingPunct="1"/>
-            <a:r>
-              <a:rPr lang="en-GB" altLang="fr-FR" dirty="0" err="1"/>
-              <a:t>Très</a:t>
-            </a:r>
-            <a:r>
-              <a:rPr lang="en-GB" altLang="fr-FR" dirty="0"/>
-              <a:t> </a:t>
-            </a:r>
-            <a:r>
-              <a:rPr lang="en-GB" altLang="fr-FR" dirty="0" err="1"/>
-              <a:t>rapide</a:t>
-            </a:r>
-            <a:endParaRPr lang="en-GB" altLang="fr-FR" dirty="0"/>
-          </a:p>
-          <a:p>
-            <a:pPr lvl="1" eaLnBrk="1" hangingPunct="1"/>
-            <a:r>
-              <a:rPr lang="en-GB" altLang="fr-FR" dirty="0" err="1"/>
-              <a:t>Algorithme</a:t>
-            </a:r>
-            <a:r>
-              <a:rPr lang="en-GB" altLang="fr-FR" dirty="0"/>
-              <a:t> de </a:t>
-            </a:r>
-            <a:r>
-              <a:rPr lang="en-GB" altLang="fr-FR" dirty="0" err="1"/>
-              <a:t>hachage</a:t>
-            </a:r>
-            <a:endParaRPr lang="en-GB" altLang="fr-FR" dirty="0"/>
-          </a:p>
-          <a:p>
-            <a:pPr lvl="1" eaLnBrk="1" hangingPunct="1"/>
-            <a:r>
-              <a:rPr lang="en-GB" altLang="fr-FR" dirty="0" err="1"/>
-              <a:t>Perte</a:t>
-            </a:r>
-            <a:r>
-              <a:rPr lang="en-GB" altLang="fr-FR" dirty="0"/>
-              <a:t> de </a:t>
-            </a:r>
-            <a:r>
-              <a:rPr lang="en-GB" altLang="fr-FR" dirty="0" err="1"/>
-              <a:t>l’ordre</a:t>
-            </a:r>
-            <a:r>
-              <a:rPr lang="en-GB" altLang="fr-FR" dirty="0"/>
-              <a:t> </a:t>
-            </a:r>
-            <a:r>
-              <a:rPr lang="en-GB" altLang="fr-FR" dirty="0" err="1"/>
-              <a:t>sauf</a:t>
-            </a:r>
-            <a:r>
-              <a:rPr lang="en-GB" altLang="fr-FR" dirty="0"/>
-              <a:t> pour </a:t>
-            </a:r>
-            <a:r>
-              <a:rPr lang="en-GB" altLang="fr-FR" dirty="0" err="1"/>
-              <a:t>collections.OrderedDict</a:t>
-            </a:r>
-            <a:endParaRPr lang="en-GB" altLang="fr-FR" dirty="0"/>
-          </a:p>
-          <a:p>
-            <a:endParaRPr lang="fr-FR" dirty="0"/>
-          </a:p>
-        </p:txBody>
-      </p:sp>
-    </p:spTree>
-    <p:extLst>
-      <p:ext uri="{BB962C8B-B14F-4D97-AF65-F5344CB8AC3E}">
-        <p14:creationId xmlns:p14="http://schemas.microsoft.com/office/powerpoint/2010/main" val="3515866077"/>
-      </p:ext>
-    </p:extLst>
-  </p:cSld>
-  <p:clrMapOvr>
-    <a:masterClrMapping/>
-  </p:clrMapOvr>
-  <p:timing>
-    <p:tnLst>
-      <p:par>
-        <p:cTn id="1" dur="indefinite" restart="never" nodeType="tmRoot"/>
-      </p:par>
-    </p:tnLst>
-  </p:timing>
-</p:sld>
-</file>
-
-<file path=ppt/slides/slide19.xml><?xml version="1.0" encoding="utf-8"?>
-<p:sld xmlns:a="http://schemas.openxmlformats.org/drawingml/2006/main" xmlns:r="http://schemas.openxmlformats.org/officeDocument/2006/relationships" xmlns:p="http://schemas.openxmlformats.org/presentationml/2006/main">
-  <p:cSld>
-    <p:spTree>
-      <p:nvGrpSpPr>
-        <p:cNvPr id="1" name=""/>
-        <p:cNvGrpSpPr/>
-        <p:nvPr/>
-      </p:nvGrpSpPr>
-      <p:grpSpPr>
-        <a:xfrm>
-          <a:off x="0" y="0"/>
-          <a:ext cx="0" cy="0"/>
-          <a:chOff x="0" y="0"/>
-          <a:chExt cx="0" cy="0"/>
-        </a:xfrm>
-      </p:grpSpPr>
-      <p:sp>
-        <p:nvSpPr>
-          <p:cNvPr id="2" name="Titre 1"/>
-          <p:cNvSpPr>
-            <a:spLocks noGrp="1"/>
-          </p:cNvSpPr>
-          <p:nvPr>
-            <p:ph type="title"/>
-          </p:nvPr>
-        </p:nvSpPr>
-        <p:spPr/>
-        <p:txBody>
-          <a:bodyPr/>
-          <a:lstStyle/>
-          <a:p>
-            <a:r>
-              <a:rPr lang="fr-FR" dirty="0"/>
-              <a:t>Opérations de dictionnaire</a:t>
-            </a:r>
-          </a:p>
-        </p:txBody>
-      </p:sp>
-      <p:pic>
-        <p:nvPicPr>
-          <p:cNvPr id="4" name="Picture 6" descr="D:\python\sv4884902.gif"/>
-          <p:cNvPicPr>
-            <a:picLocks noChangeAspect="1" noChangeArrowheads="1"/>
-          </p:cNvPicPr>
-          <p:nvPr/>
-        </p:nvPicPr>
-        <p:blipFill>
-          <a:blip r:embed="rId2">
-            <a:extLst>
-              <a:ext uri="{28A0092B-C50C-407E-A947-70E740481C1C}">
-                <a14:useLocalDpi xmlns:a14="http://schemas.microsoft.com/office/drawing/2010/main" val="0"/>
-              </a:ext>
-            </a:extLst>
-          </a:blip>
-          <a:srcRect/>
-          <a:stretch>
-            <a:fillRect/>
-          </a:stretch>
-        </p:blipFill>
-        <p:spPr bwMode="auto">
-          <a:xfrm>
-            <a:off x="1362137" y="1388375"/>
-            <a:ext cx="6400800" cy="4200865"/>
-          </a:xfrm>
-          <a:prstGeom prst="rect">
-            <a:avLst/>
-          </a:prstGeom>
-          <a:noFill/>
-          <a:ln>
-            <a:noFill/>
-          </a:ln>
-          <a:extLst>
-            <a:ext uri="{909E8E84-426E-40DD-AFC4-6F175D3DCCD1}">
-              <a14:hiddenFill xmlns:a14="http://schemas.microsoft.com/office/drawing/2010/main">
-                <a:solidFill>
-                  <a:srgbClr val="FFFFFF"/>
-                </a:solidFill>
-              </a14:hiddenFill>
-            </a:ext>
-            <a:ext uri="{91240B29-F687-4F45-9708-019B960494DF}">
-              <a14:hiddenLine xmlns:a14="http://schemas.microsoft.com/office/drawing/2010/main" w="9525">
-                <a:solidFill>
-                  <a:srgbClr val="000000"/>
-                </a:solidFill>
-                <a:miter lim="800000"/>
-                <a:headEnd/>
-                <a:tailEnd/>
-              </a14:hiddenLine>
-            </a:ext>
-          </a:extLst>
-        </p:spPr>
-      </p:pic>
-      <p:sp>
-        <p:nvSpPr>
-          <p:cNvPr id="5" name="Espace réservé du contenu 2"/>
-          <p:cNvSpPr>
-            <a:spLocks noGrp="1"/>
-          </p:cNvSpPr>
-          <p:nvPr>
-            <p:ph idx="1"/>
-          </p:nvPr>
-        </p:nvSpPr>
-        <p:spPr>
-          <a:xfrm>
-            <a:off x="899592" y="5821406"/>
-            <a:ext cx="8766051" cy="864096"/>
-          </a:xfrm>
-        </p:spPr>
-        <p:txBody>
-          <a:bodyPr/>
-          <a:lstStyle/>
-          <a:p>
-            <a:pPr marL="0" indent="0" eaLnBrk="1" hangingPunct="1">
-              <a:buNone/>
-            </a:pPr>
-            <a:r>
-              <a:rPr lang="en-GB" altLang="fr-FR" dirty="0" err="1"/>
-              <a:t>has_keys</a:t>
-            </a:r>
-            <a:r>
-              <a:rPr lang="en-GB" altLang="fr-FR" dirty="0"/>
-              <a:t> </a:t>
-            </a:r>
-            <a:r>
-              <a:rPr lang="en-GB" altLang="fr-FR" dirty="0" err="1"/>
-              <a:t>remplacé</a:t>
-            </a:r>
-            <a:r>
-              <a:rPr lang="en-GB" altLang="fr-FR" dirty="0"/>
-              <a:t> par in </a:t>
-            </a:r>
-            <a:r>
-              <a:rPr lang="en-GB" altLang="fr-FR" dirty="0" err="1"/>
-              <a:t>en</a:t>
-            </a:r>
-            <a:r>
-              <a:rPr lang="en-GB" altLang="fr-FR" dirty="0"/>
-              <a:t> python 3</a:t>
-            </a:r>
-            <a:endParaRPr lang="fr-FR" dirty="0"/>
-          </a:p>
-        </p:txBody>
-      </p:sp>
-    </p:spTree>
-    <p:extLst>
-      <p:ext uri="{BB962C8B-B14F-4D97-AF65-F5344CB8AC3E}">
-        <p14:creationId xmlns:p14="http://schemas.microsoft.com/office/powerpoint/2010/main" val="1173407600"/>
-      </p:ext>
-    </p:extLst>
-  </p:cSld>
-  <p:clrMapOvr>
-    <a:masterClrMapping/>
-  </p:clrMapOvr>
-  <p:timing>
-    <p:tnLst>
-      <p:par>
-        <p:cTn id="1" dur="indefinite" restart="never" nodeType="tmRoot">
-          <p:childTnLst>
-            <p:seq concurrent="1" nextAc="seek">
-              <p:cTn id="2" dur="indefinite" nodeType="mainSeq">
-                <p:childTnLst>
-                  <p:par>
-                    <p:cTn id="3" fill="hold">
-                      <p:stCondLst>
-                        <p:cond delay="indefinite"/>
-                        <p:cond evt="onBegin" delay="0">
-                          <p:tn val="2"/>
-                        </p:cond>
-                      </p:stCondLst>
-                      <p:childTnLst>
-                        <p:par>
-                          <p:cTn id="4" fill="hold">
-                            <p:stCondLst>
-                              <p:cond delay="0"/>
-                            </p:stCondLst>
-                            <p:childTnLst>
-                              <p:par>
-                                <p:cTn id="5" presetID="4" presetClass="entr" presetSubtype="32" fill="hold" nodeType="afterEffect">
-                                  <p:stCondLst>
-                                    <p:cond delay="0"/>
-                                  </p:stCondLst>
-                                  <p:childTnLst>
-                                    <p:set>
-                                      <p:cBhvr>
-                                        <p:cTn id="6" dur="1" fill="hold">
-                                          <p:stCondLst>
-                                            <p:cond delay="0"/>
-                                          </p:stCondLst>
-                                        </p:cTn>
-                                        <p:tgtEl>
-                                          <p:spTgt spid="4"/>
-                                        </p:tgtEl>
-                                        <p:attrNameLst>
-                                          <p:attrName>style.visibility</p:attrName>
-                                        </p:attrNameLst>
-                                      </p:cBhvr>
-                                      <p:to>
-                                        <p:strVal val="visible"/>
-                                      </p:to>
-                                    </p:set>
-                                    <p:animEffect transition="in" filter="box(out)">
-                                      <p:cBhvr>
-                                        <p:cTn id="7" dur="500"/>
-                                        <p:tgtEl>
-                                          <p:spTgt spid="4"/>
-                                        </p:tgtEl>
-                                      </p:cBhvr>
-                                    </p:animEffect>
-                                  </p:childTnLst>
-                                </p:cTn>
-                              </p:par>
-                            </p:childTnLst>
-                          </p:cTn>
-                        </p:par>
-                      </p:childTnLst>
-                    </p:cTn>
-                  </p:par>
-                </p:childTnLst>
-              </p:cTn>
-              <p:prevCondLst>
-                <p:cond evt="onPrev" delay="0">
-                  <p:tgtEl>
-                    <p:sldTgt/>
-                  </p:tgtEl>
-                </p:cond>
-              </p:prevCondLst>
-              <p:nextCondLst>
-                <p:cond evt="onNext" delay="0">
-                  <p:tgtEl>
-                    <p:sldTgt/>
-                  </p:tgtEl>
-                </p:cond>
-              </p:nextCondLst>
-            </p:seq>
-          </p:childTnLst>
-        </p:cTn>
-      </p:par>
-    </p:tnLst>
-  </p:timing>
-</p:sld>
-</file>
-
-<file path=ppt/slides/slide2.xml><?xml version="1.0" encoding="utf-8"?>
-<p:sld xmlns:a="http://schemas.openxmlformats.org/drawingml/2006/main" xmlns:r="http://schemas.openxmlformats.org/officeDocument/2006/relationships" xmlns:p="http://schemas.openxmlformats.org/presentationml/2006/main">
-  <p:cSld>
-    <p:spTree>
-      <p:nvGrpSpPr>
-        <p:cNvPr id="1" name=""/>
-        <p:cNvGrpSpPr/>
-        <p:nvPr/>
-      </p:nvGrpSpPr>
-      <p:grpSpPr>
-        <a:xfrm>
-          <a:off x="0" y="0"/>
-          <a:ext cx="0" cy="0"/>
-          <a:chOff x="0" y="0"/>
-          <a:chExt cx="0" cy="0"/>
-        </a:xfrm>
-      </p:grpSpPr>
-      <p:sp>
-        <p:nvSpPr>
-          <p:cNvPr id="2" name="Titre 1"/>
-          <p:cNvSpPr>
-            <a:spLocks noGrp="1"/>
-          </p:cNvSpPr>
-          <p:nvPr>
-            <p:ph type="title"/>
-          </p:nvPr>
-        </p:nvSpPr>
-        <p:spPr/>
-        <p:txBody>
-          <a:bodyPr/>
-          <a:lstStyle/>
-          <a:p>
-            <a:r>
-              <a:rPr lang="fr-FR" dirty="0"/>
-              <a:t>Les listes</a:t>
-            </a:r>
-          </a:p>
-        </p:txBody>
-      </p:sp>
-      <p:sp>
-        <p:nvSpPr>
-          <p:cNvPr id="3" name="Espace réservé du contenu 2"/>
-          <p:cNvSpPr>
-            <a:spLocks noGrp="1"/>
-          </p:cNvSpPr>
-          <p:nvPr>
-            <p:ph idx="1"/>
-          </p:nvPr>
-        </p:nvSpPr>
-        <p:spPr/>
-        <p:txBody>
-          <a:bodyPr/>
-          <a:lstStyle/>
-          <a:p>
-            <a:pPr eaLnBrk="1" hangingPunct="1">
-              <a:lnSpc>
-                <a:spcPct val="90000"/>
-              </a:lnSpc>
-            </a:pPr>
-            <a:r>
-              <a:rPr lang="en-GB" altLang="fr-FR" dirty="0"/>
-              <a:t>Il </a:t>
-            </a:r>
-            <a:r>
-              <a:rPr lang="en-GB" altLang="fr-FR" dirty="0" err="1"/>
-              <a:t>s’agit</a:t>
-            </a:r>
-            <a:r>
-              <a:rPr lang="en-GB" altLang="fr-FR" dirty="0"/>
-              <a:t> </a:t>
-            </a:r>
-            <a:r>
-              <a:rPr lang="en-GB" altLang="fr-FR" dirty="0" err="1"/>
-              <a:t>d’une</a:t>
-            </a:r>
-            <a:r>
-              <a:rPr lang="en-GB" altLang="fr-FR" dirty="0"/>
-              <a:t> collection </a:t>
-            </a:r>
-            <a:r>
-              <a:rPr lang="en-GB" altLang="fr-FR" dirty="0" err="1"/>
-              <a:t>d’objets</a:t>
-            </a:r>
-            <a:endParaRPr lang="en-GB" altLang="fr-FR" dirty="0"/>
-          </a:p>
-          <a:p>
-            <a:pPr lvl="1" eaLnBrk="1" hangingPunct="1">
-              <a:lnSpc>
-                <a:spcPct val="90000"/>
-              </a:lnSpc>
-            </a:pPr>
-            <a:r>
-              <a:rPr lang="en-GB" altLang="fr-FR" dirty="0" err="1"/>
-              <a:t>une</a:t>
-            </a:r>
-            <a:r>
-              <a:rPr lang="en-GB" altLang="fr-FR" dirty="0"/>
-              <a:t> </a:t>
-            </a:r>
-            <a:r>
-              <a:rPr lang="en-GB" altLang="fr-FR" dirty="0" err="1"/>
-              <a:t>liste</a:t>
-            </a:r>
-            <a:r>
-              <a:rPr lang="en-GB" altLang="fr-FR" dirty="0"/>
-              <a:t> de </a:t>
-            </a:r>
-            <a:r>
-              <a:rPr lang="en-GB" altLang="fr-FR" dirty="0" err="1"/>
-              <a:t>valeurs</a:t>
-            </a:r>
-            <a:r>
-              <a:rPr lang="en-GB" altLang="fr-FR" dirty="0"/>
-              <a:t> (</a:t>
-            </a:r>
-            <a:r>
-              <a:rPr lang="en-GB" altLang="fr-FR" dirty="0" err="1"/>
-              <a:t>ou</a:t>
-            </a:r>
-            <a:r>
-              <a:rPr lang="en-GB" altLang="fr-FR" dirty="0"/>
-              <a:t> </a:t>
-            </a:r>
-            <a:r>
-              <a:rPr lang="en-GB" altLang="fr-FR" dirty="0" err="1"/>
-              <a:t>éléments</a:t>
-            </a:r>
-            <a:r>
-              <a:rPr lang="en-GB" altLang="fr-FR" dirty="0"/>
-              <a:t>) entre crochets </a:t>
-            </a:r>
-            <a:r>
-              <a:rPr lang="en-GB" altLang="fr-FR" dirty="0" err="1"/>
-              <a:t>séparés</a:t>
-            </a:r>
-            <a:r>
-              <a:rPr lang="en-GB" altLang="fr-FR" dirty="0"/>
-              <a:t> par des virgules.</a:t>
-            </a:r>
-          </a:p>
-          <a:p>
-            <a:pPr lvl="1" eaLnBrk="1" hangingPunct="1">
-              <a:lnSpc>
-                <a:spcPct val="90000"/>
-              </a:lnSpc>
-            </a:pPr>
-            <a:r>
-              <a:rPr lang="en-GB" altLang="fr-FR" dirty="0"/>
-              <a:t>Les </a:t>
-            </a:r>
-            <a:r>
-              <a:rPr lang="en-GB" altLang="fr-FR" dirty="0" err="1"/>
-              <a:t>éléments</a:t>
-            </a:r>
-            <a:r>
-              <a:rPr lang="en-GB" altLang="fr-FR" dirty="0"/>
-              <a:t> de la </a:t>
-            </a:r>
-            <a:r>
-              <a:rPr lang="en-GB" altLang="fr-FR" dirty="0" err="1"/>
-              <a:t>liste</a:t>
-            </a:r>
-            <a:r>
-              <a:rPr lang="en-GB" altLang="fr-FR" dirty="0"/>
-              <a:t> </a:t>
-            </a:r>
-            <a:r>
-              <a:rPr lang="en-GB" altLang="fr-FR" dirty="0" err="1"/>
-              <a:t>n’ont</a:t>
-            </a:r>
-            <a:r>
-              <a:rPr lang="en-GB" altLang="fr-FR" dirty="0"/>
-              <a:t> pas </a:t>
-            </a:r>
-            <a:r>
-              <a:rPr lang="en-GB" altLang="fr-FR" dirty="0" err="1"/>
-              <a:t>nécessairement</a:t>
-            </a:r>
-            <a:r>
-              <a:rPr lang="en-GB" altLang="fr-FR" dirty="0"/>
-              <a:t> le </a:t>
-            </a:r>
-            <a:r>
-              <a:rPr lang="en-GB" altLang="fr-FR" dirty="0" err="1"/>
-              <a:t>même</a:t>
-            </a:r>
-            <a:r>
-              <a:rPr lang="en-GB" altLang="fr-FR" dirty="0"/>
-              <a:t> type</a:t>
-            </a:r>
-          </a:p>
-          <a:p>
-            <a:pPr lvl="1" eaLnBrk="1" hangingPunct="1">
-              <a:lnSpc>
-                <a:spcPct val="90000"/>
-              </a:lnSpc>
-            </a:pPr>
-            <a:r>
-              <a:rPr lang="en-GB" altLang="fr-FR" dirty="0" err="1"/>
-              <a:t>Voici</a:t>
-            </a:r>
-            <a:r>
-              <a:rPr lang="en-GB" altLang="fr-FR" dirty="0"/>
-              <a:t> </a:t>
-            </a:r>
-            <a:r>
-              <a:rPr lang="en-GB" altLang="fr-FR" dirty="0" err="1"/>
-              <a:t>une</a:t>
-            </a:r>
-            <a:r>
-              <a:rPr lang="en-GB" altLang="fr-FR" dirty="0"/>
-              <a:t> </a:t>
-            </a:r>
-            <a:r>
-              <a:rPr lang="en-GB" altLang="fr-FR" dirty="0" err="1"/>
-              <a:t>liste</a:t>
-            </a:r>
-            <a:r>
-              <a:rPr lang="en-GB" altLang="fr-FR" dirty="0"/>
-              <a:t> de 4 </a:t>
-            </a:r>
-            <a:r>
-              <a:rPr lang="en-GB" altLang="fr-FR" dirty="0" err="1"/>
-              <a:t>éléments</a:t>
-            </a:r>
-            <a:endParaRPr lang="en-GB" altLang="fr-FR" dirty="0"/>
-          </a:p>
-          <a:p>
-            <a:pPr lvl="1" eaLnBrk="1" hangingPunct="1">
-              <a:lnSpc>
-                <a:spcPct val="90000"/>
-              </a:lnSpc>
-            </a:pPr>
-            <a:r>
-              <a:rPr lang="en-GB" altLang="fr-FR" dirty="0"/>
-              <a:t>&gt;&gt;&gt;a = [‘spam’, ‘eggs’,100,1234]				  </a:t>
-            </a:r>
-          </a:p>
-          <a:p>
-            <a:pPr eaLnBrk="1" hangingPunct="1">
-              <a:lnSpc>
-                <a:spcPct val="90000"/>
-              </a:lnSpc>
-            </a:pPr>
-            <a:r>
-              <a:rPr lang="en-GB" altLang="fr-FR" dirty="0" err="1"/>
-              <a:t>Comme</a:t>
-            </a:r>
-            <a:r>
-              <a:rPr lang="en-GB" altLang="fr-FR" dirty="0"/>
-              <a:t> les indices des </a:t>
-            </a:r>
-            <a:r>
-              <a:rPr lang="en-GB" altLang="fr-FR" dirty="0" err="1"/>
-              <a:t>chaînes</a:t>
-            </a:r>
-            <a:r>
-              <a:rPr lang="en-GB" altLang="fr-FR" dirty="0"/>
-              <a:t>, les indices des </a:t>
-            </a:r>
-            <a:r>
-              <a:rPr lang="en-GB" altLang="fr-FR" dirty="0" err="1"/>
-              <a:t>listes</a:t>
-            </a:r>
-            <a:r>
-              <a:rPr lang="en-GB" altLang="fr-FR" dirty="0"/>
-              <a:t> </a:t>
-            </a:r>
-            <a:r>
-              <a:rPr lang="en-GB" altLang="fr-FR" dirty="0" err="1"/>
-              <a:t>commencent</a:t>
-            </a:r>
-            <a:r>
-              <a:rPr lang="en-GB" altLang="fr-FR" dirty="0"/>
-              <a:t> à 0, et les </a:t>
-            </a:r>
-            <a:r>
-              <a:rPr lang="en-GB" altLang="fr-FR" dirty="0" err="1"/>
-              <a:t>listes</a:t>
-            </a:r>
-            <a:r>
-              <a:rPr lang="en-GB" altLang="fr-FR" dirty="0"/>
-              <a:t> </a:t>
-            </a:r>
-            <a:r>
-              <a:rPr lang="en-GB" altLang="fr-FR" dirty="0" err="1"/>
-              <a:t>peuvent</a:t>
-            </a:r>
-            <a:r>
-              <a:rPr lang="en-GB" altLang="fr-FR" dirty="0"/>
-              <a:t> </a:t>
-            </a:r>
-            <a:r>
-              <a:rPr lang="en-GB" altLang="fr-FR" dirty="0" err="1"/>
-              <a:t>étre</a:t>
-            </a:r>
-            <a:r>
-              <a:rPr lang="en-GB" altLang="fr-FR" dirty="0"/>
-              <a:t> </a:t>
-            </a:r>
-            <a:r>
-              <a:rPr lang="en-GB" altLang="fr-FR" dirty="0" err="1"/>
-              <a:t>découpées</a:t>
-            </a:r>
-            <a:r>
-              <a:rPr lang="en-GB" altLang="fr-FR" dirty="0"/>
-              <a:t>, </a:t>
-            </a:r>
-            <a:r>
-              <a:rPr lang="en-GB" altLang="fr-FR" dirty="0" err="1"/>
-              <a:t>concaténées</a:t>
-            </a:r>
-            <a:endParaRPr lang="en-GB" altLang="fr-FR" dirty="0"/>
-          </a:p>
-          <a:p>
-            <a:pPr eaLnBrk="1" hangingPunct="1">
-              <a:lnSpc>
-                <a:spcPct val="90000"/>
-              </a:lnSpc>
-            </a:pPr>
-            <a:r>
-              <a:rPr lang="en-GB" altLang="fr-FR" dirty="0"/>
-              <a:t>Les </a:t>
-            </a:r>
-            <a:r>
-              <a:rPr lang="en-GB" altLang="fr-FR" dirty="0" err="1"/>
-              <a:t>listes</a:t>
-            </a:r>
-            <a:r>
-              <a:rPr lang="en-GB" altLang="fr-FR" dirty="0"/>
-              <a:t> </a:t>
-            </a:r>
-            <a:r>
-              <a:rPr lang="en-GB" altLang="fr-FR" dirty="0" err="1"/>
-              <a:t>sont</a:t>
-            </a:r>
-            <a:r>
-              <a:rPr lang="en-GB" altLang="fr-FR" b="1" dirty="0"/>
-              <a:t> </a:t>
-            </a:r>
-            <a:r>
-              <a:rPr lang="en-GB" altLang="fr-FR" b="1" dirty="0" err="1"/>
-              <a:t>modifiables</a:t>
-            </a:r>
-            <a:r>
-              <a:rPr lang="en-GB" altLang="fr-FR" dirty="0" err="1"/>
-              <a:t>,on</a:t>
-            </a:r>
-            <a:r>
-              <a:rPr lang="en-GB" altLang="fr-FR" dirty="0"/>
-              <a:t> </a:t>
-            </a:r>
-            <a:r>
-              <a:rPr lang="en-GB" altLang="fr-FR" dirty="0" err="1"/>
-              <a:t>peut</a:t>
-            </a:r>
-            <a:r>
-              <a:rPr lang="en-GB" altLang="fr-FR" dirty="0"/>
-              <a:t> </a:t>
-            </a:r>
-            <a:r>
-              <a:rPr lang="en-GB" altLang="fr-FR" dirty="0" err="1"/>
-              <a:t>donc</a:t>
-            </a:r>
-            <a:r>
-              <a:rPr lang="en-GB" altLang="fr-FR" dirty="0"/>
-              <a:t> changer les </a:t>
-            </a:r>
-            <a:r>
-              <a:rPr lang="en-GB" altLang="fr-FR" dirty="0" err="1"/>
-              <a:t>éléments</a:t>
-            </a:r>
-            <a:r>
-              <a:rPr lang="en-GB" altLang="fr-FR" dirty="0"/>
-              <a:t> </a:t>
-            </a:r>
-            <a:r>
-              <a:rPr lang="en-GB" altLang="fr-FR" dirty="0" err="1"/>
-              <a:t>individuellement</a:t>
-            </a:r>
-            <a:endParaRPr lang="fr-FR" dirty="0"/>
-          </a:p>
-        </p:txBody>
-      </p:sp>
-    </p:spTree>
-    <p:extLst>
-      <p:ext uri="{BB962C8B-B14F-4D97-AF65-F5344CB8AC3E}">
-        <p14:creationId xmlns:p14="http://schemas.microsoft.com/office/powerpoint/2010/main" val="613000178"/>
-      </p:ext>
-    </p:extLst>
-  </p:cSld>
-  <p:clrMapOvr>
-    <a:masterClrMapping/>
-  </p:clrMapOvr>
-  <p:timing>
-    <p:tnLst>
-      <p:par>
-        <p:cTn id="1" dur="indefinite" restart="never" nodeType="tmRoot"/>
-      </p:par>
-    </p:tnLst>
-  </p:timing>
-</p:sld>
-</file>
-
-<file path=ppt/slides/slide20.xml><?xml version="1.0" encoding="utf-8"?>
-<p:sld xmlns:a="http://schemas.openxmlformats.org/drawingml/2006/main" xmlns:r="http://schemas.openxmlformats.org/officeDocument/2006/relationships" xmlns:p="http://schemas.openxmlformats.org/presentationml/2006/main">
-  <p:cSld>
-    <p:spTree>
-      <p:nvGrpSpPr>
-        <p:cNvPr id="1" name=""/>
-        <p:cNvGrpSpPr/>
-        <p:nvPr/>
-      </p:nvGrpSpPr>
-      <p:grpSpPr>
-        <a:xfrm>
-          <a:off x="0" y="0"/>
-          <a:ext cx="0" cy="0"/>
-          <a:chOff x="0" y="0"/>
-          <a:chExt cx="0" cy="0"/>
-        </a:xfrm>
-      </p:grpSpPr>
-      <p:sp>
-        <p:nvSpPr>
-          <p:cNvPr id="2" name="Titre 1"/>
-          <p:cNvSpPr>
-            <a:spLocks noGrp="1"/>
-          </p:cNvSpPr>
-          <p:nvPr>
-            <p:ph type="title"/>
-          </p:nvPr>
-        </p:nvSpPr>
-        <p:spPr/>
-        <p:txBody>
-          <a:bodyPr/>
-          <a:lstStyle/>
-          <a:p>
-            <a:r>
-              <a:rPr lang="fr-FR" dirty="0"/>
               <a:t>Exemple</a:t>
             </a:r>
           </a:p>
@@ -12076,7 +11379,7 @@
 </p:sld>
 </file>
 
-<file path=ppt/slides/slide21.xml><?xml version="1.0" encoding="utf-8"?>
+<file path=ppt/slides/slide19.xml><?xml version="1.0" encoding="utf-8"?>
 <p:sld xmlns:a="http://schemas.openxmlformats.org/drawingml/2006/main" xmlns:r="http://schemas.openxmlformats.org/officeDocument/2006/relationships" xmlns:p="http://schemas.openxmlformats.org/presentationml/2006/main">
   <p:cSld>
     <p:spTree>
@@ -12318,7 +11621,411 @@
 </p:sld>
 </file>
 
-<file path=ppt/slides/slide22.xml><?xml version="1.0" encoding="utf-8"?>
+<file path=ppt/slides/slide2.xml><?xml version="1.0" encoding="utf-8"?>
+<p:sld xmlns:a="http://schemas.openxmlformats.org/drawingml/2006/main" xmlns:r="http://schemas.openxmlformats.org/officeDocument/2006/relationships" xmlns:p="http://schemas.openxmlformats.org/presentationml/2006/main">
+  <p:cSld>
+    <p:spTree>
+      <p:nvGrpSpPr>
+        <p:cNvPr id="1" name=""/>
+        <p:cNvGrpSpPr/>
+        <p:nvPr/>
+      </p:nvGrpSpPr>
+      <p:grpSpPr>
+        <a:xfrm>
+          <a:off x="0" y="0"/>
+          <a:ext cx="0" cy="0"/>
+          <a:chOff x="0" y="0"/>
+          <a:chExt cx="0" cy="0"/>
+        </a:xfrm>
+      </p:grpSpPr>
+      <p:sp>
+        <p:nvSpPr>
+          <p:cNvPr id="2" name="Titre 1"/>
+          <p:cNvSpPr>
+            <a:spLocks noGrp="1"/>
+          </p:cNvSpPr>
+          <p:nvPr>
+            <p:ph type="title"/>
+          </p:nvPr>
+        </p:nvSpPr>
+        <p:spPr/>
+        <p:txBody>
+          <a:bodyPr/>
+          <a:lstStyle/>
+          <a:p>
+            <a:r>
+              <a:rPr lang="fr-FR" dirty="0"/>
+              <a:t>Les listes</a:t>
+            </a:r>
+          </a:p>
+        </p:txBody>
+      </p:sp>
+      <p:sp>
+        <p:nvSpPr>
+          <p:cNvPr id="3" name="Espace réservé du contenu 2"/>
+          <p:cNvSpPr>
+            <a:spLocks noGrp="1"/>
+          </p:cNvSpPr>
+          <p:nvPr>
+            <p:ph idx="1"/>
+          </p:nvPr>
+        </p:nvSpPr>
+        <p:spPr/>
+        <p:txBody>
+          <a:bodyPr/>
+          <a:lstStyle/>
+          <a:p>
+            <a:pPr eaLnBrk="1" hangingPunct="1">
+              <a:lnSpc>
+                <a:spcPct val="90000"/>
+              </a:lnSpc>
+            </a:pPr>
+            <a:r>
+              <a:rPr lang="en-GB" altLang="fr-FR" dirty="0"/>
+              <a:t>Il </a:t>
+            </a:r>
+            <a:r>
+              <a:rPr lang="en-GB" altLang="fr-FR" dirty="0" err="1"/>
+              <a:t>s’agit</a:t>
+            </a:r>
+            <a:r>
+              <a:rPr lang="en-GB" altLang="fr-FR" dirty="0"/>
+              <a:t> </a:t>
+            </a:r>
+            <a:r>
+              <a:rPr lang="en-GB" altLang="fr-FR" dirty="0" err="1"/>
+              <a:t>d’une</a:t>
+            </a:r>
+            <a:r>
+              <a:rPr lang="en-GB" altLang="fr-FR" dirty="0"/>
+              <a:t> collection </a:t>
+            </a:r>
+            <a:r>
+              <a:rPr lang="en-GB" altLang="fr-FR" dirty="0" err="1"/>
+              <a:t>d’objets</a:t>
+            </a:r>
+            <a:endParaRPr lang="en-GB" altLang="fr-FR" dirty="0"/>
+          </a:p>
+          <a:p>
+            <a:pPr lvl="1" eaLnBrk="1" hangingPunct="1">
+              <a:lnSpc>
+                <a:spcPct val="90000"/>
+              </a:lnSpc>
+            </a:pPr>
+            <a:r>
+              <a:rPr lang="en-GB" altLang="fr-FR" dirty="0" err="1"/>
+              <a:t>une</a:t>
+            </a:r>
+            <a:r>
+              <a:rPr lang="en-GB" altLang="fr-FR" dirty="0"/>
+              <a:t> </a:t>
+            </a:r>
+            <a:r>
+              <a:rPr lang="en-GB" altLang="fr-FR" dirty="0" err="1"/>
+              <a:t>liste</a:t>
+            </a:r>
+            <a:r>
+              <a:rPr lang="en-GB" altLang="fr-FR" dirty="0"/>
+              <a:t> de </a:t>
+            </a:r>
+            <a:r>
+              <a:rPr lang="en-GB" altLang="fr-FR" dirty="0" err="1"/>
+              <a:t>valeurs</a:t>
+            </a:r>
+            <a:r>
+              <a:rPr lang="en-GB" altLang="fr-FR" dirty="0"/>
+              <a:t> (</a:t>
+            </a:r>
+            <a:r>
+              <a:rPr lang="en-GB" altLang="fr-FR" dirty="0" err="1"/>
+              <a:t>ou</a:t>
+            </a:r>
+            <a:r>
+              <a:rPr lang="en-GB" altLang="fr-FR" dirty="0"/>
+              <a:t> </a:t>
+            </a:r>
+            <a:r>
+              <a:rPr lang="en-GB" altLang="fr-FR" dirty="0" err="1"/>
+              <a:t>éléments</a:t>
+            </a:r>
+            <a:r>
+              <a:rPr lang="en-GB" altLang="fr-FR" dirty="0"/>
+              <a:t>) entre crochets </a:t>
+            </a:r>
+            <a:r>
+              <a:rPr lang="en-GB" altLang="fr-FR" dirty="0" err="1"/>
+              <a:t>séparés</a:t>
+            </a:r>
+            <a:r>
+              <a:rPr lang="en-GB" altLang="fr-FR" dirty="0"/>
+              <a:t> par des virgules.</a:t>
+            </a:r>
+          </a:p>
+          <a:p>
+            <a:pPr lvl="1" eaLnBrk="1" hangingPunct="1">
+              <a:lnSpc>
+                <a:spcPct val="90000"/>
+              </a:lnSpc>
+            </a:pPr>
+            <a:r>
+              <a:rPr lang="en-GB" altLang="fr-FR" dirty="0"/>
+              <a:t>Les </a:t>
+            </a:r>
+            <a:r>
+              <a:rPr lang="en-GB" altLang="fr-FR" dirty="0" err="1"/>
+              <a:t>éléments</a:t>
+            </a:r>
+            <a:r>
+              <a:rPr lang="en-GB" altLang="fr-FR" dirty="0"/>
+              <a:t> de la </a:t>
+            </a:r>
+            <a:r>
+              <a:rPr lang="en-GB" altLang="fr-FR" dirty="0" err="1"/>
+              <a:t>liste</a:t>
+            </a:r>
+            <a:r>
+              <a:rPr lang="en-GB" altLang="fr-FR" dirty="0"/>
+              <a:t> </a:t>
+            </a:r>
+            <a:r>
+              <a:rPr lang="en-GB" altLang="fr-FR" dirty="0" err="1"/>
+              <a:t>n’ont</a:t>
+            </a:r>
+            <a:r>
+              <a:rPr lang="en-GB" altLang="fr-FR" dirty="0"/>
+              <a:t> pas </a:t>
+            </a:r>
+            <a:r>
+              <a:rPr lang="en-GB" altLang="fr-FR" dirty="0" err="1"/>
+              <a:t>nécessairement</a:t>
+            </a:r>
+            <a:r>
+              <a:rPr lang="en-GB" altLang="fr-FR" dirty="0"/>
+              <a:t> le </a:t>
+            </a:r>
+            <a:r>
+              <a:rPr lang="en-GB" altLang="fr-FR" dirty="0" err="1"/>
+              <a:t>même</a:t>
+            </a:r>
+            <a:r>
+              <a:rPr lang="en-GB" altLang="fr-FR" dirty="0"/>
+              <a:t> type</a:t>
+            </a:r>
+          </a:p>
+          <a:p>
+            <a:pPr lvl="1" eaLnBrk="1" hangingPunct="1">
+              <a:lnSpc>
+                <a:spcPct val="90000"/>
+              </a:lnSpc>
+            </a:pPr>
+            <a:r>
+              <a:rPr lang="en-GB" altLang="fr-FR" dirty="0" err="1"/>
+              <a:t>Voici</a:t>
+            </a:r>
+            <a:r>
+              <a:rPr lang="en-GB" altLang="fr-FR" dirty="0"/>
+              <a:t> </a:t>
+            </a:r>
+            <a:r>
+              <a:rPr lang="en-GB" altLang="fr-FR" dirty="0" err="1"/>
+              <a:t>une</a:t>
+            </a:r>
+            <a:r>
+              <a:rPr lang="en-GB" altLang="fr-FR" dirty="0"/>
+              <a:t> </a:t>
+            </a:r>
+            <a:r>
+              <a:rPr lang="en-GB" altLang="fr-FR" dirty="0" err="1"/>
+              <a:t>liste</a:t>
+            </a:r>
+            <a:r>
+              <a:rPr lang="en-GB" altLang="fr-FR" dirty="0"/>
+              <a:t> de 4 </a:t>
+            </a:r>
+            <a:r>
+              <a:rPr lang="en-GB" altLang="fr-FR" dirty="0" err="1"/>
+              <a:t>éléments</a:t>
+            </a:r>
+            <a:endParaRPr lang="en-GB" altLang="fr-FR" dirty="0"/>
+          </a:p>
+          <a:p>
+            <a:pPr lvl="1" eaLnBrk="1" hangingPunct="1">
+              <a:lnSpc>
+                <a:spcPct val="90000"/>
+              </a:lnSpc>
+            </a:pPr>
+            <a:r>
+              <a:rPr lang="en-GB" altLang="fr-FR" dirty="0"/>
+              <a:t>&gt;&gt;&gt;a = [‘spam’, ‘eggs’,100,1234]				  </a:t>
+            </a:r>
+          </a:p>
+          <a:p>
+            <a:pPr eaLnBrk="1" hangingPunct="1">
+              <a:lnSpc>
+                <a:spcPct val="90000"/>
+              </a:lnSpc>
+            </a:pPr>
+            <a:r>
+              <a:rPr lang="en-GB" altLang="fr-FR" dirty="0" err="1"/>
+              <a:t>Comme</a:t>
+            </a:r>
+            <a:r>
+              <a:rPr lang="en-GB" altLang="fr-FR" dirty="0"/>
+              <a:t> les indices des </a:t>
+            </a:r>
+            <a:r>
+              <a:rPr lang="en-GB" altLang="fr-FR" dirty="0" err="1"/>
+              <a:t>chaînes</a:t>
+            </a:r>
+            <a:r>
+              <a:rPr lang="en-GB" altLang="fr-FR" dirty="0"/>
+              <a:t>, les indices des </a:t>
+            </a:r>
+            <a:r>
+              <a:rPr lang="en-GB" altLang="fr-FR" dirty="0" err="1"/>
+              <a:t>listes</a:t>
+            </a:r>
+            <a:r>
+              <a:rPr lang="en-GB" altLang="fr-FR" dirty="0"/>
+              <a:t> </a:t>
+            </a:r>
+            <a:r>
+              <a:rPr lang="en-GB" altLang="fr-FR" dirty="0" err="1"/>
+              <a:t>commencent</a:t>
+            </a:r>
+            <a:r>
+              <a:rPr lang="en-GB" altLang="fr-FR" dirty="0"/>
+              <a:t> à 0, et les </a:t>
+            </a:r>
+            <a:r>
+              <a:rPr lang="en-GB" altLang="fr-FR" dirty="0" err="1"/>
+              <a:t>listes</a:t>
+            </a:r>
+            <a:r>
+              <a:rPr lang="en-GB" altLang="fr-FR" dirty="0"/>
+              <a:t> </a:t>
+            </a:r>
+            <a:r>
+              <a:rPr lang="en-GB" altLang="fr-FR" dirty="0" err="1"/>
+              <a:t>peuvent</a:t>
+            </a:r>
+            <a:r>
+              <a:rPr lang="en-GB" altLang="fr-FR" dirty="0"/>
+              <a:t> </a:t>
+            </a:r>
+            <a:r>
+              <a:rPr lang="en-GB" altLang="fr-FR" dirty="0" err="1"/>
+              <a:t>étre</a:t>
+            </a:r>
+            <a:r>
+              <a:rPr lang="en-GB" altLang="fr-FR" dirty="0"/>
+              <a:t> </a:t>
+            </a:r>
+            <a:r>
+              <a:rPr lang="en-GB" altLang="fr-FR" dirty="0" err="1"/>
+              <a:t>découpées</a:t>
+            </a:r>
+            <a:r>
+              <a:rPr lang="en-GB" altLang="fr-FR" dirty="0"/>
+              <a:t>, </a:t>
+            </a:r>
+            <a:r>
+              <a:rPr lang="en-GB" altLang="fr-FR" dirty="0" err="1"/>
+              <a:t>concaténées</a:t>
+            </a:r>
+            <a:endParaRPr lang="en-GB" altLang="fr-FR" dirty="0"/>
+          </a:p>
+          <a:p>
+            <a:pPr eaLnBrk="1" hangingPunct="1">
+              <a:lnSpc>
+                <a:spcPct val="90000"/>
+              </a:lnSpc>
+            </a:pPr>
+            <a:r>
+              <a:rPr lang="en-GB" altLang="fr-FR" dirty="0"/>
+              <a:t>Les </a:t>
+            </a:r>
+            <a:r>
+              <a:rPr lang="en-GB" altLang="fr-FR" dirty="0" err="1"/>
+              <a:t>listes</a:t>
+            </a:r>
+            <a:r>
+              <a:rPr lang="en-GB" altLang="fr-FR" dirty="0"/>
+              <a:t> </a:t>
+            </a:r>
+            <a:r>
+              <a:rPr lang="en-GB" altLang="fr-FR" dirty="0" err="1"/>
+              <a:t>sont</a:t>
+            </a:r>
+            <a:r>
+              <a:rPr lang="en-GB" altLang="fr-FR" b="1" dirty="0"/>
+              <a:t> </a:t>
+            </a:r>
+            <a:r>
+              <a:rPr lang="en-GB" altLang="fr-FR" b="1" dirty="0" err="1"/>
+              <a:t>modifiables</a:t>
+            </a:r>
+            <a:r>
+              <a:rPr lang="en-GB" altLang="fr-FR" dirty="0" err="1"/>
+              <a:t>,on</a:t>
+            </a:r>
+            <a:r>
+              <a:rPr lang="en-GB" altLang="fr-FR" dirty="0"/>
+              <a:t> </a:t>
+            </a:r>
+            <a:r>
+              <a:rPr lang="en-GB" altLang="fr-FR" dirty="0" err="1"/>
+              <a:t>peut</a:t>
+            </a:r>
+            <a:r>
+              <a:rPr lang="en-GB" altLang="fr-FR" dirty="0"/>
+              <a:t> </a:t>
+            </a:r>
+            <a:r>
+              <a:rPr lang="en-GB" altLang="fr-FR" dirty="0" err="1"/>
+              <a:t>donc</a:t>
+            </a:r>
+            <a:r>
+              <a:rPr lang="en-GB" altLang="fr-FR" dirty="0"/>
+              <a:t> changer les </a:t>
+            </a:r>
+            <a:r>
+              <a:rPr lang="en-GB" altLang="fr-FR" dirty="0" err="1"/>
+              <a:t>éléments</a:t>
+            </a:r>
+            <a:r>
+              <a:rPr lang="en-GB" altLang="fr-FR" dirty="0"/>
+              <a:t> </a:t>
+            </a:r>
+            <a:r>
+              <a:rPr lang="en-GB" altLang="fr-FR" dirty="0" err="1"/>
+              <a:t>individuellement</a:t>
+            </a:r>
+            <a:endParaRPr lang="fr-FR" dirty="0"/>
+          </a:p>
+        </p:txBody>
+      </p:sp>
+    </p:spTree>
+    <p:extLst>
+      <p:ext uri="{BB962C8B-B14F-4D97-AF65-F5344CB8AC3E}">
+        <p14:creationId xmlns:p14="http://schemas.microsoft.com/office/powerpoint/2010/main" val="613000178"/>
+      </p:ext>
+    </p:extLst>
+  </p:cSld>
+  <p:clrMapOvr>
+    <a:masterClrMapping/>
+  </p:clrMapOvr>
+  <p:timing>
+    <p:tnLst>
+      <p:par>
+        <p:cTn id="1" dur="indefinite" restart="never" nodeType="tmRoot"/>
+      </p:par>
+    </p:tnLst>
+  </p:timing>
+</p:sld>
+</file>
+
+<file path=ppt/slides/slide20.xml><?xml version="1.0" encoding="utf-8"?>
 <p:sld xmlns:a="http://schemas.openxmlformats.org/drawingml/2006/main" xmlns:r="http://schemas.openxmlformats.org/officeDocument/2006/relationships" xmlns:p="http://schemas.openxmlformats.org/presentationml/2006/main">
   <p:cSld>
     <p:spTree>
@@ -15909,7 +15616,7 @@
           <a:p>
             <a:r>
               <a:rPr lang="fr-FR" dirty="0"/>
-              <a:t>Filtre</a:t>
+              <a:t>Les listes en intention</a:t>
             </a:r>
           </a:p>
         </p:txBody>
@@ -15929,297 +15636,119 @@
           <a:bodyPr/>
           <a:lstStyle/>
           <a:p>
-            <a:pPr eaLnBrk="1" hangingPunct="1">
-              <a:spcBef>
-                <a:spcPts val="500"/>
-              </a:spcBef>
-              <a:spcAft>
-                <a:spcPts val="500"/>
-              </a:spcAft>
-            </a:pPr>
-            <a:r>
-              <a:rPr lang="en-GB" altLang="fr-FR" sz="2000" dirty="0"/>
-              <a:t>"filter(</a:t>
-            </a:r>
-            <a:r>
-              <a:rPr lang="en-GB" altLang="fr-FR" sz="2000" i="1" dirty="0" err="1"/>
-              <a:t>fonction</a:t>
-            </a:r>
-            <a:r>
-              <a:rPr lang="en-GB" altLang="fr-FR" sz="2000" dirty="0"/>
-              <a:t>, </a:t>
-            </a:r>
-            <a:r>
-              <a:rPr lang="en-GB" altLang="fr-FR" sz="2000" i="1" dirty="0"/>
-              <a:t>sequence</a:t>
-            </a:r>
-            <a:r>
-              <a:rPr lang="en-GB" altLang="fr-FR" sz="2000" dirty="0"/>
-              <a:t>)" </a:t>
-            </a:r>
-            <a:r>
-              <a:rPr lang="en-GB" altLang="fr-FR" sz="2000" dirty="0" err="1"/>
-              <a:t>renvoit</a:t>
-            </a:r>
-            <a:r>
-              <a:rPr lang="en-GB" altLang="fr-FR" sz="2000" dirty="0"/>
-              <a:t> </a:t>
-            </a:r>
-            <a:r>
-              <a:rPr lang="en-GB" altLang="fr-FR" sz="2000" dirty="0" err="1"/>
-              <a:t>une</a:t>
-            </a:r>
-            <a:r>
-              <a:rPr lang="en-GB" altLang="fr-FR" sz="2000" dirty="0"/>
-              <a:t> reference de </a:t>
-            </a:r>
-            <a:r>
-              <a:rPr lang="en-GB" altLang="fr-FR" sz="2000" dirty="0" err="1"/>
-              <a:t>liste</a:t>
-            </a:r>
-            <a:r>
-              <a:rPr lang="en-GB" altLang="fr-FR" sz="2000" dirty="0"/>
-              <a:t> (du </a:t>
-            </a:r>
-            <a:r>
-              <a:rPr lang="en-GB" altLang="fr-FR" sz="2000" dirty="0" err="1"/>
-              <a:t>même</a:t>
-            </a:r>
-            <a:r>
-              <a:rPr lang="en-GB" altLang="fr-FR" sz="2000" dirty="0"/>
-              <a:t> type, </a:t>
-            </a:r>
-            <a:r>
-              <a:rPr lang="en-GB" altLang="fr-FR" sz="2000" dirty="0" err="1"/>
-              <a:t>si</a:t>
-            </a:r>
-            <a:r>
-              <a:rPr lang="en-GB" altLang="fr-FR" sz="2000" dirty="0"/>
-              <a:t> possible) </a:t>
-            </a:r>
-            <a:r>
-              <a:rPr lang="en-GB" altLang="fr-FR" sz="2000" dirty="0" err="1"/>
-              <a:t>contenant</a:t>
-            </a:r>
-            <a:r>
-              <a:rPr lang="en-GB" altLang="fr-FR" sz="2000" dirty="0"/>
-              <a:t> les </a:t>
-            </a:r>
-            <a:r>
-              <a:rPr lang="en-GB" altLang="fr-FR" sz="2000" dirty="0" err="1"/>
-              <a:t>seul</a:t>
-            </a:r>
-            <a:r>
-              <a:rPr lang="en-GB" altLang="fr-FR" sz="2000" dirty="0"/>
-              <a:t> </a:t>
-            </a:r>
-            <a:r>
-              <a:rPr lang="en-GB" altLang="fr-FR" sz="2000" dirty="0" err="1"/>
-              <a:t>éléments</a:t>
-            </a:r>
-            <a:r>
-              <a:rPr lang="en-GB" altLang="fr-FR" sz="2000" dirty="0"/>
-              <a:t> de la </a:t>
-            </a:r>
-            <a:r>
-              <a:rPr lang="en-GB" altLang="fr-FR" sz="2000" dirty="0" err="1"/>
-              <a:t>séquence</a:t>
-            </a:r>
-            <a:r>
-              <a:rPr lang="en-GB" altLang="fr-FR" sz="2000" dirty="0"/>
-              <a:t> pour </a:t>
-            </a:r>
-            <a:r>
-              <a:rPr lang="en-GB" altLang="fr-FR" sz="2000" dirty="0" err="1"/>
-              <a:t>lesquels</a:t>
-            </a:r>
-            <a:r>
-              <a:rPr lang="en-GB" altLang="fr-FR" sz="2000" dirty="0"/>
-              <a:t> </a:t>
-            </a:r>
-            <a:r>
-              <a:rPr lang="en-GB" altLang="fr-FR" sz="2000" i="1" dirty="0" err="1">
-                <a:latin typeface="Courier New" panose="02070309020205020404" pitchFamily="49" charset="0"/>
-              </a:rPr>
-              <a:t>fonction</a:t>
-            </a:r>
-            <a:r>
-              <a:rPr lang="en-GB" altLang="fr-FR" sz="2000" dirty="0">
-                <a:latin typeface="Courier New" panose="02070309020205020404" pitchFamily="49" charset="0"/>
-              </a:rPr>
-              <a:t>(</a:t>
-            </a:r>
-            <a:r>
-              <a:rPr lang="en-GB" altLang="fr-FR" sz="2000" i="1" dirty="0">
-                <a:latin typeface="Courier New" panose="02070309020205020404" pitchFamily="49" charset="0"/>
-              </a:rPr>
-              <a:t>element</a:t>
-            </a:r>
-            <a:r>
-              <a:rPr lang="en-GB" altLang="fr-FR" sz="2000" dirty="0">
-                <a:latin typeface="Courier New" panose="02070309020205020404" pitchFamily="49" charset="0"/>
-              </a:rPr>
-              <a:t>) </a:t>
-            </a:r>
-            <a:r>
-              <a:rPr lang="en-GB" altLang="fr-FR" sz="2000" dirty="0" err="1">
-                <a:latin typeface="Courier New" panose="02070309020205020404" pitchFamily="49" charset="0"/>
-              </a:rPr>
-              <a:t>est</a:t>
-            </a:r>
-            <a:r>
-              <a:rPr lang="en-GB" altLang="fr-FR" sz="2000" dirty="0">
-                <a:latin typeface="Courier New" panose="02070309020205020404" pitchFamily="49" charset="0"/>
-              </a:rPr>
-              <a:t> </a:t>
-            </a:r>
-            <a:r>
-              <a:rPr lang="en-GB" altLang="fr-FR" sz="2000" dirty="0" err="1">
-                <a:latin typeface="Courier New" panose="02070309020205020404" pitchFamily="49" charset="0"/>
-              </a:rPr>
-              <a:t>vraie</a:t>
-            </a:r>
-            <a:r>
-              <a:rPr lang="en-GB" altLang="fr-FR" sz="2000" dirty="0">
-                <a:latin typeface="Courier New" panose="02070309020205020404" pitchFamily="49" charset="0"/>
-              </a:rPr>
-              <a:t>.</a:t>
-            </a:r>
-          </a:p>
-          <a:p>
-            <a:pPr eaLnBrk="1" hangingPunct="1">
-              <a:spcBef>
-                <a:spcPts val="500"/>
-              </a:spcBef>
-              <a:spcAft>
-                <a:spcPts val="500"/>
-              </a:spcAft>
-            </a:pPr>
-            <a:r>
-              <a:rPr lang="en-GB" altLang="fr-FR" sz="2000" dirty="0">
-                <a:latin typeface="Courier New" panose="02070309020205020404" pitchFamily="49" charset="0"/>
-              </a:rPr>
-              <a:t>Par </a:t>
-            </a:r>
-            <a:r>
-              <a:rPr lang="en-GB" altLang="fr-FR" sz="2000" dirty="0" err="1">
-                <a:latin typeface="Courier New" panose="02070309020205020404" pitchFamily="49" charset="0"/>
-              </a:rPr>
-              <a:t>exemple</a:t>
-            </a:r>
-            <a:r>
-              <a:rPr lang="en-GB" altLang="fr-FR" sz="2000" dirty="0">
-                <a:latin typeface="Courier New" panose="02070309020205020404" pitchFamily="49" charset="0"/>
-              </a:rPr>
-              <a:t>, pour </a:t>
-            </a:r>
-            <a:r>
-              <a:rPr lang="en-GB" altLang="fr-FR" sz="2000" dirty="0" err="1">
-                <a:latin typeface="Courier New" panose="02070309020205020404" pitchFamily="49" charset="0"/>
-              </a:rPr>
-              <a:t>calculer</a:t>
-            </a:r>
-            <a:r>
-              <a:rPr lang="en-GB" altLang="fr-FR" sz="2000" dirty="0">
-                <a:latin typeface="Courier New" panose="02070309020205020404" pitchFamily="49" charset="0"/>
-              </a:rPr>
-              <a:t> </a:t>
-            </a:r>
-            <a:r>
-              <a:rPr lang="en-GB" altLang="fr-FR" sz="2000" dirty="0" err="1">
-                <a:latin typeface="Courier New" panose="02070309020205020404" pitchFamily="49" charset="0"/>
-              </a:rPr>
-              <a:t>quelques</a:t>
-            </a:r>
-            <a:r>
-              <a:rPr lang="en-GB" altLang="fr-FR" sz="2000" dirty="0">
-                <a:latin typeface="Courier New" panose="02070309020205020404" pitchFamily="49" charset="0"/>
-              </a:rPr>
-              <a:t> </a:t>
-            </a:r>
-            <a:r>
-              <a:rPr lang="en-GB" altLang="fr-FR" sz="2000" dirty="0" err="1">
-                <a:latin typeface="Courier New" panose="02070309020205020404" pitchFamily="49" charset="0"/>
-              </a:rPr>
-              <a:t>nombres</a:t>
-            </a:r>
-            <a:r>
-              <a:rPr lang="en-GB" altLang="fr-FR" sz="2000" dirty="0">
-                <a:latin typeface="Courier New" panose="02070309020205020404" pitchFamily="49" charset="0"/>
-              </a:rPr>
-              <a:t> premiers: </a:t>
-            </a:r>
-          </a:p>
-          <a:p>
-            <a:pPr lvl="2" eaLnBrk="1" hangingPunct="1">
-              <a:spcBef>
-                <a:spcPct val="0"/>
-              </a:spcBef>
-            </a:pPr>
-            <a:r>
-              <a:rPr lang="en-GB" altLang="fr-FR" dirty="0">
-                <a:solidFill>
-                  <a:schemeClr val="accent2"/>
-                </a:solidFill>
-                <a:latin typeface="Courier New" panose="02070309020205020404" pitchFamily="49" charset="0"/>
-              </a:rPr>
-              <a:t>&gt;&gt;&gt; def f(x): return x%2 != 0 and x%3 != 0</a:t>
-            </a:r>
-          </a:p>
-          <a:p>
-            <a:pPr lvl="2" eaLnBrk="1" hangingPunct="1">
-              <a:spcBef>
-                <a:spcPct val="0"/>
-              </a:spcBef>
-            </a:pPr>
-            <a:r>
-              <a:rPr lang="en-GB" altLang="fr-FR" dirty="0">
-                <a:solidFill>
-                  <a:schemeClr val="accent2"/>
-                </a:solidFill>
-                <a:latin typeface="Courier New" panose="02070309020205020404" pitchFamily="49" charset="0"/>
-              </a:rPr>
-              <a:t>...</a:t>
-            </a:r>
-          </a:p>
-          <a:p>
-            <a:pPr lvl="2" eaLnBrk="1" hangingPunct="1">
-              <a:spcBef>
-                <a:spcPct val="0"/>
-              </a:spcBef>
-            </a:pPr>
-            <a:r>
-              <a:rPr lang="en-GB" altLang="fr-FR" dirty="0">
-                <a:solidFill>
-                  <a:schemeClr val="accent2"/>
-                </a:solidFill>
-                <a:latin typeface="Courier New" panose="02070309020205020404" pitchFamily="49" charset="0"/>
-              </a:rPr>
-              <a:t>&gt;&gt;&gt; filter(f, range(2, 25))</a:t>
-            </a:r>
-          </a:p>
-          <a:p>
-            <a:pPr lvl="2" eaLnBrk="1" hangingPunct="1">
-              <a:spcBef>
-                <a:spcPct val="0"/>
-              </a:spcBef>
-            </a:pPr>
-            <a:r>
-              <a:rPr lang="en-GB" altLang="fr-FR" dirty="0">
-                <a:solidFill>
-                  <a:schemeClr val="accent2"/>
-                </a:solidFill>
-                <a:latin typeface="Courier New" panose="02070309020205020404" pitchFamily="49" charset="0"/>
-              </a:rPr>
-              <a:t>[5, 7, 11, 13, 17, 19, 23]</a:t>
-            </a:r>
+            <a:r>
+              <a:rPr lang="fr-FR" dirty="0"/>
+              <a:t>Une boucle classique </a:t>
+            </a:r>
+          </a:p>
+          <a:p>
+            <a:pPr lvl="2"/>
+            <a:endParaRPr lang="fr-FR" dirty="0"/>
+          </a:p>
+          <a:p>
+            <a:pPr lvl="2"/>
+            <a:endParaRPr lang="fr-FR" dirty="0"/>
+          </a:p>
+          <a:p>
+            <a:pPr lvl="2"/>
+            <a:endParaRPr lang="fr-FR" dirty="0"/>
+          </a:p>
+          <a:p>
+            <a:r>
+              <a:rPr lang="fr-FR" dirty="0"/>
+              <a:t>Peut se réécrire en liste en intention</a:t>
+            </a:r>
+          </a:p>
+          <a:p>
+            <a:endParaRPr lang="fr-FR" dirty="0"/>
+          </a:p>
+          <a:p>
+            <a:endParaRPr lang="fr-FR" dirty="0"/>
+          </a:p>
+          <a:p>
+            <a:pPr lvl="1"/>
+            <a:r>
+              <a:rPr lang="fr-FR" dirty="0"/>
+              <a:t>Combinable avec </a:t>
+            </a:r>
+            <a:r>
+              <a:rPr lang="fr-FR" dirty="0" err="1"/>
+              <a:t>filter</a:t>
+            </a:r>
+            <a:endParaRPr lang="fr-FR" dirty="0"/>
+          </a:p>
+          <a:p>
+            <a:r>
+              <a:rPr lang="fr-FR" dirty="0"/>
+              <a:t>Permet d’effectuer une opération directement sur une liste</a:t>
+            </a:r>
+          </a:p>
+          <a:p>
+            <a:pPr lvl="1"/>
+            <a:r>
+              <a:rPr lang="fr-FR" dirty="0"/>
+              <a:t>Utilisation d’un </a:t>
+            </a:r>
+            <a:r>
+              <a:rPr lang="fr-FR" dirty="0" err="1"/>
+              <a:t>map</a:t>
+            </a:r>
+            <a:endParaRPr lang="fr-FR" dirty="0"/>
           </a:p>
         </p:txBody>
       </p:sp>
+      <p:pic>
+        <p:nvPicPr>
+          <p:cNvPr id="4" name="Image 3"/>
+          <p:cNvPicPr>
+            <a:picLocks noChangeAspect="1"/>
+          </p:cNvPicPr>
+          <p:nvPr/>
+        </p:nvPicPr>
+        <p:blipFill>
+          <a:blip r:embed="rId2"/>
+          <a:stretch>
+            <a:fillRect/>
+          </a:stretch>
+        </p:blipFill>
+        <p:spPr>
+          <a:xfrm>
+            <a:off x="3059832" y="2060848"/>
+            <a:ext cx="2256530" cy="895722"/>
+          </a:xfrm>
+          <a:prstGeom prst="rect">
+            <a:avLst/>
+          </a:prstGeom>
+        </p:spPr>
+      </p:pic>
+      <p:pic>
+        <p:nvPicPr>
+          <p:cNvPr id="5" name="Image 4"/>
+          <p:cNvPicPr>
+            <a:picLocks noChangeAspect="1"/>
+          </p:cNvPicPr>
+          <p:nvPr/>
+        </p:nvPicPr>
+        <p:blipFill>
+          <a:blip r:embed="rId3"/>
+          <a:stretch>
+            <a:fillRect/>
+          </a:stretch>
+        </p:blipFill>
+        <p:spPr>
+          <a:xfrm>
+            <a:off x="2641100" y="3604642"/>
+            <a:ext cx="3842873" cy="989831"/>
+          </a:xfrm>
+          <a:prstGeom prst="rect">
+            <a:avLst/>
+          </a:prstGeom>
+        </p:spPr>
+      </p:pic>
     </p:spTree>
     <p:extLst>
       <p:ext uri="{BB962C8B-B14F-4D97-AF65-F5344CB8AC3E}">
-        <p14:creationId xmlns:p14="http://schemas.microsoft.com/office/powerpoint/2010/main" val="3417084078"/>
+        <p14:creationId xmlns:p14="http://schemas.microsoft.com/office/powerpoint/2010/main" val="984881001"/>
       </p:ext>
     </p:extLst>
   </p:cSld>

--- a/ppt/Python07-ComplexTypes.pptx
+++ b/ppt/Python07-ComplexTypes.pptx
@@ -3748,13 +3748,6 @@
   <p:clrMapOvr>
     <a:masterClrMapping/>
   </p:clrMapOvr>
-  <p:timing>
-    <p:tnLst>
-      <p:par>
-        <p:cTn id="1" dur="indefinite" restart="never" nodeType="tmRoot"/>
-      </p:par>
-    </p:tnLst>
-  </p:timing>
 </p:sld>
 </file>
 
@@ -3855,13 +3848,6 @@
   <p:clrMapOvr>
     <a:masterClrMapping/>
   </p:clrMapOvr>
-  <p:timing>
-    <p:tnLst>
-      <p:par>
-        <p:cTn id="1" dur="indefinite" restart="never" nodeType="tmRoot"/>
-      </p:par>
-    </p:tnLst>
-  </p:timing>
 </p:sld>
 </file>
 
@@ -6245,13 +6231,6 @@
   <p:clrMapOvr>
     <a:masterClrMapping/>
   </p:clrMapOvr>
-  <p:timing>
-    <p:tnLst>
-      <p:par>
-        <p:cTn id="1" dur="indefinite" restart="never" nodeType="tmRoot"/>
-      </p:par>
-    </p:tnLst>
-  </p:timing>
 </p:sld>
 </file>
 
@@ -9576,13 +9555,6 @@
   <p:clrMapOvr>
     <a:masterClrMapping/>
   </p:clrMapOvr>
-  <p:timing>
-    <p:tnLst>
-      <p:par>
-        <p:cTn id="1" dur="indefinite" restart="never" nodeType="tmRoot"/>
-      </p:par>
-    </p:tnLst>
-  </p:timing>
 </p:sld>
 </file>
 
@@ -9649,12 +9621,8 @@
               </a:spcAft>
             </a:pPr>
             <a:r>
-              <a:rPr lang="en-GB" altLang="fr-FR" dirty="0" smtClean="0"/>
-              <a:t>Les </a:t>
-            </a:r>
-            <a:r>
               <a:rPr lang="en-GB" altLang="fr-FR" dirty="0" err="1"/>
-              <a:t>opérateurs</a:t>
+              <a:t>L’opérateurs</a:t>
             </a:r>
             <a:r>
               <a:rPr lang="en-GB" altLang="fr-FR" dirty="0"/>
@@ -9666,11 +9634,23 @@
             </a:r>
             <a:r>
               <a:rPr lang="en-GB" altLang="fr-FR" dirty="0"/>
-              <a:t> et </a:t>
-            </a:r>
-            <a:r>
-              <a:rPr lang="en-GB" altLang="fr-FR" b="1" dirty="0"/>
-              <a:t>is not</a:t>
+              <a:t> </a:t>
+            </a:r>
+            <a:r>
+              <a:rPr lang="en-GB" altLang="fr-FR" dirty="0" err="1"/>
+              <a:t>vérifie</a:t>
+            </a:r>
+            <a:r>
+              <a:rPr lang="en-GB" altLang="fr-FR"/>
+              <a:t> si</a:t>
+            </a:r>
+            <a:r>
+              <a:rPr lang="en-GB" altLang="fr-FR" dirty="0"/>
+              <a:t> deux </a:t>
+            </a:r>
+            <a:r>
+              <a:rPr lang="en-GB" altLang="fr-FR" dirty="0" err="1"/>
+              <a:t>objets</a:t>
             </a:r>
             <a:r>
               <a:rPr lang="en-GB" altLang="fr-FR" dirty="0"/>
@@ -9678,7 +9658,7 @@
             </a:r>
             <a:r>
               <a:rPr lang="en-GB" altLang="fr-FR" dirty="0" err="1"/>
-              <a:t>vérifient</a:t>
+              <a:t>sont</a:t>
             </a:r>
             <a:r>
               <a:rPr lang="en-GB" altLang="fr-FR" dirty="0"/>
@@ -9686,38 +9666,6 @@
             </a:r>
             <a:r>
               <a:rPr lang="en-GB" altLang="fr-FR" dirty="0" err="1"/>
-              <a:t>si</a:t>
-            </a:r>
-            <a:r>
-              <a:rPr lang="en-GB" altLang="fr-FR" dirty="0"/>
-              <a:t> </a:t>
-            </a:r>
-            <a:r>
-              <a:rPr lang="en-GB" altLang="fr-FR" dirty="0" err="1"/>
-              <a:t>deux</a:t>
-            </a:r>
-            <a:r>
-              <a:rPr lang="en-GB" altLang="fr-FR" dirty="0"/>
-              <a:t> </a:t>
-            </a:r>
-            <a:r>
-              <a:rPr lang="en-GB" altLang="fr-FR" dirty="0" err="1"/>
-              <a:t>objets</a:t>
-            </a:r>
-            <a:r>
-              <a:rPr lang="en-GB" altLang="fr-FR" dirty="0"/>
-              <a:t> </a:t>
-            </a:r>
-            <a:r>
-              <a:rPr lang="en-GB" altLang="fr-FR" dirty="0" err="1"/>
-              <a:t>sont</a:t>
-            </a:r>
-            <a:r>
-              <a:rPr lang="en-GB" altLang="fr-FR" dirty="0"/>
-              <a:t> </a:t>
-            </a:r>
-            <a:r>
-              <a:rPr lang="en-GB" altLang="fr-FR" dirty="0" err="1"/>
               <a:t>réellement</a:t>
             </a:r>
             <a:r>
@@ -9732,69 +9680,6 @@
               <a:rPr lang="en-GB" altLang="fr-FR" dirty="0"/>
               <a:t> objet</a:t>
             </a:r>
-          </a:p>
-          <a:p>
-            <a:pPr lvl="1" eaLnBrk="1" hangingPunct="1">
-              <a:spcBef>
-                <a:spcPts val="500"/>
-              </a:spcBef>
-              <a:spcAft>
-                <a:spcPts val="500"/>
-              </a:spcAft>
-            </a:pPr>
-            <a:r>
-              <a:rPr lang="en-GB" altLang="fr-FR" dirty="0" err="1"/>
-              <a:t>ceci</a:t>
-            </a:r>
-            <a:r>
-              <a:rPr lang="en-GB" altLang="fr-FR" dirty="0"/>
-              <a:t> se </a:t>
-            </a:r>
-            <a:r>
-              <a:rPr lang="en-GB" altLang="fr-FR" dirty="0" err="1"/>
-              <a:t>justifie</a:t>
-            </a:r>
-            <a:r>
-              <a:rPr lang="en-GB" altLang="fr-FR" dirty="0"/>
-              <a:t> </a:t>
-            </a:r>
-            <a:r>
-              <a:rPr lang="en-GB" altLang="fr-FR" dirty="0" err="1"/>
-              <a:t>seulement</a:t>
-            </a:r>
-            <a:r>
-              <a:rPr lang="en-GB" altLang="fr-FR" dirty="0"/>
-              <a:t> pour les </a:t>
-            </a:r>
-            <a:r>
-              <a:rPr lang="en-GB" altLang="fr-FR" dirty="0" err="1"/>
-              <a:t>objets</a:t>
-            </a:r>
-            <a:r>
-              <a:rPr lang="en-GB" altLang="fr-FR" dirty="0"/>
-              <a:t> </a:t>
-            </a:r>
-            <a:r>
-              <a:rPr lang="en-GB" altLang="fr-FR" dirty="0" err="1"/>
-              <a:t>modifiables</a:t>
-            </a:r>
-            <a:r>
-              <a:rPr lang="en-GB" altLang="fr-FR" dirty="0"/>
-              <a:t> </a:t>
-            </a:r>
-            <a:r>
-              <a:rPr lang="en-GB" altLang="fr-FR" dirty="0" err="1"/>
-              <a:t>comme</a:t>
-            </a:r>
-            <a:r>
-              <a:rPr lang="en-GB" altLang="fr-FR" dirty="0"/>
-              <a:t> les </a:t>
-            </a:r>
-            <a:r>
-              <a:rPr lang="en-GB" altLang="fr-FR" dirty="0" err="1"/>
-              <a:t>listes</a:t>
-            </a:r>
-            <a:endParaRPr lang="en-GB" altLang="fr-FR" dirty="0"/>
           </a:p>
           <a:p>
             <a:pPr eaLnBrk="1" hangingPunct="1">
@@ -9904,13 +9789,6 @@
   <p:clrMapOvr>
     <a:masterClrMapping/>
   </p:clrMapOvr>
-  <p:timing>
-    <p:tnLst>
-      <p:par>
-        <p:cTn id="1" dur="indefinite" restart="never" nodeType="tmRoot"/>
-      </p:par>
-    </p:tnLst>
-  </p:timing>
 </p:sld>
 </file>
 
@@ -10148,13 +10026,6 @@
   <p:clrMapOvr>
     <a:masterClrMapping/>
   </p:clrMapOvr>
-  <p:timing>
-    <p:tnLst>
-      <p:par>
-        <p:cTn id="1" dur="indefinite" restart="never" nodeType="tmRoot"/>
-      </p:par>
-    </p:tnLst>
-  </p:timing>
 </p:sld>
 </file>
 
@@ -10722,13 +10593,6 @@
   <p:clrMapOvr>
     <a:masterClrMapping/>
   </p:clrMapOvr>
-  <p:timing>
-    <p:tnLst>
-      <p:par>
-        <p:cTn id="1" dur="indefinite" restart="never" nodeType="tmRoot"/>
-      </p:par>
-    </p:tnLst>
-  </p:timing>
 </p:sld>
 </file>
 
@@ -11611,13 +11475,6 @@
   <p:clrMapOvr>
     <a:masterClrMapping/>
   </p:clrMapOvr>
-  <p:timing>
-    <p:tnLst>
-      <p:par>
-        <p:cTn id="1" dur="indefinite" restart="never" nodeType="tmRoot"/>
-      </p:par>
-    </p:tnLst>
-  </p:timing>
 </p:sld>
 </file>
 
@@ -12015,13 +11872,6 @@
   <p:clrMapOvr>
     <a:masterClrMapping/>
   </p:clrMapOvr>
-  <p:timing>
-    <p:tnLst>
-      <p:par>
-        <p:cTn id="1" dur="indefinite" restart="never" nodeType="tmRoot"/>
-      </p:par>
-    </p:tnLst>
-  </p:timing>
 </p:sld>
 </file>
 
@@ -12160,13 +12010,6 @@
   <p:clrMapOvr>
     <a:masterClrMapping/>
   </p:clrMapOvr>
-  <p:timing>
-    <p:tnLst>
-      <p:par>
-        <p:cTn id="1" dur="indefinite" restart="never" nodeType="tmRoot"/>
-      </p:par>
-    </p:tnLst>
-  </p:timing>
 </p:sld>
 </file>
 
@@ -14631,13 +14474,6 @@
   <p:clrMapOvr>
     <a:masterClrMapping/>
   </p:clrMapOvr>
-  <p:timing>
-    <p:tnLst>
-      <p:par>
-        <p:cTn id="1" dur="indefinite" restart="never" nodeType="tmRoot"/>
-      </p:par>
-    </p:tnLst>
-  </p:timing>
 </p:sld>
 </file>
 
@@ -14868,13 +14704,6 @@
   <p:clrMapOvr>
     <a:masterClrMapping/>
   </p:clrMapOvr>
-  <p:timing>
-    <p:tnLst>
-      <p:par>
-        <p:cTn id="1" dur="indefinite" restart="never" nodeType="tmRoot"/>
-      </p:par>
-    </p:tnLst>
-  </p:timing>
 </p:sld>
 </file>
 
@@ -15755,13 +15584,6 @@
   <p:clrMapOvr>
     <a:masterClrMapping/>
   </p:clrMapOvr>
-  <p:timing>
-    <p:tnLst>
-      <p:par>
-        <p:cTn id="1" dur="indefinite" restart="never" nodeType="tmRoot"/>
-      </p:par>
-    </p:tnLst>
-  </p:timing>
 </p:sld>
 </file>
 

--- a/ppt/Python07-ComplexTypes.pptx
+++ b/ppt/Python07-ComplexTypes.pptx
@@ -9641,8 +9641,12 @@
               <a:t>vérifie</a:t>
             </a:r>
             <a:r>
-              <a:rPr lang="en-GB" altLang="fr-FR"/>
-              <a:t> si</a:t>
+              <a:rPr lang="en-GB" altLang="fr-FR" dirty="0"/>
+              <a:t> </a:t>
+            </a:r>
+            <a:r>
+              <a:rPr lang="en-GB" altLang="fr-FR" dirty="0" err="1"/>
+              <a:t>si</a:t>
             </a:r>
             <a:r>
               <a:rPr lang="en-GB" altLang="fr-FR" dirty="0"/>
